--- a/0090_ber/rtl/schematic/handle_7seg.pptx
+++ b/0090_ber/rtl/schematic/handle_7seg.pptx
@@ -2,7 +2,7 @@
 <file path=ppt/presentation.xml><?xml version="1.0" encoding="utf-8"?>
 <p:presentation xmlns:a="http://schemas.openxmlformats.org/drawingml/2006/main" xmlns:r="http://schemas.openxmlformats.org/officeDocument/2006/relationships" xmlns:p="http://schemas.openxmlformats.org/presentationml/2006/main" saveSubsetFonts="1">
   <p:sldMasterIdLst>
-    <p:sldMasterId id="2147484333" r:id="rId1"/>
+    <p:sldMasterId id="2147484345" r:id="rId1"/>
   </p:sldMasterIdLst>
   <p:notesMasterIdLst>
     <p:notesMasterId r:id="rId3"/>
@@ -10,14 +10,14 @@
   <p:sldIdLst>
     <p:sldId id="262" r:id="rId2"/>
   </p:sldIdLst>
-  <p:sldSz cx="20116800" cy="13716000"/>
+  <p:sldSz cx="19202400" cy="12801600"/>
   <p:notesSz cx="6797675" cy="9926638"/>
   <p:defaultTextStyle>
     <a:defPPr>
       <a:defRPr lang="en-US"/>
     </a:defPPr>
-    <a:lvl1pPr marL="0" algn="l" defTabSz="811228" rtl="0" eaLnBrk="1" latinLnBrk="0" hangingPunct="1">
-      <a:defRPr sz="1596" kern="1200">
+    <a:lvl1pPr marL="0" algn="l" defTabSz="767341" rtl="0" eaLnBrk="1" latinLnBrk="0" hangingPunct="1">
+      <a:defRPr sz="1510" kern="1200">
         <a:solidFill>
           <a:schemeClr val="tx1"/>
         </a:solidFill>
@@ -26,8 +26,8 @@
         <a:cs typeface="+mn-cs"/>
       </a:defRPr>
     </a:lvl1pPr>
-    <a:lvl2pPr marL="405613" algn="l" defTabSz="811228" rtl="0" eaLnBrk="1" latinLnBrk="0" hangingPunct="1">
-      <a:defRPr sz="1596" kern="1200">
+    <a:lvl2pPr marL="383669" algn="l" defTabSz="767341" rtl="0" eaLnBrk="1" latinLnBrk="0" hangingPunct="1">
+      <a:defRPr sz="1510" kern="1200">
         <a:solidFill>
           <a:schemeClr val="tx1"/>
         </a:solidFill>
@@ -36,8 +36,8 @@
         <a:cs typeface="+mn-cs"/>
       </a:defRPr>
     </a:lvl2pPr>
-    <a:lvl3pPr marL="811228" algn="l" defTabSz="811228" rtl="0" eaLnBrk="1" latinLnBrk="0" hangingPunct="1">
-      <a:defRPr sz="1596" kern="1200">
+    <a:lvl3pPr marL="767341" algn="l" defTabSz="767341" rtl="0" eaLnBrk="1" latinLnBrk="0" hangingPunct="1">
+      <a:defRPr sz="1510" kern="1200">
         <a:solidFill>
           <a:schemeClr val="tx1"/>
         </a:solidFill>
@@ -46,8 +46,8 @@
         <a:cs typeface="+mn-cs"/>
       </a:defRPr>
     </a:lvl3pPr>
-    <a:lvl4pPr marL="1216842" algn="l" defTabSz="811228" rtl="0" eaLnBrk="1" latinLnBrk="0" hangingPunct="1">
-      <a:defRPr sz="1596" kern="1200">
+    <a:lvl4pPr marL="1151011" algn="l" defTabSz="767341" rtl="0" eaLnBrk="1" latinLnBrk="0" hangingPunct="1">
+      <a:defRPr sz="1510" kern="1200">
         <a:solidFill>
           <a:schemeClr val="tx1"/>
         </a:solidFill>
@@ -56,8 +56,8 @@
         <a:cs typeface="+mn-cs"/>
       </a:defRPr>
     </a:lvl4pPr>
-    <a:lvl5pPr marL="1622453" algn="l" defTabSz="811228" rtl="0" eaLnBrk="1" latinLnBrk="0" hangingPunct="1">
-      <a:defRPr sz="1596" kern="1200">
+    <a:lvl5pPr marL="1534678" algn="l" defTabSz="767341" rtl="0" eaLnBrk="1" latinLnBrk="0" hangingPunct="1">
+      <a:defRPr sz="1510" kern="1200">
         <a:solidFill>
           <a:schemeClr val="tx1"/>
         </a:solidFill>
@@ -66,8 +66,8 @@
         <a:cs typeface="+mn-cs"/>
       </a:defRPr>
     </a:lvl5pPr>
-    <a:lvl6pPr marL="2028069" algn="l" defTabSz="811228" rtl="0" eaLnBrk="1" latinLnBrk="0" hangingPunct="1">
-      <a:defRPr sz="1596" kern="1200">
+    <a:lvl6pPr marL="1918350" algn="l" defTabSz="767341" rtl="0" eaLnBrk="1" latinLnBrk="0" hangingPunct="1">
+      <a:defRPr sz="1510" kern="1200">
         <a:solidFill>
           <a:schemeClr val="tx1"/>
         </a:solidFill>
@@ -76,8 +76,8 @@
         <a:cs typeface="+mn-cs"/>
       </a:defRPr>
     </a:lvl6pPr>
-    <a:lvl7pPr marL="2433683" algn="l" defTabSz="811228" rtl="0" eaLnBrk="1" latinLnBrk="0" hangingPunct="1">
-      <a:defRPr sz="1596" kern="1200">
+    <a:lvl7pPr marL="2302021" algn="l" defTabSz="767341" rtl="0" eaLnBrk="1" latinLnBrk="0" hangingPunct="1">
+      <a:defRPr sz="1510" kern="1200">
         <a:solidFill>
           <a:schemeClr val="tx1"/>
         </a:solidFill>
@@ -86,8 +86,8 @@
         <a:cs typeface="+mn-cs"/>
       </a:defRPr>
     </a:lvl7pPr>
-    <a:lvl8pPr marL="2839297" algn="l" defTabSz="811228" rtl="0" eaLnBrk="1" latinLnBrk="0" hangingPunct="1">
-      <a:defRPr sz="1596" kern="1200">
+    <a:lvl8pPr marL="2685691" algn="l" defTabSz="767341" rtl="0" eaLnBrk="1" latinLnBrk="0" hangingPunct="1">
+      <a:defRPr sz="1510" kern="1200">
         <a:solidFill>
           <a:schemeClr val="tx1"/>
         </a:solidFill>
@@ -96,8 +96,8 @@
         <a:cs typeface="+mn-cs"/>
       </a:defRPr>
     </a:lvl8pPr>
-    <a:lvl9pPr marL="3244909" algn="l" defTabSz="811228" rtl="0" eaLnBrk="1" latinLnBrk="0" hangingPunct="1">
-      <a:defRPr sz="1596" kern="1200">
+    <a:lvl9pPr marL="3069359" algn="l" defTabSz="767341" rtl="0" eaLnBrk="1" latinLnBrk="0" hangingPunct="1">
+      <a:defRPr sz="1510" kern="1200">
         <a:solidFill>
           <a:schemeClr val="tx1"/>
         </a:solidFill>
@@ -197,7 +197,7 @@
           <a:p>
             <a:fld id="{B9E5BF02-4A65-43B2-AA51-912306618617}" type="datetimeFigureOut">
               <a:rPr lang="en-US" smtClean="0"/>
-              <a:t>10/5/2017</a:t>
+              <a:t>10/6/2017</a:t>
             </a:fld>
             <a:endParaRPr lang="en-US"/>
           </a:p>
@@ -215,8 +215,8 @@
         </p:nvSpPr>
         <p:spPr>
           <a:xfrm>
-            <a:off x="942975" y="1241425"/>
-            <a:ext cx="4911725" cy="3349625"/>
+            <a:off x="887413" y="1241425"/>
+            <a:ext cx="5022850" cy="3349625"/>
           </a:xfrm>
           <a:prstGeom prst="rect">
             <a:avLst/>
@@ -371,8 +371,8 @@
   </p:cSld>
   <p:clrMap bg1="lt1" tx1="dk1" bg2="lt2" tx2="dk2" accent1="accent1" accent2="accent2" accent3="accent3" accent4="accent4" accent5="accent5" accent6="accent6" hlink="hlink" folHlink="folHlink"/>
   <p:notesStyle>
-    <a:lvl1pPr marL="0" algn="l" defTabSz="811228" rtl="0" eaLnBrk="1" latinLnBrk="0" hangingPunct="1">
-      <a:defRPr sz="1065" kern="1200">
+    <a:lvl1pPr marL="0" algn="l" defTabSz="767341" rtl="0" eaLnBrk="1" latinLnBrk="0" hangingPunct="1">
+      <a:defRPr sz="1007" kern="1200">
         <a:solidFill>
           <a:schemeClr val="tx1"/>
         </a:solidFill>
@@ -381,8 +381,8 @@
         <a:cs typeface="+mn-cs"/>
       </a:defRPr>
     </a:lvl1pPr>
-    <a:lvl2pPr marL="405613" algn="l" defTabSz="811228" rtl="0" eaLnBrk="1" latinLnBrk="0" hangingPunct="1">
-      <a:defRPr sz="1065" kern="1200">
+    <a:lvl2pPr marL="383669" algn="l" defTabSz="767341" rtl="0" eaLnBrk="1" latinLnBrk="0" hangingPunct="1">
+      <a:defRPr sz="1007" kern="1200">
         <a:solidFill>
           <a:schemeClr val="tx1"/>
         </a:solidFill>
@@ -391,8 +391,8 @@
         <a:cs typeface="+mn-cs"/>
       </a:defRPr>
     </a:lvl2pPr>
-    <a:lvl3pPr marL="811228" algn="l" defTabSz="811228" rtl="0" eaLnBrk="1" latinLnBrk="0" hangingPunct="1">
-      <a:defRPr sz="1065" kern="1200">
+    <a:lvl3pPr marL="767341" algn="l" defTabSz="767341" rtl="0" eaLnBrk="1" latinLnBrk="0" hangingPunct="1">
+      <a:defRPr sz="1007" kern="1200">
         <a:solidFill>
           <a:schemeClr val="tx1"/>
         </a:solidFill>
@@ -401,8 +401,8 @@
         <a:cs typeface="+mn-cs"/>
       </a:defRPr>
     </a:lvl3pPr>
-    <a:lvl4pPr marL="1216842" algn="l" defTabSz="811228" rtl="0" eaLnBrk="1" latinLnBrk="0" hangingPunct="1">
-      <a:defRPr sz="1065" kern="1200">
+    <a:lvl4pPr marL="1151011" algn="l" defTabSz="767341" rtl="0" eaLnBrk="1" latinLnBrk="0" hangingPunct="1">
+      <a:defRPr sz="1007" kern="1200">
         <a:solidFill>
           <a:schemeClr val="tx1"/>
         </a:solidFill>
@@ -411,8 +411,8 @@
         <a:cs typeface="+mn-cs"/>
       </a:defRPr>
     </a:lvl4pPr>
-    <a:lvl5pPr marL="1622453" algn="l" defTabSz="811228" rtl="0" eaLnBrk="1" latinLnBrk="0" hangingPunct="1">
-      <a:defRPr sz="1065" kern="1200">
+    <a:lvl5pPr marL="1534678" algn="l" defTabSz="767341" rtl="0" eaLnBrk="1" latinLnBrk="0" hangingPunct="1">
+      <a:defRPr sz="1007" kern="1200">
         <a:solidFill>
           <a:schemeClr val="tx1"/>
         </a:solidFill>
@@ -421,8 +421,8 @@
         <a:cs typeface="+mn-cs"/>
       </a:defRPr>
     </a:lvl5pPr>
-    <a:lvl6pPr marL="2028069" algn="l" defTabSz="811228" rtl="0" eaLnBrk="1" latinLnBrk="0" hangingPunct="1">
-      <a:defRPr sz="1065" kern="1200">
+    <a:lvl6pPr marL="1918350" algn="l" defTabSz="767341" rtl="0" eaLnBrk="1" latinLnBrk="0" hangingPunct="1">
+      <a:defRPr sz="1007" kern="1200">
         <a:solidFill>
           <a:schemeClr val="tx1"/>
         </a:solidFill>
@@ -431,8 +431,8 @@
         <a:cs typeface="+mn-cs"/>
       </a:defRPr>
     </a:lvl6pPr>
-    <a:lvl7pPr marL="2433683" algn="l" defTabSz="811228" rtl="0" eaLnBrk="1" latinLnBrk="0" hangingPunct="1">
-      <a:defRPr sz="1065" kern="1200">
+    <a:lvl7pPr marL="2302021" algn="l" defTabSz="767341" rtl="0" eaLnBrk="1" latinLnBrk="0" hangingPunct="1">
+      <a:defRPr sz="1007" kern="1200">
         <a:solidFill>
           <a:schemeClr val="tx1"/>
         </a:solidFill>
@@ -441,8 +441,8 @@
         <a:cs typeface="+mn-cs"/>
       </a:defRPr>
     </a:lvl7pPr>
-    <a:lvl8pPr marL="2839297" algn="l" defTabSz="811228" rtl="0" eaLnBrk="1" latinLnBrk="0" hangingPunct="1">
-      <a:defRPr sz="1065" kern="1200">
+    <a:lvl8pPr marL="2685691" algn="l" defTabSz="767341" rtl="0" eaLnBrk="1" latinLnBrk="0" hangingPunct="1">
+      <a:defRPr sz="1007" kern="1200">
         <a:solidFill>
           <a:schemeClr val="tx1"/>
         </a:solidFill>
@@ -451,8 +451,8 @@
         <a:cs typeface="+mn-cs"/>
       </a:defRPr>
     </a:lvl8pPr>
-    <a:lvl9pPr marL="3244909" algn="l" defTabSz="811228" rtl="0" eaLnBrk="1" latinLnBrk="0" hangingPunct="1">
-      <a:defRPr sz="1065" kern="1200">
+    <a:lvl9pPr marL="3069359" algn="l" defTabSz="767341" rtl="0" eaLnBrk="1" latinLnBrk="0" hangingPunct="1">
+      <a:defRPr sz="1007" kern="1200">
         <a:solidFill>
           <a:schemeClr val="tx1"/>
         </a:solidFill>
@@ -494,8 +494,8 @@
         </p:nvSpPr>
         <p:spPr>
           <a:xfrm>
-            <a:off x="942975" y="1241425"/>
-            <a:ext cx="4911725" cy="3349625"/>
+            <a:off x="887413" y="1241425"/>
+            <a:ext cx="5022850" cy="3349625"/>
           </a:xfrm>
         </p:spPr>
       </p:sp>
@@ -583,15 +583,15 @@
         </p:nvSpPr>
         <p:spPr>
           <a:xfrm>
-            <a:off x="1508760" y="2244726"/>
-            <a:ext cx="17099280" cy="4775200"/>
+            <a:off x="1440180" y="2095078"/>
+            <a:ext cx="16322040" cy="4456853"/>
           </a:xfrm>
         </p:spPr>
         <p:txBody>
           <a:bodyPr anchor="b"/>
           <a:lstStyle>
             <a:lvl1pPr algn="ctr">
-              <a:defRPr sz="12000"/>
+              <a:defRPr sz="11200"/>
             </a:lvl1pPr>
           </a:lstStyle>
           <a:p>
@@ -615,8 +615,8 @@
         </p:nvSpPr>
         <p:spPr>
           <a:xfrm>
-            <a:off x="2514600" y="7204076"/>
-            <a:ext cx="15087600" cy="3311524"/>
+            <a:off x="2400300" y="6723804"/>
+            <a:ext cx="14401800" cy="3090756"/>
           </a:xfrm>
         </p:spPr>
         <p:txBody>
@@ -624,39 +624,39 @@
           <a:lstStyle>
             <a:lvl1pPr marL="0" indent="0" algn="ctr">
               <a:buNone/>
-              <a:defRPr sz="4800"/>
+              <a:defRPr sz="4480"/>
             </a:lvl1pPr>
-            <a:lvl2pPr marL="914400" indent="0" algn="ctr">
+            <a:lvl2pPr marL="853455" indent="0" algn="ctr">
               <a:buNone/>
-              <a:defRPr sz="4000"/>
+              <a:defRPr sz="3733"/>
             </a:lvl2pPr>
-            <a:lvl3pPr marL="1828800" indent="0" algn="ctr">
+            <a:lvl3pPr marL="1706910" indent="0" algn="ctr">
               <a:buNone/>
-              <a:defRPr sz="3600"/>
+              <a:defRPr sz="3360"/>
             </a:lvl3pPr>
-            <a:lvl4pPr marL="2743200" indent="0" algn="ctr">
+            <a:lvl4pPr marL="2560366" indent="0" algn="ctr">
               <a:buNone/>
-              <a:defRPr sz="3200"/>
+              <a:defRPr sz="2987"/>
             </a:lvl4pPr>
-            <a:lvl5pPr marL="3657600" indent="0" algn="ctr">
+            <a:lvl5pPr marL="3413821" indent="0" algn="ctr">
               <a:buNone/>
-              <a:defRPr sz="3200"/>
+              <a:defRPr sz="2987"/>
             </a:lvl5pPr>
-            <a:lvl6pPr marL="4572000" indent="0" algn="ctr">
+            <a:lvl6pPr marL="4267276" indent="0" algn="ctr">
               <a:buNone/>
-              <a:defRPr sz="3200"/>
+              <a:defRPr sz="2987"/>
             </a:lvl6pPr>
-            <a:lvl7pPr marL="5486400" indent="0" algn="ctr">
+            <a:lvl7pPr marL="5120731" indent="0" algn="ctr">
               <a:buNone/>
-              <a:defRPr sz="3200"/>
+              <a:defRPr sz="2987"/>
             </a:lvl7pPr>
-            <a:lvl8pPr marL="6400800" indent="0" algn="ctr">
+            <a:lvl8pPr marL="5974187" indent="0" algn="ctr">
               <a:buNone/>
-              <a:defRPr sz="3200"/>
+              <a:defRPr sz="2987"/>
             </a:lvl8pPr>
-            <a:lvl9pPr marL="7315200" indent="0" algn="ctr">
+            <a:lvl9pPr marL="6827642" indent="0" algn="ctr">
               <a:buNone/>
-              <a:defRPr sz="3200"/>
+              <a:defRPr sz="2987"/>
             </a:lvl9pPr>
           </a:lstStyle>
           <a:p>
@@ -685,7 +685,7 @@
           <a:p>
             <a:fld id="{F8F920B2-3E99-4C9D-9450-62A3DEC5476B}" type="datetimeFigureOut">
               <a:rPr lang="en-US" smtClean="0"/>
-              <a:t>10/5/2017</a:t>
+              <a:t>10/6/2017</a:t>
             </a:fld>
             <a:endParaRPr lang="en-US"/>
           </a:p>
@@ -736,7 +736,7 @@
     </p:spTree>
     <p:extLst>
       <p:ext uri="{BB962C8B-B14F-4D97-AF65-F5344CB8AC3E}">
-        <p14:creationId xmlns:p14="http://schemas.microsoft.com/office/powerpoint/2010/main" val="601346838"/>
+        <p14:creationId xmlns:p14="http://schemas.microsoft.com/office/powerpoint/2010/main" val="2685114314"/>
       </p:ext>
     </p:extLst>
   </p:cSld>
@@ -855,7 +855,7 @@
           <a:p>
             <a:fld id="{F8F920B2-3E99-4C9D-9450-62A3DEC5476B}" type="datetimeFigureOut">
               <a:rPr lang="en-US" smtClean="0"/>
-              <a:t>10/5/2017</a:t>
+              <a:t>10/6/2017</a:t>
             </a:fld>
             <a:endParaRPr lang="en-US"/>
           </a:p>
@@ -906,7 +906,7 @@
     </p:spTree>
     <p:extLst>
       <p:ext uri="{BB962C8B-B14F-4D97-AF65-F5344CB8AC3E}">
-        <p14:creationId xmlns:p14="http://schemas.microsoft.com/office/powerpoint/2010/main" val="4034545023"/>
+        <p14:creationId xmlns:p14="http://schemas.microsoft.com/office/powerpoint/2010/main" val="3833198564"/>
       </p:ext>
     </p:extLst>
   </p:cSld>
@@ -945,8 +945,8 @@
         </p:nvSpPr>
         <p:spPr>
           <a:xfrm>
-            <a:off x="14396086" y="730250"/>
-            <a:ext cx="4337685" cy="11623676"/>
+            <a:off x="13741718" y="681567"/>
+            <a:ext cx="4140518" cy="10848764"/>
           </a:xfrm>
         </p:spPr>
         <p:txBody>
@@ -973,8 +973,8 @@
         </p:nvSpPr>
         <p:spPr>
           <a:xfrm>
-            <a:off x="1383031" y="730250"/>
-            <a:ext cx="12761595" cy="11623676"/>
+            <a:off x="1320166" y="681567"/>
+            <a:ext cx="12181523" cy="10848764"/>
           </a:xfrm>
         </p:spPr>
         <p:txBody>
@@ -1035,7 +1035,7 @@
           <a:p>
             <a:fld id="{F8F920B2-3E99-4C9D-9450-62A3DEC5476B}" type="datetimeFigureOut">
               <a:rPr lang="en-US" smtClean="0"/>
-              <a:t>10/5/2017</a:t>
+              <a:t>10/6/2017</a:t>
             </a:fld>
             <a:endParaRPr lang="en-US"/>
           </a:p>
@@ -1086,7 +1086,7 @@
     </p:spTree>
     <p:extLst>
       <p:ext uri="{BB962C8B-B14F-4D97-AF65-F5344CB8AC3E}">
-        <p14:creationId xmlns:p14="http://schemas.microsoft.com/office/powerpoint/2010/main" val="2102066369"/>
+        <p14:creationId xmlns:p14="http://schemas.microsoft.com/office/powerpoint/2010/main" val="2919336541"/>
       </p:ext>
     </p:extLst>
   </p:cSld>
@@ -1205,7 +1205,7 @@
           <a:p>
             <a:fld id="{F8F920B2-3E99-4C9D-9450-62A3DEC5476B}" type="datetimeFigureOut">
               <a:rPr lang="en-US" smtClean="0"/>
-              <a:t>10/5/2017</a:t>
+              <a:t>10/6/2017</a:t>
             </a:fld>
             <a:endParaRPr lang="en-US"/>
           </a:p>
@@ -1256,7 +1256,7 @@
     </p:spTree>
     <p:extLst>
       <p:ext uri="{BB962C8B-B14F-4D97-AF65-F5344CB8AC3E}">
-        <p14:creationId xmlns:p14="http://schemas.microsoft.com/office/powerpoint/2010/main" val="3299818969"/>
+        <p14:creationId xmlns:p14="http://schemas.microsoft.com/office/powerpoint/2010/main" val="3812047313"/>
       </p:ext>
     </p:extLst>
   </p:cSld>
@@ -1295,15 +1295,15 @@
         </p:nvSpPr>
         <p:spPr>
           <a:xfrm>
-            <a:off x="1372554" y="3419479"/>
-            <a:ext cx="17350740" cy="5705474"/>
+            <a:off x="1310165" y="3191514"/>
+            <a:ext cx="16562070" cy="5325109"/>
           </a:xfrm>
         </p:spPr>
         <p:txBody>
           <a:bodyPr anchor="b"/>
           <a:lstStyle>
             <a:lvl1pPr>
-              <a:defRPr sz="12000"/>
+              <a:defRPr sz="11200"/>
             </a:lvl1pPr>
           </a:lstStyle>
           <a:p>
@@ -1327,8 +1327,8 @@
         </p:nvSpPr>
         <p:spPr>
           <a:xfrm>
-            <a:off x="1372554" y="9178929"/>
-            <a:ext cx="17350740" cy="3000374"/>
+            <a:off x="1310165" y="8567000"/>
+            <a:ext cx="16562070" cy="2800349"/>
           </a:xfrm>
         </p:spPr>
         <p:txBody>
@@ -1336,15 +1336,15 @@
           <a:lstStyle>
             <a:lvl1pPr marL="0" indent="0">
               <a:buNone/>
-              <a:defRPr sz="4800">
+              <a:defRPr sz="4480">
                 <a:solidFill>
                   <a:schemeClr val="tx1"/>
                 </a:solidFill>
               </a:defRPr>
             </a:lvl1pPr>
-            <a:lvl2pPr marL="914400" indent="0">
+            <a:lvl2pPr marL="853455" indent="0">
               <a:buNone/>
-              <a:defRPr sz="4000">
+              <a:defRPr sz="3733">
                 <a:solidFill>
                   <a:schemeClr val="tx1">
                     <a:tint val="75000"/>
@@ -1352,9 +1352,9 @@
                 </a:solidFill>
               </a:defRPr>
             </a:lvl2pPr>
-            <a:lvl3pPr marL="1828800" indent="0">
+            <a:lvl3pPr marL="1706910" indent="0">
               <a:buNone/>
-              <a:defRPr sz="3600">
+              <a:defRPr sz="3360">
                 <a:solidFill>
                   <a:schemeClr val="tx1">
                     <a:tint val="75000"/>
@@ -1362,9 +1362,9 @@
                 </a:solidFill>
               </a:defRPr>
             </a:lvl3pPr>
-            <a:lvl4pPr marL="2743200" indent="0">
+            <a:lvl4pPr marL="2560366" indent="0">
               <a:buNone/>
-              <a:defRPr sz="3200">
+              <a:defRPr sz="2987">
                 <a:solidFill>
                   <a:schemeClr val="tx1">
                     <a:tint val="75000"/>
@@ -1372,9 +1372,9 @@
                 </a:solidFill>
               </a:defRPr>
             </a:lvl4pPr>
-            <a:lvl5pPr marL="3657600" indent="0">
+            <a:lvl5pPr marL="3413821" indent="0">
               <a:buNone/>
-              <a:defRPr sz="3200">
+              <a:defRPr sz="2987">
                 <a:solidFill>
                   <a:schemeClr val="tx1">
                     <a:tint val="75000"/>
@@ -1382,9 +1382,9 @@
                 </a:solidFill>
               </a:defRPr>
             </a:lvl5pPr>
-            <a:lvl6pPr marL="4572000" indent="0">
+            <a:lvl6pPr marL="4267276" indent="0">
               <a:buNone/>
-              <a:defRPr sz="3200">
+              <a:defRPr sz="2987">
                 <a:solidFill>
                   <a:schemeClr val="tx1">
                     <a:tint val="75000"/>
@@ -1392,9 +1392,9 @@
                 </a:solidFill>
               </a:defRPr>
             </a:lvl6pPr>
-            <a:lvl7pPr marL="5486400" indent="0">
+            <a:lvl7pPr marL="5120731" indent="0">
               <a:buNone/>
-              <a:defRPr sz="3200">
+              <a:defRPr sz="2987">
                 <a:solidFill>
                   <a:schemeClr val="tx1">
                     <a:tint val="75000"/>
@@ -1402,9 +1402,9 @@
                 </a:solidFill>
               </a:defRPr>
             </a:lvl7pPr>
-            <a:lvl8pPr marL="6400800" indent="0">
+            <a:lvl8pPr marL="5974187" indent="0">
               <a:buNone/>
-              <a:defRPr sz="3200">
+              <a:defRPr sz="2987">
                 <a:solidFill>
                   <a:schemeClr val="tx1">
                     <a:tint val="75000"/>
@@ -1412,9 +1412,9 @@
                 </a:solidFill>
               </a:defRPr>
             </a:lvl8pPr>
-            <a:lvl9pPr marL="7315200" indent="0">
+            <a:lvl9pPr marL="6827642" indent="0">
               <a:buNone/>
-              <a:defRPr sz="3200">
+              <a:defRPr sz="2987">
                 <a:solidFill>
                   <a:schemeClr val="tx1">
                     <a:tint val="75000"/>
@@ -1449,7 +1449,7 @@
           <a:p>
             <a:fld id="{F8F920B2-3E99-4C9D-9450-62A3DEC5476B}" type="datetimeFigureOut">
               <a:rPr lang="en-US" smtClean="0"/>
-              <a:t>10/5/2017</a:t>
+              <a:t>10/6/2017</a:t>
             </a:fld>
             <a:endParaRPr lang="en-US"/>
           </a:p>
@@ -1500,7 +1500,7 @@
     </p:spTree>
     <p:extLst>
       <p:ext uri="{BB962C8B-B14F-4D97-AF65-F5344CB8AC3E}">
-        <p14:creationId xmlns:p14="http://schemas.microsoft.com/office/powerpoint/2010/main" val="3854171560"/>
+        <p14:creationId xmlns:p14="http://schemas.microsoft.com/office/powerpoint/2010/main" val="3587499178"/>
       </p:ext>
     </p:extLst>
   </p:cSld>
@@ -1562,8 +1562,8 @@
         </p:nvSpPr>
         <p:spPr>
           <a:xfrm>
-            <a:off x="1383030" y="3651250"/>
-            <a:ext cx="8549640" cy="8702676"/>
+            <a:off x="1320165" y="3407833"/>
+            <a:ext cx="8161020" cy="8122498"/>
           </a:xfrm>
         </p:spPr>
         <p:txBody>
@@ -1619,8 +1619,8 @@
         </p:nvSpPr>
         <p:spPr>
           <a:xfrm>
-            <a:off x="10184130" y="3651250"/>
-            <a:ext cx="8549640" cy="8702676"/>
+            <a:off x="9721215" y="3407833"/>
+            <a:ext cx="8161020" cy="8122498"/>
           </a:xfrm>
         </p:spPr>
         <p:txBody>
@@ -1681,7 +1681,7 @@
           <a:p>
             <a:fld id="{F8F920B2-3E99-4C9D-9450-62A3DEC5476B}" type="datetimeFigureOut">
               <a:rPr lang="en-US" smtClean="0"/>
-              <a:t>10/5/2017</a:t>
+              <a:t>10/6/2017</a:t>
             </a:fld>
             <a:endParaRPr lang="en-US"/>
           </a:p>
@@ -1732,7 +1732,7 @@
     </p:spTree>
     <p:extLst>
       <p:ext uri="{BB962C8B-B14F-4D97-AF65-F5344CB8AC3E}">
-        <p14:creationId xmlns:p14="http://schemas.microsoft.com/office/powerpoint/2010/main" val="2853447947"/>
+        <p14:creationId xmlns:p14="http://schemas.microsoft.com/office/powerpoint/2010/main" val="1517674034"/>
       </p:ext>
     </p:extLst>
   </p:cSld>
@@ -1771,8 +1771,8 @@
         </p:nvSpPr>
         <p:spPr>
           <a:xfrm>
-            <a:off x="1385650" y="730253"/>
-            <a:ext cx="17350740" cy="2651126"/>
+            <a:off x="1322666" y="681570"/>
+            <a:ext cx="16562070" cy="2474384"/>
           </a:xfrm>
         </p:spPr>
         <p:txBody>
@@ -1799,8 +1799,8 @@
         </p:nvSpPr>
         <p:spPr>
           <a:xfrm>
-            <a:off x="1385652" y="3362326"/>
-            <a:ext cx="8510348" cy="1647824"/>
+            <a:off x="1322668" y="3138171"/>
+            <a:ext cx="8123514" cy="1537969"/>
           </a:xfrm>
         </p:spPr>
         <p:txBody>
@@ -1808,39 +1808,39 @@
           <a:lstStyle>
             <a:lvl1pPr marL="0" indent="0">
               <a:buNone/>
-              <a:defRPr sz="4800" b="1"/>
+              <a:defRPr sz="4480" b="1"/>
             </a:lvl1pPr>
-            <a:lvl2pPr marL="914400" indent="0">
+            <a:lvl2pPr marL="853455" indent="0">
               <a:buNone/>
-              <a:defRPr sz="4000" b="1"/>
+              <a:defRPr sz="3733" b="1"/>
             </a:lvl2pPr>
-            <a:lvl3pPr marL="1828800" indent="0">
+            <a:lvl3pPr marL="1706910" indent="0">
               <a:buNone/>
-              <a:defRPr sz="3600" b="1"/>
+              <a:defRPr sz="3360" b="1"/>
             </a:lvl3pPr>
-            <a:lvl4pPr marL="2743200" indent="0">
+            <a:lvl4pPr marL="2560366" indent="0">
               <a:buNone/>
-              <a:defRPr sz="3200" b="1"/>
+              <a:defRPr sz="2987" b="1"/>
             </a:lvl4pPr>
-            <a:lvl5pPr marL="3657600" indent="0">
+            <a:lvl5pPr marL="3413821" indent="0">
               <a:buNone/>
-              <a:defRPr sz="3200" b="1"/>
+              <a:defRPr sz="2987" b="1"/>
             </a:lvl5pPr>
-            <a:lvl6pPr marL="4572000" indent="0">
+            <a:lvl6pPr marL="4267276" indent="0">
               <a:buNone/>
-              <a:defRPr sz="3200" b="1"/>
+              <a:defRPr sz="2987" b="1"/>
             </a:lvl6pPr>
-            <a:lvl7pPr marL="5486400" indent="0">
+            <a:lvl7pPr marL="5120731" indent="0">
               <a:buNone/>
-              <a:defRPr sz="3200" b="1"/>
+              <a:defRPr sz="2987" b="1"/>
             </a:lvl7pPr>
-            <a:lvl8pPr marL="6400800" indent="0">
+            <a:lvl8pPr marL="5974187" indent="0">
               <a:buNone/>
-              <a:defRPr sz="3200" b="1"/>
+              <a:defRPr sz="2987" b="1"/>
             </a:lvl8pPr>
-            <a:lvl9pPr marL="7315200" indent="0">
+            <a:lvl9pPr marL="6827642" indent="0">
               <a:buNone/>
-              <a:defRPr sz="3200" b="1"/>
+              <a:defRPr sz="2987" b="1"/>
             </a:lvl9pPr>
           </a:lstStyle>
           <a:p>
@@ -1864,8 +1864,8 @@
         </p:nvSpPr>
         <p:spPr>
           <a:xfrm>
-            <a:off x="1385652" y="5010150"/>
-            <a:ext cx="8510348" cy="7369176"/>
+            <a:off x="1322668" y="4676140"/>
+            <a:ext cx="8123514" cy="6877898"/>
           </a:xfrm>
         </p:spPr>
         <p:txBody>
@@ -1921,8 +1921,8 @@
         </p:nvSpPr>
         <p:spPr>
           <a:xfrm>
-            <a:off x="10184131" y="3362326"/>
-            <a:ext cx="8552260" cy="1647824"/>
+            <a:off x="9721216" y="3138171"/>
+            <a:ext cx="8163521" cy="1537969"/>
           </a:xfrm>
         </p:spPr>
         <p:txBody>
@@ -1930,39 +1930,39 @@
           <a:lstStyle>
             <a:lvl1pPr marL="0" indent="0">
               <a:buNone/>
-              <a:defRPr sz="4800" b="1"/>
+              <a:defRPr sz="4480" b="1"/>
             </a:lvl1pPr>
-            <a:lvl2pPr marL="914400" indent="0">
+            <a:lvl2pPr marL="853455" indent="0">
               <a:buNone/>
-              <a:defRPr sz="4000" b="1"/>
+              <a:defRPr sz="3733" b="1"/>
             </a:lvl2pPr>
-            <a:lvl3pPr marL="1828800" indent="0">
+            <a:lvl3pPr marL="1706910" indent="0">
               <a:buNone/>
-              <a:defRPr sz="3600" b="1"/>
+              <a:defRPr sz="3360" b="1"/>
             </a:lvl3pPr>
-            <a:lvl4pPr marL="2743200" indent="0">
+            <a:lvl4pPr marL="2560366" indent="0">
               <a:buNone/>
-              <a:defRPr sz="3200" b="1"/>
+              <a:defRPr sz="2987" b="1"/>
             </a:lvl4pPr>
-            <a:lvl5pPr marL="3657600" indent="0">
+            <a:lvl5pPr marL="3413821" indent="0">
               <a:buNone/>
-              <a:defRPr sz="3200" b="1"/>
+              <a:defRPr sz="2987" b="1"/>
             </a:lvl5pPr>
-            <a:lvl6pPr marL="4572000" indent="0">
+            <a:lvl6pPr marL="4267276" indent="0">
               <a:buNone/>
-              <a:defRPr sz="3200" b="1"/>
+              <a:defRPr sz="2987" b="1"/>
             </a:lvl6pPr>
-            <a:lvl7pPr marL="5486400" indent="0">
+            <a:lvl7pPr marL="5120731" indent="0">
               <a:buNone/>
-              <a:defRPr sz="3200" b="1"/>
+              <a:defRPr sz="2987" b="1"/>
             </a:lvl7pPr>
-            <a:lvl8pPr marL="6400800" indent="0">
+            <a:lvl8pPr marL="5974187" indent="0">
               <a:buNone/>
-              <a:defRPr sz="3200" b="1"/>
+              <a:defRPr sz="2987" b="1"/>
             </a:lvl8pPr>
-            <a:lvl9pPr marL="7315200" indent="0">
+            <a:lvl9pPr marL="6827642" indent="0">
               <a:buNone/>
-              <a:defRPr sz="3200" b="1"/>
+              <a:defRPr sz="2987" b="1"/>
             </a:lvl9pPr>
           </a:lstStyle>
           <a:p>
@@ -1986,8 +1986,8 @@
         </p:nvSpPr>
         <p:spPr>
           <a:xfrm>
-            <a:off x="10184131" y="5010150"/>
-            <a:ext cx="8552260" cy="7369176"/>
+            <a:off x="9721216" y="4676140"/>
+            <a:ext cx="8163521" cy="6877898"/>
           </a:xfrm>
         </p:spPr>
         <p:txBody>
@@ -2048,7 +2048,7 @@
           <a:p>
             <a:fld id="{F8F920B2-3E99-4C9D-9450-62A3DEC5476B}" type="datetimeFigureOut">
               <a:rPr lang="en-US" smtClean="0"/>
-              <a:t>10/5/2017</a:t>
+              <a:t>10/6/2017</a:t>
             </a:fld>
             <a:endParaRPr lang="en-US"/>
           </a:p>
@@ -2099,7 +2099,7 @@
     </p:spTree>
     <p:extLst>
       <p:ext uri="{BB962C8B-B14F-4D97-AF65-F5344CB8AC3E}">
-        <p14:creationId xmlns:p14="http://schemas.microsoft.com/office/powerpoint/2010/main" val="1354039011"/>
+        <p14:creationId xmlns:p14="http://schemas.microsoft.com/office/powerpoint/2010/main" val="180829988"/>
       </p:ext>
     </p:extLst>
   </p:cSld>
@@ -2166,7 +2166,7 @@
           <a:p>
             <a:fld id="{F8F920B2-3E99-4C9D-9450-62A3DEC5476B}" type="datetimeFigureOut">
               <a:rPr lang="en-US" smtClean="0"/>
-              <a:t>10/5/2017</a:t>
+              <a:t>10/6/2017</a:t>
             </a:fld>
             <a:endParaRPr lang="en-US"/>
           </a:p>
@@ -2217,7 +2217,7 @@
     </p:spTree>
     <p:extLst>
       <p:ext uri="{BB962C8B-B14F-4D97-AF65-F5344CB8AC3E}">
-        <p14:creationId xmlns:p14="http://schemas.microsoft.com/office/powerpoint/2010/main" val="4259437825"/>
+        <p14:creationId xmlns:p14="http://schemas.microsoft.com/office/powerpoint/2010/main" val="3343306041"/>
       </p:ext>
     </p:extLst>
   </p:cSld>
@@ -2261,7 +2261,7 @@
           <a:p>
             <a:fld id="{F8F920B2-3E99-4C9D-9450-62A3DEC5476B}" type="datetimeFigureOut">
               <a:rPr lang="en-US" smtClean="0"/>
-              <a:t>10/5/2017</a:t>
+              <a:t>10/6/2017</a:t>
             </a:fld>
             <a:endParaRPr lang="en-US"/>
           </a:p>
@@ -2312,7 +2312,7 @@
     </p:spTree>
     <p:extLst>
       <p:ext uri="{BB962C8B-B14F-4D97-AF65-F5344CB8AC3E}">
-        <p14:creationId xmlns:p14="http://schemas.microsoft.com/office/powerpoint/2010/main" val="3441385522"/>
+        <p14:creationId xmlns:p14="http://schemas.microsoft.com/office/powerpoint/2010/main" val="3739953526"/>
       </p:ext>
     </p:extLst>
   </p:cSld>
@@ -2351,15 +2351,15 @@
         </p:nvSpPr>
         <p:spPr>
           <a:xfrm>
-            <a:off x="1385650" y="914400"/>
-            <a:ext cx="6488192" cy="3200400"/>
+            <a:off x="1322666" y="853440"/>
+            <a:ext cx="6193274" cy="2987040"/>
           </a:xfrm>
         </p:spPr>
         <p:txBody>
           <a:bodyPr anchor="b"/>
           <a:lstStyle>
             <a:lvl1pPr>
-              <a:defRPr sz="6400"/>
+              <a:defRPr sz="5973"/>
             </a:lvl1pPr>
           </a:lstStyle>
           <a:p>
@@ -2383,39 +2383,39 @@
         </p:nvSpPr>
         <p:spPr>
           <a:xfrm>
-            <a:off x="8552260" y="1974853"/>
-            <a:ext cx="10184130" cy="9747250"/>
+            <a:off x="8163521" y="1843196"/>
+            <a:ext cx="9721215" cy="9097433"/>
           </a:xfrm>
         </p:spPr>
         <p:txBody>
           <a:bodyPr/>
           <a:lstStyle>
             <a:lvl1pPr>
-              <a:defRPr sz="6400"/>
+              <a:defRPr sz="5973"/>
             </a:lvl1pPr>
             <a:lvl2pPr>
-              <a:defRPr sz="5600"/>
+              <a:defRPr sz="5227"/>
             </a:lvl2pPr>
             <a:lvl3pPr>
-              <a:defRPr sz="4800"/>
+              <a:defRPr sz="4480"/>
             </a:lvl3pPr>
             <a:lvl4pPr>
-              <a:defRPr sz="4000"/>
+              <a:defRPr sz="3733"/>
             </a:lvl4pPr>
             <a:lvl5pPr>
-              <a:defRPr sz="4000"/>
+              <a:defRPr sz="3733"/>
             </a:lvl5pPr>
             <a:lvl6pPr>
-              <a:defRPr sz="4000"/>
+              <a:defRPr sz="3733"/>
             </a:lvl6pPr>
             <a:lvl7pPr>
-              <a:defRPr sz="4000"/>
+              <a:defRPr sz="3733"/>
             </a:lvl7pPr>
             <a:lvl8pPr>
-              <a:defRPr sz="4000"/>
+              <a:defRPr sz="3733"/>
             </a:lvl8pPr>
             <a:lvl9pPr>
-              <a:defRPr sz="4000"/>
+              <a:defRPr sz="3733"/>
             </a:lvl9pPr>
           </a:lstStyle>
           <a:p>
@@ -2468,8 +2468,8 @@
         </p:nvSpPr>
         <p:spPr>
           <a:xfrm>
-            <a:off x="1385650" y="4114800"/>
-            <a:ext cx="6488192" cy="7623176"/>
+            <a:off x="1322666" y="3840480"/>
+            <a:ext cx="6193274" cy="7114964"/>
           </a:xfrm>
         </p:spPr>
         <p:txBody>
@@ -2477,39 +2477,39 @@
           <a:lstStyle>
             <a:lvl1pPr marL="0" indent="0">
               <a:buNone/>
-              <a:defRPr sz="3200"/>
+              <a:defRPr sz="2987"/>
             </a:lvl1pPr>
-            <a:lvl2pPr marL="914400" indent="0">
+            <a:lvl2pPr marL="853455" indent="0">
               <a:buNone/>
-              <a:defRPr sz="2800"/>
+              <a:defRPr sz="2613"/>
             </a:lvl2pPr>
-            <a:lvl3pPr marL="1828800" indent="0">
+            <a:lvl3pPr marL="1706910" indent="0">
               <a:buNone/>
-              <a:defRPr sz="2400"/>
+              <a:defRPr sz="2240"/>
             </a:lvl3pPr>
-            <a:lvl4pPr marL="2743200" indent="0">
+            <a:lvl4pPr marL="2560366" indent="0">
               <a:buNone/>
-              <a:defRPr sz="2000"/>
+              <a:defRPr sz="1867"/>
             </a:lvl4pPr>
-            <a:lvl5pPr marL="3657600" indent="0">
+            <a:lvl5pPr marL="3413821" indent="0">
               <a:buNone/>
-              <a:defRPr sz="2000"/>
+              <a:defRPr sz="1867"/>
             </a:lvl5pPr>
-            <a:lvl6pPr marL="4572000" indent="0">
+            <a:lvl6pPr marL="4267276" indent="0">
               <a:buNone/>
-              <a:defRPr sz="2000"/>
+              <a:defRPr sz="1867"/>
             </a:lvl6pPr>
-            <a:lvl7pPr marL="5486400" indent="0">
+            <a:lvl7pPr marL="5120731" indent="0">
               <a:buNone/>
-              <a:defRPr sz="2000"/>
+              <a:defRPr sz="1867"/>
             </a:lvl7pPr>
-            <a:lvl8pPr marL="6400800" indent="0">
+            <a:lvl8pPr marL="5974187" indent="0">
               <a:buNone/>
-              <a:defRPr sz="2000"/>
+              <a:defRPr sz="1867"/>
             </a:lvl8pPr>
-            <a:lvl9pPr marL="7315200" indent="0">
+            <a:lvl9pPr marL="6827642" indent="0">
               <a:buNone/>
-              <a:defRPr sz="2000"/>
+              <a:defRPr sz="1867"/>
             </a:lvl9pPr>
           </a:lstStyle>
           <a:p>
@@ -2538,7 +2538,7 @@
           <a:p>
             <a:fld id="{F8F920B2-3E99-4C9D-9450-62A3DEC5476B}" type="datetimeFigureOut">
               <a:rPr lang="en-US" smtClean="0"/>
-              <a:t>10/5/2017</a:t>
+              <a:t>10/6/2017</a:t>
             </a:fld>
             <a:endParaRPr lang="en-US"/>
           </a:p>
@@ -2589,7 +2589,7 @@
     </p:spTree>
     <p:extLst>
       <p:ext uri="{BB962C8B-B14F-4D97-AF65-F5344CB8AC3E}">
-        <p14:creationId xmlns:p14="http://schemas.microsoft.com/office/powerpoint/2010/main" val="1798453454"/>
+        <p14:creationId xmlns:p14="http://schemas.microsoft.com/office/powerpoint/2010/main" val="3974448263"/>
       </p:ext>
     </p:extLst>
   </p:cSld>
@@ -2628,15 +2628,15 @@
         </p:nvSpPr>
         <p:spPr>
           <a:xfrm>
-            <a:off x="1385650" y="914400"/>
-            <a:ext cx="6488192" cy="3200400"/>
+            <a:off x="1322666" y="853440"/>
+            <a:ext cx="6193274" cy="2987040"/>
           </a:xfrm>
         </p:spPr>
         <p:txBody>
           <a:bodyPr anchor="b"/>
           <a:lstStyle>
             <a:lvl1pPr>
-              <a:defRPr sz="6400"/>
+              <a:defRPr sz="5973"/>
             </a:lvl1pPr>
           </a:lstStyle>
           <a:p>
@@ -2660,8 +2660,8 @@
         </p:nvSpPr>
         <p:spPr>
           <a:xfrm>
-            <a:off x="8552260" y="1974853"/>
-            <a:ext cx="10184130" cy="9747250"/>
+            <a:off x="8163521" y="1843196"/>
+            <a:ext cx="9721215" cy="9097433"/>
           </a:xfrm>
         </p:spPr>
         <p:txBody>
@@ -2669,39 +2669,39 @@
           <a:lstStyle>
             <a:lvl1pPr marL="0" indent="0">
               <a:buNone/>
-              <a:defRPr sz="6400"/>
+              <a:defRPr sz="5973"/>
             </a:lvl1pPr>
-            <a:lvl2pPr marL="914400" indent="0">
+            <a:lvl2pPr marL="853455" indent="0">
               <a:buNone/>
-              <a:defRPr sz="5600"/>
+              <a:defRPr sz="5227"/>
             </a:lvl2pPr>
-            <a:lvl3pPr marL="1828800" indent="0">
+            <a:lvl3pPr marL="1706910" indent="0">
               <a:buNone/>
-              <a:defRPr sz="4800"/>
+              <a:defRPr sz="4480"/>
             </a:lvl3pPr>
-            <a:lvl4pPr marL="2743200" indent="0">
+            <a:lvl4pPr marL="2560366" indent="0">
               <a:buNone/>
-              <a:defRPr sz="4000"/>
+              <a:defRPr sz="3733"/>
             </a:lvl4pPr>
-            <a:lvl5pPr marL="3657600" indent="0">
+            <a:lvl5pPr marL="3413821" indent="0">
               <a:buNone/>
-              <a:defRPr sz="4000"/>
+              <a:defRPr sz="3733"/>
             </a:lvl5pPr>
-            <a:lvl6pPr marL="4572000" indent="0">
+            <a:lvl6pPr marL="4267276" indent="0">
               <a:buNone/>
-              <a:defRPr sz="4000"/>
+              <a:defRPr sz="3733"/>
             </a:lvl6pPr>
-            <a:lvl7pPr marL="5486400" indent="0">
+            <a:lvl7pPr marL="5120731" indent="0">
               <a:buNone/>
-              <a:defRPr sz="4000"/>
+              <a:defRPr sz="3733"/>
             </a:lvl7pPr>
-            <a:lvl8pPr marL="6400800" indent="0">
+            <a:lvl8pPr marL="5974187" indent="0">
               <a:buNone/>
-              <a:defRPr sz="4000"/>
+              <a:defRPr sz="3733"/>
             </a:lvl8pPr>
-            <a:lvl9pPr marL="7315200" indent="0">
+            <a:lvl9pPr marL="6827642" indent="0">
               <a:buNone/>
-              <a:defRPr sz="4000"/>
+              <a:defRPr sz="3733"/>
             </a:lvl9pPr>
           </a:lstStyle>
           <a:p>
@@ -2725,8 +2725,8 @@
         </p:nvSpPr>
         <p:spPr>
           <a:xfrm>
-            <a:off x="1385650" y="4114800"/>
-            <a:ext cx="6488192" cy="7623176"/>
+            <a:off x="1322666" y="3840480"/>
+            <a:ext cx="6193274" cy="7114964"/>
           </a:xfrm>
         </p:spPr>
         <p:txBody>
@@ -2734,39 +2734,39 @@
           <a:lstStyle>
             <a:lvl1pPr marL="0" indent="0">
               <a:buNone/>
-              <a:defRPr sz="3200"/>
+              <a:defRPr sz="2987"/>
             </a:lvl1pPr>
-            <a:lvl2pPr marL="914400" indent="0">
+            <a:lvl2pPr marL="853455" indent="0">
               <a:buNone/>
-              <a:defRPr sz="2800"/>
+              <a:defRPr sz="2613"/>
             </a:lvl2pPr>
-            <a:lvl3pPr marL="1828800" indent="0">
+            <a:lvl3pPr marL="1706910" indent="0">
               <a:buNone/>
-              <a:defRPr sz="2400"/>
+              <a:defRPr sz="2240"/>
             </a:lvl3pPr>
-            <a:lvl4pPr marL="2743200" indent="0">
+            <a:lvl4pPr marL="2560366" indent="0">
               <a:buNone/>
-              <a:defRPr sz="2000"/>
+              <a:defRPr sz="1867"/>
             </a:lvl4pPr>
-            <a:lvl5pPr marL="3657600" indent="0">
+            <a:lvl5pPr marL="3413821" indent="0">
               <a:buNone/>
-              <a:defRPr sz="2000"/>
+              <a:defRPr sz="1867"/>
             </a:lvl5pPr>
-            <a:lvl6pPr marL="4572000" indent="0">
+            <a:lvl6pPr marL="4267276" indent="0">
               <a:buNone/>
-              <a:defRPr sz="2000"/>
+              <a:defRPr sz="1867"/>
             </a:lvl6pPr>
-            <a:lvl7pPr marL="5486400" indent="0">
+            <a:lvl7pPr marL="5120731" indent="0">
               <a:buNone/>
-              <a:defRPr sz="2000"/>
+              <a:defRPr sz="1867"/>
             </a:lvl7pPr>
-            <a:lvl8pPr marL="6400800" indent="0">
+            <a:lvl8pPr marL="5974187" indent="0">
               <a:buNone/>
-              <a:defRPr sz="2000"/>
+              <a:defRPr sz="1867"/>
             </a:lvl8pPr>
-            <a:lvl9pPr marL="7315200" indent="0">
+            <a:lvl9pPr marL="6827642" indent="0">
               <a:buNone/>
-              <a:defRPr sz="2000"/>
+              <a:defRPr sz="1867"/>
             </a:lvl9pPr>
           </a:lstStyle>
           <a:p>
@@ -2795,7 +2795,7 @@
           <a:p>
             <a:fld id="{F8F920B2-3E99-4C9D-9450-62A3DEC5476B}" type="datetimeFigureOut">
               <a:rPr lang="en-US" smtClean="0"/>
-              <a:t>10/5/2017</a:t>
+              <a:t>10/6/2017</a:t>
             </a:fld>
             <a:endParaRPr lang="en-US"/>
           </a:p>
@@ -2846,7 +2846,7 @@
     </p:spTree>
     <p:extLst>
       <p:ext uri="{BB962C8B-B14F-4D97-AF65-F5344CB8AC3E}">
-        <p14:creationId xmlns:p14="http://schemas.microsoft.com/office/powerpoint/2010/main" val="1735694643"/>
+        <p14:creationId xmlns:p14="http://schemas.microsoft.com/office/powerpoint/2010/main" val="1319214669"/>
       </p:ext>
     </p:extLst>
   </p:cSld>
@@ -2890,8 +2890,8 @@
         </p:nvSpPr>
         <p:spPr>
           <a:xfrm>
-            <a:off x="1383030" y="730253"/>
-            <a:ext cx="17350740" cy="2651126"/>
+            <a:off x="1320165" y="681570"/>
+            <a:ext cx="16562070" cy="2474384"/>
           </a:xfrm>
           <a:prstGeom prst="rect">
             <a:avLst/>
@@ -2923,8 +2923,8 @@
         </p:nvSpPr>
         <p:spPr>
           <a:xfrm>
-            <a:off x="1383030" y="3651250"/>
-            <a:ext cx="17350740" cy="8702676"/>
+            <a:off x="1320165" y="3407833"/>
+            <a:ext cx="16562070" cy="8122498"/>
           </a:xfrm>
           <a:prstGeom prst="rect">
             <a:avLst/>
@@ -2985,8 +2985,8 @@
         </p:nvSpPr>
         <p:spPr>
           <a:xfrm>
-            <a:off x="1383030" y="12712703"/>
-            <a:ext cx="4526280" cy="730250"/>
+            <a:off x="1320165" y="11865189"/>
+            <a:ext cx="4320540" cy="681567"/>
           </a:xfrm>
           <a:prstGeom prst="rect">
             <a:avLst/>
@@ -2996,7 +2996,7 @@
           <a:bodyPr vert="horz" lIns="91440" tIns="45720" rIns="91440" bIns="45720" rtlCol="0" anchor="ctr"/>
           <a:lstStyle>
             <a:lvl1pPr algn="l">
-              <a:defRPr sz="2400">
+              <a:defRPr sz="2240">
                 <a:solidFill>
                   <a:schemeClr val="tx1">
                     <a:tint val="75000"/>
@@ -3008,7 +3008,7 @@
           <a:p>
             <a:fld id="{F8F920B2-3E99-4C9D-9450-62A3DEC5476B}" type="datetimeFigureOut">
               <a:rPr lang="en-US" smtClean="0"/>
-              <a:t>10/5/2017</a:t>
+              <a:t>10/6/2017</a:t>
             </a:fld>
             <a:endParaRPr lang="en-US"/>
           </a:p>
@@ -3026,8 +3026,8 @@
         </p:nvSpPr>
         <p:spPr>
           <a:xfrm>
-            <a:off x="6663690" y="12712703"/>
-            <a:ext cx="6789420" cy="730250"/>
+            <a:off x="6360795" y="11865189"/>
+            <a:ext cx="6480810" cy="681567"/>
           </a:xfrm>
           <a:prstGeom prst="rect">
             <a:avLst/>
@@ -3037,7 +3037,7 @@
           <a:bodyPr vert="horz" lIns="91440" tIns="45720" rIns="91440" bIns="45720" rtlCol="0" anchor="ctr"/>
           <a:lstStyle>
             <a:lvl1pPr algn="ctr">
-              <a:defRPr sz="2400">
+              <a:defRPr sz="2240">
                 <a:solidFill>
                   <a:schemeClr val="tx1">
                     <a:tint val="75000"/>
@@ -3063,8 +3063,8 @@
         </p:nvSpPr>
         <p:spPr>
           <a:xfrm>
-            <a:off x="14207490" y="12712703"/>
-            <a:ext cx="4526280" cy="730250"/>
+            <a:off x="13561695" y="11865189"/>
+            <a:ext cx="4320540" cy="681567"/>
           </a:xfrm>
           <a:prstGeom prst="rect">
             <a:avLst/>
@@ -3074,7 +3074,7 @@
           <a:bodyPr vert="horz" lIns="91440" tIns="45720" rIns="91440" bIns="45720" rtlCol="0" anchor="ctr"/>
           <a:lstStyle>
             <a:lvl1pPr algn="r">
-              <a:defRPr sz="2400">
+              <a:defRPr sz="2240">
                 <a:solidFill>
                   <a:schemeClr val="tx1">
                     <a:tint val="75000"/>
@@ -3095,27 +3095,27 @@
     </p:spTree>
     <p:extLst>
       <p:ext uri="{BB962C8B-B14F-4D97-AF65-F5344CB8AC3E}">
-        <p14:creationId xmlns:p14="http://schemas.microsoft.com/office/powerpoint/2010/main" val="47801341"/>
+        <p14:creationId xmlns:p14="http://schemas.microsoft.com/office/powerpoint/2010/main" val="4058630018"/>
       </p:ext>
     </p:extLst>
   </p:cSld>
   <p:clrMap bg1="lt1" tx1="dk1" bg2="lt2" tx2="dk2" accent1="accent1" accent2="accent2" accent3="accent3" accent4="accent4" accent5="accent5" accent6="accent6" hlink="hlink" folHlink="folHlink"/>
   <p:sldLayoutIdLst>
-    <p:sldLayoutId id="2147484334" r:id="rId1"/>
-    <p:sldLayoutId id="2147484335" r:id="rId2"/>
-    <p:sldLayoutId id="2147484336" r:id="rId3"/>
-    <p:sldLayoutId id="2147484337" r:id="rId4"/>
-    <p:sldLayoutId id="2147484338" r:id="rId5"/>
-    <p:sldLayoutId id="2147484339" r:id="rId6"/>
-    <p:sldLayoutId id="2147484340" r:id="rId7"/>
-    <p:sldLayoutId id="2147484341" r:id="rId8"/>
-    <p:sldLayoutId id="2147484342" r:id="rId9"/>
-    <p:sldLayoutId id="2147484343" r:id="rId10"/>
-    <p:sldLayoutId id="2147484344" r:id="rId11"/>
+    <p:sldLayoutId id="2147484346" r:id="rId1"/>
+    <p:sldLayoutId id="2147484347" r:id="rId2"/>
+    <p:sldLayoutId id="2147484348" r:id="rId3"/>
+    <p:sldLayoutId id="2147484349" r:id="rId4"/>
+    <p:sldLayoutId id="2147484350" r:id="rId5"/>
+    <p:sldLayoutId id="2147484351" r:id="rId6"/>
+    <p:sldLayoutId id="2147484352" r:id="rId7"/>
+    <p:sldLayoutId id="2147484353" r:id="rId8"/>
+    <p:sldLayoutId id="2147484354" r:id="rId9"/>
+    <p:sldLayoutId id="2147484355" r:id="rId10"/>
+    <p:sldLayoutId id="2147484356" r:id="rId11"/>
   </p:sldLayoutIdLst>
   <p:txStyles>
     <p:titleStyle>
-      <a:lvl1pPr algn="l" defTabSz="1828800" rtl="0" eaLnBrk="1" latinLnBrk="0" hangingPunct="1">
+      <a:lvl1pPr algn="l" defTabSz="1706910" rtl="0" eaLnBrk="1" latinLnBrk="0" hangingPunct="1">
         <a:lnSpc>
           <a:spcPct val="90000"/>
         </a:lnSpc>
@@ -3123,7 +3123,7 @@
           <a:spcPct val="0"/>
         </a:spcBef>
         <a:buNone/>
-        <a:defRPr sz="8800" kern="1200">
+        <a:defRPr sz="8213" kern="1200">
           <a:solidFill>
             <a:schemeClr val="tx1"/>
           </a:solidFill>
@@ -3134,16 +3134,16 @@
       </a:lvl1pPr>
     </p:titleStyle>
     <p:bodyStyle>
-      <a:lvl1pPr marL="457200" indent="-457200" algn="l" defTabSz="1828800" rtl="0" eaLnBrk="1" latinLnBrk="0" hangingPunct="1">
+      <a:lvl1pPr marL="426728" indent="-426728" algn="l" defTabSz="1706910" rtl="0" eaLnBrk="1" latinLnBrk="0" hangingPunct="1">
         <a:lnSpc>
           <a:spcPct val="90000"/>
         </a:lnSpc>
         <a:spcBef>
-          <a:spcPts val="2000"/>
+          <a:spcPts val="1867"/>
         </a:spcBef>
         <a:buFont typeface="Arial" panose="020B0604020202020204" pitchFamily="34" charset="0"/>
         <a:buChar char="•"/>
-        <a:defRPr sz="5600" kern="1200">
+        <a:defRPr sz="5227" kern="1200">
           <a:solidFill>
             <a:schemeClr val="tx1"/>
           </a:solidFill>
@@ -3152,16 +3152,16 @@
           <a:cs typeface="+mn-cs"/>
         </a:defRPr>
       </a:lvl1pPr>
-      <a:lvl2pPr marL="1371600" indent="-457200" algn="l" defTabSz="1828800" rtl="0" eaLnBrk="1" latinLnBrk="0" hangingPunct="1">
+      <a:lvl2pPr marL="1280183" indent="-426728" algn="l" defTabSz="1706910" rtl="0" eaLnBrk="1" latinLnBrk="0" hangingPunct="1">
         <a:lnSpc>
           <a:spcPct val="90000"/>
         </a:lnSpc>
         <a:spcBef>
-          <a:spcPts val="1000"/>
+          <a:spcPts val="933"/>
         </a:spcBef>
         <a:buFont typeface="Arial" panose="020B0604020202020204" pitchFamily="34" charset="0"/>
         <a:buChar char="•"/>
-        <a:defRPr sz="4800" kern="1200">
+        <a:defRPr sz="4480" kern="1200">
           <a:solidFill>
             <a:schemeClr val="tx1"/>
           </a:solidFill>
@@ -3170,16 +3170,16 @@
           <a:cs typeface="+mn-cs"/>
         </a:defRPr>
       </a:lvl2pPr>
-      <a:lvl3pPr marL="2286000" indent="-457200" algn="l" defTabSz="1828800" rtl="0" eaLnBrk="1" latinLnBrk="0" hangingPunct="1">
+      <a:lvl3pPr marL="2133638" indent="-426728" algn="l" defTabSz="1706910" rtl="0" eaLnBrk="1" latinLnBrk="0" hangingPunct="1">
         <a:lnSpc>
           <a:spcPct val="90000"/>
         </a:lnSpc>
         <a:spcBef>
-          <a:spcPts val="1000"/>
+          <a:spcPts val="933"/>
         </a:spcBef>
         <a:buFont typeface="Arial" panose="020B0604020202020204" pitchFamily="34" charset="0"/>
         <a:buChar char="•"/>
-        <a:defRPr sz="4000" kern="1200">
+        <a:defRPr sz="3733" kern="1200">
           <a:solidFill>
             <a:schemeClr val="tx1"/>
           </a:solidFill>
@@ -3188,16 +3188,16 @@
           <a:cs typeface="+mn-cs"/>
         </a:defRPr>
       </a:lvl3pPr>
-      <a:lvl4pPr marL="3200400" indent="-457200" algn="l" defTabSz="1828800" rtl="0" eaLnBrk="1" latinLnBrk="0" hangingPunct="1">
+      <a:lvl4pPr marL="2987093" indent="-426728" algn="l" defTabSz="1706910" rtl="0" eaLnBrk="1" latinLnBrk="0" hangingPunct="1">
         <a:lnSpc>
           <a:spcPct val="90000"/>
         </a:lnSpc>
         <a:spcBef>
-          <a:spcPts val="1000"/>
+          <a:spcPts val="933"/>
         </a:spcBef>
         <a:buFont typeface="Arial" panose="020B0604020202020204" pitchFamily="34" charset="0"/>
         <a:buChar char="•"/>
-        <a:defRPr sz="3600" kern="1200">
+        <a:defRPr sz="3360" kern="1200">
           <a:solidFill>
             <a:schemeClr val="tx1"/>
           </a:solidFill>
@@ -3206,16 +3206,16 @@
           <a:cs typeface="+mn-cs"/>
         </a:defRPr>
       </a:lvl4pPr>
-      <a:lvl5pPr marL="4114800" indent="-457200" algn="l" defTabSz="1828800" rtl="0" eaLnBrk="1" latinLnBrk="0" hangingPunct="1">
+      <a:lvl5pPr marL="3840549" indent="-426728" algn="l" defTabSz="1706910" rtl="0" eaLnBrk="1" latinLnBrk="0" hangingPunct="1">
         <a:lnSpc>
           <a:spcPct val="90000"/>
         </a:lnSpc>
         <a:spcBef>
-          <a:spcPts val="1000"/>
+          <a:spcPts val="933"/>
         </a:spcBef>
         <a:buFont typeface="Arial" panose="020B0604020202020204" pitchFamily="34" charset="0"/>
         <a:buChar char="•"/>
-        <a:defRPr sz="3600" kern="1200">
+        <a:defRPr sz="3360" kern="1200">
           <a:solidFill>
             <a:schemeClr val="tx1"/>
           </a:solidFill>
@@ -3224,16 +3224,16 @@
           <a:cs typeface="+mn-cs"/>
         </a:defRPr>
       </a:lvl5pPr>
-      <a:lvl6pPr marL="5029200" indent="-457200" algn="l" defTabSz="1828800" rtl="0" eaLnBrk="1" latinLnBrk="0" hangingPunct="1">
+      <a:lvl6pPr marL="4694004" indent="-426728" algn="l" defTabSz="1706910" rtl="0" eaLnBrk="1" latinLnBrk="0" hangingPunct="1">
         <a:lnSpc>
           <a:spcPct val="90000"/>
         </a:lnSpc>
         <a:spcBef>
-          <a:spcPts val="1000"/>
+          <a:spcPts val="933"/>
         </a:spcBef>
         <a:buFont typeface="Arial" panose="020B0604020202020204" pitchFamily="34" charset="0"/>
         <a:buChar char="•"/>
-        <a:defRPr sz="3600" kern="1200">
+        <a:defRPr sz="3360" kern="1200">
           <a:solidFill>
             <a:schemeClr val="tx1"/>
           </a:solidFill>
@@ -3242,16 +3242,16 @@
           <a:cs typeface="+mn-cs"/>
         </a:defRPr>
       </a:lvl6pPr>
-      <a:lvl7pPr marL="5943600" indent="-457200" algn="l" defTabSz="1828800" rtl="0" eaLnBrk="1" latinLnBrk="0" hangingPunct="1">
+      <a:lvl7pPr marL="5547459" indent="-426728" algn="l" defTabSz="1706910" rtl="0" eaLnBrk="1" latinLnBrk="0" hangingPunct="1">
         <a:lnSpc>
           <a:spcPct val="90000"/>
         </a:lnSpc>
         <a:spcBef>
-          <a:spcPts val="1000"/>
+          <a:spcPts val="933"/>
         </a:spcBef>
         <a:buFont typeface="Arial" panose="020B0604020202020204" pitchFamily="34" charset="0"/>
         <a:buChar char="•"/>
-        <a:defRPr sz="3600" kern="1200">
+        <a:defRPr sz="3360" kern="1200">
           <a:solidFill>
             <a:schemeClr val="tx1"/>
           </a:solidFill>
@@ -3260,16 +3260,16 @@
           <a:cs typeface="+mn-cs"/>
         </a:defRPr>
       </a:lvl7pPr>
-      <a:lvl8pPr marL="6858000" indent="-457200" algn="l" defTabSz="1828800" rtl="0" eaLnBrk="1" latinLnBrk="0" hangingPunct="1">
+      <a:lvl8pPr marL="6400914" indent="-426728" algn="l" defTabSz="1706910" rtl="0" eaLnBrk="1" latinLnBrk="0" hangingPunct="1">
         <a:lnSpc>
           <a:spcPct val="90000"/>
         </a:lnSpc>
         <a:spcBef>
-          <a:spcPts val="1000"/>
+          <a:spcPts val="933"/>
         </a:spcBef>
         <a:buFont typeface="Arial" panose="020B0604020202020204" pitchFamily="34" charset="0"/>
         <a:buChar char="•"/>
-        <a:defRPr sz="3600" kern="1200">
+        <a:defRPr sz="3360" kern="1200">
           <a:solidFill>
             <a:schemeClr val="tx1"/>
           </a:solidFill>
@@ -3278,16 +3278,16 @@
           <a:cs typeface="+mn-cs"/>
         </a:defRPr>
       </a:lvl8pPr>
-      <a:lvl9pPr marL="7772400" indent="-457200" algn="l" defTabSz="1828800" rtl="0" eaLnBrk="1" latinLnBrk="0" hangingPunct="1">
+      <a:lvl9pPr marL="7254370" indent="-426728" algn="l" defTabSz="1706910" rtl="0" eaLnBrk="1" latinLnBrk="0" hangingPunct="1">
         <a:lnSpc>
           <a:spcPct val="90000"/>
         </a:lnSpc>
         <a:spcBef>
-          <a:spcPts val="1000"/>
+          <a:spcPts val="933"/>
         </a:spcBef>
         <a:buFont typeface="Arial" panose="020B0604020202020204" pitchFamily="34" charset="0"/>
         <a:buChar char="•"/>
-        <a:defRPr sz="3600" kern="1200">
+        <a:defRPr sz="3360" kern="1200">
           <a:solidFill>
             <a:schemeClr val="tx1"/>
           </a:solidFill>
@@ -3301,8 +3301,8 @@
       <a:defPPr>
         <a:defRPr lang="en-US"/>
       </a:defPPr>
-      <a:lvl1pPr marL="0" algn="l" defTabSz="1828800" rtl="0" eaLnBrk="1" latinLnBrk="0" hangingPunct="1">
-        <a:defRPr sz="3600" kern="1200">
+      <a:lvl1pPr marL="0" algn="l" defTabSz="1706910" rtl="0" eaLnBrk="1" latinLnBrk="0" hangingPunct="1">
+        <a:defRPr sz="3360" kern="1200">
           <a:solidFill>
             <a:schemeClr val="tx1"/>
           </a:solidFill>
@@ -3311,8 +3311,8 @@
           <a:cs typeface="+mn-cs"/>
         </a:defRPr>
       </a:lvl1pPr>
-      <a:lvl2pPr marL="914400" algn="l" defTabSz="1828800" rtl="0" eaLnBrk="1" latinLnBrk="0" hangingPunct="1">
-        <a:defRPr sz="3600" kern="1200">
+      <a:lvl2pPr marL="853455" algn="l" defTabSz="1706910" rtl="0" eaLnBrk="1" latinLnBrk="0" hangingPunct="1">
+        <a:defRPr sz="3360" kern="1200">
           <a:solidFill>
             <a:schemeClr val="tx1"/>
           </a:solidFill>
@@ -3321,8 +3321,8 @@
           <a:cs typeface="+mn-cs"/>
         </a:defRPr>
       </a:lvl2pPr>
-      <a:lvl3pPr marL="1828800" algn="l" defTabSz="1828800" rtl="0" eaLnBrk="1" latinLnBrk="0" hangingPunct="1">
-        <a:defRPr sz="3600" kern="1200">
+      <a:lvl3pPr marL="1706910" algn="l" defTabSz="1706910" rtl="0" eaLnBrk="1" latinLnBrk="0" hangingPunct="1">
+        <a:defRPr sz="3360" kern="1200">
           <a:solidFill>
             <a:schemeClr val="tx1"/>
           </a:solidFill>
@@ -3331,8 +3331,8 @@
           <a:cs typeface="+mn-cs"/>
         </a:defRPr>
       </a:lvl3pPr>
-      <a:lvl4pPr marL="2743200" algn="l" defTabSz="1828800" rtl="0" eaLnBrk="1" latinLnBrk="0" hangingPunct="1">
-        <a:defRPr sz="3600" kern="1200">
+      <a:lvl4pPr marL="2560366" algn="l" defTabSz="1706910" rtl="0" eaLnBrk="1" latinLnBrk="0" hangingPunct="1">
+        <a:defRPr sz="3360" kern="1200">
           <a:solidFill>
             <a:schemeClr val="tx1"/>
           </a:solidFill>
@@ -3341,8 +3341,8 @@
           <a:cs typeface="+mn-cs"/>
         </a:defRPr>
       </a:lvl4pPr>
-      <a:lvl5pPr marL="3657600" algn="l" defTabSz="1828800" rtl="0" eaLnBrk="1" latinLnBrk="0" hangingPunct="1">
-        <a:defRPr sz="3600" kern="1200">
+      <a:lvl5pPr marL="3413821" algn="l" defTabSz="1706910" rtl="0" eaLnBrk="1" latinLnBrk="0" hangingPunct="1">
+        <a:defRPr sz="3360" kern="1200">
           <a:solidFill>
             <a:schemeClr val="tx1"/>
           </a:solidFill>
@@ -3351,8 +3351,8 @@
           <a:cs typeface="+mn-cs"/>
         </a:defRPr>
       </a:lvl5pPr>
-      <a:lvl6pPr marL="4572000" algn="l" defTabSz="1828800" rtl="0" eaLnBrk="1" latinLnBrk="0" hangingPunct="1">
-        <a:defRPr sz="3600" kern="1200">
+      <a:lvl6pPr marL="4267276" algn="l" defTabSz="1706910" rtl="0" eaLnBrk="1" latinLnBrk="0" hangingPunct="1">
+        <a:defRPr sz="3360" kern="1200">
           <a:solidFill>
             <a:schemeClr val="tx1"/>
           </a:solidFill>
@@ -3361,8 +3361,8 @@
           <a:cs typeface="+mn-cs"/>
         </a:defRPr>
       </a:lvl6pPr>
-      <a:lvl7pPr marL="5486400" algn="l" defTabSz="1828800" rtl="0" eaLnBrk="1" latinLnBrk="0" hangingPunct="1">
-        <a:defRPr sz="3600" kern="1200">
+      <a:lvl7pPr marL="5120731" algn="l" defTabSz="1706910" rtl="0" eaLnBrk="1" latinLnBrk="0" hangingPunct="1">
+        <a:defRPr sz="3360" kern="1200">
           <a:solidFill>
             <a:schemeClr val="tx1"/>
           </a:solidFill>
@@ -3371,8 +3371,8 @@
           <a:cs typeface="+mn-cs"/>
         </a:defRPr>
       </a:lvl7pPr>
-      <a:lvl8pPr marL="6400800" algn="l" defTabSz="1828800" rtl="0" eaLnBrk="1" latinLnBrk="0" hangingPunct="1">
-        <a:defRPr sz="3600" kern="1200">
+      <a:lvl8pPr marL="5974187" algn="l" defTabSz="1706910" rtl="0" eaLnBrk="1" latinLnBrk="0" hangingPunct="1">
+        <a:defRPr sz="3360" kern="1200">
           <a:solidFill>
             <a:schemeClr val="tx1"/>
           </a:solidFill>
@@ -3381,8 +3381,8 @@
           <a:cs typeface="+mn-cs"/>
         </a:defRPr>
       </a:lvl8pPr>
-      <a:lvl9pPr marL="7315200" algn="l" defTabSz="1828800" rtl="0" eaLnBrk="1" latinLnBrk="0" hangingPunct="1">
-        <a:defRPr sz="3600" kern="1200">
+      <a:lvl9pPr marL="6827642" algn="l" defTabSz="1706910" rtl="0" eaLnBrk="1" latinLnBrk="0" hangingPunct="1">
+        <a:defRPr sz="3360" kern="1200">
           <a:solidFill>
             <a:schemeClr val="tx1"/>
           </a:solidFill>
@@ -3421,7 +3421,7 @@
         </p:nvSpPr>
         <p:spPr>
           <a:xfrm>
-            <a:off x="1981200" y="1905000"/>
+            <a:off x="457200" y="457200"/>
             <a:ext cx="1524000" cy="228600"/>
           </a:xfrm>
           <a:prstGeom prst="roundRect">
@@ -3459,24 +3459,14 @@
           <a:p>
             <a:pPr algn="ctr"/>
             <a:r>
-              <a:rPr lang="en-US" sz="900" dirty="0" smtClean="0">
+              <a:rPr lang="en-US" sz="900" dirty="0">
                 <a:solidFill>
                   <a:srgbClr val="000000"/>
                 </a:solidFill>
                 <a:latin typeface="Courier New" panose="02070309020205020404" pitchFamily="49" charset="0"/>
                 <a:cs typeface="Courier New" panose="02070309020205020404" pitchFamily="49" charset="0"/>
               </a:rPr>
-              <a:t>handle</a:t>
-            </a:r>
-            <a:r>
-              <a:rPr lang="en-US" sz="900" dirty="0" smtClean="0">
-                <a:solidFill>
-                  <a:srgbClr val="000000"/>
-                </a:solidFill>
-                <a:latin typeface="Courier New" panose="02070309020205020404" pitchFamily="49" charset="0"/>
-                <a:cs typeface="Courier New" panose="02070309020205020404" pitchFamily="49" charset="0"/>
-              </a:rPr>
-              <a:t>_7seg</a:t>
+              <a:t>handle_7seg</a:t>
             </a:r>
             <a:endParaRPr lang="en-US" sz="900" dirty="0">
               <a:solidFill>
@@ -3496,7 +3486,7 @@
         </p:nvSpPr>
         <p:spPr>
           <a:xfrm>
-            <a:off x="1828800" y="12649201"/>
+            <a:off x="457200" y="11582399"/>
             <a:ext cx="228600" cy="152400"/>
           </a:xfrm>
           <a:prstGeom prst="homePlate">
@@ -3547,7 +3537,7 @@
         </p:nvCxnSpPr>
         <p:spPr>
           <a:xfrm flipV="1">
-            <a:off x="2133600" y="12649201"/>
+            <a:off x="762000" y="11582399"/>
             <a:ext cx="152400" cy="152400"/>
           </a:xfrm>
           <a:prstGeom prst="line">
@@ -3584,7 +3574,7 @@
         </p:nvSpPr>
         <p:spPr>
           <a:xfrm>
-            <a:off x="2133600" y="12573001"/>
+            <a:off x="762000" y="11506199"/>
             <a:ext cx="152400" cy="76200"/>
           </a:xfrm>
           <a:prstGeom prst="rect">
@@ -3637,7 +3627,7 @@
         </p:nvSpPr>
         <p:spPr>
           <a:xfrm>
-            <a:off x="2362200" y="12573001"/>
+            <a:off x="990600" y="11506199"/>
             <a:ext cx="457200" cy="152400"/>
           </a:xfrm>
           <a:prstGeom prst="rect">
@@ -3691,7 +3681,7 @@
         </p:nvCxnSpPr>
         <p:spPr>
           <a:xfrm>
-            <a:off x="2057400" y="12725401"/>
+            <a:off x="685800" y="11658599"/>
             <a:ext cx="914400" cy="0"/>
           </a:xfrm>
           <a:prstGeom prst="line">
@@ -3722,23 +3712,21 @@
       </p:cxnSp>
       <p:sp>
         <p:nvSpPr>
-          <p:cNvPr id="346" name="Rectangle 345"/>
+          <p:cNvPr id="350" name="Rectangle 349"/>
           <p:cNvSpPr/>
           <p:nvPr/>
         </p:nvSpPr>
         <p:spPr>
           <a:xfrm>
-            <a:off x="3429000" y="12649210"/>
-            <a:ext cx="304800" cy="304793"/>
+            <a:off x="1676400" y="11582399"/>
+            <a:ext cx="457200" cy="152400"/>
           </a:xfrm>
           <a:prstGeom prst="rect">
             <a:avLst/>
           </a:prstGeom>
           <a:noFill/>
-          <a:ln w="12700">
-            <a:solidFill>
-              <a:srgbClr val="000000"/>
-            </a:solidFill>
+          <a:ln>
+            <a:noFill/>
           </a:ln>
         </p:spPr>
         <p:style>
@@ -3758,124 +3746,9 @@
           </a:fontRef>
         </p:style>
         <p:txBody>
-          <a:bodyPr rtlCol="0" anchor="ctr"/>
-          <a:lstStyle/>
-          <a:p>
-            <a:pPr algn="ctr"/>
-            <a:endParaRPr lang="en-US" sz="3730"/>
-          </a:p>
-        </p:txBody>
-      </p:sp>
-      <p:cxnSp>
-        <p:nvCxnSpPr>
-          <p:cNvPr id="347" name="Straight Connector 346"/>
-          <p:cNvCxnSpPr/>
-          <p:nvPr/>
-        </p:nvCxnSpPr>
-        <p:spPr>
-          <a:xfrm flipV="1">
-            <a:off x="3505201" y="12877774"/>
-            <a:ext cx="76200" cy="76200"/>
-          </a:xfrm>
-          <a:prstGeom prst="line">
-            <a:avLst/>
-          </a:prstGeom>
-          <a:ln w="12700">
-            <a:solidFill>
-              <a:srgbClr val="000000"/>
-            </a:solidFill>
-          </a:ln>
-        </p:spPr>
-        <p:style>
-          <a:lnRef idx="1">
-            <a:schemeClr val="accent1"/>
-          </a:lnRef>
-          <a:fillRef idx="0">
-            <a:schemeClr val="accent1"/>
-          </a:fillRef>
-          <a:effectRef idx="0">
-            <a:schemeClr val="accent1"/>
-          </a:effectRef>
-          <a:fontRef idx="minor">
-            <a:schemeClr val="tx1"/>
-          </a:fontRef>
-        </p:style>
-      </p:cxnSp>
-      <p:cxnSp>
-        <p:nvCxnSpPr>
-          <p:cNvPr id="348" name="Straight Connector 347"/>
-          <p:cNvCxnSpPr/>
-          <p:nvPr/>
-        </p:nvCxnSpPr>
-        <p:spPr>
-          <a:xfrm flipH="1" flipV="1">
-            <a:off x="3581401" y="12877774"/>
-            <a:ext cx="76200" cy="76200"/>
-          </a:xfrm>
-          <a:prstGeom prst="line">
-            <a:avLst/>
-          </a:prstGeom>
-          <a:ln w="12700">
-            <a:solidFill>
-              <a:srgbClr val="000000"/>
-            </a:solidFill>
-          </a:ln>
-        </p:spPr>
-        <p:style>
-          <a:lnRef idx="1">
-            <a:schemeClr val="accent1"/>
-          </a:lnRef>
-          <a:fillRef idx="0">
-            <a:schemeClr val="accent1"/>
-          </a:fillRef>
-          <a:effectRef idx="0">
-            <a:schemeClr val="accent1"/>
-          </a:effectRef>
-          <a:fontRef idx="minor">
-            <a:schemeClr val="tx1"/>
-          </a:fontRef>
-        </p:style>
-      </p:cxnSp>
-      <p:sp>
-        <p:nvSpPr>
-          <p:cNvPr id="349" name="Rectangle 348"/>
-          <p:cNvSpPr/>
-          <p:nvPr/>
-        </p:nvSpPr>
-        <p:spPr>
-          <a:xfrm>
-            <a:off x="3505200" y="12649181"/>
-            <a:ext cx="152400" cy="152400"/>
-          </a:xfrm>
-          <a:prstGeom prst="rect">
-            <a:avLst/>
-          </a:prstGeom>
-          <a:noFill/>
-          <a:ln>
-            <a:noFill/>
-          </a:ln>
-        </p:spPr>
-        <p:style>
-          <a:lnRef idx="2">
-            <a:schemeClr val="accent1">
-              <a:shade val="50000"/>
-            </a:schemeClr>
-          </a:lnRef>
-          <a:fillRef idx="1">
-            <a:schemeClr val="accent1"/>
-          </a:fillRef>
-          <a:effectRef idx="0">
-            <a:schemeClr val="accent1"/>
-          </a:effectRef>
-          <a:fontRef idx="minor">
-            <a:schemeClr val="lt1"/>
-          </a:fontRef>
-        </p:style>
-        <p:txBody>
           <a:bodyPr wrap="none" lIns="45720" rIns="45720" rtlCol="0" anchor="ctr"/>
           <a:lstStyle/>
           <a:p>
-            <a:pPr algn="ctr"/>
             <a:r>
               <a:rPr lang="en-US" sz="900" dirty="0">
                 <a:solidFill>
@@ -3884,112 +3757,15 @@
                 <a:latin typeface="Courier New" panose="02070309020205020404" pitchFamily="49" charset="0"/>
                 <a:cs typeface="Courier New" panose="02070309020205020404" pitchFamily="49" charset="0"/>
               </a:rPr>
-              <a:t>R</a:t>
-            </a:r>
-          </a:p>
-        </p:txBody>
-      </p:sp>
-      <p:sp>
-        <p:nvSpPr>
-          <p:cNvPr id="350" name="Rectangle 349"/>
-          <p:cNvSpPr/>
-          <p:nvPr/>
-        </p:nvSpPr>
-        <p:spPr>
-          <a:xfrm>
-            <a:off x="3048000" y="12649201"/>
-            <a:ext cx="457200" cy="152400"/>
-          </a:xfrm>
-          <a:prstGeom prst="rect">
-            <a:avLst/>
-          </a:prstGeom>
-          <a:noFill/>
-          <a:ln>
-            <a:noFill/>
-          </a:ln>
-        </p:spPr>
-        <p:style>
-          <a:lnRef idx="2">
-            <a:schemeClr val="accent1">
-              <a:shade val="50000"/>
-            </a:schemeClr>
-          </a:lnRef>
-          <a:fillRef idx="1">
-            <a:schemeClr val="accent1"/>
-          </a:fillRef>
-          <a:effectRef idx="0">
-            <a:schemeClr val="accent1"/>
-          </a:effectRef>
-          <a:fontRef idx="minor">
-            <a:schemeClr val="lt1"/>
-          </a:fontRef>
-        </p:style>
-        <p:txBody>
-          <a:bodyPr wrap="none" lIns="45720" rIns="45720" rtlCol="0" anchor="ctr"/>
-          <a:lstStyle/>
-          <a:p>
-            <a:r>
-              <a:rPr lang="en-US" sz="900" dirty="0">
-                <a:solidFill>
-                  <a:srgbClr val="000000"/>
-                </a:solidFill>
-                <a:latin typeface="Courier New" panose="02070309020205020404" pitchFamily="49" charset="0"/>
-                <a:cs typeface="Courier New" panose="02070309020205020404" pitchFamily="49" charset="0"/>
-              </a:rPr>
-              <a:t>to</a:t>
-            </a:r>
-          </a:p>
-        </p:txBody>
-      </p:sp>
-      <p:sp>
-        <p:nvSpPr>
-          <p:cNvPr id="351" name="Rectangle 350"/>
-          <p:cNvSpPr/>
-          <p:nvPr/>
-        </p:nvSpPr>
-        <p:spPr>
-          <a:xfrm>
-            <a:off x="3886200" y="12649201"/>
-            <a:ext cx="457200" cy="152400"/>
-          </a:xfrm>
-          <a:prstGeom prst="rect">
-            <a:avLst/>
-          </a:prstGeom>
-          <a:noFill/>
-          <a:ln>
-            <a:noFill/>
-          </a:ln>
-        </p:spPr>
-        <p:style>
-          <a:lnRef idx="2">
-            <a:schemeClr val="accent1">
-              <a:shade val="50000"/>
-            </a:schemeClr>
-          </a:lnRef>
-          <a:fillRef idx="1">
-            <a:schemeClr val="accent1"/>
-          </a:fillRef>
-          <a:effectRef idx="0">
-            <a:schemeClr val="accent1"/>
-          </a:effectRef>
-          <a:fontRef idx="minor">
-            <a:schemeClr val="lt1"/>
-          </a:fontRef>
-        </p:style>
-        <p:txBody>
-          <a:bodyPr wrap="none" lIns="45720" rIns="45720" rtlCol="0" anchor="ctr"/>
-          <a:lstStyle/>
-          <a:p>
-            <a:r>
-              <a:rPr lang="en-US" sz="900" dirty="0">
-                <a:solidFill>
-                  <a:srgbClr val="000000"/>
-                </a:solidFill>
-                <a:latin typeface="Courier New" panose="02070309020205020404" pitchFamily="49" charset="0"/>
-                <a:cs typeface="Courier New" panose="02070309020205020404" pitchFamily="49" charset="0"/>
-              </a:rPr>
-              <a:t>as high active clock</a:t>
-            </a:r>
+              <a:t>to blocks</a:t>
+            </a:r>
+            <a:endParaRPr lang="en-US" sz="900" dirty="0">
+              <a:solidFill>
+                <a:srgbClr val="000000"/>
+              </a:solidFill>
+              <a:latin typeface="Courier New" panose="02070309020205020404" pitchFamily="49" charset="0"/>
+              <a:cs typeface="Courier New" panose="02070309020205020404" pitchFamily="49" charset="0"/>
+            </a:endParaRPr>
           </a:p>
         </p:txBody>
       </p:sp>
@@ -4001,7 +3777,7 @@
         </p:nvSpPr>
         <p:spPr>
           <a:xfrm>
-            <a:off x="1828800" y="13106408"/>
+            <a:off x="457200" y="12039606"/>
             <a:ext cx="228600" cy="152400"/>
           </a:xfrm>
           <a:prstGeom prst="homePlate">
@@ -4052,7 +3828,7 @@
         </p:nvCxnSpPr>
         <p:spPr>
           <a:xfrm flipV="1">
-            <a:off x="2133600" y="13106408"/>
+            <a:off x="762000" y="12039606"/>
             <a:ext cx="152400" cy="152400"/>
           </a:xfrm>
           <a:prstGeom prst="line">
@@ -4089,7 +3865,7 @@
         </p:nvSpPr>
         <p:spPr>
           <a:xfrm>
-            <a:off x="2133600" y="13030208"/>
+            <a:off x="762000" y="11963406"/>
             <a:ext cx="152400" cy="76200"/>
           </a:xfrm>
           <a:prstGeom prst="rect">
@@ -4142,7 +3918,7 @@
         </p:nvSpPr>
         <p:spPr>
           <a:xfrm>
-            <a:off x="2362200" y="13030208"/>
+            <a:off x="990600" y="11963406"/>
             <a:ext cx="457200" cy="152400"/>
           </a:xfrm>
           <a:prstGeom prst="rect">
@@ -4196,7 +3972,7 @@
         </p:nvCxnSpPr>
         <p:spPr>
           <a:xfrm>
-            <a:off x="2057400" y="13182608"/>
+            <a:off x="685800" y="12115806"/>
             <a:ext cx="914400" cy="0"/>
           </a:xfrm>
           <a:prstGeom prst="line">
@@ -4227,23 +4003,21 @@
       </p:cxnSp>
       <p:sp>
         <p:nvSpPr>
-          <p:cNvPr id="357" name="Rectangle 356"/>
+          <p:cNvPr id="361" name="Rectangle 360"/>
           <p:cNvSpPr/>
           <p:nvPr/>
         </p:nvSpPr>
         <p:spPr>
           <a:xfrm>
-            <a:off x="3429000" y="13106417"/>
-            <a:ext cx="304800" cy="304793"/>
+            <a:off x="1676400" y="12039606"/>
+            <a:ext cx="457200" cy="152400"/>
           </a:xfrm>
           <a:prstGeom prst="rect">
             <a:avLst/>
           </a:prstGeom>
           <a:noFill/>
-          <a:ln w="12700">
-            <a:solidFill>
-              <a:srgbClr val="000000"/>
-            </a:solidFill>
+          <a:ln>
+            <a:noFill/>
           </a:ln>
         </p:spPr>
         <p:style>
@@ -4263,124 +4037,9 @@
           </a:fontRef>
         </p:style>
         <p:txBody>
-          <a:bodyPr rtlCol="0" anchor="ctr"/>
-          <a:lstStyle/>
-          <a:p>
-            <a:pPr algn="ctr"/>
-            <a:endParaRPr lang="en-US" sz="3730"/>
-          </a:p>
-        </p:txBody>
-      </p:sp>
-      <p:cxnSp>
-        <p:nvCxnSpPr>
-          <p:cNvPr id="358" name="Straight Connector 357"/>
-          <p:cNvCxnSpPr/>
-          <p:nvPr/>
-        </p:nvCxnSpPr>
-        <p:spPr>
-          <a:xfrm flipV="1">
-            <a:off x="3505201" y="13334981"/>
-            <a:ext cx="76200" cy="76200"/>
-          </a:xfrm>
-          <a:prstGeom prst="line">
-            <a:avLst/>
-          </a:prstGeom>
-          <a:ln w="12700">
-            <a:solidFill>
-              <a:srgbClr val="000000"/>
-            </a:solidFill>
-          </a:ln>
-        </p:spPr>
-        <p:style>
-          <a:lnRef idx="1">
-            <a:schemeClr val="accent1"/>
-          </a:lnRef>
-          <a:fillRef idx="0">
-            <a:schemeClr val="accent1"/>
-          </a:fillRef>
-          <a:effectRef idx="0">
-            <a:schemeClr val="accent1"/>
-          </a:effectRef>
-          <a:fontRef idx="minor">
-            <a:schemeClr val="tx1"/>
-          </a:fontRef>
-        </p:style>
-      </p:cxnSp>
-      <p:cxnSp>
-        <p:nvCxnSpPr>
-          <p:cNvPr id="359" name="Straight Connector 358"/>
-          <p:cNvCxnSpPr/>
-          <p:nvPr/>
-        </p:nvCxnSpPr>
-        <p:spPr>
-          <a:xfrm flipH="1" flipV="1">
-            <a:off x="3581401" y="13334981"/>
-            <a:ext cx="76200" cy="76200"/>
-          </a:xfrm>
-          <a:prstGeom prst="line">
-            <a:avLst/>
-          </a:prstGeom>
-          <a:ln w="12700">
-            <a:solidFill>
-              <a:srgbClr val="000000"/>
-            </a:solidFill>
-          </a:ln>
-        </p:spPr>
-        <p:style>
-          <a:lnRef idx="1">
-            <a:schemeClr val="accent1"/>
-          </a:lnRef>
-          <a:fillRef idx="0">
-            <a:schemeClr val="accent1"/>
-          </a:fillRef>
-          <a:effectRef idx="0">
-            <a:schemeClr val="accent1"/>
-          </a:effectRef>
-          <a:fontRef idx="minor">
-            <a:schemeClr val="tx1"/>
-          </a:fontRef>
-        </p:style>
-      </p:cxnSp>
-      <p:sp>
-        <p:nvSpPr>
-          <p:cNvPr id="360" name="Rectangle 359"/>
-          <p:cNvSpPr/>
-          <p:nvPr/>
-        </p:nvSpPr>
-        <p:spPr>
-          <a:xfrm>
-            <a:off x="3505200" y="13106388"/>
-            <a:ext cx="152400" cy="152400"/>
-          </a:xfrm>
-          <a:prstGeom prst="rect">
-            <a:avLst/>
-          </a:prstGeom>
-          <a:noFill/>
-          <a:ln>
-            <a:noFill/>
-          </a:ln>
-        </p:spPr>
-        <p:style>
-          <a:lnRef idx="2">
-            <a:schemeClr val="accent1">
-              <a:shade val="50000"/>
-            </a:schemeClr>
-          </a:lnRef>
-          <a:fillRef idx="1">
-            <a:schemeClr val="accent1"/>
-          </a:fillRef>
-          <a:effectRef idx="0">
-            <a:schemeClr val="accent1"/>
-          </a:effectRef>
-          <a:fontRef idx="minor">
-            <a:schemeClr val="lt1"/>
-          </a:fontRef>
-        </p:style>
-        <p:txBody>
           <a:bodyPr wrap="none" lIns="45720" rIns="45720" rtlCol="0" anchor="ctr"/>
           <a:lstStyle/>
           <a:p>
-            <a:pPr algn="ctr"/>
             <a:r>
               <a:rPr lang="en-US" sz="900" dirty="0">
                 <a:solidFill>
@@ -4389,28 +4048,37 @@
                 <a:latin typeface="Courier New" panose="02070309020205020404" pitchFamily="49" charset="0"/>
                 <a:cs typeface="Courier New" panose="02070309020205020404" pitchFamily="49" charset="0"/>
               </a:rPr>
-              <a:t>R</a:t>
-            </a:r>
-          </a:p>
-        </p:txBody>
-      </p:sp>
-      <p:sp>
-        <p:nvSpPr>
-          <p:cNvPr id="361" name="Rectangle 360"/>
+              <a:t>to blocks</a:t>
+            </a:r>
+            <a:endParaRPr lang="en-US" sz="900" dirty="0">
+              <a:solidFill>
+                <a:srgbClr val="000000"/>
+              </a:solidFill>
+              <a:latin typeface="Courier New" panose="02070309020205020404" pitchFamily="49" charset="0"/>
+              <a:cs typeface="Courier New" panose="02070309020205020404" pitchFamily="49" charset="0"/>
+            </a:endParaRPr>
+          </a:p>
+        </p:txBody>
+      </p:sp>
+      <p:sp>
+        <p:nvSpPr>
+          <p:cNvPr id="627" name="Pentagon 626"/>
           <p:cNvSpPr/>
           <p:nvPr/>
         </p:nvSpPr>
         <p:spPr>
           <a:xfrm>
-            <a:off x="3048000" y="13106408"/>
-            <a:ext cx="457200" cy="152400"/>
-          </a:xfrm>
-          <a:prstGeom prst="rect">
+            <a:off x="457200" y="1219200"/>
+            <a:ext cx="228600" cy="152400"/>
+          </a:xfrm>
+          <a:prstGeom prst="homePlate">
             <a:avLst/>
           </a:prstGeom>
           <a:noFill/>
-          <a:ln>
-            <a:noFill/>
+          <a:ln w="12700">
+            <a:solidFill>
+              <a:schemeClr val="tx1"/>
+            </a:solidFill>
           </a:ln>
         </p:spPr>
         <p:style>
@@ -4430,9 +4098,96 @@
           </a:fontRef>
         </p:style>
         <p:txBody>
+          <a:bodyPr rot="0" spcFirstLastPara="0" vertOverflow="overflow" horzOverflow="overflow" vert="horz" wrap="square" lIns="91440" tIns="45720" rIns="91440" bIns="45720" numCol="1" spcCol="0" rtlCol="0" fromWordArt="0" anchor="ctr" anchorCtr="0" forceAA="0" compatLnSpc="1">
+            <a:prstTxWarp prst="textNoShape">
+              <a:avLst/>
+            </a:prstTxWarp>
+            <a:noAutofit/>
+          </a:bodyPr>
+          <a:lstStyle/>
+          <a:p>
+            <a:pPr algn="ctr"/>
+            <a:endParaRPr lang="en-US" sz="3730"/>
+          </a:p>
+        </p:txBody>
+      </p:sp>
+      <p:cxnSp>
+        <p:nvCxnSpPr>
+          <p:cNvPr id="628" name="Straight Connector 627"/>
+          <p:cNvCxnSpPr/>
+          <p:nvPr/>
+        </p:nvCxnSpPr>
+        <p:spPr>
+          <a:xfrm flipV="1">
+            <a:off x="762000" y="1219200"/>
+            <a:ext cx="152400" cy="152400"/>
+          </a:xfrm>
+          <a:prstGeom prst="line">
+            <a:avLst/>
+          </a:prstGeom>
+          <a:ln w="12700">
+            <a:solidFill>
+              <a:srgbClr val="000000"/>
+            </a:solidFill>
+            <a:headEnd type="none" w="med" len="med"/>
+            <a:tailEnd type="none" w="med" len="med"/>
+          </a:ln>
+        </p:spPr>
+        <p:style>
+          <a:lnRef idx="1">
+            <a:schemeClr val="accent1"/>
+          </a:lnRef>
+          <a:fillRef idx="0">
+            <a:schemeClr val="accent1"/>
+          </a:fillRef>
+          <a:effectRef idx="0">
+            <a:schemeClr val="accent1"/>
+          </a:effectRef>
+          <a:fontRef idx="minor">
+            <a:schemeClr val="tx1"/>
+          </a:fontRef>
+        </p:style>
+      </p:cxnSp>
+      <p:sp>
+        <p:nvSpPr>
+          <p:cNvPr id="629" name="Rectangle 628"/>
+          <p:cNvSpPr/>
+          <p:nvPr/>
+        </p:nvSpPr>
+        <p:spPr>
+          <a:xfrm>
+            <a:off x="762000" y="1143000"/>
+            <a:ext cx="152400" cy="76200"/>
+          </a:xfrm>
+          <a:prstGeom prst="rect">
+            <a:avLst/>
+          </a:prstGeom>
+          <a:noFill/>
+          <a:ln>
+            <a:noFill/>
+          </a:ln>
+        </p:spPr>
+        <p:style>
+          <a:lnRef idx="2">
+            <a:schemeClr val="accent1">
+              <a:shade val="50000"/>
+            </a:schemeClr>
+          </a:lnRef>
+          <a:fillRef idx="1">
+            <a:schemeClr val="accent1"/>
+          </a:fillRef>
+          <a:effectRef idx="0">
+            <a:schemeClr val="accent1"/>
+          </a:effectRef>
+          <a:fontRef idx="minor">
+            <a:schemeClr val="lt1"/>
+          </a:fontRef>
+        </p:style>
+        <p:txBody>
           <a:bodyPr wrap="none" lIns="45720" rIns="45720" rtlCol="0" anchor="ctr"/>
           <a:lstStyle/>
           <a:p>
+            <a:pPr algn="ctr"/>
             <a:r>
               <a:rPr lang="en-US" sz="900" dirty="0">
                 <a:solidFill>
@@ -4441,199 +4196,6 @@
                 <a:latin typeface="Courier New" panose="02070309020205020404" pitchFamily="49" charset="0"/>
                 <a:cs typeface="Courier New" panose="02070309020205020404" pitchFamily="49" charset="0"/>
               </a:rPr>
-              <a:t>to</a:t>
-            </a:r>
-          </a:p>
-        </p:txBody>
-      </p:sp>
-      <p:sp>
-        <p:nvSpPr>
-          <p:cNvPr id="362" name="Rectangle 361"/>
-          <p:cNvSpPr/>
-          <p:nvPr/>
-        </p:nvSpPr>
-        <p:spPr>
-          <a:xfrm>
-            <a:off x="3886200" y="13106408"/>
-            <a:ext cx="457200" cy="152400"/>
-          </a:xfrm>
-          <a:prstGeom prst="rect">
-            <a:avLst/>
-          </a:prstGeom>
-          <a:noFill/>
-          <a:ln>
-            <a:noFill/>
-          </a:ln>
-        </p:spPr>
-        <p:style>
-          <a:lnRef idx="2">
-            <a:schemeClr val="accent1">
-              <a:shade val="50000"/>
-            </a:schemeClr>
-          </a:lnRef>
-          <a:fillRef idx="1">
-            <a:schemeClr val="accent1"/>
-          </a:fillRef>
-          <a:effectRef idx="0">
-            <a:schemeClr val="accent1"/>
-          </a:effectRef>
-          <a:fontRef idx="minor">
-            <a:schemeClr val="lt1"/>
-          </a:fontRef>
-        </p:style>
-        <p:txBody>
-          <a:bodyPr wrap="none" lIns="45720" rIns="45720" rtlCol="0" anchor="ctr"/>
-          <a:lstStyle/>
-          <a:p>
-            <a:r>
-              <a:rPr lang="en-US" sz="900" dirty="0">
-                <a:solidFill>
-                  <a:srgbClr val="000000"/>
-                </a:solidFill>
-                <a:latin typeface="Courier New" panose="02070309020205020404" pitchFamily="49" charset="0"/>
-                <a:cs typeface="Courier New" panose="02070309020205020404" pitchFamily="49" charset="0"/>
-              </a:rPr>
-              <a:t>as low active asynchronous reset</a:t>
-            </a:r>
-          </a:p>
-        </p:txBody>
-      </p:sp>
-      <p:sp>
-        <p:nvSpPr>
-          <p:cNvPr id="627" name="Pentagon 626"/>
-          <p:cNvSpPr/>
-          <p:nvPr/>
-        </p:nvSpPr>
-        <p:spPr>
-          <a:xfrm>
-            <a:off x="2743200" y="2438400"/>
-            <a:ext cx="228600" cy="152400"/>
-          </a:xfrm>
-          <a:prstGeom prst="homePlate">
-            <a:avLst/>
-          </a:prstGeom>
-          <a:noFill/>
-          <a:ln w="12700">
-            <a:solidFill>
-              <a:schemeClr val="tx1"/>
-            </a:solidFill>
-          </a:ln>
-        </p:spPr>
-        <p:style>
-          <a:lnRef idx="2">
-            <a:schemeClr val="accent1">
-              <a:shade val="50000"/>
-            </a:schemeClr>
-          </a:lnRef>
-          <a:fillRef idx="1">
-            <a:schemeClr val="accent1"/>
-          </a:fillRef>
-          <a:effectRef idx="0">
-            <a:schemeClr val="accent1"/>
-          </a:effectRef>
-          <a:fontRef idx="minor">
-            <a:schemeClr val="lt1"/>
-          </a:fontRef>
-        </p:style>
-        <p:txBody>
-          <a:bodyPr rot="0" spcFirstLastPara="0" vertOverflow="overflow" horzOverflow="overflow" vert="horz" wrap="square" lIns="91440" tIns="45720" rIns="91440" bIns="45720" numCol="1" spcCol="0" rtlCol="0" fromWordArt="0" anchor="ctr" anchorCtr="0" forceAA="0" compatLnSpc="1">
-            <a:prstTxWarp prst="textNoShape">
-              <a:avLst/>
-            </a:prstTxWarp>
-            <a:noAutofit/>
-          </a:bodyPr>
-          <a:lstStyle/>
-          <a:p>
-            <a:pPr algn="ctr"/>
-            <a:endParaRPr lang="en-US" sz="3730"/>
-          </a:p>
-        </p:txBody>
-      </p:sp>
-      <p:cxnSp>
-        <p:nvCxnSpPr>
-          <p:cNvPr id="628" name="Straight Connector 627"/>
-          <p:cNvCxnSpPr/>
-          <p:nvPr/>
-        </p:nvCxnSpPr>
-        <p:spPr>
-          <a:xfrm flipV="1">
-            <a:off x="3048000" y="2438400"/>
-            <a:ext cx="152400" cy="152400"/>
-          </a:xfrm>
-          <a:prstGeom prst="line">
-            <a:avLst/>
-          </a:prstGeom>
-          <a:ln w="12700">
-            <a:solidFill>
-              <a:srgbClr val="000000"/>
-            </a:solidFill>
-            <a:headEnd type="none" w="med" len="med"/>
-            <a:tailEnd type="none" w="med" len="med"/>
-          </a:ln>
-        </p:spPr>
-        <p:style>
-          <a:lnRef idx="1">
-            <a:schemeClr val="accent1"/>
-          </a:lnRef>
-          <a:fillRef idx="0">
-            <a:schemeClr val="accent1"/>
-          </a:fillRef>
-          <a:effectRef idx="0">
-            <a:schemeClr val="accent1"/>
-          </a:effectRef>
-          <a:fontRef idx="minor">
-            <a:schemeClr val="tx1"/>
-          </a:fontRef>
-        </p:style>
-      </p:cxnSp>
-      <p:sp>
-        <p:nvSpPr>
-          <p:cNvPr id="629" name="Rectangle 628"/>
-          <p:cNvSpPr/>
-          <p:nvPr/>
-        </p:nvSpPr>
-        <p:spPr>
-          <a:xfrm>
-            <a:off x="3048000" y="2362200"/>
-            <a:ext cx="152400" cy="76200"/>
-          </a:xfrm>
-          <a:prstGeom prst="rect">
-            <a:avLst/>
-          </a:prstGeom>
-          <a:noFill/>
-          <a:ln>
-            <a:noFill/>
-          </a:ln>
-        </p:spPr>
-        <p:style>
-          <a:lnRef idx="2">
-            <a:schemeClr val="accent1">
-              <a:shade val="50000"/>
-            </a:schemeClr>
-          </a:lnRef>
-          <a:fillRef idx="1">
-            <a:schemeClr val="accent1"/>
-          </a:fillRef>
-          <a:effectRef idx="0">
-            <a:schemeClr val="accent1"/>
-          </a:effectRef>
-          <a:fontRef idx="minor">
-            <a:schemeClr val="lt1"/>
-          </a:fontRef>
-        </p:style>
-        <p:txBody>
-          <a:bodyPr wrap="none" lIns="45720" rIns="45720" rtlCol="0" anchor="ctr"/>
-          <a:lstStyle/>
-          <a:p>
-            <a:pPr algn="ctr"/>
-            <a:r>
-              <a:rPr lang="en-US" sz="900" dirty="0" smtClean="0">
-                <a:solidFill>
-                  <a:srgbClr val="000000"/>
-                </a:solidFill>
-                <a:latin typeface="Courier New" panose="02070309020205020404" pitchFamily="49" charset="0"/>
-                <a:cs typeface="Courier New" panose="02070309020205020404" pitchFamily="49" charset="0"/>
-              </a:rPr>
               <a:t>7</a:t>
             </a:r>
             <a:endParaRPr lang="en-US" sz="900" dirty="0">
@@ -4654,7 +4216,7 @@
         </p:nvCxnSpPr>
         <p:spPr>
           <a:xfrm>
-            <a:off x="7010400" y="2743200"/>
+            <a:off x="4724400" y="1524000"/>
             <a:ext cx="304800" cy="0"/>
           </a:xfrm>
           <a:prstGeom prst="line">
@@ -4691,7 +4253,7 @@
         </p:nvSpPr>
         <p:spPr>
           <a:xfrm>
-            <a:off x="6705600" y="2590801"/>
+            <a:off x="4419600" y="1371602"/>
             <a:ext cx="457200" cy="152399"/>
           </a:xfrm>
           <a:prstGeom prst="rect">
@@ -4743,7 +4305,7 @@
         </p:nvCxnSpPr>
         <p:spPr>
           <a:xfrm>
-            <a:off x="7010400" y="3200389"/>
+            <a:off x="4724400" y="1981189"/>
             <a:ext cx="304800" cy="0"/>
           </a:xfrm>
           <a:prstGeom prst="line">
@@ -4780,7 +4342,7 @@
         </p:nvSpPr>
         <p:spPr>
           <a:xfrm>
-            <a:off x="6705600" y="3047990"/>
+            <a:off x="4419600" y="1828791"/>
             <a:ext cx="457200" cy="152399"/>
           </a:xfrm>
           <a:prstGeom prst="rect">
@@ -4832,7 +4394,7 @@
         </p:nvCxnSpPr>
         <p:spPr>
           <a:xfrm>
-            <a:off x="7010400" y="3505189"/>
+            <a:off x="4724400" y="2285989"/>
             <a:ext cx="304800" cy="0"/>
           </a:xfrm>
           <a:prstGeom prst="line">
@@ -4869,7 +4431,7 @@
         </p:nvSpPr>
         <p:spPr>
           <a:xfrm>
-            <a:off x="6705600" y="3352791"/>
+            <a:off x="4419600" y="2133592"/>
             <a:ext cx="457200" cy="152399"/>
           </a:xfrm>
           <a:prstGeom prst="rect">
@@ -4921,7 +4483,7 @@
         </p:nvSpPr>
         <p:spPr>
           <a:xfrm>
-            <a:off x="7315200" y="6705608"/>
+            <a:off x="5029200" y="5486409"/>
             <a:ext cx="457200" cy="152399"/>
           </a:xfrm>
           <a:prstGeom prst="rect">
@@ -4953,7 +4515,7 @@
           <a:lstStyle/>
           <a:p>
             <a:r>
-              <a:rPr lang="en-US" sz="900" dirty="0" smtClean="0">
+              <a:rPr lang="en-US" sz="900" dirty="0">
                 <a:solidFill>
                   <a:srgbClr val="000000"/>
                 </a:solidFill>
@@ -4980,7 +4542,7 @@
         </p:nvSpPr>
         <p:spPr>
           <a:xfrm>
-            <a:off x="7315200" y="6858008"/>
+            <a:off x="5029200" y="5638808"/>
             <a:ext cx="1371600" cy="1523992"/>
           </a:xfrm>
           <a:prstGeom prst="rect">
@@ -5014,7 +4576,7 @@
           <a:lstStyle/>
           <a:p>
             <a:r>
-              <a:rPr lang="en-US" sz="900" dirty="0" smtClean="0">
+              <a:rPr lang="en-US" sz="900" dirty="0">
                 <a:solidFill>
                   <a:schemeClr val="tx1"/>
                 </a:solidFill>
@@ -5041,7 +4603,7 @@
         </p:nvSpPr>
         <p:spPr>
           <a:xfrm>
-            <a:off x="7315200" y="7162808"/>
+            <a:off x="5029200" y="5943608"/>
             <a:ext cx="457200" cy="152400"/>
           </a:xfrm>
           <a:prstGeom prst="rect">
@@ -5093,7 +4655,7 @@
         </p:nvSpPr>
         <p:spPr>
           <a:xfrm>
-            <a:off x="7315200" y="7391408"/>
+            <a:off x="5029200" y="6172208"/>
             <a:ext cx="457200" cy="152400"/>
           </a:xfrm>
           <a:prstGeom prst="rect">
@@ -5145,7 +4707,7 @@
         </p:nvSpPr>
         <p:spPr>
           <a:xfrm>
-            <a:off x="7315200" y="7619992"/>
+            <a:off x="5029200" y="6400792"/>
             <a:ext cx="457200" cy="152400"/>
           </a:xfrm>
           <a:prstGeom prst="rect">
@@ -5197,7 +4759,7 @@
         </p:nvSpPr>
         <p:spPr>
           <a:xfrm>
-            <a:off x="8229600" y="7162808"/>
+            <a:off x="5943600" y="5943608"/>
             <a:ext cx="457200" cy="152400"/>
           </a:xfrm>
           <a:prstGeom prst="rect">
@@ -5250,7 +4812,7 @@
         </p:nvSpPr>
         <p:spPr>
           <a:xfrm>
-            <a:off x="8229600" y="7391408"/>
+            <a:off x="5943600" y="6172208"/>
             <a:ext cx="457200" cy="152400"/>
           </a:xfrm>
           <a:prstGeom prst="rect">
@@ -5283,7 +4845,7 @@
           <a:p>
             <a:pPr algn="r"/>
             <a:r>
-              <a:rPr lang="en-US" sz="900" dirty="0" smtClean="0">
+              <a:rPr lang="en-US" sz="900" dirty="0">
                 <a:solidFill>
                   <a:srgbClr val="000000"/>
                 </a:solidFill>
@@ -5310,7 +4872,7 @@
         </p:nvSpPr>
         <p:spPr>
           <a:xfrm>
-            <a:off x="8229600" y="7620008"/>
+            <a:off x="5943600" y="6400808"/>
             <a:ext cx="457200" cy="152400"/>
           </a:xfrm>
           <a:prstGeom prst="rect">
@@ -5343,7 +4905,7 @@
           <a:p>
             <a:pPr algn="r"/>
             <a:r>
-              <a:rPr lang="en-US" sz="900" dirty="0" smtClean="0">
+              <a:rPr lang="en-US" sz="900" dirty="0">
                 <a:solidFill>
                   <a:srgbClr val="000000"/>
                 </a:solidFill>
@@ -5370,7 +4932,7 @@
         </p:nvSpPr>
         <p:spPr>
           <a:xfrm>
-            <a:off x="8229600" y="7848608"/>
+            <a:off x="5943600" y="6629408"/>
             <a:ext cx="457200" cy="152400"/>
           </a:xfrm>
           <a:prstGeom prst="rect">
@@ -5403,7 +4965,7 @@
           <a:p>
             <a:pPr algn="r"/>
             <a:r>
-              <a:rPr lang="en-US" sz="900" dirty="0" smtClean="0">
+              <a:rPr lang="en-US" sz="900" dirty="0">
                 <a:solidFill>
                   <a:srgbClr val="000000"/>
                 </a:solidFill>
@@ -5430,7 +4992,7 @@
         </p:nvSpPr>
         <p:spPr>
           <a:xfrm>
-            <a:off x="7315200" y="8077192"/>
+            <a:off x="5029200" y="6857993"/>
             <a:ext cx="457200" cy="152399"/>
           </a:xfrm>
           <a:prstGeom prst="rect">
@@ -5482,7 +5044,7 @@
         </p:nvCxnSpPr>
         <p:spPr>
           <a:xfrm flipH="1" flipV="1">
-            <a:off x="7315208" y="8153392"/>
+            <a:off x="5029209" y="6934193"/>
             <a:ext cx="76201" cy="76201"/>
           </a:xfrm>
           <a:prstGeom prst="line">
@@ -5519,7 +5081,7 @@
         </p:nvCxnSpPr>
         <p:spPr>
           <a:xfrm flipH="1">
-            <a:off x="7315208" y="8229591"/>
+            <a:off x="5029209" y="7010392"/>
             <a:ext cx="76201" cy="76201"/>
           </a:xfrm>
           <a:prstGeom prst="line">
@@ -5556,7 +5118,7 @@
         </p:nvSpPr>
         <p:spPr>
           <a:xfrm>
-            <a:off x="7315200" y="7848592"/>
+            <a:off x="5029200" y="6629393"/>
             <a:ext cx="457200" cy="152399"/>
           </a:xfrm>
           <a:prstGeom prst="rect">
@@ -5608,7 +5170,7 @@
         </p:nvSpPr>
         <p:spPr>
           <a:xfrm>
-            <a:off x="7315200" y="2133601"/>
+            <a:off x="5029200" y="914402"/>
             <a:ext cx="1371600" cy="1523999"/>
           </a:xfrm>
           <a:prstGeom prst="rect">
@@ -5662,7 +5224,7 @@
         </p:nvSpPr>
         <p:spPr>
           <a:xfrm>
-            <a:off x="7315200" y="2438406"/>
+            <a:off x="5029200" y="1219207"/>
             <a:ext cx="457200" cy="152399"/>
           </a:xfrm>
           <a:prstGeom prst="rect">
@@ -5714,7 +5276,7 @@
         </p:nvSpPr>
         <p:spPr>
           <a:xfrm>
-            <a:off x="7315200" y="2895599"/>
+            <a:off x="5029200" y="1676400"/>
             <a:ext cx="457200" cy="152399"/>
           </a:xfrm>
           <a:prstGeom prst="rect">
@@ -5766,7 +5328,7 @@
         </p:nvSpPr>
         <p:spPr>
           <a:xfrm>
-            <a:off x="7315200" y="3352800"/>
+            <a:off x="5029200" y="2133601"/>
             <a:ext cx="457200" cy="152399"/>
           </a:xfrm>
           <a:prstGeom prst="rect">
@@ -5818,7 +5380,7 @@
         </p:nvCxnSpPr>
         <p:spPr>
           <a:xfrm flipH="1" flipV="1">
-            <a:off x="7315208" y="3429000"/>
+            <a:off x="5029209" y="2209801"/>
             <a:ext cx="76201" cy="76201"/>
           </a:xfrm>
           <a:prstGeom prst="line">
@@ -5855,7 +5417,7 @@
         </p:nvCxnSpPr>
         <p:spPr>
           <a:xfrm flipH="1">
-            <a:off x="7315208" y="3505199"/>
+            <a:off x="5029209" y="2286000"/>
             <a:ext cx="76201" cy="76201"/>
           </a:xfrm>
           <a:prstGeom prst="line">
@@ -5892,7 +5454,7 @@
         </p:nvSpPr>
         <p:spPr>
           <a:xfrm>
-            <a:off x="7315200" y="1524000"/>
+            <a:off x="5029200" y="304800"/>
             <a:ext cx="457200" cy="609600"/>
           </a:xfrm>
           <a:prstGeom prst="rect">
@@ -5934,7 +5496,7 @@
               <a:t>#( .BW_CNT  </a:t>
             </a:r>
             <a:r>
-              <a:rPr lang="en-US" sz="900" dirty="0" smtClean="0">
+              <a:rPr lang="en-US" sz="900" dirty="0">
                 <a:solidFill>
                   <a:srgbClr val="000000"/>
                 </a:solidFill>
@@ -5963,7 +5525,7 @@
               <a:t> , .BW_DEND </a:t>
             </a:r>
             <a:r>
-              <a:rPr lang="en-US" sz="900" dirty="0" smtClean="0">
+              <a:rPr lang="en-US" sz="900" dirty="0">
                 <a:solidFill>
                   <a:srgbClr val="000000"/>
                 </a:solidFill>
@@ -5992,7 +5554,7 @@
               <a:t> , .BW_DSOR </a:t>
             </a:r>
             <a:r>
-              <a:rPr lang="en-US" sz="900" dirty="0" smtClean="0">
+              <a:rPr lang="en-US" sz="900" dirty="0">
                 <a:solidFill>
                   <a:srgbClr val="000000"/>
                 </a:solidFill>
@@ -6014,7 +5576,7 @@
           </a:p>
           <a:p>
             <a:r>
-              <a:rPr lang="en-US" sz="900" dirty="0" err="1" smtClean="0">
+              <a:rPr lang="en-US" sz="900" dirty="0" err="1">
                 <a:solidFill>
                   <a:srgbClr val="000000"/>
                 </a:solidFill>
@@ -6041,7 +5603,7 @@
         </p:nvSpPr>
         <p:spPr>
           <a:xfrm>
-            <a:off x="8229600" y="2819401"/>
+            <a:off x="5943600" y="1600202"/>
             <a:ext cx="457200" cy="152399"/>
           </a:xfrm>
           <a:prstGeom prst="rect">
@@ -6094,7 +5656,7 @@
         </p:nvSpPr>
         <p:spPr>
           <a:xfrm>
-            <a:off x="7315200" y="3124200"/>
+            <a:off x="5029200" y="1905001"/>
             <a:ext cx="457200" cy="152399"/>
           </a:xfrm>
           <a:prstGeom prst="rect">
@@ -6146,7 +5708,7 @@
         </p:nvSpPr>
         <p:spPr>
           <a:xfrm>
-            <a:off x="7315200" y="2667002"/>
+            <a:off x="5029200" y="1447803"/>
             <a:ext cx="457200" cy="152399"/>
           </a:xfrm>
           <a:prstGeom prst="rect">
@@ -6198,7 +5760,7 @@
         </p:nvSpPr>
         <p:spPr>
           <a:xfrm>
-            <a:off x="8229600" y="2209800"/>
+            <a:off x="5943600" y="990601"/>
             <a:ext cx="457200" cy="152399"/>
           </a:xfrm>
           <a:prstGeom prst="rect">
@@ -6251,7 +5813,7 @@
         </p:nvSpPr>
         <p:spPr>
           <a:xfrm>
-            <a:off x="8229600" y="3429001"/>
+            <a:off x="5943600" y="2209802"/>
             <a:ext cx="457200" cy="152399"/>
           </a:xfrm>
           <a:prstGeom prst="rect">
@@ -6306,7 +5868,7 @@
         </p:nvCxnSpPr>
         <p:spPr>
           <a:xfrm>
-            <a:off x="2971800" y="2514600"/>
+            <a:off x="685800" y="1295400"/>
             <a:ext cx="4343400" cy="0"/>
           </a:xfrm>
           <a:prstGeom prst="line">
@@ -6343,7 +5905,7 @@
         </p:nvSpPr>
         <p:spPr>
           <a:xfrm>
-            <a:off x="3276600" y="2362200"/>
+            <a:off x="990600" y="1143001"/>
             <a:ext cx="457200" cy="152399"/>
           </a:xfrm>
           <a:prstGeom prst="rect">
@@ -6375,7 +5937,7 @@
           <a:lstStyle/>
           <a:p>
             <a:r>
-              <a:rPr lang="en-US" sz="900" dirty="0" smtClean="0">
+              <a:rPr lang="en-US" sz="900" dirty="0">
                 <a:solidFill>
                   <a:srgbClr val="000000"/>
                 </a:solidFill>
@@ -6402,7 +5964,7 @@
         </p:nvSpPr>
         <p:spPr>
           <a:xfrm>
-            <a:off x="2743200" y="5029198"/>
+            <a:off x="457200" y="3809998"/>
             <a:ext cx="228600" cy="152400"/>
           </a:xfrm>
           <a:prstGeom prst="homePlate">
@@ -6453,7 +6015,7 @@
         </p:nvCxnSpPr>
         <p:spPr>
           <a:xfrm flipV="1">
-            <a:off x="3048000" y="5029198"/>
+            <a:off x="762000" y="3809998"/>
             <a:ext cx="152400" cy="152400"/>
           </a:xfrm>
           <a:prstGeom prst="line">
@@ -6490,7 +6052,7 @@
         </p:nvSpPr>
         <p:spPr>
           <a:xfrm>
-            <a:off x="3048000" y="4952998"/>
+            <a:off x="762000" y="3733798"/>
             <a:ext cx="152400" cy="76200"/>
           </a:xfrm>
           <a:prstGeom prst="rect">
@@ -6523,7 +6085,7 @@
           <a:p>
             <a:pPr algn="ctr"/>
             <a:r>
-              <a:rPr lang="en-US" sz="900" dirty="0" smtClean="0">
+              <a:rPr lang="en-US" sz="900" dirty="0">
                 <a:solidFill>
                   <a:srgbClr val="000000"/>
                 </a:solidFill>
@@ -6550,7 +6112,7 @@
         </p:nvCxnSpPr>
         <p:spPr>
           <a:xfrm>
-            <a:off x="7010400" y="5333998"/>
+            <a:off x="4724400" y="4114798"/>
             <a:ext cx="304800" cy="0"/>
           </a:xfrm>
           <a:prstGeom prst="line">
@@ -6587,7 +6149,7 @@
         </p:nvSpPr>
         <p:spPr>
           <a:xfrm>
-            <a:off x="6705600" y="5181599"/>
+            <a:off x="4419600" y="3962400"/>
             <a:ext cx="457200" cy="152399"/>
           </a:xfrm>
           <a:prstGeom prst="rect">
@@ -6639,7 +6201,7 @@
         </p:nvCxnSpPr>
         <p:spPr>
           <a:xfrm>
-            <a:off x="7010400" y="5791189"/>
+            <a:off x="4724400" y="4571989"/>
             <a:ext cx="304800" cy="0"/>
           </a:xfrm>
           <a:prstGeom prst="line">
@@ -6676,7 +6238,7 @@
         </p:nvSpPr>
         <p:spPr>
           <a:xfrm>
-            <a:off x="6705600" y="5638790"/>
+            <a:off x="4419600" y="4419591"/>
             <a:ext cx="457200" cy="152399"/>
           </a:xfrm>
           <a:prstGeom prst="rect">
@@ -6728,7 +6290,7 @@
         </p:nvCxnSpPr>
         <p:spPr>
           <a:xfrm>
-            <a:off x="7010400" y="6095989"/>
+            <a:off x="4724400" y="4876789"/>
             <a:ext cx="304800" cy="0"/>
           </a:xfrm>
           <a:prstGeom prst="line">
@@ -6765,7 +6327,7 @@
         </p:nvSpPr>
         <p:spPr>
           <a:xfrm>
-            <a:off x="6705600" y="5943591"/>
+            <a:off x="4419600" y="4724392"/>
             <a:ext cx="457200" cy="152399"/>
           </a:xfrm>
           <a:prstGeom prst="rect">
@@ -6817,7 +6379,7 @@
         </p:nvSpPr>
         <p:spPr>
           <a:xfrm>
-            <a:off x="7315200" y="4724399"/>
+            <a:off x="5029200" y="3505200"/>
             <a:ext cx="1371600" cy="1524001"/>
           </a:xfrm>
           <a:prstGeom prst="rect">
@@ -6871,7 +6433,7 @@
         </p:nvSpPr>
         <p:spPr>
           <a:xfrm>
-            <a:off x="7315200" y="5029204"/>
+            <a:off x="5029200" y="3810005"/>
             <a:ext cx="457200" cy="152399"/>
           </a:xfrm>
           <a:prstGeom prst="rect">
@@ -6923,7 +6485,7 @@
         </p:nvSpPr>
         <p:spPr>
           <a:xfrm>
-            <a:off x="7315200" y="5486399"/>
+            <a:off x="5029200" y="4267200"/>
             <a:ext cx="457200" cy="152399"/>
           </a:xfrm>
           <a:prstGeom prst="rect">
@@ -6975,7 +6537,7 @@
         </p:nvSpPr>
         <p:spPr>
           <a:xfrm>
-            <a:off x="7315200" y="5943600"/>
+            <a:off x="5029200" y="4724401"/>
             <a:ext cx="457200" cy="152399"/>
           </a:xfrm>
           <a:prstGeom prst="rect">
@@ -7027,7 +6589,7 @@
         </p:nvCxnSpPr>
         <p:spPr>
           <a:xfrm flipH="1" flipV="1">
-            <a:off x="7315208" y="6019800"/>
+            <a:off x="5029209" y="4800601"/>
             <a:ext cx="76201" cy="76201"/>
           </a:xfrm>
           <a:prstGeom prst="line">
@@ -7064,7 +6626,7 @@
         </p:nvCxnSpPr>
         <p:spPr>
           <a:xfrm flipH="1">
-            <a:off x="7315208" y="6095999"/>
+            <a:off x="5029209" y="4876800"/>
             <a:ext cx="76201" cy="76201"/>
           </a:xfrm>
           <a:prstGeom prst="line">
@@ -7101,7 +6663,7 @@
         </p:nvSpPr>
         <p:spPr>
           <a:xfrm>
-            <a:off x="7315200" y="4114798"/>
+            <a:off x="5029200" y="2895598"/>
             <a:ext cx="457200" cy="609600"/>
           </a:xfrm>
           <a:prstGeom prst="rect">
@@ -7143,7 +6705,7 @@
               <a:t>#( .BW_CNT  </a:t>
             </a:r>
             <a:r>
-              <a:rPr lang="en-US" sz="900" dirty="0" smtClean="0">
+              <a:rPr lang="en-US" sz="900" dirty="0">
                 <a:solidFill>
                   <a:srgbClr val="000000"/>
                 </a:solidFill>
@@ -7172,7 +6734,7 @@
               <a:t> , .BW_DEND </a:t>
             </a:r>
             <a:r>
-              <a:rPr lang="en-US" sz="900" dirty="0" smtClean="0">
+              <a:rPr lang="en-US" sz="900" dirty="0">
                 <a:solidFill>
                   <a:srgbClr val="000000"/>
                 </a:solidFill>
@@ -7201,7 +6763,7 @@
               <a:t> , .BW_DSOR </a:t>
             </a:r>
             <a:r>
-              <a:rPr lang="en-US" sz="900" dirty="0" smtClean="0">
+              <a:rPr lang="en-US" sz="900" dirty="0">
                 <a:solidFill>
                   <a:srgbClr val="000000"/>
                 </a:solidFill>
@@ -7223,7 +6785,7 @@
           </a:p>
           <a:p>
             <a:r>
-              <a:rPr lang="en-US" sz="900" dirty="0" err="1" smtClean="0">
+              <a:rPr lang="en-US" sz="900" dirty="0" err="1">
                 <a:solidFill>
                   <a:srgbClr val="000000"/>
                 </a:solidFill>
@@ -7250,7 +6812,7 @@
         </p:nvSpPr>
         <p:spPr>
           <a:xfrm>
-            <a:off x="7315200" y="5715000"/>
+            <a:off x="5029200" y="4495801"/>
             <a:ext cx="457200" cy="152399"/>
           </a:xfrm>
           <a:prstGeom prst="rect">
@@ -7302,7 +6864,7 @@
         </p:nvSpPr>
         <p:spPr>
           <a:xfrm>
-            <a:off x="7315200" y="5257800"/>
+            <a:off x="5029200" y="4038601"/>
             <a:ext cx="457200" cy="152399"/>
           </a:xfrm>
           <a:prstGeom prst="rect">
@@ -7354,7 +6916,7 @@
         </p:nvSpPr>
         <p:spPr>
           <a:xfrm>
-            <a:off x="8229600" y="4800608"/>
+            <a:off x="5943600" y="3581409"/>
             <a:ext cx="457200" cy="152399"/>
           </a:xfrm>
           <a:prstGeom prst="rect">
@@ -7410,7 +6972,7 @@
         </p:nvCxnSpPr>
         <p:spPr>
           <a:xfrm>
-            <a:off x="2971800" y="5105398"/>
+            <a:off x="685800" y="3886198"/>
             <a:ext cx="4343400" cy="6"/>
           </a:xfrm>
           <a:prstGeom prst="line">
@@ -7447,7 +7009,7 @@
         </p:nvSpPr>
         <p:spPr>
           <a:xfrm>
-            <a:off x="3276600" y="4952998"/>
+            <a:off x="990600" y="3733799"/>
             <a:ext cx="457200" cy="152399"/>
           </a:xfrm>
           <a:prstGeom prst="rect">
@@ -7479,24 +7041,14 @@
           <a:lstStyle/>
           <a:p>
             <a:r>
-              <a:rPr lang="en-US" sz="900" dirty="0" smtClean="0">
+              <a:rPr lang="en-US" sz="900" dirty="0">
                 <a:solidFill>
                   <a:srgbClr val="000000"/>
                 </a:solidFill>
                 <a:latin typeface="Courier New" panose="02070309020205020404" pitchFamily="49" charset="0"/>
                 <a:cs typeface="Courier New" panose="02070309020205020404" pitchFamily="49" charset="0"/>
               </a:rPr>
-              <a:t>SUB</a:t>
-            </a:r>
-            <a:r>
-              <a:rPr lang="en-US" sz="900" dirty="0" smtClean="0">
-                <a:solidFill>
-                  <a:srgbClr val="000000"/>
-                </a:solidFill>
-                <a:latin typeface="Courier New" panose="02070309020205020404" pitchFamily="49" charset="0"/>
-                <a:cs typeface="Courier New" panose="02070309020205020404" pitchFamily="49" charset="0"/>
-              </a:rPr>
-              <a:t>_MODE</a:t>
+              <a:t>SUB_MODE</a:t>
             </a:r>
             <a:endParaRPr lang="en-US" sz="900" dirty="0">
               <a:solidFill>
@@ -7516,7 +7068,7 @@
         </p:nvSpPr>
         <p:spPr>
           <a:xfrm>
-            <a:off x="2743200" y="7162808"/>
+            <a:off x="457200" y="5943608"/>
             <a:ext cx="228600" cy="152400"/>
           </a:xfrm>
           <a:prstGeom prst="homePlate">
@@ -7567,7 +7119,7 @@
         </p:nvCxnSpPr>
         <p:spPr>
           <a:xfrm flipV="1">
-            <a:off x="3048000" y="7162808"/>
+            <a:off x="762000" y="5943608"/>
             <a:ext cx="152400" cy="152400"/>
           </a:xfrm>
           <a:prstGeom prst="line">
@@ -7604,7 +7156,7 @@
         </p:nvSpPr>
         <p:spPr>
           <a:xfrm>
-            <a:off x="3048000" y="7086608"/>
+            <a:off x="762000" y="5867408"/>
             <a:ext cx="152400" cy="76200"/>
           </a:xfrm>
           <a:prstGeom prst="rect">
@@ -7637,7 +7189,7 @@
           <a:p>
             <a:pPr algn="ctr"/>
             <a:r>
-              <a:rPr lang="en-US" sz="900" dirty="0" smtClean="0">
+              <a:rPr lang="en-US" sz="900" dirty="0">
                 <a:solidFill>
                   <a:srgbClr val="000000"/>
                 </a:solidFill>
@@ -7667,7 +7219,7 @@
         </p:nvCxnSpPr>
         <p:spPr>
           <a:xfrm>
-            <a:off x="2971800" y="7239008"/>
+            <a:off x="685800" y="6019808"/>
             <a:ext cx="4343400" cy="0"/>
           </a:xfrm>
           <a:prstGeom prst="line">
@@ -7704,7 +7256,7 @@
         </p:nvSpPr>
         <p:spPr>
           <a:xfrm>
-            <a:off x="3276600" y="7086608"/>
+            <a:off x="990600" y="5867409"/>
             <a:ext cx="457200" cy="152399"/>
           </a:xfrm>
           <a:prstGeom prst="rect">
@@ -7736,7 +7288,7 @@
           <a:lstStyle/>
           <a:p>
             <a:r>
-              <a:rPr lang="en-US" sz="900" dirty="0" smtClean="0">
+              <a:rPr lang="en-US" sz="900" dirty="0">
                 <a:solidFill>
                   <a:srgbClr val="000000"/>
                 </a:solidFill>
@@ -7763,7 +7315,7 @@
         </p:nvSpPr>
         <p:spPr>
           <a:xfrm>
-            <a:off x="2743200" y="7391408"/>
+            <a:off x="457200" y="6172208"/>
             <a:ext cx="228600" cy="152400"/>
           </a:xfrm>
           <a:prstGeom prst="homePlate">
@@ -7814,7 +7366,7 @@
         </p:nvCxnSpPr>
         <p:spPr>
           <a:xfrm flipV="1">
-            <a:off x="3048000" y="7391408"/>
+            <a:off x="762000" y="6172208"/>
             <a:ext cx="152400" cy="152400"/>
           </a:xfrm>
           <a:prstGeom prst="line">
@@ -7851,7 +7403,7 @@
         </p:nvSpPr>
         <p:spPr>
           <a:xfrm>
-            <a:off x="3048000" y="7315208"/>
+            <a:off x="762000" y="6096008"/>
             <a:ext cx="152400" cy="76200"/>
           </a:xfrm>
           <a:prstGeom prst="rect">
@@ -7884,7 +7436,7 @@
           <a:p>
             <a:pPr algn="ctr"/>
             <a:r>
-              <a:rPr lang="en-US" sz="900" dirty="0" smtClean="0">
+              <a:rPr lang="en-US" sz="900" dirty="0">
                 <a:solidFill>
                   <a:srgbClr val="000000"/>
                 </a:solidFill>
@@ -7914,7 +7466,7 @@
         </p:nvCxnSpPr>
         <p:spPr>
           <a:xfrm>
-            <a:off x="2971800" y="7467608"/>
+            <a:off x="685800" y="6248408"/>
             <a:ext cx="4343400" cy="0"/>
           </a:xfrm>
           <a:prstGeom prst="line">
@@ -7951,7 +7503,7 @@
         </p:nvSpPr>
         <p:spPr>
           <a:xfrm>
-            <a:off x="3276600" y="7315208"/>
+            <a:off x="990600" y="6096009"/>
             <a:ext cx="457200" cy="152399"/>
           </a:xfrm>
           <a:prstGeom prst="rect">
@@ -7983,24 +7535,14 @@
           <a:lstStyle/>
           <a:p>
             <a:r>
-              <a:rPr lang="en-US" sz="900" dirty="0" smtClean="0">
+              <a:rPr lang="en-US" sz="900" dirty="0">
                 <a:solidFill>
                   <a:srgbClr val="000000"/>
                 </a:solidFill>
                 <a:latin typeface="Courier New" panose="02070309020205020404" pitchFamily="49" charset="0"/>
                 <a:cs typeface="Courier New" panose="02070309020205020404" pitchFamily="49" charset="0"/>
               </a:rPr>
-              <a:t>ERR</a:t>
-            </a:r>
-            <a:r>
-              <a:rPr lang="en-US" sz="900" dirty="0" smtClean="0">
-                <a:solidFill>
-                  <a:srgbClr val="000000"/>
-                </a:solidFill>
-                <a:latin typeface="Courier New" panose="02070309020205020404" pitchFamily="49" charset="0"/>
-                <a:cs typeface="Courier New" panose="02070309020205020404" pitchFamily="49" charset="0"/>
-              </a:rPr>
-              <a:t>_CNT</a:t>
+              <a:t>ERR_CNT</a:t>
             </a:r>
             <a:endParaRPr lang="en-US" sz="900" dirty="0">
               <a:solidFill>
@@ -8020,7 +7562,7 @@
         </p:nvCxnSpPr>
         <p:spPr>
           <a:xfrm>
-            <a:off x="7010400" y="7924792"/>
+            <a:off x="4724400" y="6705592"/>
             <a:ext cx="304800" cy="0"/>
           </a:xfrm>
           <a:prstGeom prst="line">
@@ -8057,7 +7599,7 @@
         </p:nvSpPr>
         <p:spPr>
           <a:xfrm>
-            <a:off x="6705600" y="7772393"/>
+            <a:off x="4419600" y="6553194"/>
             <a:ext cx="457200" cy="152399"/>
           </a:xfrm>
           <a:prstGeom prst="rect">
@@ -8109,7 +7651,7 @@
         </p:nvCxnSpPr>
         <p:spPr>
           <a:xfrm>
-            <a:off x="7010400" y="8229592"/>
+            <a:off x="4724400" y="7010392"/>
             <a:ext cx="304800" cy="0"/>
           </a:xfrm>
           <a:prstGeom prst="line">
@@ -8146,7 +7688,7 @@
         </p:nvSpPr>
         <p:spPr>
           <a:xfrm>
-            <a:off x="6705600" y="8077194"/>
+            <a:off x="4419600" y="6857995"/>
             <a:ext cx="457200" cy="152399"/>
           </a:xfrm>
           <a:prstGeom prst="rect">
@@ -8198,7 +7740,7 @@
         </p:nvSpPr>
         <p:spPr>
           <a:xfrm>
-            <a:off x="7543800" y="8991606"/>
+            <a:off x="5257800" y="7772406"/>
             <a:ext cx="914400" cy="1981202"/>
           </a:xfrm>
           <a:prstGeom prst="rect">
@@ -8259,7 +7801,7 @@
         </p:nvSpPr>
         <p:spPr>
           <a:xfrm>
-            <a:off x="7543800" y="9525014"/>
+            <a:off x="5257800" y="8305815"/>
             <a:ext cx="457200" cy="152399"/>
           </a:xfrm>
           <a:prstGeom prst="rect">
@@ -8311,7 +7853,7 @@
         </p:nvSpPr>
         <p:spPr>
           <a:xfrm>
-            <a:off x="7543800" y="9296414"/>
+            <a:off x="5257800" y="8077215"/>
             <a:ext cx="457200" cy="152399"/>
           </a:xfrm>
           <a:prstGeom prst="rect">
@@ -8363,7 +7905,7 @@
         </p:nvSpPr>
         <p:spPr>
           <a:xfrm>
-            <a:off x="7543800" y="10668009"/>
+            <a:off x="5257800" y="9448810"/>
             <a:ext cx="457200" cy="152399"/>
           </a:xfrm>
           <a:prstGeom prst="rect">
@@ -8415,7 +7957,7 @@
         </p:nvCxnSpPr>
         <p:spPr>
           <a:xfrm flipH="1" flipV="1">
-            <a:off x="7543807" y="10744209"/>
+            <a:off x="5257808" y="9525010"/>
             <a:ext cx="76201" cy="76201"/>
           </a:xfrm>
           <a:prstGeom prst="line">
@@ -8452,7 +7994,7 @@
         </p:nvCxnSpPr>
         <p:spPr>
           <a:xfrm flipH="1">
-            <a:off x="7543807" y="10820408"/>
+            <a:off x="5257808" y="9601209"/>
             <a:ext cx="76201" cy="76201"/>
           </a:xfrm>
           <a:prstGeom prst="line">
@@ -8489,7 +8031,7 @@
         </p:nvSpPr>
         <p:spPr>
           <a:xfrm>
-            <a:off x="7543800" y="10210803"/>
+            <a:off x="5257800" y="8991604"/>
             <a:ext cx="457200" cy="152399"/>
           </a:xfrm>
           <a:prstGeom prst="rect">
@@ -8541,7 +8083,7 @@
         </p:nvSpPr>
         <p:spPr>
           <a:xfrm>
-            <a:off x="7543800" y="8686808"/>
+            <a:off x="5257800" y="7467608"/>
             <a:ext cx="457200" cy="304798"/>
           </a:xfrm>
           <a:prstGeom prst="rect">
@@ -8583,7 +8125,7 @@
               <a:t>#(.</a:t>
             </a:r>
             <a:r>
-              <a:rPr lang="en-US" sz="900" dirty="0" smtClean="0">
+              <a:rPr lang="en-US" sz="900" dirty="0">
                 <a:solidFill>
                   <a:srgbClr val="000000"/>
                 </a:solidFill>
@@ -8629,7 +8171,7 @@
         </p:nvSpPr>
         <p:spPr>
           <a:xfrm>
-            <a:off x="8001000" y="9296409"/>
+            <a:off x="5715000" y="8077210"/>
             <a:ext cx="457200" cy="152399"/>
           </a:xfrm>
           <a:prstGeom prst="rect">
@@ -8682,7 +8224,7 @@
         </p:nvCxnSpPr>
         <p:spPr>
           <a:xfrm>
-            <a:off x="6324601" y="10058401"/>
+            <a:off x="4038602" y="8839201"/>
             <a:ext cx="1219199" cy="0"/>
           </a:xfrm>
           <a:prstGeom prst="line">
@@ -8719,7 +8261,7 @@
         </p:nvSpPr>
         <p:spPr>
           <a:xfrm>
-            <a:off x="7543800" y="10439409"/>
+            <a:off x="5257800" y="9220210"/>
             <a:ext cx="457200" cy="152399"/>
           </a:xfrm>
           <a:prstGeom prst="rect">
@@ -8771,7 +8313,7 @@
         </p:nvSpPr>
         <p:spPr>
           <a:xfrm>
-            <a:off x="7543800" y="9753603"/>
+            <a:off x="5257800" y="8534404"/>
             <a:ext cx="457200" cy="152399"/>
           </a:xfrm>
           <a:prstGeom prst="rect">
@@ -8823,7 +8365,7 @@
         </p:nvSpPr>
         <p:spPr>
           <a:xfrm>
-            <a:off x="7543800" y="9982203"/>
+            <a:off x="5257800" y="8763004"/>
             <a:ext cx="457200" cy="152399"/>
           </a:xfrm>
           <a:prstGeom prst="rect">
@@ -8875,7 +8417,7 @@
         </p:nvSpPr>
         <p:spPr>
           <a:xfrm>
-            <a:off x="7543800" y="11430006"/>
+            <a:off x="5257800" y="10210806"/>
             <a:ext cx="914400" cy="1981202"/>
           </a:xfrm>
           <a:prstGeom prst="rect">
@@ -8936,7 +8478,7 @@
         </p:nvSpPr>
         <p:spPr>
           <a:xfrm>
-            <a:off x="7543800" y="11963414"/>
+            <a:off x="5257800" y="10744215"/>
             <a:ext cx="457200" cy="152399"/>
           </a:xfrm>
           <a:prstGeom prst="rect">
@@ -8988,7 +8530,7 @@
         </p:nvSpPr>
         <p:spPr>
           <a:xfrm>
-            <a:off x="7543800" y="11734814"/>
+            <a:off x="5257800" y="10515615"/>
             <a:ext cx="457200" cy="152399"/>
           </a:xfrm>
           <a:prstGeom prst="rect">
@@ -9040,7 +8582,7 @@
         </p:nvSpPr>
         <p:spPr>
           <a:xfrm>
-            <a:off x="7543800" y="13106409"/>
+            <a:off x="5257800" y="11887210"/>
             <a:ext cx="457200" cy="152399"/>
           </a:xfrm>
           <a:prstGeom prst="rect">
@@ -9092,7 +8634,7 @@
         </p:nvCxnSpPr>
         <p:spPr>
           <a:xfrm flipH="1" flipV="1">
-            <a:off x="7543807" y="13182609"/>
+            <a:off x="5257808" y="11963410"/>
             <a:ext cx="76201" cy="76201"/>
           </a:xfrm>
           <a:prstGeom prst="line">
@@ -9129,7 +8671,7 @@
         </p:nvCxnSpPr>
         <p:spPr>
           <a:xfrm flipH="1">
-            <a:off x="7543807" y="13258808"/>
+            <a:off x="5257808" y="12039609"/>
             <a:ext cx="76201" cy="76201"/>
           </a:xfrm>
           <a:prstGeom prst="line">
@@ -9166,7 +8708,7 @@
         </p:nvSpPr>
         <p:spPr>
           <a:xfrm>
-            <a:off x="7543800" y="12649214"/>
+            <a:off x="5257800" y="11430015"/>
             <a:ext cx="457200" cy="152399"/>
           </a:xfrm>
           <a:prstGeom prst="rect">
@@ -9218,7 +8760,7 @@
         </p:nvSpPr>
         <p:spPr>
           <a:xfrm>
-            <a:off x="7543800" y="11125208"/>
+            <a:off x="5257800" y="9906008"/>
             <a:ext cx="457200" cy="304798"/>
           </a:xfrm>
           <a:prstGeom prst="rect">
@@ -9260,14 +8802,14 @@
               <a:t>#(.</a:t>
             </a:r>
             <a:r>
-              <a:rPr lang="en-US" sz="900" dirty="0" smtClean="0">
+              <a:rPr lang="en-US" sz="900" dirty="0">
                 <a:solidFill>
                   <a:srgbClr val="000000"/>
                 </a:solidFill>
                 <a:latin typeface="Courier New" panose="02070309020205020404" pitchFamily="49" charset="0"/>
                 <a:cs typeface="Courier New" panose="02070309020205020404" pitchFamily="49" charset="0"/>
               </a:rPr>
-              <a:t>BW(24))</a:t>
+              <a:t>BW(25))</a:t>
             </a:r>
             <a:endParaRPr lang="en-US" sz="900" dirty="0">
               <a:solidFill>
@@ -9306,7 +8848,7 @@
         </p:nvSpPr>
         <p:spPr>
           <a:xfrm>
-            <a:off x="8001000" y="11734809"/>
+            <a:off x="5715000" y="10515610"/>
             <a:ext cx="457200" cy="152399"/>
           </a:xfrm>
           <a:prstGeom prst="rect">
@@ -9359,7 +8901,7 @@
         </p:nvSpPr>
         <p:spPr>
           <a:xfrm>
-            <a:off x="7543800" y="12877809"/>
+            <a:off x="5257800" y="11658610"/>
             <a:ext cx="457200" cy="152399"/>
           </a:xfrm>
           <a:prstGeom prst="rect">
@@ -9411,7 +8953,7 @@
         </p:nvSpPr>
         <p:spPr>
           <a:xfrm>
-            <a:off x="7543800" y="12192004"/>
+            <a:off x="5257800" y="10972805"/>
             <a:ext cx="457200" cy="152399"/>
           </a:xfrm>
           <a:prstGeom prst="rect">
@@ -9463,7 +9005,7 @@
         </p:nvSpPr>
         <p:spPr>
           <a:xfrm>
-            <a:off x="7543800" y="12420604"/>
+            <a:off x="5257800" y="11201405"/>
             <a:ext cx="457200" cy="152399"/>
           </a:xfrm>
           <a:prstGeom prst="rect">
@@ -9515,7 +9057,7 @@
         </p:nvCxnSpPr>
         <p:spPr>
           <a:xfrm flipH="1">
-            <a:off x="6324600" y="11811008"/>
+            <a:off x="4038600" y="10591808"/>
             <a:ext cx="1219200" cy="0"/>
           </a:xfrm>
           <a:prstGeom prst="line">
@@ -9552,7 +9094,7 @@
         </p:nvCxnSpPr>
         <p:spPr>
           <a:xfrm flipV="1">
-            <a:off x="6324600" y="10058402"/>
+            <a:off x="4038600" y="8839202"/>
             <a:ext cx="0" cy="1752606"/>
           </a:xfrm>
           <a:prstGeom prst="line">
@@ -9589,7 +9131,7 @@
         </p:nvCxnSpPr>
         <p:spPr>
           <a:xfrm>
-            <a:off x="8458200" y="11811008"/>
+            <a:off x="6172200" y="10591808"/>
             <a:ext cx="381000" cy="0"/>
           </a:xfrm>
           <a:prstGeom prst="line">
@@ -9626,7 +9168,7 @@
         </p:nvCxnSpPr>
         <p:spPr>
           <a:xfrm flipV="1">
-            <a:off x="8763000" y="11734808"/>
+            <a:off x="6477000" y="10515608"/>
             <a:ext cx="152400" cy="152400"/>
           </a:xfrm>
           <a:prstGeom prst="line">
@@ -9663,7 +9205,7 @@
         </p:nvCxnSpPr>
         <p:spPr>
           <a:xfrm>
-            <a:off x="8763000" y="11734808"/>
+            <a:off x="6477000" y="10515608"/>
             <a:ext cx="152400" cy="152400"/>
           </a:xfrm>
           <a:prstGeom prst="line">
@@ -9703,7 +9245,7 @@
         </p:nvCxnSpPr>
         <p:spPr>
           <a:xfrm>
-            <a:off x="7239000" y="9601209"/>
+            <a:off x="4953000" y="8382009"/>
             <a:ext cx="304800" cy="4"/>
           </a:xfrm>
           <a:prstGeom prst="line">
@@ -9740,7 +9282,7 @@
         </p:nvSpPr>
         <p:spPr>
           <a:xfrm>
-            <a:off x="6781800" y="9525010"/>
+            <a:off x="4495800" y="8305811"/>
             <a:ext cx="457200" cy="152399"/>
           </a:xfrm>
           <a:prstGeom prst="rect">
@@ -9783,7 +9325,7 @@
               <a:t>2</a:t>
             </a:r>
             <a:r>
-              <a:rPr lang="en-US" sz="900" dirty="0" smtClean="0">
+              <a:rPr lang="en-US" sz="900" dirty="0">
                 <a:solidFill>
                   <a:srgbClr val="000000"/>
                 </a:solidFill>
@@ -9810,7 +9352,7 @@
         </p:nvCxnSpPr>
         <p:spPr>
           <a:xfrm flipH="1">
-            <a:off x="7239000" y="9372608"/>
+            <a:off x="4953000" y="8153408"/>
             <a:ext cx="304800" cy="0"/>
           </a:xfrm>
           <a:prstGeom prst="line">
@@ -9847,7 +9389,7 @@
         </p:nvCxnSpPr>
         <p:spPr>
           <a:xfrm flipH="1">
-            <a:off x="7162800" y="9296408"/>
+            <a:off x="4876800" y="8077208"/>
             <a:ext cx="152400" cy="152400"/>
           </a:xfrm>
           <a:prstGeom prst="line">
@@ -9884,7 +9426,7 @@
         </p:nvCxnSpPr>
         <p:spPr>
           <a:xfrm flipH="1" flipV="1">
-            <a:off x="7162800" y="9296408"/>
+            <a:off x="4876800" y="8077208"/>
             <a:ext cx="152400" cy="152400"/>
           </a:xfrm>
           <a:prstGeom prst="line">
@@ -9923,7 +9465,7 @@
         </p:nvCxnSpPr>
         <p:spPr>
           <a:xfrm>
-            <a:off x="7239000" y="12496802"/>
+            <a:off x="4953000" y="11277602"/>
             <a:ext cx="304800" cy="4"/>
           </a:xfrm>
           <a:prstGeom prst="line">
@@ -9960,7 +9502,7 @@
         </p:nvSpPr>
         <p:spPr>
           <a:xfrm>
-            <a:off x="6781800" y="12420603"/>
+            <a:off x="4495800" y="11201404"/>
             <a:ext cx="457200" cy="152399"/>
           </a:xfrm>
           <a:prstGeom prst="rect">
@@ -10013,7 +9555,7 @@
         </p:nvCxnSpPr>
         <p:spPr>
           <a:xfrm flipH="1">
-            <a:off x="7239000" y="12268202"/>
+            <a:off x="4953000" y="11049002"/>
             <a:ext cx="304800" cy="0"/>
           </a:xfrm>
           <a:prstGeom prst="line">
@@ -10050,7 +9592,7 @@
         </p:nvCxnSpPr>
         <p:spPr>
           <a:xfrm flipH="1">
-            <a:off x="7162800" y="12192002"/>
+            <a:off x="4876800" y="10972802"/>
             <a:ext cx="152400" cy="152400"/>
           </a:xfrm>
           <a:prstGeom prst="line">
@@ -10087,7 +9629,7 @@
         </p:nvCxnSpPr>
         <p:spPr>
           <a:xfrm flipH="1" flipV="1">
-            <a:off x="7162800" y="12192002"/>
+            <a:off x="4876800" y="10972802"/>
             <a:ext cx="152400" cy="152400"/>
           </a:xfrm>
           <a:prstGeom prst="line">
@@ -10124,7 +9666,7 @@
         </p:nvCxnSpPr>
         <p:spPr>
           <a:xfrm flipV="1">
-            <a:off x="8534401" y="9296403"/>
+            <a:off x="6248402" y="8077204"/>
             <a:ext cx="152399" cy="152399"/>
           </a:xfrm>
           <a:prstGeom prst="line">
@@ -10161,7 +9703,7 @@
         </p:nvSpPr>
         <p:spPr>
           <a:xfrm>
-            <a:off x="8534401" y="9220202"/>
+            <a:off x="6248402" y="8001003"/>
             <a:ext cx="152399" cy="76201"/>
           </a:xfrm>
           <a:prstGeom prst="rect">
@@ -10194,7 +9736,7 @@
           <a:p>
             <a:pPr algn="ctr"/>
             <a:r>
-              <a:rPr lang="en-US" sz="900" dirty="0" smtClean="0">
+              <a:rPr lang="en-US" sz="900" dirty="0">
                 <a:solidFill>
                   <a:srgbClr val="000000"/>
                 </a:solidFill>
@@ -10221,7 +9763,7 @@
         </p:nvCxnSpPr>
         <p:spPr>
           <a:xfrm>
-            <a:off x="7239000" y="10515608"/>
+            <a:off x="4953000" y="9296408"/>
             <a:ext cx="304800" cy="0"/>
           </a:xfrm>
           <a:prstGeom prst="line">
@@ -10258,7 +9800,7 @@
         </p:nvSpPr>
         <p:spPr>
           <a:xfrm>
-            <a:off x="6934200" y="10363209"/>
+            <a:off x="4648200" y="9144010"/>
             <a:ext cx="457200" cy="152399"/>
           </a:xfrm>
           <a:prstGeom prst="rect">
@@ -10310,7 +9852,7 @@
         </p:nvCxnSpPr>
         <p:spPr>
           <a:xfrm>
-            <a:off x="7239000" y="10820408"/>
+            <a:off x="4953000" y="9601208"/>
             <a:ext cx="304800" cy="0"/>
           </a:xfrm>
           <a:prstGeom prst="line">
@@ -10347,7 +9889,7 @@
         </p:nvSpPr>
         <p:spPr>
           <a:xfrm>
-            <a:off x="6934200" y="10668010"/>
+            <a:off x="4648200" y="9448811"/>
             <a:ext cx="457200" cy="152399"/>
           </a:xfrm>
           <a:prstGeom prst="rect">
@@ -10399,7 +9941,7 @@
         </p:nvCxnSpPr>
         <p:spPr>
           <a:xfrm>
-            <a:off x="7239000" y="12954008"/>
+            <a:off x="4953000" y="11734808"/>
             <a:ext cx="304800" cy="0"/>
           </a:xfrm>
           <a:prstGeom prst="line">
@@ -10436,7 +9978,7 @@
         </p:nvSpPr>
         <p:spPr>
           <a:xfrm>
-            <a:off x="6934200" y="12801609"/>
+            <a:off x="4648200" y="11582410"/>
             <a:ext cx="457200" cy="152399"/>
           </a:xfrm>
           <a:prstGeom prst="rect">
@@ -10488,7 +10030,7 @@
         </p:nvCxnSpPr>
         <p:spPr>
           <a:xfrm>
-            <a:off x="7239000" y="13258808"/>
+            <a:off x="4953000" y="12039608"/>
             <a:ext cx="304800" cy="0"/>
           </a:xfrm>
           <a:prstGeom prst="line">
@@ -10525,7 +10067,7 @@
         </p:nvSpPr>
         <p:spPr>
           <a:xfrm>
-            <a:off x="6934200" y="13106410"/>
+            <a:off x="4648200" y="11887211"/>
             <a:ext cx="457200" cy="152399"/>
           </a:xfrm>
           <a:prstGeom prst="rect">
@@ -10577,7 +10119,7 @@
         </p:nvCxnSpPr>
         <p:spPr>
           <a:xfrm>
-            <a:off x="8458200" y="9372608"/>
+            <a:off x="6172200" y="8153408"/>
             <a:ext cx="5562600" cy="0"/>
           </a:xfrm>
           <a:prstGeom prst="line">
@@ -10616,7 +10158,7 @@
         </p:nvCxnSpPr>
         <p:spPr>
           <a:xfrm>
-            <a:off x="7239000" y="12039608"/>
+            <a:off x="4953000" y="10820408"/>
             <a:ext cx="304800" cy="4"/>
           </a:xfrm>
           <a:prstGeom prst="line">
@@ -10653,7 +10195,7 @@
         </p:nvSpPr>
         <p:spPr>
           <a:xfrm>
-            <a:off x="6781800" y="11963409"/>
+            <a:off x="4495800" y="10744210"/>
             <a:ext cx="457200" cy="152399"/>
           </a:xfrm>
           <a:prstGeom prst="rect">
@@ -10686,14 +10228,14 @@
           <a:p>
             <a:pPr algn="r"/>
             <a:r>
-              <a:rPr lang="en-US" sz="900" dirty="0" smtClean="0">
+              <a:rPr lang="en-US" sz="900" dirty="0">
                 <a:solidFill>
                   <a:srgbClr val="000000"/>
                 </a:solidFill>
                 <a:latin typeface="Courier New" panose="02070309020205020404" pitchFamily="49" charset="0"/>
                 <a:cs typeface="Courier New" panose="02070309020205020404" pitchFamily="49" charset="0"/>
               </a:rPr>
-              <a:t>24’d20_000_000</a:t>
+              <a:t>25’d20_000_000</a:t>
             </a:r>
             <a:endParaRPr lang="en-US" sz="900" dirty="0">
               <a:solidFill>
@@ -10715,7 +10257,7 @@
         </p:nvCxnSpPr>
         <p:spPr>
           <a:xfrm>
-            <a:off x="7239000" y="12725408"/>
+            <a:off x="4953000" y="11506208"/>
             <a:ext cx="304800" cy="4"/>
           </a:xfrm>
           <a:prstGeom prst="line">
@@ -10752,7 +10294,7 @@
         </p:nvSpPr>
         <p:spPr>
           <a:xfrm>
-            <a:off x="6781800" y="12649209"/>
+            <a:off x="4495800" y="11430010"/>
             <a:ext cx="457200" cy="152399"/>
           </a:xfrm>
           <a:prstGeom prst="rect">
@@ -10785,7 +10327,7 @@
           <a:p>
             <a:pPr algn="r"/>
             <a:r>
-              <a:rPr lang="en-US" sz="900" dirty="0" smtClean="0">
+              <a:rPr lang="en-US" sz="900" dirty="0">
                 <a:solidFill>
                   <a:srgbClr val="000000"/>
                 </a:solidFill>
@@ -10814,7 +10356,7 @@
         </p:nvCxnSpPr>
         <p:spPr>
           <a:xfrm>
-            <a:off x="7239000" y="10287008"/>
+            <a:off x="4953000" y="9067808"/>
             <a:ext cx="304800" cy="4"/>
           </a:xfrm>
           <a:prstGeom prst="line">
@@ -10851,7 +10393,7 @@
         </p:nvSpPr>
         <p:spPr>
           <a:xfrm>
-            <a:off x="6781800" y="10210809"/>
+            <a:off x="4495800" y="8991610"/>
             <a:ext cx="457200" cy="152399"/>
           </a:xfrm>
           <a:prstGeom prst="rect">
@@ -10884,7 +10426,7 @@
           <a:p>
             <a:pPr algn="r"/>
             <a:r>
-              <a:rPr lang="en-US" sz="900" dirty="0" smtClean="0">
+              <a:rPr lang="en-US" sz="900" dirty="0">
                 <a:solidFill>
                   <a:srgbClr val="000000"/>
                 </a:solidFill>
@@ -10911,7 +10453,7 @@
         </p:nvSpPr>
         <p:spPr>
           <a:xfrm>
-            <a:off x="10972800" y="2819400"/>
+            <a:off x="8686800" y="1600201"/>
             <a:ext cx="457200" cy="152399"/>
           </a:xfrm>
           <a:prstGeom prst="rect">
@@ -10963,7 +10505,7 @@
         </p:nvCxnSpPr>
         <p:spPr>
           <a:xfrm>
-            <a:off x="8686800" y="2286000"/>
+            <a:off x="6400800" y="1066800"/>
             <a:ext cx="609600" cy="0"/>
           </a:xfrm>
           <a:prstGeom prst="line">
@@ -11000,7 +10542,7 @@
         </p:nvSpPr>
         <p:spPr>
           <a:xfrm>
-            <a:off x="10972800" y="2590801"/>
+            <a:off x="8686800" y="1371602"/>
             <a:ext cx="914400" cy="457199"/>
           </a:xfrm>
           <a:prstGeom prst="rect">
@@ -11057,7 +10599,7 @@
         </p:nvCxnSpPr>
         <p:spPr>
           <a:xfrm flipV="1">
-            <a:off x="8686800" y="2895600"/>
+            <a:off x="6400800" y="1676401"/>
             <a:ext cx="2286000" cy="1"/>
           </a:xfrm>
           <a:prstGeom prst="line">
@@ -11094,7 +10636,7 @@
         </p:nvCxnSpPr>
         <p:spPr>
           <a:xfrm flipV="1">
-            <a:off x="8763000" y="2819400"/>
+            <a:off x="6477000" y="1600200"/>
             <a:ext cx="152400" cy="152400"/>
           </a:xfrm>
           <a:prstGeom prst="line">
@@ -11131,7 +10673,7 @@
         </p:nvSpPr>
         <p:spPr>
           <a:xfrm>
-            <a:off x="8763000" y="2743201"/>
+            <a:off x="6477000" y="1524002"/>
             <a:ext cx="152400" cy="76199"/>
           </a:xfrm>
           <a:prstGeom prst="rect">
@@ -11184,7 +10726,7 @@
         </p:nvCxnSpPr>
         <p:spPr>
           <a:xfrm flipV="1">
-            <a:off x="9829800" y="2819400"/>
+            <a:off x="7543800" y="1600200"/>
             <a:ext cx="76200" cy="76200"/>
           </a:xfrm>
           <a:prstGeom prst="line">
@@ -11221,7 +10763,7 @@
         </p:nvCxnSpPr>
         <p:spPr>
           <a:xfrm flipV="1">
-            <a:off x="9906000" y="2667000"/>
+            <a:off x="7620000" y="1447800"/>
             <a:ext cx="0" cy="152400"/>
           </a:xfrm>
           <a:prstGeom prst="line">
@@ -11258,7 +10800,7 @@
         </p:nvCxnSpPr>
         <p:spPr>
           <a:xfrm>
-            <a:off x="9906000" y="2667000"/>
+            <a:off x="7620000" y="1447800"/>
             <a:ext cx="609600" cy="0"/>
           </a:xfrm>
           <a:prstGeom prst="line">
@@ -11295,7 +10837,7 @@
         </p:nvCxnSpPr>
         <p:spPr>
           <a:xfrm flipV="1">
-            <a:off x="10439400" y="2590800"/>
+            <a:off x="8153400" y="1371600"/>
             <a:ext cx="152400" cy="152400"/>
           </a:xfrm>
           <a:prstGeom prst="line">
@@ -11332,7 +10874,7 @@
         </p:nvCxnSpPr>
         <p:spPr>
           <a:xfrm>
-            <a:off x="10439400" y="2590800"/>
+            <a:off x="8153400" y="1371600"/>
             <a:ext cx="152400" cy="152400"/>
           </a:xfrm>
           <a:prstGeom prst="line">
@@ -11369,7 +10911,7 @@
         </p:nvCxnSpPr>
         <p:spPr>
           <a:xfrm flipV="1">
-            <a:off x="10058400" y="2590800"/>
+            <a:off x="7772400" y="1371600"/>
             <a:ext cx="152400" cy="152400"/>
           </a:xfrm>
           <a:prstGeom prst="line">
@@ -11406,7 +10948,7 @@
         </p:nvSpPr>
         <p:spPr>
           <a:xfrm>
-            <a:off x="10058400" y="2514601"/>
+            <a:off x="7772400" y="1295402"/>
             <a:ext cx="152400" cy="76199"/>
           </a:xfrm>
           <a:prstGeom prst="rect">
@@ -11459,7 +11001,7 @@
         </p:nvCxnSpPr>
         <p:spPr>
           <a:xfrm flipV="1">
-            <a:off x="10058400" y="2819400"/>
+            <a:off x="7772400" y="1600200"/>
             <a:ext cx="152400" cy="152400"/>
           </a:xfrm>
           <a:prstGeom prst="line">
@@ -11496,7 +11038,7 @@
         </p:nvSpPr>
         <p:spPr>
           <a:xfrm>
-            <a:off x="10058400" y="2743201"/>
+            <a:off x="7772400" y="1524002"/>
             <a:ext cx="152400" cy="76199"/>
           </a:xfrm>
           <a:prstGeom prst="rect">
@@ -11549,7 +11091,7 @@
         </p:nvSpPr>
         <p:spPr>
           <a:xfrm>
-            <a:off x="11430000" y="2819400"/>
+            <a:off x="9144000" y="1600201"/>
             <a:ext cx="457200" cy="152399"/>
           </a:xfrm>
           <a:prstGeom prst="rect">
@@ -11602,7 +11144,7 @@
         </p:nvSpPr>
         <p:spPr>
           <a:xfrm>
-            <a:off x="10972800" y="3429001"/>
+            <a:off x="8686800" y="2209802"/>
             <a:ext cx="457200" cy="152399"/>
           </a:xfrm>
           <a:prstGeom prst="rect">
@@ -11654,7 +11196,7 @@
         </p:nvSpPr>
         <p:spPr>
           <a:xfrm>
-            <a:off x="10972800" y="3200402"/>
+            <a:off x="8686800" y="1981203"/>
             <a:ext cx="914400" cy="457199"/>
           </a:xfrm>
           <a:prstGeom prst="rect">
@@ -11711,7 +11253,7 @@
         </p:nvCxnSpPr>
         <p:spPr>
           <a:xfrm>
-            <a:off x="8686800" y="3505201"/>
+            <a:off x="6400800" y="2286001"/>
             <a:ext cx="2286000" cy="0"/>
           </a:xfrm>
           <a:prstGeom prst="line">
@@ -11748,7 +11290,7 @@
         </p:nvCxnSpPr>
         <p:spPr>
           <a:xfrm flipV="1">
-            <a:off x="8763000" y="3429000"/>
+            <a:off x="6477000" y="2209800"/>
             <a:ext cx="152400" cy="152400"/>
           </a:xfrm>
           <a:prstGeom prst="line">
@@ -11785,7 +11327,7 @@
         </p:nvSpPr>
         <p:spPr>
           <a:xfrm>
-            <a:off x="8763000" y="3352801"/>
+            <a:off x="6477000" y="2133602"/>
             <a:ext cx="152400" cy="76199"/>
           </a:xfrm>
           <a:prstGeom prst="rect">
@@ -11838,7 +11380,7 @@
         </p:nvSpPr>
         <p:spPr>
           <a:xfrm>
-            <a:off x="11430000" y="3429001"/>
+            <a:off x="9144000" y="2209802"/>
             <a:ext cx="457200" cy="152399"/>
           </a:xfrm>
           <a:prstGeom prst="rect">
@@ -11891,7 +11433,7 @@
         </p:nvSpPr>
         <p:spPr>
           <a:xfrm>
-            <a:off x="10972800" y="2438401"/>
+            <a:off x="8686800" y="1219202"/>
             <a:ext cx="457200" cy="152399"/>
           </a:xfrm>
           <a:prstGeom prst="rect">
@@ -11923,7 +11465,7 @@
           <a:lstStyle/>
           <a:p>
             <a:r>
-              <a:rPr lang="en-US" sz="900" dirty="0" smtClean="0">
+              <a:rPr lang="en-US" sz="900" dirty="0">
                 <a:solidFill>
                   <a:srgbClr val="000000"/>
                 </a:solidFill>
@@ -11950,7 +11492,7 @@
         </p:nvSpPr>
         <p:spPr>
           <a:xfrm>
-            <a:off x="10972800" y="3048002"/>
+            <a:off x="8686800" y="1828803"/>
             <a:ext cx="457200" cy="152399"/>
           </a:xfrm>
           <a:prstGeom prst="rect">
@@ -11982,7 +11524,7 @@
           <a:lstStyle/>
           <a:p>
             <a:r>
-              <a:rPr lang="en-US" sz="900" dirty="0" smtClean="0">
+              <a:rPr lang="en-US" sz="900" dirty="0">
                 <a:solidFill>
                   <a:srgbClr val="000000"/>
                 </a:solidFill>
@@ -12009,7 +11551,7 @@
         </p:nvSpPr>
         <p:spPr>
           <a:xfrm>
-            <a:off x="8991600" y="2743200"/>
+            <a:off x="6705600" y="1524000"/>
             <a:ext cx="457200" cy="152400"/>
           </a:xfrm>
           <a:prstGeom prst="rect">
@@ -12041,7 +11583,7 @@
           <a:lstStyle/>
           <a:p>
             <a:r>
-              <a:rPr lang="en-US" sz="900" dirty="0" smtClean="0">
+              <a:rPr lang="en-US" sz="900" dirty="0">
                 <a:solidFill>
                   <a:srgbClr val="000000"/>
                 </a:solidFill>
@@ -12068,7 +11610,7 @@
         </p:nvSpPr>
         <p:spPr>
           <a:xfrm>
-            <a:off x="8991600" y="3352800"/>
+            <a:off x="6705600" y="2133600"/>
             <a:ext cx="457200" cy="152400"/>
           </a:xfrm>
           <a:prstGeom prst="rect">
@@ -12100,7 +11642,7 @@
           <a:lstStyle/>
           <a:p>
             <a:r>
-              <a:rPr lang="en-US" sz="900" dirty="0" smtClean="0">
+              <a:rPr lang="en-US" sz="900" dirty="0">
                 <a:solidFill>
                   <a:srgbClr val="000000"/>
                 </a:solidFill>
@@ -12127,7 +11669,7 @@
         </p:nvCxnSpPr>
         <p:spPr>
           <a:xfrm flipV="1">
-            <a:off x="9220200" y="2209800"/>
+            <a:off x="6934200" y="990600"/>
             <a:ext cx="152400" cy="152400"/>
           </a:xfrm>
           <a:prstGeom prst="line">
@@ -12164,7 +11706,7 @@
         </p:nvCxnSpPr>
         <p:spPr>
           <a:xfrm>
-            <a:off x="9220200" y="2209800"/>
+            <a:off x="6934200" y="990600"/>
             <a:ext cx="152400" cy="152400"/>
           </a:xfrm>
           <a:prstGeom prst="line">
@@ -12201,7 +11743,7 @@
         </p:nvSpPr>
         <p:spPr>
           <a:xfrm>
-            <a:off x="8229600" y="5334009"/>
+            <a:off x="5943600" y="4114810"/>
             <a:ext cx="457200" cy="152399"/>
           </a:xfrm>
           <a:prstGeom prst="rect">
@@ -12254,7 +11796,7 @@
         </p:nvSpPr>
         <p:spPr>
           <a:xfrm>
-            <a:off x="8229600" y="5943609"/>
+            <a:off x="5943600" y="4724410"/>
             <a:ext cx="457200" cy="152399"/>
           </a:xfrm>
           <a:prstGeom prst="rect">
@@ -12307,7 +11849,7 @@
         </p:nvSpPr>
         <p:spPr>
           <a:xfrm>
-            <a:off x="10972800" y="5334008"/>
+            <a:off x="8686800" y="4114809"/>
             <a:ext cx="457200" cy="152399"/>
           </a:xfrm>
           <a:prstGeom prst="rect">
@@ -12359,7 +11901,7 @@
         </p:nvSpPr>
         <p:spPr>
           <a:xfrm>
-            <a:off x="10972800" y="5105409"/>
+            <a:off x="8686800" y="3886210"/>
             <a:ext cx="914400" cy="457199"/>
           </a:xfrm>
           <a:prstGeom prst="rect">
@@ -12415,7 +11957,7 @@
         </p:nvCxnSpPr>
         <p:spPr>
           <a:xfrm flipV="1">
-            <a:off x="8686800" y="5410208"/>
+            <a:off x="6400800" y="4191008"/>
             <a:ext cx="2286000" cy="6"/>
           </a:xfrm>
           <a:prstGeom prst="line">
@@ -12452,7 +11994,7 @@
         </p:nvCxnSpPr>
         <p:spPr>
           <a:xfrm flipV="1">
-            <a:off x="8763000" y="5334008"/>
+            <a:off x="6477000" y="4114808"/>
             <a:ext cx="152400" cy="152400"/>
           </a:xfrm>
           <a:prstGeom prst="line">
@@ -12489,7 +12031,7 @@
         </p:nvSpPr>
         <p:spPr>
           <a:xfrm>
-            <a:off x="8763000" y="5257809"/>
+            <a:off x="6477000" y="4038610"/>
             <a:ext cx="152400" cy="76199"/>
           </a:xfrm>
           <a:prstGeom prst="rect">
@@ -12542,7 +12084,7 @@
         </p:nvCxnSpPr>
         <p:spPr>
           <a:xfrm flipV="1">
-            <a:off x="9829800" y="5334008"/>
+            <a:off x="7543800" y="4114808"/>
             <a:ext cx="76200" cy="76200"/>
           </a:xfrm>
           <a:prstGeom prst="line">
@@ -12579,7 +12121,7 @@
         </p:nvCxnSpPr>
         <p:spPr>
           <a:xfrm flipV="1">
-            <a:off x="9906000" y="5181608"/>
+            <a:off x="7620000" y="3962408"/>
             <a:ext cx="0" cy="152400"/>
           </a:xfrm>
           <a:prstGeom prst="line">
@@ -12616,7 +12158,7 @@
         </p:nvCxnSpPr>
         <p:spPr>
           <a:xfrm>
-            <a:off x="9906000" y="5181608"/>
+            <a:off x="7620000" y="3962408"/>
             <a:ext cx="609600" cy="0"/>
           </a:xfrm>
           <a:prstGeom prst="line">
@@ -12653,7 +12195,7 @@
         </p:nvCxnSpPr>
         <p:spPr>
           <a:xfrm flipV="1">
-            <a:off x="10439400" y="5105408"/>
+            <a:off x="8153400" y="3886208"/>
             <a:ext cx="152400" cy="152400"/>
           </a:xfrm>
           <a:prstGeom prst="line">
@@ -12690,7 +12232,7 @@
         </p:nvCxnSpPr>
         <p:spPr>
           <a:xfrm>
-            <a:off x="10439400" y="5105408"/>
+            <a:off x="8153400" y="3886208"/>
             <a:ext cx="152400" cy="152400"/>
           </a:xfrm>
           <a:prstGeom prst="line">
@@ -12727,7 +12269,7 @@
         </p:nvCxnSpPr>
         <p:spPr>
           <a:xfrm flipV="1">
-            <a:off x="10058400" y="5105408"/>
+            <a:off x="7772400" y="3886208"/>
             <a:ext cx="152400" cy="152400"/>
           </a:xfrm>
           <a:prstGeom prst="line">
@@ -12764,7 +12306,7 @@
         </p:nvSpPr>
         <p:spPr>
           <a:xfrm>
-            <a:off x="10058400" y="5029209"/>
+            <a:off x="7772400" y="3810010"/>
             <a:ext cx="152400" cy="76199"/>
           </a:xfrm>
           <a:prstGeom prst="rect">
@@ -12817,7 +12359,7 @@
         </p:nvCxnSpPr>
         <p:spPr>
           <a:xfrm flipV="1">
-            <a:off x="10058400" y="5334008"/>
+            <a:off x="7772400" y="4114808"/>
             <a:ext cx="152400" cy="152400"/>
           </a:xfrm>
           <a:prstGeom prst="line">
@@ -12854,7 +12396,7 @@
         </p:nvSpPr>
         <p:spPr>
           <a:xfrm>
-            <a:off x="10058400" y="5257809"/>
+            <a:off x="7772400" y="4038610"/>
             <a:ext cx="152400" cy="76199"/>
           </a:xfrm>
           <a:prstGeom prst="rect">
@@ -12907,7 +12449,7 @@
         </p:nvSpPr>
         <p:spPr>
           <a:xfrm>
-            <a:off x="11430000" y="5334008"/>
+            <a:off x="9144000" y="4114809"/>
             <a:ext cx="457200" cy="152399"/>
           </a:xfrm>
           <a:prstGeom prst="rect">
@@ -12960,7 +12502,7 @@
         </p:nvSpPr>
         <p:spPr>
           <a:xfrm>
-            <a:off x="10972800" y="5943609"/>
+            <a:off x="8686800" y="4724410"/>
             <a:ext cx="457200" cy="152399"/>
           </a:xfrm>
           <a:prstGeom prst="rect">
@@ -13012,7 +12554,7 @@
         </p:nvSpPr>
         <p:spPr>
           <a:xfrm>
-            <a:off x="10972800" y="5715010"/>
+            <a:off x="8686800" y="4495811"/>
             <a:ext cx="914400" cy="457199"/>
           </a:xfrm>
           <a:prstGeom prst="rect">
@@ -13069,7 +12611,7 @@
         </p:nvCxnSpPr>
         <p:spPr>
           <a:xfrm>
-            <a:off x="8686800" y="6019809"/>
+            <a:off x="6400800" y="4800609"/>
             <a:ext cx="2286000" cy="0"/>
           </a:xfrm>
           <a:prstGeom prst="line">
@@ -13106,7 +12648,7 @@
         </p:nvCxnSpPr>
         <p:spPr>
           <a:xfrm flipV="1">
-            <a:off x="8763000" y="5943608"/>
+            <a:off x="6477000" y="4724408"/>
             <a:ext cx="152400" cy="152400"/>
           </a:xfrm>
           <a:prstGeom prst="line">
@@ -13143,7 +12685,7 @@
         </p:nvSpPr>
         <p:spPr>
           <a:xfrm>
-            <a:off x="8763000" y="5867409"/>
+            <a:off x="6477000" y="4648210"/>
             <a:ext cx="152400" cy="76199"/>
           </a:xfrm>
           <a:prstGeom prst="rect">
@@ -13196,7 +12738,7 @@
         </p:nvSpPr>
         <p:spPr>
           <a:xfrm>
-            <a:off x="11430000" y="5943609"/>
+            <a:off x="9144000" y="4724410"/>
             <a:ext cx="457200" cy="152399"/>
           </a:xfrm>
           <a:prstGeom prst="rect">
@@ -13249,7 +12791,7 @@
         </p:nvSpPr>
         <p:spPr>
           <a:xfrm>
-            <a:off x="10972800" y="4953009"/>
+            <a:off x="8686800" y="3733810"/>
             <a:ext cx="457200" cy="152399"/>
           </a:xfrm>
           <a:prstGeom prst="rect">
@@ -13281,7 +12823,7 @@
           <a:lstStyle/>
           <a:p>
             <a:r>
-              <a:rPr lang="en-US" sz="900" dirty="0" smtClean="0">
+              <a:rPr lang="en-US" sz="900" dirty="0">
                 <a:solidFill>
                   <a:srgbClr val="000000"/>
                 </a:solidFill>
@@ -13308,7 +12850,7 @@
         </p:nvSpPr>
         <p:spPr>
           <a:xfrm>
-            <a:off x="10972800" y="5562610"/>
+            <a:off x="8686800" y="4343411"/>
             <a:ext cx="457200" cy="152399"/>
           </a:xfrm>
           <a:prstGeom prst="rect">
@@ -13340,7 +12882,7 @@
           <a:lstStyle/>
           <a:p>
             <a:r>
-              <a:rPr lang="en-US" sz="900" dirty="0" smtClean="0">
+              <a:rPr lang="en-US" sz="900" dirty="0">
                 <a:solidFill>
                   <a:srgbClr val="000000"/>
                 </a:solidFill>
@@ -13367,7 +12909,7 @@
         </p:nvSpPr>
         <p:spPr>
           <a:xfrm>
-            <a:off x="8991600" y="5257808"/>
+            <a:off x="6705600" y="4038608"/>
             <a:ext cx="457200" cy="152400"/>
           </a:xfrm>
           <a:prstGeom prst="rect">
@@ -13399,7 +12941,7 @@
           <a:lstStyle/>
           <a:p>
             <a:r>
-              <a:rPr lang="en-US" sz="900" dirty="0" smtClean="0">
+              <a:rPr lang="en-US" sz="900" dirty="0">
                 <a:solidFill>
                   <a:srgbClr val="000000"/>
                 </a:solidFill>
@@ -13426,7 +12968,7 @@
         </p:nvSpPr>
         <p:spPr>
           <a:xfrm>
-            <a:off x="8991600" y="5867408"/>
+            <a:off x="6705600" y="4648208"/>
             <a:ext cx="457200" cy="152400"/>
           </a:xfrm>
           <a:prstGeom prst="rect">
@@ -13458,7 +13000,7 @@
           <a:lstStyle/>
           <a:p>
             <a:r>
-              <a:rPr lang="en-US" sz="900" dirty="0" smtClean="0">
+              <a:rPr lang="en-US" sz="900" dirty="0">
                 <a:solidFill>
                   <a:srgbClr val="000000"/>
                 </a:solidFill>
@@ -13485,7 +13027,7 @@
         </p:nvCxnSpPr>
         <p:spPr>
           <a:xfrm>
-            <a:off x="8686800" y="4876808"/>
+            <a:off x="6400800" y="3657608"/>
             <a:ext cx="609600" cy="0"/>
           </a:xfrm>
           <a:prstGeom prst="line">
@@ -13522,7 +13064,7 @@
         </p:nvCxnSpPr>
         <p:spPr>
           <a:xfrm flipV="1">
-            <a:off x="9220200" y="4800608"/>
+            <a:off x="6934200" y="3581408"/>
             <a:ext cx="152400" cy="152400"/>
           </a:xfrm>
           <a:prstGeom prst="line">
@@ -13559,7 +13101,7 @@
         </p:nvCxnSpPr>
         <p:spPr>
           <a:xfrm>
-            <a:off x="9220200" y="4800608"/>
+            <a:off x="6934200" y="3581408"/>
             <a:ext cx="152400" cy="152400"/>
           </a:xfrm>
           <a:prstGeom prst="line">
@@ -13598,7 +13140,7 @@
         </p:nvCxnSpPr>
         <p:spPr>
           <a:xfrm flipV="1">
-            <a:off x="11887200" y="6019808"/>
+            <a:off x="9601200" y="4800609"/>
             <a:ext cx="609600" cy="1"/>
           </a:xfrm>
           <a:prstGeom prst="line">
@@ -13635,7 +13177,7 @@
         </p:nvCxnSpPr>
         <p:spPr>
           <a:xfrm flipV="1">
-            <a:off x="11963400" y="5943608"/>
+            <a:off x="9677400" y="4724408"/>
             <a:ext cx="152400" cy="152400"/>
           </a:xfrm>
           <a:prstGeom prst="line">
@@ -13672,7 +13214,7 @@
         </p:nvSpPr>
         <p:spPr>
           <a:xfrm>
-            <a:off x="11963400" y="5867409"/>
+            <a:off x="9677400" y="4648210"/>
             <a:ext cx="152400" cy="76199"/>
           </a:xfrm>
           <a:prstGeom prst="rect">
@@ -13725,7 +13267,7 @@
         </p:nvCxnSpPr>
         <p:spPr>
           <a:xfrm flipV="1">
-            <a:off x="11887200" y="5410208"/>
+            <a:off x="9601200" y="4191009"/>
             <a:ext cx="609600" cy="1"/>
           </a:xfrm>
           <a:prstGeom prst="line">
@@ -13762,7 +13304,7 @@
         </p:nvCxnSpPr>
         <p:spPr>
           <a:xfrm flipV="1">
-            <a:off x="11963400" y="5334008"/>
+            <a:off x="9677400" y="4114808"/>
             <a:ext cx="152400" cy="152400"/>
           </a:xfrm>
           <a:prstGeom prst="line">
@@ -13799,7 +13341,7 @@
         </p:nvSpPr>
         <p:spPr>
           <a:xfrm>
-            <a:off x="11963400" y="5257809"/>
+            <a:off x="9677400" y="4038610"/>
             <a:ext cx="152400" cy="76199"/>
           </a:xfrm>
           <a:prstGeom prst="rect">
@@ -13852,7 +13394,7 @@
         </p:nvCxnSpPr>
         <p:spPr>
           <a:xfrm flipV="1">
-            <a:off x="12496800" y="5334008"/>
+            <a:off x="10210800" y="4114808"/>
             <a:ext cx="76200" cy="76202"/>
           </a:xfrm>
           <a:prstGeom prst="line">
@@ -13889,7 +13431,7 @@
         </p:nvCxnSpPr>
         <p:spPr>
           <a:xfrm flipV="1">
-            <a:off x="12496800" y="5943608"/>
+            <a:off x="10210800" y="4724408"/>
             <a:ext cx="76200" cy="76202"/>
           </a:xfrm>
           <a:prstGeom prst="line">
@@ -13926,7 +13468,7 @@
         </p:nvCxnSpPr>
         <p:spPr>
           <a:xfrm flipV="1">
-            <a:off x="11887200" y="4876808"/>
+            <a:off x="9601200" y="3657609"/>
             <a:ext cx="609600" cy="1"/>
           </a:xfrm>
           <a:prstGeom prst="line">
@@ -13963,7 +13505,7 @@
         </p:nvCxnSpPr>
         <p:spPr>
           <a:xfrm flipV="1">
-            <a:off x="12496800" y="4800608"/>
+            <a:off x="10210800" y="3581408"/>
             <a:ext cx="76200" cy="76202"/>
           </a:xfrm>
           <a:prstGeom prst="line">
@@ -14000,7 +13542,7 @@
         </p:nvSpPr>
         <p:spPr>
           <a:xfrm>
-            <a:off x="11811000" y="4724408"/>
+            <a:off x="9525000" y="3505208"/>
             <a:ext cx="457200" cy="152400"/>
           </a:xfrm>
           <a:prstGeom prst="rect">
@@ -14032,7 +13574,7 @@
           <a:lstStyle/>
           <a:p>
             <a:r>
-              <a:rPr lang="en-US" sz="900" dirty="0" smtClean="0">
+              <a:rPr lang="en-US" sz="900" dirty="0">
                 <a:solidFill>
                   <a:srgbClr val="000000"/>
                 </a:solidFill>
@@ -14059,7 +13601,7 @@
         </p:nvCxnSpPr>
         <p:spPr>
           <a:xfrm flipV="1">
-            <a:off x="12573000" y="4648208"/>
+            <a:off x="10287000" y="3429008"/>
             <a:ext cx="0" cy="1295402"/>
           </a:xfrm>
           <a:prstGeom prst="line">
@@ -14096,7 +13638,7 @@
         </p:nvCxnSpPr>
         <p:spPr>
           <a:xfrm flipV="1">
-            <a:off x="11887200" y="3505200"/>
+            <a:off x="9601200" y="2286001"/>
             <a:ext cx="609600" cy="1"/>
           </a:xfrm>
           <a:prstGeom prst="line">
@@ -14133,7 +13675,7 @@
         </p:nvCxnSpPr>
         <p:spPr>
           <a:xfrm flipV="1">
-            <a:off x="11963400" y="3429000"/>
+            <a:off x="9677400" y="2209800"/>
             <a:ext cx="152400" cy="152400"/>
           </a:xfrm>
           <a:prstGeom prst="line">
@@ -14170,7 +13712,7 @@
         </p:nvSpPr>
         <p:spPr>
           <a:xfrm>
-            <a:off x="11963400" y="3352801"/>
+            <a:off x="9677400" y="2133602"/>
             <a:ext cx="152400" cy="76199"/>
           </a:xfrm>
           <a:prstGeom prst="rect">
@@ -14223,7 +13765,7 @@
         </p:nvCxnSpPr>
         <p:spPr>
           <a:xfrm flipV="1">
-            <a:off x="11887200" y="2895600"/>
+            <a:off x="9601200" y="1676401"/>
             <a:ext cx="609600" cy="1"/>
           </a:xfrm>
           <a:prstGeom prst="line">
@@ -14260,7 +13802,7 @@
         </p:nvCxnSpPr>
         <p:spPr>
           <a:xfrm flipV="1">
-            <a:off x="11963400" y="2819400"/>
+            <a:off x="9677400" y="1600200"/>
             <a:ext cx="152400" cy="152400"/>
           </a:xfrm>
           <a:prstGeom prst="line">
@@ -14297,7 +13839,7 @@
         </p:nvSpPr>
         <p:spPr>
           <a:xfrm>
-            <a:off x="11963400" y="2743201"/>
+            <a:off x="9677400" y="1524002"/>
             <a:ext cx="152400" cy="76199"/>
           </a:xfrm>
           <a:prstGeom prst="rect">
@@ -14350,7 +13892,7 @@
         </p:nvCxnSpPr>
         <p:spPr>
           <a:xfrm flipV="1">
-            <a:off x="12496800" y="2819400"/>
+            <a:off x="10210800" y="1600200"/>
             <a:ext cx="76200" cy="76202"/>
           </a:xfrm>
           <a:prstGeom prst="line">
@@ -14387,7 +13929,7 @@
         </p:nvCxnSpPr>
         <p:spPr>
           <a:xfrm flipV="1">
-            <a:off x="12496800" y="3429000"/>
+            <a:off x="10210800" y="2209800"/>
             <a:ext cx="76200" cy="76202"/>
           </a:xfrm>
           <a:prstGeom prst="line">
@@ -14424,7 +13966,7 @@
         </p:nvCxnSpPr>
         <p:spPr>
           <a:xfrm flipV="1">
-            <a:off x="11887200" y="2362200"/>
+            <a:off x="9601200" y="1143001"/>
             <a:ext cx="609600" cy="1"/>
           </a:xfrm>
           <a:prstGeom prst="line">
@@ -14461,7 +14003,7 @@
         </p:nvCxnSpPr>
         <p:spPr>
           <a:xfrm flipV="1">
-            <a:off x="12496800" y="2286000"/>
+            <a:off x="10210800" y="1066800"/>
             <a:ext cx="76200" cy="76202"/>
           </a:xfrm>
           <a:prstGeom prst="line">
@@ -14498,7 +14040,7 @@
         </p:nvSpPr>
         <p:spPr>
           <a:xfrm>
-            <a:off x="11811000" y="2209800"/>
+            <a:off x="9525000" y="990600"/>
             <a:ext cx="457200" cy="152400"/>
           </a:xfrm>
           <a:prstGeom prst="rect">
@@ -14530,7 +14072,7 @@
           <a:lstStyle/>
           <a:p>
             <a:r>
-              <a:rPr lang="en-US" sz="900" dirty="0" smtClean="0">
+              <a:rPr lang="en-US" sz="900" dirty="0">
                 <a:solidFill>
                   <a:srgbClr val="000000"/>
                 </a:solidFill>
@@ -14557,7 +14099,7 @@
         </p:nvCxnSpPr>
         <p:spPr>
           <a:xfrm flipV="1">
-            <a:off x="12573000" y="2133600"/>
+            <a:off x="10287000" y="914400"/>
             <a:ext cx="0" cy="1295402"/>
           </a:xfrm>
           <a:prstGeom prst="line">
@@ -14594,7 +14136,7 @@
         </p:nvCxnSpPr>
         <p:spPr>
           <a:xfrm flipV="1">
-            <a:off x="12573000" y="4648208"/>
+            <a:off x="10287000" y="3429009"/>
             <a:ext cx="609600" cy="1"/>
           </a:xfrm>
           <a:prstGeom prst="line">
@@ -14631,7 +14173,7 @@
         </p:nvSpPr>
         <p:spPr>
           <a:xfrm>
-            <a:off x="12649200" y="4495808"/>
+            <a:off x="10363200" y="3276608"/>
             <a:ext cx="457200" cy="152400"/>
           </a:xfrm>
           <a:prstGeom prst="rect">
@@ -14663,7 +14205,7 @@
           <a:lstStyle/>
           <a:p>
             <a:r>
-              <a:rPr lang="en-US" sz="900" dirty="0" err="1" smtClean="0">
+              <a:rPr lang="en-US" sz="900" dirty="0" err="1">
                 <a:solidFill>
                   <a:srgbClr val="000000"/>
                 </a:solidFill>
@@ -14690,7 +14232,7 @@
         </p:nvSpPr>
         <p:spPr>
           <a:xfrm>
-            <a:off x="12649200" y="1981200"/>
+            <a:off x="10363200" y="762000"/>
             <a:ext cx="457200" cy="152400"/>
           </a:xfrm>
           <a:prstGeom prst="rect">
@@ -14722,7 +14264,7 @@
           <a:lstStyle/>
           <a:p>
             <a:r>
-              <a:rPr lang="en-US" sz="900" dirty="0" err="1" smtClean="0">
+              <a:rPr lang="en-US" sz="900" dirty="0" err="1">
                 <a:solidFill>
                   <a:srgbClr val="000000"/>
                 </a:solidFill>
@@ -14749,7 +14291,7 @@
         </p:nvCxnSpPr>
         <p:spPr>
           <a:xfrm flipV="1">
-            <a:off x="12573000" y="2133600"/>
+            <a:off x="10287000" y="914401"/>
             <a:ext cx="914400" cy="1"/>
           </a:xfrm>
           <a:prstGeom prst="line">
@@ -14786,7 +14328,7 @@
         </p:nvCxnSpPr>
         <p:spPr>
           <a:xfrm flipV="1">
-            <a:off x="8686800" y="7924808"/>
+            <a:off x="6400800" y="6705609"/>
             <a:ext cx="609600" cy="1"/>
           </a:xfrm>
           <a:prstGeom prst="line">
@@ -14823,7 +14365,7 @@
         </p:nvCxnSpPr>
         <p:spPr>
           <a:xfrm flipV="1">
-            <a:off x="8763000" y="7848608"/>
+            <a:off x="6477000" y="6629408"/>
             <a:ext cx="152400" cy="152400"/>
           </a:xfrm>
           <a:prstGeom prst="line">
@@ -14860,7 +14402,7 @@
         </p:nvSpPr>
         <p:spPr>
           <a:xfrm>
-            <a:off x="8763000" y="7772409"/>
+            <a:off x="6477000" y="6553210"/>
             <a:ext cx="152400" cy="76199"/>
           </a:xfrm>
           <a:prstGeom prst="rect">
@@ -14913,7 +14455,7 @@
         </p:nvCxnSpPr>
         <p:spPr>
           <a:xfrm flipV="1">
-            <a:off x="9296400" y="7848608"/>
+            <a:off x="7010400" y="6629408"/>
             <a:ext cx="76200" cy="76202"/>
           </a:xfrm>
           <a:prstGeom prst="line">
@@ -14950,7 +14492,7 @@
         </p:nvCxnSpPr>
         <p:spPr>
           <a:xfrm flipV="1">
-            <a:off x="8686800" y="7696208"/>
+            <a:off x="6400800" y="6477009"/>
             <a:ext cx="609600" cy="1"/>
           </a:xfrm>
           <a:prstGeom prst="line">
@@ -14987,7 +14529,7 @@
         </p:nvCxnSpPr>
         <p:spPr>
           <a:xfrm flipV="1">
-            <a:off x="8763000" y="7620008"/>
+            <a:off x="6477000" y="6400808"/>
             <a:ext cx="152400" cy="152400"/>
           </a:xfrm>
           <a:prstGeom prst="line">
@@ -15024,7 +14566,7 @@
         </p:nvSpPr>
         <p:spPr>
           <a:xfrm>
-            <a:off x="8763000" y="7543809"/>
+            <a:off x="6477000" y="6324610"/>
             <a:ext cx="152400" cy="76199"/>
           </a:xfrm>
           <a:prstGeom prst="rect">
@@ -15077,7 +14619,7 @@
         </p:nvCxnSpPr>
         <p:spPr>
           <a:xfrm flipV="1">
-            <a:off x="9296400" y="7620008"/>
+            <a:off x="7010400" y="6400808"/>
             <a:ext cx="76200" cy="76202"/>
           </a:xfrm>
           <a:prstGeom prst="line">
@@ -15114,7 +14656,7 @@
         </p:nvCxnSpPr>
         <p:spPr>
           <a:xfrm flipV="1">
-            <a:off x="8686800" y="7467608"/>
+            <a:off x="6400800" y="6248409"/>
             <a:ext cx="609600" cy="1"/>
           </a:xfrm>
           <a:prstGeom prst="line">
@@ -15151,7 +14693,7 @@
         </p:nvCxnSpPr>
         <p:spPr>
           <a:xfrm flipV="1">
-            <a:off x="8763000" y="7391408"/>
+            <a:off x="6477000" y="6172208"/>
             <a:ext cx="152400" cy="152400"/>
           </a:xfrm>
           <a:prstGeom prst="line">
@@ -15188,7 +14730,7 @@
         </p:nvSpPr>
         <p:spPr>
           <a:xfrm>
-            <a:off x="8763000" y="7315209"/>
+            <a:off x="6477000" y="6096010"/>
             <a:ext cx="152400" cy="76199"/>
           </a:xfrm>
           <a:prstGeom prst="rect">
@@ -15241,7 +14783,7 @@
         </p:nvCxnSpPr>
         <p:spPr>
           <a:xfrm flipV="1">
-            <a:off x="9296400" y="7391408"/>
+            <a:off x="7010400" y="6172208"/>
             <a:ext cx="76200" cy="76202"/>
           </a:xfrm>
           <a:prstGeom prst="line">
@@ -15278,7 +14820,7 @@
         </p:nvCxnSpPr>
         <p:spPr>
           <a:xfrm flipV="1">
-            <a:off x="8686800" y="7239008"/>
+            <a:off x="6400800" y="6019809"/>
             <a:ext cx="609600" cy="1"/>
           </a:xfrm>
           <a:prstGeom prst="line">
@@ -15315,7 +14857,7 @@
         </p:nvCxnSpPr>
         <p:spPr>
           <a:xfrm flipV="1">
-            <a:off x="8763000" y="7162808"/>
+            <a:off x="6477000" y="5943608"/>
             <a:ext cx="152400" cy="152400"/>
           </a:xfrm>
           <a:prstGeom prst="line">
@@ -15352,7 +14894,7 @@
         </p:nvSpPr>
         <p:spPr>
           <a:xfrm>
-            <a:off x="8763000" y="7086609"/>
+            <a:off x="6477000" y="5867410"/>
             <a:ext cx="152400" cy="76199"/>
           </a:xfrm>
           <a:prstGeom prst="rect">
@@ -15405,7 +14947,7 @@
         </p:nvCxnSpPr>
         <p:spPr>
           <a:xfrm flipV="1">
-            <a:off x="9296400" y="7162808"/>
+            <a:off x="7010400" y="5943608"/>
             <a:ext cx="76200" cy="76202"/>
           </a:xfrm>
           <a:prstGeom prst="line">
@@ -15442,7 +14984,7 @@
         </p:nvCxnSpPr>
         <p:spPr>
           <a:xfrm flipV="1">
-            <a:off x="9372600" y="7010408"/>
+            <a:off x="7086600" y="5791208"/>
             <a:ext cx="0" cy="838202"/>
           </a:xfrm>
           <a:prstGeom prst="line">
@@ -15479,7 +15021,7 @@
         </p:nvCxnSpPr>
         <p:spPr>
           <a:xfrm flipV="1">
-            <a:off x="9372600" y="7010408"/>
+            <a:off x="7086600" y="5791209"/>
             <a:ext cx="4343400" cy="3"/>
           </a:xfrm>
           <a:prstGeom prst="line">
@@ -15516,7 +15058,7 @@
         </p:nvSpPr>
         <p:spPr>
           <a:xfrm>
-            <a:off x="12649200" y="6858008"/>
+            <a:off x="10363200" y="5638808"/>
             <a:ext cx="457200" cy="152400"/>
           </a:xfrm>
           <a:prstGeom prst="rect">
@@ -15548,7 +15090,7 @@
           <a:lstStyle/>
           <a:p>
             <a:r>
-              <a:rPr lang="en-US" sz="900" dirty="0" err="1" smtClean="0">
+              <a:rPr lang="en-US" sz="900" dirty="0" err="1">
                 <a:solidFill>
                   <a:srgbClr val="000000"/>
                 </a:solidFill>
@@ -15575,7 +15117,7 @@
         </p:nvSpPr>
         <p:spPr>
           <a:xfrm>
-            <a:off x="9372600" y="7848608"/>
+            <a:off x="7086600" y="6629408"/>
             <a:ext cx="457200" cy="152400"/>
           </a:xfrm>
           <a:prstGeom prst="rect">
@@ -15607,7 +15149,7 @@
           <a:lstStyle/>
           <a:p>
             <a:r>
-              <a:rPr lang="en-US" sz="900" dirty="0" smtClean="0">
+              <a:rPr lang="en-US" sz="900" dirty="0">
                 <a:solidFill>
                   <a:srgbClr val="000000"/>
                 </a:solidFill>
@@ -15634,7 +15176,7 @@
         </p:nvSpPr>
         <p:spPr>
           <a:xfrm>
-            <a:off x="9372600" y="7620008"/>
+            <a:off x="7086600" y="6400808"/>
             <a:ext cx="457200" cy="152400"/>
           </a:xfrm>
           <a:prstGeom prst="rect">
@@ -15666,7 +15208,7 @@
           <a:lstStyle/>
           <a:p>
             <a:r>
-              <a:rPr lang="en-US" sz="900" dirty="0" smtClean="0">
+              <a:rPr lang="en-US" sz="900" dirty="0">
                 <a:solidFill>
                   <a:srgbClr val="000000"/>
                 </a:solidFill>
@@ -15693,7 +15235,7 @@
         </p:nvSpPr>
         <p:spPr>
           <a:xfrm>
-            <a:off x="9372600" y="7391408"/>
+            <a:off x="7086600" y="6172208"/>
             <a:ext cx="457200" cy="152400"/>
           </a:xfrm>
           <a:prstGeom prst="rect">
@@ -15725,7 +15267,7 @@
           <a:lstStyle/>
           <a:p>
             <a:r>
-              <a:rPr lang="en-US" sz="900" dirty="0" smtClean="0">
+              <a:rPr lang="en-US" sz="900" dirty="0">
                 <a:solidFill>
                   <a:srgbClr val="000000"/>
                 </a:solidFill>
@@ -15752,7 +15294,7 @@
         </p:nvSpPr>
         <p:spPr>
           <a:xfrm>
-            <a:off x="9372600" y="7162808"/>
+            <a:off x="7086600" y="5943608"/>
             <a:ext cx="457200" cy="152400"/>
           </a:xfrm>
           <a:prstGeom prst="rect">
@@ -15784,7 +15326,7 @@
           <a:lstStyle/>
           <a:p>
             <a:r>
-              <a:rPr lang="en-US" sz="900" dirty="0" smtClean="0">
+              <a:rPr lang="en-US" sz="900" dirty="0">
                 <a:solidFill>
                   <a:srgbClr val="000000"/>
                 </a:solidFill>
@@ -15811,7 +15353,7 @@
         </p:nvCxnSpPr>
         <p:spPr>
           <a:xfrm>
-            <a:off x="13182600" y="4648210"/>
+            <a:off x="10896600" y="3429010"/>
             <a:ext cx="0" cy="2133598"/>
           </a:xfrm>
           <a:prstGeom prst="line">
@@ -15848,7 +15390,7 @@
         </p:nvCxnSpPr>
         <p:spPr>
           <a:xfrm>
-            <a:off x="13182600" y="6781808"/>
+            <a:off x="10896600" y="5562609"/>
             <a:ext cx="533400" cy="1"/>
           </a:xfrm>
           <a:prstGeom prst="line">
@@ -15885,7 +15427,7 @@
         </p:nvCxnSpPr>
         <p:spPr>
           <a:xfrm>
-            <a:off x="13487400" y="6553209"/>
+            <a:off x="11201400" y="5334009"/>
             <a:ext cx="228600" cy="0"/>
           </a:xfrm>
           <a:prstGeom prst="line">
@@ -15922,7 +15464,7 @@
         </p:nvCxnSpPr>
         <p:spPr>
           <a:xfrm>
-            <a:off x="13487400" y="2133600"/>
+            <a:off x="11201400" y="914400"/>
             <a:ext cx="0" cy="4419608"/>
           </a:xfrm>
           <a:prstGeom prst="line">
@@ -15959,7 +15501,7 @@
         </p:nvSpPr>
         <p:spPr>
           <a:xfrm>
-            <a:off x="12573000" y="5943608"/>
+            <a:off x="10287000" y="4724408"/>
             <a:ext cx="457200" cy="152400"/>
           </a:xfrm>
           <a:prstGeom prst="rect">
@@ -15991,7 +15533,7 @@
           <a:lstStyle/>
           <a:p>
             <a:r>
-              <a:rPr lang="en-US" sz="900" dirty="0" smtClean="0">
+              <a:rPr lang="en-US" sz="900" dirty="0">
                 <a:solidFill>
                   <a:srgbClr val="000000"/>
                 </a:solidFill>
@@ -16018,7 +15560,7 @@
         </p:nvSpPr>
         <p:spPr>
           <a:xfrm>
-            <a:off x="12573000" y="5334008"/>
+            <a:off x="10287000" y="4114808"/>
             <a:ext cx="457200" cy="152400"/>
           </a:xfrm>
           <a:prstGeom prst="rect">
@@ -16050,7 +15592,7 @@
           <a:lstStyle/>
           <a:p>
             <a:r>
-              <a:rPr lang="en-US" sz="900" dirty="0" smtClean="0">
+              <a:rPr lang="en-US" sz="900" dirty="0">
                 <a:solidFill>
                   <a:srgbClr val="000000"/>
                 </a:solidFill>
@@ -16077,7 +15619,7 @@
         </p:nvSpPr>
         <p:spPr>
           <a:xfrm>
-            <a:off x="12573000" y="3429000"/>
+            <a:off x="10287000" y="2209800"/>
             <a:ext cx="457200" cy="152400"/>
           </a:xfrm>
           <a:prstGeom prst="rect">
@@ -16109,7 +15651,7 @@
           <a:lstStyle/>
           <a:p>
             <a:r>
-              <a:rPr lang="en-US" sz="900" dirty="0" smtClean="0">
+              <a:rPr lang="en-US" sz="900" dirty="0">
                 <a:solidFill>
                   <a:srgbClr val="000000"/>
                 </a:solidFill>
@@ -16136,7 +15678,7 @@
         </p:nvSpPr>
         <p:spPr>
           <a:xfrm>
-            <a:off x="12573000" y="2819400"/>
+            <a:off x="10287000" y="1600200"/>
             <a:ext cx="457200" cy="152400"/>
           </a:xfrm>
           <a:prstGeom prst="rect">
@@ -16168,7 +15710,7 @@
           <a:lstStyle/>
           <a:p>
             <a:r>
-              <a:rPr lang="en-US" sz="900" dirty="0" smtClean="0">
+              <a:rPr lang="en-US" sz="900" dirty="0">
                 <a:solidFill>
                   <a:srgbClr val="000000"/>
                 </a:solidFill>
@@ -16195,7 +15737,7 @@
         </p:nvSpPr>
         <p:spPr>
           <a:xfrm rot="5400000">
-            <a:off x="13449300" y="6591308"/>
+            <a:off x="11163300" y="5372108"/>
             <a:ext cx="1143000" cy="609600"/>
           </a:xfrm>
           <a:prstGeom prst="trapezoid">
@@ -16243,7 +15785,7 @@
         </p:nvSpPr>
         <p:spPr>
           <a:xfrm>
-            <a:off x="13716000" y="6934208"/>
+            <a:off x="11430000" y="5715008"/>
             <a:ext cx="457200" cy="152400"/>
           </a:xfrm>
           <a:prstGeom prst="rect">
@@ -16275,7 +15817,7 @@
           <a:lstStyle/>
           <a:p>
             <a:r>
-              <a:rPr lang="en-US" sz="900" dirty="0" smtClean="0">
+              <a:rPr lang="en-US" sz="900" dirty="0">
                 <a:solidFill>
                   <a:srgbClr val="000000"/>
                 </a:solidFill>
@@ -16302,7 +15844,7 @@
         </p:nvSpPr>
         <p:spPr>
           <a:xfrm>
-            <a:off x="13716000" y="6705608"/>
+            <a:off x="11430000" y="5486408"/>
             <a:ext cx="457200" cy="152400"/>
           </a:xfrm>
           <a:prstGeom prst="rect">
@@ -16334,24 +15876,14 @@
           <a:lstStyle/>
           <a:p>
             <a:r>
-              <a:rPr lang="en-US" sz="900" dirty="0" smtClean="0">
+              <a:rPr lang="en-US" sz="900" dirty="0">
                 <a:solidFill>
                   <a:srgbClr val="000000"/>
                 </a:solidFill>
                 <a:latin typeface="Courier New" panose="02070309020205020404" pitchFamily="49" charset="0"/>
                 <a:cs typeface="Courier New" panose="02070309020205020404" pitchFamily="49" charset="0"/>
               </a:rPr>
-              <a:t>2’</a:t>
-            </a:r>
-            <a:r>
-              <a:rPr lang="en-US" sz="900" dirty="0" smtClean="0">
-                <a:solidFill>
-                  <a:srgbClr val="000000"/>
-                </a:solidFill>
-                <a:latin typeface="Courier New" panose="02070309020205020404" pitchFamily="49" charset="0"/>
-                <a:cs typeface="Courier New" panose="02070309020205020404" pitchFamily="49" charset="0"/>
-              </a:rPr>
-              <a:t>d1</a:t>
+              <a:t>2’d1</a:t>
             </a:r>
             <a:endParaRPr lang="en-US" sz="900" dirty="0">
               <a:solidFill>
@@ -16371,7 +15903,7 @@
         </p:nvSpPr>
         <p:spPr>
           <a:xfrm>
-            <a:off x="13716000" y="6477008"/>
+            <a:off x="11430000" y="5257808"/>
             <a:ext cx="457200" cy="152400"/>
           </a:xfrm>
           <a:prstGeom prst="rect">
@@ -16403,24 +15935,14 @@
           <a:lstStyle/>
           <a:p>
             <a:r>
-              <a:rPr lang="en-US" sz="900" dirty="0" smtClean="0">
+              <a:rPr lang="en-US" sz="900" dirty="0">
                 <a:solidFill>
                   <a:srgbClr val="000000"/>
                 </a:solidFill>
                 <a:latin typeface="Courier New" panose="02070309020205020404" pitchFamily="49" charset="0"/>
                 <a:cs typeface="Courier New" panose="02070309020205020404" pitchFamily="49" charset="0"/>
               </a:rPr>
-              <a:t>2’</a:t>
-            </a:r>
-            <a:r>
-              <a:rPr lang="en-US" sz="900" dirty="0" smtClean="0">
-                <a:solidFill>
-                  <a:srgbClr val="000000"/>
-                </a:solidFill>
-                <a:latin typeface="Courier New" panose="02070309020205020404" pitchFamily="49" charset="0"/>
-                <a:cs typeface="Courier New" panose="02070309020205020404" pitchFamily="49" charset="0"/>
-              </a:rPr>
-              <a:t>d2</a:t>
+              <a:t>2’d2</a:t>
             </a:r>
             <a:endParaRPr lang="en-US" sz="900" dirty="0">
               <a:solidFill>
@@ -16440,7 +15962,7 @@
         </p:nvSpPr>
         <p:spPr>
           <a:xfrm>
-            <a:off x="13716000" y="7162808"/>
+            <a:off x="11430000" y="5943608"/>
             <a:ext cx="457200" cy="152400"/>
           </a:xfrm>
           <a:prstGeom prst="rect">
@@ -16472,7 +15994,7 @@
           <a:lstStyle/>
           <a:p>
             <a:r>
-              <a:rPr lang="en-US" sz="900" dirty="0" smtClean="0">
+              <a:rPr lang="en-US" sz="900" dirty="0">
                 <a:solidFill>
                   <a:srgbClr val="000000"/>
                 </a:solidFill>
@@ -16499,7 +16021,7 @@
         </p:nvCxnSpPr>
         <p:spPr>
           <a:xfrm>
-            <a:off x="13487400" y="7239008"/>
+            <a:off x="11201400" y="6019808"/>
             <a:ext cx="228600" cy="0"/>
           </a:xfrm>
           <a:prstGeom prst="line">
@@ -16536,7 +16058,7 @@
         </p:nvSpPr>
         <p:spPr>
           <a:xfrm>
-            <a:off x="13030200" y="7162808"/>
+            <a:off x="10744200" y="5943608"/>
             <a:ext cx="457200" cy="152400"/>
           </a:xfrm>
           <a:prstGeom prst="rect">
@@ -16569,7 +16091,7 @@
           <a:p>
             <a:pPr algn="r"/>
             <a:r>
-              <a:rPr lang="en-US" sz="900" dirty="0" smtClean="0">
+              <a:rPr lang="en-US" sz="900" dirty="0">
                 <a:solidFill>
                   <a:srgbClr val="000000"/>
                 </a:solidFill>
@@ -16596,7 +16118,7 @@
         </p:nvCxnSpPr>
         <p:spPr>
           <a:xfrm flipV="1">
-            <a:off x="14020800" y="7391408"/>
+            <a:off x="11734800" y="6172208"/>
             <a:ext cx="0" cy="1981200"/>
           </a:xfrm>
           <a:prstGeom prst="line">
@@ -16633,7 +16155,7 @@
         </p:nvSpPr>
         <p:spPr>
           <a:xfrm>
-            <a:off x="5943600" y="7543800"/>
+            <a:off x="3657600" y="6324600"/>
             <a:ext cx="152400" cy="152400"/>
           </a:xfrm>
           <a:prstGeom prst="rect">
@@ -16688,7 +16210,7 @@
         </p:nvSpPr>
         <p:spPr>
           <a:xfrm>
-            <a:off x="6248400" y="7543800"/>
+            <a:off x="3962400" y="6324600"/>
             <a:ext cx="304800" cy="304800"/>
           </a:xfrm>
           <a:prstGeom prst="flowChartDelay">
@@ -16734,7 +16256,7 @@
         </p:nvCxnSpPr>
         <p:spPr>
           <a:xfrm>
-            <a:off x="5562600" y="7620000"/>
+            <a:off x="3276600" y="6400800"/>
             <a:ext cx="381000" cy="0"/>
           </a:xfrm>
           <a:prstGeom prst="line">
@@ -16771,7 +16293,7 @@
         </p:nvSpPr>
         <p:spPr>
           <a:xfrm>
-            <a:off x="6019800" y="7848592"/>
+            <a:off x="3733800" y="6629393"/>
             <a:ext cx="457200" cy="152399"/>
           </a:xfrm>
           <a:prstGeom prst="rect">
@@ -16803,7 +16325,7 @@
           <a:lstStyle/>
           <a:p>
             <a:r>
-              <a:rPr lang="en-US" sz="900" dirty="0" smtClean="0">
+              <a:rPr lang="en-US" sz="900" dirty="0">
                 <a:solidFill>
                   <a:srgbClr val="000000"/>
                 </a:solidFill>
@@ -16832,7 +16354,7 @@
         </p:nvCxnSpPr>
         <p:spPr>
           <a:xfrm>
-            <a:off x="6096000" y="7620000"/>
+            <a:off x="3810000" y="6400800"/>
             <a:ext cx="152400" cy="0"/>
           </a:xfrm>
           <a:prstGeom prst="line">
@@ -16869,7 +16391,7 @@
         </p:nvSpPr>
         <p:spPr>
           <a:xfrm>
-            <a:off x="5943600" y="7696200"/>
+            <a:off x="3657600" y="6477000"/>
             <a:ext cx="152400" cy="152400"/>
           </a:xfrm>
           <a:prstGeom prst="rect">
@@ -16904,7 +16426,7 @@
           <a:p>
             <a:pPr algn="ctr"/>
             <a:r>
-              <a:rPr lang="en-US" sz="900" dirty="0" smtClean="0">
+              <a:rPr lang="en-US" sz="900" dirty="0">
                 <a:solidFill>
                   <a:srgbClr val="000000"/>
                 </a:solidFill>
@@ -16931,7 +16453,7 @@
         </p:nvCxnSpPr>
         <p:spPr>
           <a:xfrm flipV="1">
-            <a:off x="6019800" y="7848592"/>
+            <a:off x="3733800" y="6629392"/>
             <a:ext cx="0" cy="152400"/>
           </a:xfrm>
           <a:prstGeom prst="line">
@@ -16968,7 +16490,7 @@
         </p:nvCxnSpPr>
         <p:spPr>
           <a:xfrm>
-            <a:off x="5715000" y="7772400"/>
+            <a:off x="3429000" y="6553200"/>
             <a:ext cx="228600" cy="0"/>
           </a:xfrm>
           <a:prstGeom prst="line">
@@ -17007,7 +16529,7 @@
         </p:nvCxnSpPr>
         <p:spPr>
           <a:xfrm>
-            <a:off x="6096000" y="7772400"/>
+            <a:off x="3810000" y="6553200"/>
             <a:ext cx="152400" cy="0"/>
           </a:xfrm>
           <a:prstGeom prst="line">
@@ -17046,7 +16568,7 @@
         </p:nvCxnSpPr>
         <p:spPr>
           <a:xfrm flipV="1">
-            <a:off x="6553200" y="7696192"/>
+            <a:off x="4267200" y="6476992"/>
             <a:ext cx="762000" cy="8"/>
           </a:xfrm>
           <a:prstGeom prst="line">
@@ -17083,7 +16605,7 @@
         </p:nvSpPr>
         <p:spPr>
           <a:xfrm>
-            <a:off x="5943600" y="5410200"/>
+            <a:off x="3657600" y="4191000"/>
             <a:ext cx="152400" cy="152400"/>
           </a:xfrm>
           <a:prstGeom prst="rect">
@@ -17138,7 +16660,7 @@
         </p:nvSpPr>
         <p:spPr>
           <a:xfrm>
-            <a:off x="6248400" y="5410200"/>
+            <a:off x="3962400" y="4191000"/>
             <a:ext cx="304800" cy="304800"/>
           </a:xfrm>
           <a:prstGeom prst="flowChartDelay">
@@ -17184,7 +16706,7 @@
         </p:nvCxnSpPr>
         <p:spPr>
           <a:xfrm>
-            <a:off x="5562600" y="5486400"/>
+            <a:off x="3276600" y="4267200"/>
             <a:ext cx="381000" cy="0"/>
           </a:xfrm>
           <a:prstGeom prst="line">
@@ -17221,7 +16743,7 @@
         </p:nvSpPr>
         <p:spPr>
           <a:xfrm>
-            <a:off x="6019800" y="5715000"/>
+            <a:off x="3733800" y="4495801"/>
             <a:ext cx="457200" cy="152399"/>
           </a:xfrm>
           <a:prstGeom prst="rect">
@@ -17253,7 +16775,7 @@
           <a:lstStyle/>
           <a:p>
             <a:r>
-              <a:rPr lang="en-US" sz="900" dirty="0" smtClean="0">
+              <a:rPr lang="en-US" sz="900" dirty="0">
                 <a:solidFill>
                   <a:srgbClr val="000000"/>
                 </a:solidFill>
@@ -17282,7 +16804,7 @@
         </p:nvCxnSpPr>
         <p:spPr>
           <a:xfrm>
-            <a:off x="6096000" y="5486400"/>
+            <a:off x="3810000" y="4267200"/>
             <a:ext cx="152400" cy="0"/>
           </a:xfrm>
           <a:prstGeom prst="line">
@@ -17319,7 +16841,7 @@
         </p:nvSpPr>
         <p:spPr>
           <a:xfrm>
-            <a:off x="5943600" y="5562600"/>
+            <a:off x="3657600" y="4343400"/>
             <a:ext cx="152400" cy="152400"/>
           </a:xfrm>
           <a:prstGeom prst="rect">
@@ -17354,7 +16876,7 @@
           <a:p>
             <a:pPr algn="ctr"/>
             <a:r>
-              <a:rPr lang="en-US" sz="900" dirty="0" smtClean="0">
+              <a:rPr lang="en-US" sz="900" dirty="0">
                 <a:solidFill>
                   <a:srgbClr val="000000"/>
                 </a:solidFill>
@@ -17381,7 +16903,7 @@
         </p:nvCxnSpPr>
         <p:spPr>
           <a:xfrm flipV="1">
-            <a:off x="6019800" y="5715000"/>
+            <a:off x="3733800" y="4495800"/>
             <a:ext cx="0" cy="152400"/>
           </a:xfrm>
           <a:prstGeom prst="line">
@@ -17418,7 +16940,7 @@
         </p:nvCxnSpPr>
         <p:spPr>
           <a:xfrm>
-            <a:off x="5715000" y="5638800"/>
+            <a:off x="3429000" y="4419600"/>
             <a:ext cx="228600" cy="0"/>
           </a:xfrm>
           <a:prstGeom prst="line">
@@ -17457,7 +16979,7 @@
         </p:nvCxnSpPr>
         <p:spPr>
           <a:xfrm>
-            <a:off x="6096000" y="5638800"/>
+            <a:off x="3810000" y="4419600"/>
             <a:ext cx="152400" cy="0"/>
           </a:xfrm>
           <a:prstGeom prst="line">
@@ -17494,7 +17016,7 @@
         </p:nvCxnSpPr>
         <p:spPr>
           <a:xfrm flipV="1">
-            <a:off x="6553200" y="5562600"/>
+            <a:off x="4267200" y="4343400"/>
             <a:ext cx="762000" cy="8"/>
           </a:xfrm>
           <a:prstGeom prst="line">
@@ -17531,7 +17053,7 @@
         </p:nvSpPr>
         <p:spPr>
           <a:xfrm>
-            <a:off x="5943600" y="2819400"/>
+            <a:off x="3657600" y="1600200"/>
             <a:ext cx="152400" cy="152400"/>
           </a:xfrm>
           <a:prstGeom prst="rect">
@@ -17586,7 +17108,7 @@
         </p:nvSpPr>
         <p:spPr>
           <a:xfrm>
-            <a:off x="6248400" y="2819400"/>
+            <a:off x="3962400" y="1600200"/>
             <a:ext cx="304800" cy="304800"/>
           </a:xfrm>
           <a:prstGeom prst="flowChartDelay">
@@ -17632,7 +17154,7 @@
         </p:nvCxnSpPr>
         <p:spPr>
           <a:xfrm>
-            <a:off x="5562600" y="2895600"/>
+            <a:off x="3276600" y="1676400"/>
             <a:ext cx="381000" cy="0"/>
           </a:xfrm>
           <a:prstGeom prst="line">
@@ -17669,7 +17191,7 @@
         </p:nvSpPr>
         <p:spPr>
           <a:xfrm>
-            <a:off x="6019800" y="3124200"/>
+            <a:off x="3733800" y="1905001"/>
             <a:ext cx="457200" cy="152399"/>
           </a:xfrm>
           <a:prstGeom prst="rect">
@@ -17701,7 +17223,7 @@
           <a:lstStyle/>
           <a:p>
             <a:r>
-              <a:rPr lang="en-US" sz="900" dirty="0" smtClean="0">
+              <a:rPr lang="en-US" sz="900" dirty="0">
                 <a:solidFill>
                   <a:srgbClr val="000000"/>
                 </a:solidFill>
@@ -17730,7 +17252,7 @@
         </p:nvCxnSpPr>
         <p:spPr>
           <a:xfrm>
-            <a:off x="6096000" y="2895600"/>
+            <a:off x="3810000" y="1676400"/>
             <a:ext cx="152400" cy="0"/>
           </a:xfrm>
           <a:prstGeom prst="line">
@@ -17767,7 +17289,7 @@
         </p:nvSpPr>
         <p:spPr>
           <a:xfrm>
-            <a:off x="5943600" y="2971800"/>
+            <a:off x="3657600" y="1752600"/>
             <a:ext cx="152400" cy="152400"/>
           </a:xfrm>
           <a:prstGeom prst="rect">
@@ -17802,7 +17324,7 @@
           <a:p>
             <a:pPr algn="ctr"/>
             <a:r>
-              <a:rPr lang="en-US" sz="900" dirty="0" smtClean="0">
+              <a:rPr lang="en-US" sz="900" dirty="0">
                 <a:solidFill>
                   <a:srgbClr val="000000"/>
                 </a:solidFill>
@@ -17829,7 +17351,7 @@
         </p:nvCxnSpPr>
         <p:spPr>
           <a:xfrm flipV="1">
-            <a:off x="6019800" y="3124200"/>
+            <a:off x="3733800" y="1905000"/>
             <a:ext cx="0" cy="152400"/>
           </a:xfrm>
           <a:prstGeom prst="line">
@@ -17866,7 +17388,7 @@
         </p:nvCxnSpPr>
         <p:spPr>
           <a:xfrm>
-            <a:off x="5715000" y="3048000"/>
+            <a:off x="3429000" y="1828800"/>
             <a:ext cx="228600" cy="0"/>
           </a:xfrm>
           <a:prstGeom prst="line">
@@ -17905,7 +17427,7 @@
         </p:nvCxnSpPr>
         <p:spPr>
           <a:xfrm>
-            <a:off x="6096000" y="3048000"/>
+            <a:off x="3810000" y="1828800"/>
             <a:ext cx="152400" cy="0"/>
           </a:xfrm>
           <a:prstGeom prst="line">
@@ -17942,7 +17464,7 @@
         </p:nvCxnSpPr>
         <p:spPr>
           <a:xfrm flipV="1">
-            <a:off x="6553200" y="2971800"/>
+            <a:off x="4267200" y="1752600"/>
             <a:ext cx="762000" cy="8"/>
           </a:xfrm>
           <a:prstGeom prst="line">
@@ -17979,7 +17501,7 @@
         </p:nvCxnSpPr>
         <p:spPr>
           <a:xfrm flipV="1">
-            <a:off x="5562600" y="2895600"/>
+            <a:off x="3276600" y="1676400"/>
             <a:ext cx="0" cy="6934200"/>
           </a:xfrm>
           <a:prstGeom prst="line">
@@ -18016,7 +17538,7 @@
         </p:nvCxnSpPr>
         <p:spPr>
           <a:xfrm flipV="1">
-            <a:off x="5715000" y="3048000"/>
+            <a:off x="3429000" y="1828800"/>
             <a:ext cx="0" cy="5486400"/>
           </a:xfrm>
           <a:prstGeom prst="line">
@@ -18053,7 +17575,7 @@
         </p:nvCxnSpPr>
         <p:spPr>
           <a:xfrm flipH="1">
-            <a:off x="5562600" y="9829800"/>
+            <a:off x="3276600" y="8610600"/>
             <a:ext cx="1981200" cy="0"/>
           </a:xfrm>
           <a:prstGeom prst="line">
@@ -18090,7 +17612,7 @@
         </p:nvCxnSpPr>
         <p:spPr>
           <a:xfrm flipH="1">
-            <a:off x="5715000" y="8534400"/>
+            <a:off x="3429000" y="7315200"/>
             <a:ext cx="3200400" cy="0"/>
           </a:xfrm>
           <a:prstGeom prst="line">
@@ -18127,7 +17649,7 @@
         </p:nvCxnSpPr>
         <p:spPr>
           <a:xfrm flipV="1">
-            <a:off x="8915400" y="8534400"/>
+            <a:off x="6629400" y="7315200"/>
             <a:ext cx="0" cy="838200"/>
           </a:xfrm>
           <a:prstGeom prst="line">
@@ -18164,7 +17686,7 @@
         </p:nvSpPr>
         <p:spPr>
           <a:xfrm>
-            <a:off x="9296400" y="9220200"/>
+            <a:off x="7010400" y="8001001"/>
             <a:ext cx="457200" cy="152399"/>
           </a:xfrm>
           <a:prstGeom prst="rect">
@@ -18196,7 +17718,7 @@
           <a:lstStyle/>
           <a:p>
             <a:r>
-              <a:rPr lang="en-US" sz="900" dirty="0" err="1" smtClean="0">
+              <a:rPr lang="en-US" sz="900" dirty="0" err="1">
                 <a:solidFill>
                   <a:srgbClr val="000000"/>
                 </a:solidFill>
@@ -18212,6 +17734,4220 @@
               <a:latin typeface="Courier New" panose="02070309020205020404" pitchFamily="49" charset="0"/>
               <a:cs typeface="Courier New" panose="02070309020205020404" pitchFamily="49" charset="0"/>
             </a:endParaRPr>
+          </a:p>
+        </p:txBody>
+      </p:sp>
+      <p:sp>
+        <p:nvSpPr>
+          <p:cNvPr id="327" name="Rectangle 326"/>
+          <p:cNvSpPr/>
+          <p:nvPr/>
+        </p:nvSpPr>
+        <p:spPr>
+          <a:xfrm>
+            <a:off x="14554200" y="4648200"/>
+            <a:ext cx="1371600" cy="4267200"/>
+          </a:xfrm>
+          <a:prstGeom prst="rect">
+            <a:avLst/>
+          </a:prstGeom>
+          <a:noFill/>
+          <a:ln w="12700">
+            <a:solidFill>
+              <a:srgbClr val="000000"/>
+            </a:solidFill>
+          </a:ln>
+        </p:spPr>
+        <p:style>
+          <a:lnRef idx="2">
+            <a:schemeClr val="accent1">
+              <a:shade val="50000"/>
+            </a:schemeClr>
+          </a:lnRef>
+          <a:fillRef idx="1">
+            <a:schemeClr val="accent1"/>
+          </a:fillRef>
+          <a:effectRef idx="0">
+            <a:schemeClr val="accent1"/>
+          </a:effectRef>
+          <a:fontRef idx="minor">
+            <a:schemeClr val="lt1"/>
+          </a:fontRef>
+        </p:style>
+        <p:txBody>
+          <a:bodyPr lIns="45720" rIns="45720" rtlCol="0" anchor="t"/>
+          <a:lstStyle/>
+          <a:p>
+            <a:r>
+              <a:rPr lang="en-US" sz="900" dirty="0">
+                <a:solidFill>
+                  <a:schemeClr val="tx1"/>
+                </a:solidFill>
+                <a:latin typeface="Courier New" panose="02070309020205020404" pitchFamily="49" charset="0"/>
+                <a:cs typeface="Courier New" panose="02070309020205020404" pitchFamily="49" charset="0"/>
+              </a:rPr>
+              <a:t>blink_7seg</a:t>
+            </a:r>
+          </a:p>
+        </p:txBody>
+      </p:sp>
+      <p:sp>
+        <p:nvSpPr>
+          <p:cNvPr id="328" name="Rectangle 327"/>
+          <p:cNvSpPr/>
+          <p:nvPr/>
+        </p:nvSpPr>
+        <p:spPr>
+          <a:xfrm>
+            <a:off x="14554200" y="7086600"/>
+            <a:ext cx="457200" cy="152400"/>
+          </a:xfrm>
+          <a:prstGeom prst="rect">
+            <a:avLst/>
+          </a:prstGeom>
+          <a:noFill/>
+          <a:ln>
+            <a:noFill/>
+          </a:ln>
+        </p:spPr>
+        <p:style>
+          <a:lnRef idx="2">
+            <a:schemeClr val="accent1">
+              <a:shade val="50000"/>
+            </a:schemeClr>
+          </a:lnRef>
+          <a:fillRef idx="1">
+            <a:schemeClr val="accent1"/>
+          </a:fillRef>
+          <a:effectRef idx="0">
+            <a:schemeClr val="accent1"/>
+          </a:effectRef>
+          <a:fontRef idx="minor">
+            <a:schemeClr val="lt1"/>
+          </a:fontRef>
+        </p:style>
+        <p:txBody>
+          <a:bodyPr wrap="none" lIns="45720" rIns="45720" rtlCol="0" anchor="ctr"/>
+          <a:lstStyle/>
+          <a:p>
+            <a:r>
+              <a:rPr lang="en-US" sz="900" dirty="0">
+                <a:solidFill>
+                  <a:srgbClr val="000000"/>
+                </a:solidFill>
+                <a:latin typeface="Courier New" panose="02070309020205020404" pitchFamily="49" charset="0"/>
+                <a:cs typeface="Courier New" panose="02070309020205020404" pitchFamily="49" charset="0"/>
+              </a:rPr>
+              <a:t>DIGIT1</a:t>
+            </a:r>
+          </a:p>
+        </p:txBody>
+      </p:sp>
+      <p:sp>
+        <p:nvSpPr>
+          <p:cNvPr id="329" name="Rectangle 328"/>
+          <p:cNvSpPr/>
+          <p:nvPr/>
+        </p:nvSpPr>
+        <p:spPr>
+          <a:xfrm>
+            <a:off x="14554200" y="7620000"/>
+            <a:ext cx="457200" cy="152400"/>
+          </a:xfrm>
+          <a:prstGeom prst="rect">
+            <a:avLst/>
+          </a:prstGeom>
+          <a:noFill/>
+          <a:ln>
+            <a:noFill/>
+          </a:ln>
+        </p:spPr>
+        <p:style>
+          <a:lnRef idx="2">
+            <a:schemeClr val="accent1">
+              <a:shade val="50000"/>
+            </a:schemeClr>
+          </a:lnRef>
+          <a:fillRef idx="1">
+            <a:schemeClr val="accent1"/>
+          </a:fillRef>
+          <a:effectRef idx="0">
+            <a:schemeClr val="accent1"/>
+          </a:effectRef>
+          <a:fontRef idx="minor">
+            <a:schemeClr val="lt1"/>
+          </a:fontRef>
+        </p:style>
+        <p:txBody>
+          <a:bodyPr wrap="none" lIns="45720" rIns="45720" rtlCol="0" anchor="ctr"/>
+          <a:lstStyle/>
+          <a:p>
+            <a:r>
+              <a:rPr lang="en-US" sz="900" dirty="0">
+                <a:solidFill>
+                  <a:srgbClr val="000000"/>
+                </a:solidFill>
+                <a:latin typeface="Courier New" panose="02070309020205020404" pitchFamily="49" charset="0"/>
+                <a:cs typeface="Courier New" panose="02070309020205020404" pitchFamily="49" charset="0"/>
+              </a:rPr>
+              <a:t>DIGIT0</a:t>
+            </a:r>
+          </a:p>
+        </p:txBody>
+      </p:sp>
+      <p:sp>
+        <p:nvSpPr>
+          <p:cNvPr id="330" name="Rectangle 329"/>
+          <p:cNvSpPr/>
+          <p:nvPr/>
+        </p:nvSpPr>
+        <p:spPr>
+          <a:xfrm>
+            <a:off x="14554200" y="6019800"/>
+            <a:ext cx="457200" cy="152400"/>
+          </a:xfrm>
+          <a:prstGeom prst="rect">
+            <a:avLst/>
+          </a:prstGeom>
+          <a:noFill/>
+          <a:ln>
+            <a:noFill/>
+          </a:ln>
+        </p:spPr>
+        <p:style>
+          <a:lnRef idx="2">
+            <a:schemeClr val="accent1">
+              <a:shade val="50000"/>
+            </a:schemeClr>
+          </a:lnRef>
+          <a:fillRef idx="1">
+            <a:schemeClr val="accent1"/>
+          </a:fillRef>
+          <a:effectRef idx="0">
+            <a:schemeClr val="accent1"/>
+          </a:effectRef>
+          <a:fontRef idx="minor">
+            <a:schemeClr val="lt1"/>
+          </a:fontRef>
+        </p:style>
+        <p:txBody>
+          <a:bodyPr wrap="none" lIns="45720" rIns="45720" rtlCol="0" anchor="ctr"/>
+          <a:lstStyle/>
+          <a:p>
+            <a:r>
+              <a:rPr lang="en-US" sz="900" dirty="0">
+                <a:solidFill>
+                  <a:srgbClr val="000000"/>
+                </a:solidFill>
+                <a:latin typeface="Courier New" panose="02070309020205020404" pitchFamily="49" charset="0"/>
+                <a:cs typeface="Courier New" panose="02070309020205020404" pitchFamily="49" charset="0"/>
+              </a:rPr>
+              <a:t>DIGIT3</a:t>
+            </a:r>
+          </a:p>
+        </p:txBody>
+      </p:sp>
+      <p:sp>
+        <p:nvSpPr>
+          <p:cNvPr id="331" name="Rectangle 330"/>
+          <p:cNvSpPr/>
+          <p:nvPr/>
+        </p:nvSpPr>
+        <p:spPr>
+          <a:xfrm>
+            <a:off x="14554200" y="6553200"/>
+            <a:ext cx="457200" cy="152400"/>
+          </a:xfrm>
+          <a:prstGeom prst="rect">
+            <a:avLst/>
+          </a:prstGeom>
+          <a:noFill/>
+          <a:ln>
+            <a:noFill/>
+          </a:ln>
+        </p:spPr>
+        <p:style>
+          <a:lnRef idx="2">
+            <a:schemeClr val="accent1">
+              <a:shade val="50000"/>
+            </a:schemeClr>
+          </a:lnRef>
+          <a:fillRef idx="1">
+            <a:schemeClr val="accent1"/>
+          </a:fillRef>
+          <a:effectRef idx="0">
+            <a:schemeClr val="accent1"/>
+          </a:effectRef>
+          <a:fontRef idx="minor">
+            <a:schemeClr val="lt1"/>
+          </a:fontRef>
+        </p:style>
+        <p:txBody>
+          <a:bodyPr wrap="none" lIns="45720" rIns="45720" rtlCol="0" anchor="ctr"/>
+          <a:lstStyle/>
+          <a:p>
+            <a:r>
+              <a:rPr lang="en-US" sz="900" dirty="0">
+                <a:solidFill>
+                  <a:srgbClr val="000000"/>
+                </a:solidFill>
+                <a:latin typeface="Courier New" panose="02070309020205020404" pitchFamily="49" charset="0"/>
+                <a:cs typeface="Courier New" panose="02070309020205020404" pitchFamily="49" charset="0"/>
+              </a:rPr>
+              <a:t>DIGIT2</a:t>
+            </a:r>
+          </a:p>
+        </p:txBody>
+      </p:sp>
+      <p:sp>
+        <p:nvSpPr>
+          <p:cNvPr id="332" name="Rectangle 331"/>
+          <p:cNvSpPr/>
+          <p:nvPr/>
+        </p:nvSpPr>
+        <p:spPr>
+          <a:xfrm>
+            <a:off x="14554200" y="4495800"/>
+            <a:ext cx="457200" cy="152400"/>
+          </a:xfrm>
+          <a:prstGeom prst="rect">
+            <a:avLst/>
+          </a:prstGeom>
+          <a:noFill/>
+          <a:ln>
+            <a:noFill/>
+          </a:ln>
+        </p:spPr>
+        <p:style>
+          <a:lnRef idx="2">
+            <a:schemeClr val="accent1">
+              <a:shade val="50000"/>
+            </a:schemeClr>
+          </a:lnRef>
+          <a:fillRef idx="1">
+            <a:schemeClr val="accent1"/>
+          </a:fillRef>
+          <a:effectRef idx="0">
+            <a:schemeClr val="accent1"/>
+          </a:effectRef>
+          <a:fontRef idx="minor">
+            <a:schemeClr val="lt1"/>
+          </a:fontRef>
+        </p:style>
+        <p:txBody>
+          <a:bodyPr wrap="none" lIns="45720" rIns="45720" rtlCol="0" anchor="ctr"/>
+          <a:lstStyle/>
+          <a:p>
+            <a:r>
+              <a:rPr lang="en-US" sz="900" dirty="0">
+                <a:solidFill>
+                  <a:srgbClr val="000000"/>
+                </a:solidFill>
+                <a:latin typeface="Courier New" panose="02070309020205020404" pitchFamily="49" charset="0"/>
+                <a:cs typeface="Courier New" panose="02070309020205020404" pitchFamily="49" charset="0"/>
+              </a:rPr>
+              <a:t>#(.BW(6)) i_blink_7seg</a:t>
+            </a:r>
+          </a:p>
+        </p:txBody>
+      </p:sp>
+      <p:sp>
+        <p:nvSpPr>
+          <p:cNvPr id="333" name="Rectangle 332"/>
+          <p:cNvSpPr/>
+          <p:nvPr/>
+        </p:nvSpPr>
+        <p:spPr>
+          <a:xfrm>
+            <a:off x="14554200" y="5029200"/>
+            <a:ext cx="457200" cy="152400"/>
+          </a:xfrm>
+          <a:prstGeom prst="rect">
+            <a:avLst/>
+          </a:prstGeom>
+          <a:noFill/>
+          <a:ln>
+            <a:noFill/>
+          </a:ln>
+        </p:spPr>
+        <p:style>
+          <a:lnRef idx="2">
+            <a:schemeClr val="accent1">
+              <a:shade val="50000"/>
+            </a:schemeClr>
+          </a:lnRef>
+          <a:fillRef idx="1">
+            <a:schemeClr val="accent1"/>
+          </a:fillRef>
+          <a:effectRef idx="0">
+            <a:schemeClr val="accent1"/>
+          </a:effectRef>
+          <a:fontRef idx="minor">
+            <a:schemeClr val="lt1"/>
+          </a:fontRef>
+        </p:style>
+        <p:txBody>
+          <a:bodyPr wrap="none" lIns="45720" rIns="45720" rtlCol="0" anchor="ctr"/>
+          <a:lstStyle/>
+          <a:p>
+            <a:r>
+              <a:rPr lang="en-US" sz="900" dirty="0">
+                <a:solidFill>
+                  <a:srgbClr val="000000"/>
+                </a:solidFill>
+                <a:latin typeface="Courier New" panose="02070309020205020404" pitchFamily="49" charset="0"/>
+                <a:cs typeface="Courier New" panose="02070309020205020404" pitchFamily="49" charset="0"/>
+              </a:rPr>
+              <a:t>TIMEOUT</a:t>
+            </a:r>
+          </a:p>
+        </p:txBody>
+      </p:sp>
+      <p:sp>
+        <p:nvSpPr>
+          <p:cNvPr id="334" name="Rectangle 333"/>
+          <p:cNvSpPr/>
+          <p:nvPr/>
+        </p:nvSpPr>
+        <p:spPr>
+          <a:xfrm>
+            <a:off x="15468600" y="7620000"/>
+            <a:ext cx="457200" cy="152400"/>
+          </a:xfrm>
+          <a:prstGeom prst="rect">
+            <a:avLst/>
+          </a:prstGeom>
+          <a:noFill/>
+          <a:ln>
+            <a:noFill/>
+          </a:ln>
+        </p:spPr>
+        <p:style>
+          <a:lnRef idx="2">
+            <a:schemeClr val="accent1">
+              <a:shade val="50000"/>
+            </a:schemeClr>
+          </a:lnRef>
+          <a:fillRef idx="1">
+            <a:schemeClr val="accent1"/>
+          </a:fillRef>
+          <a:effectRef idx="0">
+            <a:schemeClr val="accent1"/>
+          </a:effectRef>
+          <a:fontRef idx="minor">
+            <a:schemeClr val="lt1"/>
+          </a:fontRef>
+        </p:style>
+        <p:txBody>
+          <a:bodyPr wrap="none" lIns="45720" rIns="45720" rtlCol="0" anchor="ctr"/>
+          <a:lstStyle/>
+          <a:p>
+            <a:pPr algn="r"/>
+            <a:r>
+              <a:rPr lang="en-US" sz="900" dirty="0">
+                <a:solidFill>
+                  <a:srgbClr val="000000"/>
+                </a:solidFill>
+                <a:latin typeface="Courier New" panose="02070309020205020404" pitchFamily="49" charset="0"/>
+                <a:cs typeface="Courier New" panose="02070309020205020404" pitchFamily="49" charset="0"/>
+              </a:rPr>
+              <a:t>DIGIT</a:t>
+            </a:r>
+          </a:p>
+        </p:txBody>
+      </p:sp>
+      <p:sp>
+        <p:nvSpPr>
+          <p:cNvPr id="335" name="Rectangle 334"/>
+          <p:cNvSpPr/>
+          <p:nvPr/>
+        </p:nvSpPr>
+        <p:spPr>
+          <a:xfrm>
+            <a:off x="15468600" y="7086606"/>
+            <a:ext cx="457200" cy="152400"/>
+          </a:xfrm>
+          <a:prstGeom prst="rect">
+            <a:avLst/>
+          </a:prstGeom>
+          <a:noFill/>
+          <a:ln>
+            <a:noFill/>
+          </a:ln>
+        </p:spPr>
+        <p:style>
+          <a:lnRef idx="2">
+            <a:schemeClr val="accent1">
+              <a:shade val="50000"/>
+            </a:schemeClr>
+          </a:lnRef>
+          <a:fillRef idx="1">
+            <a:schemeClr val="accent1"/>
+          </a:fillRef>
+          <a:effectRef idx="0">
+            <a:schemeClr val="accent1"/>
+          </a:effectRef>
+          <a:fontRef idx="minor">
+            <a:schemeClr val="lt1"/>
+          </a:fontRef>
+        </p:style>
+        <p:txBody>
+          <a:bodyPr wrap="none" lIns="45720" rIns="45720" rtlCol="0" anchor="ctr"/>
+          <a:lstStyle/>
+          <a:p>
+            <a:pPr algn="r"/>
+            <a:r>
+              <a:rPr lang="en-US" sz="900" dirty="0">
+                <a:solidFill>
+                  <a:srgbClr val="000000"/>
+                </a:solidFill>
+                <a:latin typeface="Courier New" panose="02070309020205020404" pitchFamily="49" charset="0"/>
+                <a:cs typeface="Courier New" panose="02070309020205020404" pitchFamily="49" charset="0"/>
+              </a:rPr>
+              <a:t>DIGIT_SEL</a:t>
+            </a:r>
+          </a:p>
+        </p:txBody>
+      </p:sp>
+      <p:sp>
+        <p:nvSpPr>
+          <p:cNvPr id="336" name="Rectangle 335"/>
+          <p:cNvSpPr/>
+          <p:nvPr/>
+        </p:nvSpPr>
+        <p:spPr>
+          <a:xfrm>
+            <a:off x="14554200" y="8077200"/>
+            <a:ext cx="457200" cy="152400"/>
+          </a:xfrm>
+          <a:prstGeom prst="rect">
+            <a:avLst/>
+          </a:prstGeom>
+          <a:noFill/>
+          <a:ln>
+            <a:noFill/>
+          </a:ln>
+        </p:spPr>
+        <p:style>
+          <a:lnRef idx="2">
+            <a:schemeClr val="accent1">
+              <a:shade val="50000"/>
+            </a:schemeClr>
+          </a:lnRef>
+          <a:fillRef idx="1">
+            <a:schemeClr val="accent1"/>
+          </a:fillRef>
+          <a:effectRef idx="0">
+            <a:schemeClr val="accent1"/>
+          </a:effectRef>
+          <a:fontRef idx="minor">
+            <a:schemeClr val="lt1"/>
+          </a:fontRef>
+        </p:style>
+        <p:txBody>
+          <a:bodyPr wrap="none" lIns="45720" rIns="45720" rtlCol="0" anchor="ctr"/>
+          <a:lstStyle/>
+          <a:p>
+            <a:r>
+              <a:rPr lang="en-US" sz="900" dirty="0">
+                <a:solidFill>
+                  <a:srgbClr val="000000"/>
+                </a:solidFill>
+                <a:latin typeface="Courier New" panose="02070309020205020404" pitchFamily="49" charset="0"/>
+                <a:cs typeface="Courier New" panose="02070309020205020404" pitchFamily="49" charset="0"/>
+              </a:rPr>
+              <a:t>RSTX</a:t>
+            </a:r>
+          </a:p>
+        </p:txBody>
+      </p:sp>
+      <p:sp>
+        <p:nvSpPr>
+          <p:cNvPr id="337" name="Rectangle 336"/>
+          <p:cNvSpPr/>
+          <p:nvPr/>
+        </p:nvSpPr>
+        <p:spPr>
+          <a:xfrm>
+            <a:off x="14554200" y="8305800"/>
+            <a:ext cx="457200" cy="152400"/>
+          </a:xfrm>
+          <a:prstGeom prst="rect">
+            <a:avLst/>
+          </a:prstGeom>
+          <a:noFill/>
+          <a:ln>
+            <a:noFill/>
+          </a:ln>
+        </p:spPr>
+        <p:style>
+          <a:lnRef idx="2">
+            <a:schemeClr val="accent1">
+              <a:shade val="50000"/>
+            </a:schemeClr>
+          </a:lnRef>
+          <a:fillRef idx="1">
+            <a:schemeClr val="accent1"/>
+          </a:fillRef>
+          <a:effectRef idx="0">
+            <a:schemeClr val="accent1"/>
+          </a:effectRef>
+          <a:fontRef idx="minor">
+            <a:schemeClr val="lt1"/>
+          </a:fontRef>
+        </p:style>
+        <p:txBody>
+          <a:bodyPr wrap="none" lIns="45720" rIns="45720" rtlCol="0" anchor="ctr"/>
+          <a:lstStyle/>
+          <a:p>
+            <a:r>
+              <a:rPr lang="en-US" sz="900" dirty="0">
+                <a:solidFill>
+                  <a:srgbClr val="000000"/>
+                </a:solidFill>
+                <a:latin typeface="Courier New" panose="02070309020205020404" pitchFamily="49" charset="0"/>
+                <a:cs typeface="Courier New" panose="02070309020205020404" pitchFamily="49" charset="0"/>
+              </a:rPr>
+              <a:t>CLK</a:t>
+            </a:r>
+          </a:p>
+        </p:txBody>
+      </p:sp>
+      <p:cxnSp>
+        <p:nvCxnSpPr>
+          <p:cNvPr id="338" name="Straight Connector 337"/>
+          <p:cNvCxnSpPr/>
+          <p:nvPr/>
+        </p:nvCxnSpPr>
+        <p:spPr>
+          <a:xfrm flipH="1" flipV="1">
+            <a:off x="14554200" y="8382000"/>
+            <a:ext cx="76200" cy="76200"/>
+          </a:xfrm>
+          <a:prstGeom prst="line">
+            <a:avLst/>
+          </a:prstGeom>
+          <a:ln w="12700">
+            <a:solidFill>
+              <a:srgbClr val="000000"/>
+            </a:solidFill>
+            <a:headEnd type="none" w="med" len="med"/>
+            <a:tailEnd type="none" w="med" len="med"/>
+          </a:ln>
+        </p:spPr>
+        <p:style>
+          <a:lnRef idx="1">
+            <a:schemeClr val="accent1"/>
+          </a:lnRef>
+          <a:fillRef idx="0">
+            <a:schemeClr val="accent1"/>
+          </a:fillRef>
+          <a:effectRef idx="0">
+            <a:schemeClr val="accent1"/>
+          </a:effectRef>
+          <a:fontRef idx="minor">
+            <a:schemeClr val="tx1"/>
+          </a:fontRef>
+        </p:style>
+      </p:cxnSp>
+      <p:cxnSp>
+        <p:nvCxnSpPr>
+          <p:cNvPr id="339" name="Straight Connector 338"/>
+          <p:cNvCxnSpPr/>
+          <p:nvPr/>
+        </p:nvCxnSpPr>
+        <p:spPr>
+          <a:xfrm flipH="1">
+            <a:off x="14554200" y="8458200"/>
+            <a:ext cx="76200" cy="76200"/>
+          </a:xfrm>
+          <a:prstGeom prst="line">
+            <a:avLst/>
+          </a:prstGeom>
+          <a:ln w="12700">
+            <a:solidFill>
+              <a:srgbClr val="000000"/>
+            </a:solidFill>
+            <a:headEnd type="none" w="med" len="med"/>
+            <a:tailEnd type="none" w="med" len="med"/>
+          </a:ln>
+        </p:spPr>
+        <p:style>
+          <a:lnRef idx="1">
+            <a:schemeClr val="accent1"/>
+          </a:lnRef>
+          <a:fillRef idx="0">
+            <a:schemeClr val="accent1"/>
+          </a:fillRef>
+          <a:effectRef idx="0">
+            <a:schemeClr val="accent1"/>
+          </a:effectRef>
+          <a:fontRef idx="minor">
+            <a:schemeClr val="tx1"/>
+          </a:fontRef>
+        </p:style>
+      </p:cxnSp>
+      <p:cxnSp>
+        <p:nvCxnSpPr>
+          <p:cNvPr id="345" name="Straight Connector 344"/>
+          <p:cNvCxnSpPr/>
+          <p:nvPr/>
+        </p:nvCxnSpPr>
+        <p:spPr>
+          <a:xfrm>
+            <a:off x="12039600" y="5715001"/>
+            <a:ext cx="533400" cy="1"/>
+          </a:xfrm>
+          <a:prstGeom prst="line">
+            <a:avLst/>
+          </a:prstGeom>
+          <a:ln w="12700">
+            <a:solidFill>
+              <a:srgbClr val="000000"/>
+            </a:solidFill>
+            <a:headEnd type="none" w="med" len="med"/>
+            <a:tailEnd type="none" w="med" len="med"/>
+          </a:ln>
+        </p:spPr>
+        <p:style>
+          <a:lnRef idx="1">
+            <a:schemeClr val="accent1"/>
+          </a:lnRef>
+          <a:fillRef idx="0">
+            <a:schemeClr val="accent1"/>
+          </a:fillRef>
+          <a:effectRef idx="0">
+            <a:schemeClr val="accent1"/>
+          </a:effectRef>
+          <a:fontRef idx="minor">
+            <a:schemeClr val="tx1"/>
+          </a:fontRef>
+        </p:style>
+      </p:cxnSp>
+      <p:cxnSp>
+        <p:nvCxnSpPr>
+          <p:cNvPr id="363" name="Straight Connector 362"/>
+          <p:cNvCxnSpPr/>
+          <p:nvPr/>
+        </p:nvCxnSpPr>
+        <p:spPr>
+          <a:xfrm>
+            <a:off x="12573000" y="5715000"/>
+            <a:ext cx="0" cy="1905000"/>
+          </a:xfrm>
+          <a:prstGeom prst="line">
+            <a:avLst/>
+          </a:prstGeom>
+          <a:ln w="12700">
+            <a:solidFill>
+              <a:srgbClr val="000000"/>
+            </a:solidFill>
+            <a:headEnd type="none" w="med" len="med"/>
+            <a:tailEnd type="none" w="med" len="med"/>
+          </a:ln>
+        </p:spPr>
+        <p:style>
+          <a:lnRef idx="1">
+            <a:schemeClr val="accent1"/>
+          </a:lnRef>
+          <a:fillRef idx="0">
+            <a:schemeClr val="accent1"/>
+          </a:fillRef>
+          <a:effectRef idx="0">
+            <a:schemeClr val="accent1"/>
+          </a:effectRef>
+          <a:fontRef idx="minor">
+            <a:schemeClr val="tx1"/>
+          </a:fontRef>
+        </p:style>
+      </p:cxnSp>
+      <p:cxnSp>
+        <p:nvCxnSpPr>
+          <p:cNvPr id="364" name="Straight Connector 363"/>
+          <p:cNvCxnSpPr/>
+          <p:nvPr/>
+        </p:nvCxnSpPr>
+        <p:spPr>
+          <a:xfrm>
+            <a:off x="12573000" y="6019800"/>
+            <a:ext cx="76200" cy="76200"/>
+          </a:xfrm>
+          <a:prstGeom prst="line">
+            <a:avLst/>
+          </a:prstGeom>
+          <a:ln w="12700">
+            <a:solidFill>
+              <a:srgbClr val="000000"/>
+            </a:solidFill>
+            <a:headEnd type="none" w="med" len="med"/>
+            <a:tailEnd type="none" w="med" len="med"/>
+          </a:ln>
+        </p:spPr>
+        <p:style>
+          <a:lnRef idx="1">
+            <a:schemeClr val="accent1"/>
+          </a:lnRef>
+          <a:fillRef idx="0">
+            <a:schemeClr val="accent1"/>
+          </a:fillRef>
+          <a:effectRef idx="0">
+            <a:schemeClr val="accent1"/>
+          </a:effectRef>
+          <a:fontRef idx="minor">
+            <a:schemeClr val="tx1"/>
+          </a:fontRef>
+        </p:style>
+      </p:cxnSp>
+      <p:cxnSp>
+        <p:nvCxnSpPr>
+          <p:cNvPr id="365" name="Straight Connector 364"/>
+          <p:cNvCxnSpPr/>
+          <p:nvPr/>
+        </p:nvCxnSpPr>
+        <p:spPr>
+          <a:xfrm>
+            <a:off x="12649200" y="6096000"/>
+            <a:ext cx="1905000" cy="0"/>
+          </a:xfrm>
+          <a:prstGeom prst="line">
+            <a:avLst/>
+          </a:prstGeom>
+          <a:ln w="12700">
+            <a:solidFill>
+              <a:srgbClr val="000000"/>
+            </a:solidFill>
+            <a:headEnd type="none" w="med" len="med"/>
+            <a:tailEnd type="triangle" w="med" len="med"/>
+          </a:ln>
+        </p:spPr>
+        <p:style>
+          <a:lnRef idx="1">
+            <a:schemeClr val="accent1"/>
+          </a:lnRef>
+          <a:fillRef idx="0">
+            <a:schemeClr val="accent1"/>
+          </a:fillRef>
+          <a:effectRef idx="0">
+            <a:schemeClr val="accent1"/>
+          </a:effectRef>
+          <a:fontRef idx="minor">
+            <a:schemeClr val="tx1"/>
+          </a:fontRef>
+        </p:style>
+      </p:cxnSp>
+      <p:cxnSp>
+        <p:nvCxnSpPr>
+          <p:cNvPr id="366" name="Straight Connector 365"/>
+          <p:cNvCxnSpPr/>
+          <p:nvPr/>
+        </p:nvCxnSpPr>
+        <p:spPr>
+          <a:xfrm>
+            <a:off x="13182600" y="5867400"/>
+            <a:ext cx="609600" cy="0"/>
+          </a:xfrm>
+          <a:prstGeom prst="line">
+            <a:avLst/>
+          </a:prstGeom>
+          <a:ln w="12700">
+            <a:solidFill>
+              <a:srgbClr val="000000"/>
+            </a:solidFill>
+            <a:headEnd type="none" w="med" len="med"/>
+            <a:tailEnd type="none" w="med" len="med"/>
+          </a:ln>
+        </p:spPr>
+        <p:style>
+          <a:lnRef idx="1">
+            <a:schemeClr val="accent1"/>
+          </a:lnRef>
+          <a:fillRef idx="0">
+            <a:schemeClr val="accent1"/>
+          </a:fillRef>
+          <a:effectRef idx="0">
+            <a:schemeClr val="accent1"/>
+          </a:effectRef>
+          <a:fontRef idx="minor">
+            <a:schemeClr val="tx1"/>
+          </a:fontRef>
+        </p:style>
+      </p:cxnSp>
+      <p:cxnSp>
+        <p:nvCxnSpPr>
+          <p:cNvPr id="367" name="Straight Connector 366"/>
+          <p:cNvCxnSpPr/>
+          <p:nvPr/>
+        </p:nvCxnSpPr>
+        <p:spPr>
+          <a:xfrm>
+            <a:off x="13792200" y="5867400"/>
+            <a:ext cx="0" cy="152400"/>
+          </a:xfrm>
+          <a:prstGeom prst="line">
+            <a:avLst/>
+          </a:prstGeom>
+          <a:ln w="12700">
+            <a:solidFill>
+              <a:srgbClr val="000000"/>
+            </a:solidFill>
+            <a:headEnd type="none" w="med" len="med"/>
+            <a:tailEnd type="none" w="med" len="med"/>
+          </a:ln>
+        </p:spPr>
+        <p:style>
+          <a:lnRef idx="1">
+            <a:schemeClr val="accent1"/>
+          </a:lnRef>
+          <a:fillRef idx="0">
+            <a:schemeClr val="accent1"/>
+          </a:fillRef>
+          <a:effectRef idx="0">
+            <a:schemeClr val="accent1"/>
+          </a:effectRef>
+          <a:fontRef idx="minor">
+            <a:schemeClr val="tx1"/>
+          </a:fontRef>
+        </p:style>
+      </p:cxnSp>
+      <p:cxnSp>
+        <p:nvCxnSpPr>
+          <p:cNvPr id="368" name="Straight Connector 367"/>
+          <p:cNvCxnSpPr/>
+          <p:nvPr/>
+        </p:nvCxnSpPr>
+        <p:spPr>
+          <a:xfrm>
+            <a:off x="13792200" y="6019800"/>
+            <a:ext cx="76200" cy="76200"/>
+          </a:xfrm>
+          <a:prstGeom prst="line">
+            <a:avLst/>
+          </a:prstGeom>
+          <a:ln w="12700">
+            <a:solidFill>
+              <a:srgbClr val="000000"/>
+            </a:solidFill>
+            <a:headEnd type="none" w="med" len="med"/>
+            <a:tailEnd type="none" w="med" len="med"/>
+          </a:ln>
+        </p:spPr>
+        <p:style>
+          <a:lnRef idx="1">
+            <a:schemeClr val="accent1"/>
+          </a:lnRef>
+          <a:fillRef idx="0">
+            <a:schemeClr val="accent1"/>
+          </a:fillRef>
+          <a:effectRef idx="0">
+            <a:schemeClr val="accent1"/>
+          </a:effectRef>
+          <a:fontRef idx="minor">
+            <a:schemeClr val="tx1"/>
+          </a:fontRef>
+        </p:style>
+      </p:cxnSp>
+      <p:cxnSp>
+        <p:nvCxnSpPr>
+          <p:cNvPr id="369" name="Straight Connector 368"/>
+          <p:cNvCxnSpPr/>
+          <p:nvPr/>
+        </p:nvCxnSpPr>
+        <p:spPr>
+          <a:xfrm flipV="1">
+            <a:off x="13335000" y="6019800"/>
+            <a:ext cx="152400" cy="152400"/>
+          </a:xfrm>
+          <a:prstGeom prst="line">
+            <a:avLst/>
+          </a:prstGeom>
+          <a:ln w="12700">
+            <a:solidFill>
+              <a:srgbClr val="000000"/>
+            </a:solidFill>
+            <a:headEnd type="none" w="med" len="med"/>
+            <a:tailEnd type="none" w="med" len="med"/>
+          </a:ln>
+        </p:spPr>
+        <p:style>
+          <a:lnRef idx="1">
+            <a:schemeClr val="accent1"/>
+          </a:lnRef>
+          <a:fillRef idx="0">
+            <a:schemeClr val="accent1"/>
+          </a:fillRef>
+          <a:effectRef idx="0">
+            <a:schemeClr val="accent1"/>
+          </a:effectRef>
+          <a:fontRef idx="minor">
+            <a:schemeClr val="tx1"/>
+          </a:fontRef>
+        </p:style>
+      </p:cxnSp>
+      <p:sp>
+        <p:nvSpPr>
+          <p:cNvPr id="370" name="Rectangle 369"/>
+          <p:cNvSpPr/>
+          <p:nvPr/>
+        </p:nvSpPr>
+        <p:spPr>
+          <a:xfrm>
+            <a:off x="13335000" y="5943602"/>
+            <a:ext cx="152400" cy="76199"/>
+          </a:xfrm>
+          <a:prstGeom prst="rect">
+            <a:avLst/>
+          </a:prstGeom>
+          <a:noFill/>
+          <a:ln>
+            <a:noFill/>
+          </a:ln>
+        </p:spPr>
+        <p:style>
+          <a:lnRef idx="2">
+            <a:schemeClr val="accent1">
+              <a:shade val="50000"/>
+            </a:schemeClr>
+          </a:lnRef>
+          <a:fillRef idx="1">
+            <a:schemeClr val="accent1"/>
+          </a:fillRef>
+          <a:effectRef idx="0">
+            <a:schemeClr val="accent1"/>
+          </a:effectRef>
+          <a:fontRef idx="minor">
+            <a:schemeClr val="lt1"/>
+          </a:fontRef>
+        </p:style>
+        <p:txBody>
+          <a:bodyPr wrap="none" lIns="45720" rIns="45720" rtlCol="0" anchor="ctr"/>
+          <a:lstStyle/>
+          <a:p>
+            <a:pPr algn="ctr"/>
+            <a:r>
+              <a:rPr lang="en-US" sz="900" dirty="0">
+                <a:solidFill>
+                  <a:srgbClr val="000000"/>
+                </a:solidFill>
+                <a:latin typeface="Courier New" panose="02070309020205020404" pitchFamily="49" charset="0"/>
+                <a:cs typeface="Courier New" panose="02070309020205020404" pitchFamily="49" charset="0"/>
+              </a:rPr>
+              <a:t>7</a:t>
+            </a:r>
+          </a:p>
+        </p:txBody>
+      </p:sp>
+      <p:cxnSp>
+        <p:nvCxnSpPr>
+          <p:cNvPr id="371" name="Straight Connector 370"/>
+          <p:cNvCxnSpPr/>
+          <p:nvPr/>
+        </p:nvCxnSpPr>
+        <p:spPr>
+          <a:xfrm flipV="1">
+            <a:off x="14097000" y="6019799"/>
+            <a:ext cx="152400" cy="152400"/>
+          </a:xfrm>
+          <a:prstGeom prst="line">
+            <a:avLst/>
+          </a:prstGeom>
+          <a:ln w="12700">
+            <a:solidFill>
+              <a:srgbClr val="000000"/>
+            </a:solidFill>
+            <a:headEnd type="none" w="med" len="med"/>
+            <a:tailEnd type="none" w="med" len="med"/>
+          </a:ln>
+        </p:spPr>
+        <p:style>
+          <a:lnRef idx="1">
+            <a:schemeClr val="accent1"/>
+          </a:lnRef>
+          <a:fillRef idx="0">
+            <a:schemeClr val="accent1"/>
+          </a:fillRef>
+          <a:effectRef idx="0">
+            <a:schemeClr val="accent1"/>
+          </a:effectRef>
+          <a:fontRef idx="minor">
+            <a:schemeClr val="tx1"/>
+          </a:fontRef>
+        </p:style>
+      </p:cxnSp>
+      <p:sp>
+        <p:nvSpPr>
+          <p:cNvPr id="372" name="Rectangle 371"/>
+          <p:cNvSpPr/>
+          <p:nvPr/>
+        </p:nvSpPr>
+        <p:spPr>
+          <a:xfrm>
+            <a:off x="14097000" y="5943601"/>
+            <a:ext cx="152400" cy="76199"/>
+          </a:xfrm>
+          <a:prstGeom prst="rect">
+            <a:avLst/>
+          </a:prstGeom>
+          <a:noFill/>
+          <a:ln>
+            <a:noFill/>
+          </a:ln>
+        </p:spPr>
+        <p:style>
+          <a:lnRef idx="2">
+            <a:schemeClr val="accent1">
+              <a:shade val="50000"/>
+            </a:schemeClr>
+          </a:lnRef>
+          <a:fillRef idx="1">
+            <a:schemeClr val="accent1"/>
+          </a:fillRef>
+          <a:effectRef idx="0">
+            <a:schemeClr val="accent1"/>
+          </a:effectRef>
+          <a:fontRef idx="minor">
+            <a:schemeClr val="lt1"/>
+          </a:fontRef>
+        </p:style>
+        <p:txBody>
+          <a:bodyPr wrap="none" lIns="45720" rIns="45720" rtlCol="0" anchor="ctr"/>
+          <a:lstStyle/>
+          <a:p>
+            <a:pPr algn="ctr"/>
+            <a:r>
+              <a:rPr lang="en-US" sz="900" dirty="0">
+                <a:solidFill>
+                  <a:srgbClr val="000000"/>
+                </a:solidFill>
+                <a:latin typeface="Courier New" panose="02070309020205020404" pitchFamily="49" charset="0"/>
+                <a:cs typeface="Courier New" panose="02070309020205020404" pitchFamily="49" charset="0"/>
+              </a:rPr>
+              <a:t>8</a:t>
+            </a:r>
+            <a:endParaRPr lang="en-US" sz="900" dirty="0">
+              <a:solidFill>
+                <a:srgbClr val="000000"/>
+              </a:solidFill>
+              <a:latin typeface="Courier New" panose="02070309020205020404" pitchFamily="49" charset="0"/>
+              <a:cs typeface="Courier New" panose="02070309020205020404" pitchFamily="49" charset="0"/>
+            </a:endParaRPr>
+          </a:p>
+        </p:txBody>
+      </p:sp>
+      <p:sp>
+        <p:nvSpPr>
+          <p:cNvPr id="373" name="Rectangle 372"/>
+          <p:cNvSpPr/>
+          <p:nvPr/>
+        </p:nvSpPr>
+        <p:spPr>
+          <a:xfrm>
+            <a:off x="13182600" y="5715000"/>
+            <a:ext cx="457200" cy="152400"/>
+          </a:xfrm>
+          <a:prstGeom prst="rect">
+            <a:avLst/>
+          </a:prstGeom>
+          <a:noFill/>
+          <a:ln>
+            <a:noFill/>
+          </a:ln>
+        </p:spPr>
+        <p:style>
+          <a:lnRef idx="2">
+            <a:schemeClr val="accent1">
+              <a:shade val="50000"/>
+            </a:schemeClr>
+          </a:lnRef>
+          <a:fillRef idx="1">
+            <a:schemeClr val="accent1"/>
+          </a:fillRef>
+          <a:effectRef idx="0">
+            <a:schemeClr val="accent1"/>
+          </a:effectRef>
+          <a:fontRef idx="minor">
+            <a:schemeClr val="lt1"/>
+          </a:fontRef>
+        </p:style>
+        <p:txBody>
+          <a:bodyPr wrap="none" lIns="45720" rIns="45720" rtlCol="0" anchor="ctr"/>
+          <a:lstStyle/>
+          <a:p>
+            <a:r>
+              <a:rPr lang="en-US" sz="900" dirty="0">
+                <a:solidFill>
+                  <a:srgbClr val="000000"/>
+                </a:solidFill>
+                <a:latin typeface="Courier New" panose="02070309020205020404" pitchFamily="49" charset="0"/>
+                <a:cs typeface="Courier New" panose="02070309020205020404" pitchFamily="49" charset="0"/>
+              </a:rPr>
+              <a:t>1’b0</a:t>
+            </a:r>
+            <a:endParaRPr lang="en-US" sz="900" dirty="0">
+              <a:solidFill>
+                <a:srgbClr val="000000"/>
+              </a:solidFill>
+              <a:latin typeface="Courier New" panose="02070309020205020404" pitchFamily="49" charset="0"/>
+              <a:cs typeface="Courier New" panose="02070309020205020404" pitchFamily="49" charset="0"/>
+            </a:endParaRPr>
+          </a:p>
+        </p:txBody>
+      </p:sp>
+      <p:sp>
+        <p:nvSpPr>
+          <p:cNvPr id="374" name="Rectangle 373"/>
+          <p:cNvSpPr/>
+          <p:nvPr/>
+        </p:nvSpPr>
+        <p:spPr>
+          <a:xfrm>
+            <a:off x="12649200" y="5943600"/>
+            <a:ext cx="457200" cy="152400"/>
+          </a:xfrm>
+          <a:prstGeom prst="rect">
+            <a:avLst/>
+          </a:prstGeom>
+          <a:noFill/>
+          <a:ln>
+            <a:noFill/>
+          </a:ln>
+        </p:spPr>
+        <p:style>
+          <a:lnRef idx="2">
+            <a:schemeClr val="accent1">
+              <a:shade val="50000"/>
+            </a:schemeClr>
+          </a:lnRef>
+          <a:fillRef idx="1">
+            <a:schemeClr val="accent1"/>
+          </a:fillRef>
+          <a:effectRef idx="0">
+            <a:schemeClr val="accent1"/>
+          </a:effectRef>
+          <a:fontRef idx="minor">
+            <a:schemeClr val="lt1"/>
+          </a:fontRef>
+        </p:style>
+        <p:txBody>
+          <a:bodyPr wrap="none" lIns="45720" rIns="45720" rtlCol="0" anchor="ctr"/>
+          <a:lstStyle/>
+          <a:p>
+            <a:r>
+              <a:rPr lang="en-US" sz="900" dirty="0">
+                <a:solidFill>
+                  <a:srgbClr val="000000"/>
+                </a:solidFill>
+                <a:latin typeface="Courier New" panose="02070309020205020404" pitchFamily="49" charset="0"/>
+                <a:cs typeface="Courier New" panose="02070309020205020404" pitchFamily="49" charset="0"/>
+              </a:rPr>
+              <a:t>[27:21]</a:t>
+            </a:r>
+            <a:endParaRPr lang="en-US" sz="900" dirty="0">
+              <a:solidFill>
+                <a:srgbClr val="000000"/>
+              </a:solidFill>
+              <a:latin typeface="Courier New" panose="02070309020205020404" pitchFamily="49" charset="0"/>
+              <a:cs typeface="Courier New" panose="02070309020205020404" pitchFamily="49" charset="0"/>
+            </a:endParaRPr>
+          </a:p>
+        </p:txBody>
+      </p:sp>
+      <p:cxnSp>
+        <p:nvCxnSpPr>
+          <p:cNvPr id="375" name="Straight Connector 374"/>
+          <p:cNvCxnSpPr/>
+          <p:nvPr/>
+        </p:nvCxnSpPr>
+        <p:spPr>
+          <a:xfrm>
+            <a:off x="12573000" y="6553200"/>
+            <a:ext cx="76200" cy="76200"/>
+          </a:xfrm>
+          <a:prstGeom prst="line">
+            <a:avLst/>
+          </a:prstGeom>
+          <a:ln w="12700">
+            <a:solidFill>
+              <a:srgbClr val="000000"/>
+            </a:solidFill>
+            <a:headEnd type="none" w="med" len="med"/>
+            <a:tailEnd type="none" w="med" len="med"/>
+          </a:ln>
+        </p:spPr>
+        <p:style>
+          <a:lnRef idx="1">
+            <a:schemeClr val="accent1"/>
+          </a:lnRef>
+          <a:fillRef idx="0">
+            <a:schemeClr val="accent1"/>
+          </a:fillRef>
+          <a:effectRef idx="0">
+            <a:schemeClr val="accent1"/>
+          </a:effectRef>
+          <a:fontRef idx="minor">
+            <a:schemeClr val="tx1"/>
+          </a:fontRef>
+        </p:style>
+      </p:cxnSp>
+      <p:cxnSp>
+        <p:nvCxnSpPr>
+          <p:cNvPr id="376" name="Straight Connector 375"/>
+          <p:cNvCxnSpPr/>
+          <p:nvPr/>
+        </p:nvCxnSpPr>
+        <p:spPr>
+          <a:xfrm>
+            <a:off x="12649200" y="6629400"/>
+            <a:ext cx="1905000" cy="0"/>
+          </a:xfrm>
+          <a:prstGeom prst="line">
+            <a:avLst/>
+          </a:prstGeom>
+          <a:ln w="12700">
+            <a:solidFill>
+              <a:srgbClr val="000000"/>
+            </a:solidFill>
+            <a:headEnd type="none" w="med" len="med"/>
+            <a:tailEnd type="triangle" w="med" len="med"/>
+          </a:ln>
+        </p:spPr>
+        <p:style>
+          <a:lnRef idx="1">
+            <a:schemeClr val="accent1"/>
+          </a:lnRef>
+          <a:fillRef idx="0">
+            <a:schemeClr val="accent1"/>
+          </a:fillRef>
+          <a:effectRef idx="0">
+            <a:schemeClr val="accent1"/>
+          </a:effectRef>
+          <a:fontRef idx="minor">
+            <a:schemeClr val="tx1"/>
+          </a:fontRef>
+        </p:style>
+      </p:cxnSp>
+      <p:cxnSp>
+        <p:nvCxnSpPr>
+          <p:cNvPr id="377" name="Straight Connector 376"/>
+          <p:cNvCxnSpPr/>
+          <p:nvPr/>
+        </p:nvCxnSpPr>
+        <p:spPr>
+          <a:xfrm>
+            <a:off x="13182600" y="6400800"/>
+            <a:ext cx="609600" cy="0"/>
+          </a:xfrm>
+          <a:prstGeom prst="line">
+            <a:avLst/>
+          </a:prstGeom>
+          <a:ln w="12700">
+            <a:solidFill>
+              <a:srgbClr val="000000"/>
+            </a:solidFill>
+            <a:headEnd type="none" w="med" len="med"/>
+            <a:tailEnd type="none" w="med" len="med"/>
+          </a:ln>
+        </p:spPr>
+        <p:style>
+          <a:lnRef idx="1">
+            <a:schemeClr val="accent1"/>
+          </a:lnRef>
+          <a:fillRef idx="0">
+            <a:schemeClr val="accent1"/>
+          </a:fillRef>
+          <a:effectRef idx="0">
+            <a:schemeClr val="accent1"/>
+          </a:effectRef>
+          <a:fontRef idx="minor">
+            <a:schemeClr val="tx1"/>
+          </a:fontRef>
+        </p:style>
+      </p:cxnSp>
+      <p:cxnSp>
+        <p:nvCxnSpPr>
+          <p:cNvPr id="378" name="Straight Connector 377"/>
+          <p:cNvCxnSpPr/>
+          <p:nvPr/>
+        </p:nvCxnSpPr>
+        <p:spPr>
+          <a:xfrm>
+            <a:off x="13792200" y="6400800"/>
+            <a:ext cx="0" cy="152400"/>
+          </a:xfrm>
+          <a:prstGeom prst="line">
+            <a:avLst/>
+          </a:prstGeom>
+          <a:ln w="12700">
+            <a:solidFill>
+              <a:srgbClr val="000000"/>
+            </a:solidFill>
+            <a:headEnd type="none" w="med" len="med"/>
+            <a:tailEnd type="none" w="med" len="med"/>
+          </a:ln>
+        </p:spPr>
+        <p:style>
+          <a:lnRef idx="1">
+            <a:schemeClr val="accent1"/>
+          </a:lnRef>
+          <a:fillRef idx="0">
+            <a:schemeClr val="accent1"/>
+          </a:fillRef>
+          <a:effectRef idx="0">
+            <a:schemeClr val="accent1"/>
+          </a:effectRef>
+          <a:fontRef idx="minor">
+            <a:schemeClr val="tx1"/>
+          </a:fontRef>
+        </p:style>
+      </p:cxnSp>
+      <p:cxnSp>
+        <p:nvCxnSpPr>
+          <p:cNvPr id="379" name="Straight Connector 378"/>
+          <p:cNvCxnSpPr/>
+          <p:nvPr/>
+        </p:nvCxnSpPr>
+        <p:spPr>
+          <a:xfrm>
+            <a:off x="13792200" y="6553200"/>
+            <a:ext cx="76200" cy="76200"/>
+          </a:xfrm>
+          <a:prstGeom prst="line">
+            <a:avLst/>
+          </a:prstGeom>
+          <a:ln w="12700">
+            <a:solidFill>
+              <a:srgbClr val="000000"/>
+            </a:solidFill>
+            <a:headEnd type="none" w="med" len="med"/>
+            <a:tailEnd type="none" w="med" len="med"/>
+          </a:ln>
+        </p:spPr>
+        <p:style>
+          <a:lnRef idx="1">
+            <a:schemeClr val="accent1"/>
+          </a:lnRef>
+          <a:fillRef idx="0">
+            <a:schemeClr val="accent1"/>
+          </a:fillRef>
+          <a:effectRef idx="0">
+            <a:schemeClr val="accent1"/>
+          </a:effectRef>
+          <a:fontRef idx="minor">
+            <a:schemeClr val="tx1"/>
+          </a:fontRef>
+        </p:style>
+      </p:cxnSp>
+      <p:cxnSp>
+        <p:nvCxnSpPr>
+          <p:cNvPr id="380" name="Straight Connector 379"/>
+          <p:cNvCxnSpPr/>
+          <p:nvPr/>
+        </p:nvCxnSpPr>
+        <p:spPr>
+          <a:xfrm flipV="1">
+            <a:off x="13335000" y="6553200"/>
+            <a:ext cx="152400" cy="152400"/>
+          </a:xfrm>
+          <a:prstGeom prst="line">
+            <a:avLst/>
+          </a:prstGeom>
+          <a:ln w="12700">
+            <a:solidFill>
+              <a:srgbClr val="000000"/>
+            </a:solidFill>
+            <a:headEnd type="none" w="med" len="med"/>
+            <a:tailEnd type="none" w="med" len="med"/>
+          </a:ln>
+        </p:spPr>
+        <p:style>
+          <a:lnRef idx="1">
+            <a:schemeClr val="accent1"/>
+          </a:lnRef>
+          <a:fillRef idx="0">
+            <a:schemeClr val="accent1"/>
+          </a:fillRef>
+          <a:effectRef idx="0">
+            <a:schemeClr val="accent1"/>
+          </a:effectRef>
+          <a:fontRef idx="minor">
+            <a:schemeClr val="tx1"/>
+          </a:fontRef>
+        </p:style>
+      </p:cxnSp>
+      <p:sp>
+        <p:nvSpPr>
+          <p:cNvPr id="381" name="Rectangle 380"/>
+          <p:cNvSpPr/>
+          <p:nvPr/>
+        </p:nvSpPr>
+        <p:spPr>
+          <a:xfrm>
+            <a:off x="13335000" y="6477002"/>
+            <a:ext cx="152400" cy="76199"/>
+          </a:xfrm>
+          <a:prstGeom prst="rect">
+            <a:avLst/>
+          </a:prstGeom>
+          <a:noFill/>
+          <a:ln>
+            <a:noFill/>
+          </a:ln>
+        </p:spPr>
+        <p:style>
+          <a:lnRef idx="2">
+            <a:schemeClr val="accent1">
+              <a:shade val="50000"/>
+            </a:schemeClr>
+          </a:lnRef>
+          <a:fillRef idx="1">
+            <a:schemeClr val="accent1"/>
+          </a:fillRef>
+          <a:effectRef idx="0">
+            <a:schemeClr val="accent1"/>
+          </a:effectRef>
+          <a:fontRef idx="minor">
+            <a:schemeClr val="lt1"/>
+          </a:fontRef>
+        </p:style>
+        <p:txBody>
+          <a:bodyPr wrap="none" lIns="45720" rIns="45720" rtlCol="0" anchor="ctr"/>
+          <a:lstStyle/>
+          <a:p>
+            <a:pPr algn="ctr"/>
+            <a:r>
+              <a:rPr lang="en-US" sz="900" dirty="0">
+                <a:solidFill>
+                  <a:srgbClr val="000000"/>
+                </a:solidFill>
+                <a:latin typeface="Courier New" panose="02070309020205020404" pitchFamily="49" charset="0"/>
+                <a:cs typeface="Courier New" panose="02070309020205020404" pitchFamily="49" charset="0"/>
+              </a:rPr>
+              <a:t>7</a:t>
+            </a:r>
+          </a:p>
+        </p:txBody>
+      </p:sp>
+      <p:cxnSp>
+        <p:nvCxnSpPr>
+          <p:cNvPr id="382" name="Straight Connector 381"/>
+          <p:cNvCxnSpPr/>
+          <p:nvPr/>
+        </p:nvCxnSpPr>
+        <p:spPr>
+          <a:xfrm flipV="1">
+            <a:off x="14097000" y="6553199"/>
+            <a:ext cx="152400" cy="152400"/>
+          </a:xfrm>
+          <a:prstGeom prst="line">
+            <a:avLst/>
+          </a:prstGeom>
+          <a:ln w="12700">
+            <a:solidFill>
+              <a:srgbClr val="000000"/>
+            </a:solidFill>
+            <a:headEnd type="none" w="med" len="med"/>
+            <a:tailEnd type="none" w="med" len="med"/>
+          </a:ln>
+        </p:spPr>
+        <p:style>
+          <a:lnRef idx="1">
+            <a:schemeClr val="accent1"/>
+          </a:lnRef>
+          <a:fillRef idx="0">
+            <a:schemeClr val="accent1"/>
+          </a:fillRef>
+          <a:effectRef idx="0">
+            <a:schemeClr val="accent1"/>
+          </a:effectRef>
+          <a:fontRef idx="minor">
+            <a:schemeClr val="tx1"/>
+          </a:fontRef>
+        </p:style>
+      </p:cxnSp>
+      <p:sp>
+        <p:nvSpPr>
+          <p:cNvPr id="383" name="Rectangle 382"/>
+          <p:cNvSpPr/>
+          <p:nvPr/>
+        </p:nvSpPr>
+        <p:spPr>
+          <a:xfrm>
+            <a:off x="14097000" y="6477001"/>
+            <a:ext cx="152400" cy="76199"/>
+          </a:xfrm>
+          <a:prstGeom prst="rect">
+            <a:avLst/>
+          </a:prstGeom>
+          <a:noFill/>
+          <a:ln>
+            <a:noFill/>
+          </a:ln>
+        </p:spPr>
+        <p:style>
+          <a:lnRef idx="2">
+            <a:schemeClr val="accent1">
+              <a:shade val="50000"/>
+            </a:schemeClr>
+          </a:lnRef>
+          <a:fillRef idx="1">
+            <a:schemeClr val="accent1"/>
+          </a:fillRef>
+          <a:effectRef idx="0">
+            <a:schemeClr val="accent1"/>
+          </a:effectRef>
+          <a:fontRef idx="minor">
+            <a:schemeClr val="lt1"/>
+          </a:fontRef>
+        </p:style>
+        <p:txBody>
+          <a:bodyPr wrap="none" lIns="45720" rIns="45720" rtlCol="0" anchor="ctr"/>
+          <a:lstStyle/>
+          <a:p>
+            <a:pPr algn="ctr"/>
+            <a:r>
+              <a:rPr lang="en-US" sz="900" dirty="0">
+                <a:solidFill>
+                  <a:srgbClr val="000000"/>
+                </a:solidFill>
+                <a:latin typeface="Courier New" panose="02070309020205020404" pitchFamily="49" charset="0"/>
+                <a:cs typeface="Courier New" panose="02070309020205020404" pitchFamily="49" charset="0"/>
+              </a:rPr>
+              <a:t>8</a:t>
+            </a:r>
+            <a:endParaRPr lang="en-US" sz="900" dirty="0">
+              <a:solidFill>
+                <a:srgbClr val="000000"/>
+              </a:solidFill>
+              <a:latin typeface="Courier New" panose="02070309020205020404" pitchFamily="49" charset="0"/>
+              <a:cs typeface="Courier New" panose="02070309020205020404" pitchFamily="49" charset="0"/>
+            </a:endParaRPr>
+          </a:p>
+        </p:txBody>
+      </p:sp>
+      <p:sp>
+        <p:nvSpPr>
+          <p:cNvPr id="384" name="Rectangle 383"/>
+          <p:cNvSpPr/>
+          <p:nvPr/>
+        </p:nvSpPr>
+        <p:spPr>
+          <a:xfrm>
+            <a:off x="13182600" y="6248400"/>
+            <a:ext cx="457200" cy="152400"/>
+          </a:xfrm>
+          <a:prstGeom prst="rect">
+            <a:avLst/>
+          </a:prstGeom>
+          <a:noFill/>
+          <a:ln>
+            <a:noFill/>
+          </a:ln>
+        </p:spPr>
+        <p:style>
+          <a:lnRef idx="2">
+            <a:schemeClr val="accent1">
+              <a:shade val="50000"/>
+            </a:schemeClr>
+          </a:lnRef>
+          <a:fillRef idx="1">
+            <a:schemeClr val="accent1"/>
+          </a:fillRef>
+          <a:effectRef idx="0">
+            <a:schemeClr val="accent1"/>
+          </a:effectRef>
+          <a:fontRef idx="minor">
+            <a:schemeClr val="lt1"/>
+          </a:fontRef>
+        </p:style>
+        <p:txBody>
+          <a:bodyPr wrap="none" lIns="45720" rIns="45720" rtlCol="0" anchor="ctr"/>
+          <a:lstStyle/>
+          <a:p>
+            <a:r>
+              <a:rPr lang="en-US" sz="900" dirty="0">
+                <a:solidFill>
+                  <a:srgbClr val="000000"/>
+                </a:solidFill>
+                <a:latin typeface="Courier New" panose="02070309020205020404" pitchFamily="49" charset="0"/>
+                <a:cs typeface="Courier New" panose="02070309020205020404" pitchFamily="49" charset="0"/>
+              </a:rPr>
+              <a:t>1’b0</a:t>
+            </a:r>
+            <a:endParaRPr lang="en-US" sz="900" dirty="0">
+              <a:solidFill>
+                <a:srgbClr val="000000"/>
+              </a:solidFill>
+              <a:latin typeface="Courier New" panose="02070309020205020404" pitchFamily="49" charset="0"/>
+              <a:cs typeface="Courier New" panose="02070309020205020404" pitchFamily="49" charset="0"/>
+            </a:endParaRPr>
+          </a:p>
+        </p:txBody>
+      </p:sp>
+      <p:sp>
+        <p:nvSpPr>
+          <p:cNvPr id="385" name="Rectangle 384"/>
+          <p:cNvSpPr/>
+          <p:nvPr/>
+        </p:nvSpPr>
+        <p:spPr>
+          <a:xfrm>
+            <a:off x="12649200" y="6477000"/>
+            <a:ext cx="457200" cy="152400"/>
+          </a:xfrm>
+          <a:prstGeom prst="rect">
+            <a:avLst/>
+          </a:prstGeom>
+          <a:noFill/>
+          <a:ln>
+            <a:noFill/>
+          </a:ln>
+        </p:spPr>
+        <p:style>
+          <a:lnRef idx="2">
+            <a:schemeClr val="accent1">
+              <a:shade val="50000"/>
+            </a:schemeClr>
+          </a:lnRef>
+          <a:fillRef idx="1">
+            <a:schemeClr val="accent1"/>
+          </a:fillRef>
+          <a:effectRef idx="0">
+            <a:schemeClr val="accent1"/>
+          </a:effectRef>
+          <a:fontRef idx="minor">
+            <a:schemeClr val="lt1"/>
+          </a:fontRef>
+        </p:style>
+        <p:txBody>
+          <a:bodyPr wrap="none" lIns="45720" rIns="45720" rtlCol="0" anchor="ctr"/>
+          <a:lstStyle/>
+          <a:p>
+            <a:r>
+              <a:rPr lang="en-US" sz="900" dirty="0">
+                <a:solidFill>
+                  <a:srgbClr val="000000"/>
+                </a:solidFill>
+                <a:latin typeface="Courier New" panose="02070309020205020404" pitchFamily="49" charset="0"/>
+                <a:cs typeface="Courier New" panose="02070309020205020404" pitchFamily="49" charset="0"/>
+              </a:rPr>
+              <a:t>[20:14]</a:t>
+            </a:r>
+            <a:endParaRPr lang="en-US" sz="900" dirty="0">
+              <a:solidFill>
+                <a:srgbClr val="000000"/>
+              </a:solidFill>
+              <a:latin typeface="Courier New" panose="02070309020205020404" pitchFamily="49" charset="0"/>
+              <a:cs typeface="Courier New" panose="02070309020205020404" pitchFamily="49" charset="0"/>
+            </a:endParaRPr>
+          </a:p>
+        </p:txBody>
+      </p:sp>
+      <p:cxnSp>
+        <p:nvCxnSpPr>
+          <p:cNvPr id="386" name="Straight Connector 385"/>
+          <p:cNvCxnSpPr/>
+          <p:nvPr/>
+        </p:nvCxnSpPr>
+        <p:spPr>
+          <a:xfrm>
+            <a:off x="12573000" y="7086600"/>
+            <a:ext cx="76200" cy="76200"/>
+          </a:xfrm>
+          <a:prstGeom prst="line">
+            <a:avLst/>
+          </a:prstGeom>
+          <a:ln w="12700">
+            <a:solidFill>
+              <a:srgbClr val="000000"/>
+            </a:solidFill>
+            <a:headEnd type="none" w="med" len="med"/>
+            <a:tailEnd type="none" w="med" len="med"/>
+          </a:ln>
+        </p:spPr>
+        <p:style>
+          <a:lnRef idx="1">
+            <a:schemeClr val="accent1"/>
+          </a:lnRef>
+          <a:fillRef idx="0">
+            <a:schemeClr val="accent1"/>
+          </a:fillRef>
+          <a:effectRef idx="0">
+            <a:schemeClr val="accent1"/>
+          </a:effectRef>
+          <a:fontRef idx="minor">
+            <a:schemeClr val="tx1"/>
+          </a:fontRef>
+        </p:style>
+      </p:cxnSp>
+      <p:cxnSp>
+        <p:nvCxnSpPr>
+          <p:cNvPr id="387" name="Straight Connector 386"/>
+          <p:cNvCxnSpPr/>
+          <p:nvPr/>
+        </p:nvCxnSpPr>
+        <p:spPr>
+          <a:xfrm>
+            <a:off x="12649200" y="7162800"/>
+            <a:ext cx="1905000" cy="0"/>
+          </a:xfrm>
+          <a:prstGeom prst="line">
+            <a:avLst/>
+          </a:prstGeom>
+          <a:ln w="12700">
+            <a:solidFill>
+              <a:srgbClr val="000000"/>
+            </a:solidFill>
+            <a:headEnd type="none" w="med" len="med"/>
+            <a:tailEnd type="triangle" w="med" len="med"/>
+          </a:ln>
+        </p:spPr>
+        <p:style>
+          <a:lnRef idx="1">
+            <a:schemeClr val="accent1"/>
+          </a:lnRef>
+          <a:fillRef idx="0">
+            <a:schemeClr val="accent1"/>
+          </a:fillRef>
+          <a:effectRef idx="0">
+            <a:schemeClr val="accent1"/>
+          </a:effectRef>
+          <a:fontRef idx="minor">
+            <a:schemeClr val="tx1"/>
+          </a:fontRef>
+        </p:style>
+      </p:cxnSp>
+      <p:cxnSp>
+        <p:nvCxnSpPr>
+          <p:cNvPr id="388" name="Straight Connector 387"/>
+          <p:cNvCxnSpPr/>
+          <p:nvPr/>
+        </p:nvCxnSpPr>
+        <p:spPr>
+          <a:xfrm>
+            <a:off x="13182600" y="6934200"/>
+            <a:ext cx="609600" cy="0"/>
+          </a:xfrm>
+          <a:prstGeom prst="line">
+            <a:avLst/>
+          </a:prstGeom>
+          <a:ln w="12700">
+            <a:solidFill>
+              <a:srgbClr val="000000"/>
+            </a:solidFill>
+            <a:headEnd type="none" w="med" len="med"/>
+            <a:tailEnd type="none" w="med" len="med"/>
+          </a:ln>
+        </p:spPr>
+        <p:style>
+          <a:lnRef idx="1">
+            <a:schemeClr val="accent1"/>
+          </a:lnRef>
+          <a:fillRef idx="0">
+            <a:schemeClr val="accent1"/>
+          </a:fillRef>
+          <a:effectRef idx="0">
+            <a:schemeClr val="accent1"/>
+          </a:effectRef>
+          <a:fontRef idx="minor">
+            <a:schemeClr val="tx1"/>
+          </a:fontRef>
+        </p:style>
+      </p:cxnSp>
+      <p:cxnSp>
+        <p:nvCxnSpPr>
+          <p:cNvPr id="389" name="Straight Connector 388"/>
+          <p:cNvCxnSpPr/>
+          <p:nvPr/>
+        </p:nvCxnSpPr>
+        <p:spPr>
+          <a:xfrm>
+            <a:off x="13792200" y="6934200"/>
+            <a:ext cx="0" cy="152400"/>
+          </a:xfrm>
+          <a:prstGeom prst="line">
+            <a:avLst/>
+          </a:prstGeom>
+          <a:ln w="12700">
+            <a:solidFill>
+              <a:srgbClr val="000000"/>
+            </a:solidFill>
+            <a:headEnd type="none" w="med" len="med"/>
+            <a:tailEnd type="none" w="med" len="med"/>
+          </a:ln>
+        </p:spPr>
+        <p:style>
+          <a:lnRef idx="1">
+            <a:schemeClr val="accent1"/>
+          </a:lnRef>
+          <a:fillRef idx="0">
+            <a:schemeClr val="accent1"/>
+          </a:fillRef>
+          <a:effectRef idx="0">
+            <a:schemeClr val="accent1"/>
+          </a:effectRef>
+          <a:fontRef idx="minor">
+            <a:schemeClr val="tx1"/>
+          </a:fontRef>
+        </p:style>
+      </p:cxnSp>
+      <p:cxnSp>
+        <p:nvCxnSpPr>
+          <p:cNvPr id="390" name="Straight Connector 389"/>
+          <p:cNvCxnSpPr/>
+          <p:nvPr/>
+        </p:nvCxnSpPr>
+        <p:spPr>
+          <a:xfrm>
+            <a:off x="13792200" y="7086600"/>
+            <a:ext cx="76200" cy="76200"/>
+          </a:xfrm>
+          <a:prstGeom prst="line">
+            <a:avLst/>
+          </a:prstGeom>
+          <a:ln w="12700">
+            <a:solidFill>
+              <a:srgbClr val="000000"/>
+            </a:solidFill>
+            <a:headEnd type="none" w="med" len="med"/>
+            <a:tailEnd type="none" w="med" len="med"/>
+          </a:ln>
+        </p:spPr>
+        <p:style>
+          <a:lnRef idx="1">
+            <a:schemeClr val="accent1"/>
+          </a:lnRef>
+          <a:fillRef idx="0">
+            <a:schemeClr val="accent1"/>
+          </a:fillRef>
+          <a:effectRef idx="0">
+            <a:schemeClr val="accent1"/>
+          </a:effectRef>
+          <a:fontRef idx="minor">
+            <a:schemeClr val="tx1"/>
+          </a:fontRef>
+        </p:style>
+      </p:cxnSp>
+      <p:cxnSp>
+        <p:nvCxnSpPr>
+          <p:cNvPr id="391" name="Straight Connector 390"/>
+          <p:cNvCxnSpPr/>
+          <p:nvPr/>
+        </p:nvCxnSpPr>
+        <p:spPr>
+          <a:xfrm flipV="1">
+            <a:off x="13335000" y="7086600"/>
+            <a:ext cx="152400" cy="152400"/>
+          </a:xfrm>
+          <a:prstGeom prst="line">
+            <a:avLst/>
+          </a:prstGeom>
+          <a:ln w="12700">
+            <a:solidFill>
+              <a:srgbClr val="000000"/>
+            </a:solidFill>
+            <a:headEnd type="none" w="med" len="med"/>
+            <a:tailEnd type="none" w="med" len="med"/>
+          </a:ln>
+        </p:spPr>
+        <p:style>
+          <a:lnRef idx="1">
+            <a:schemeClr val="accent1"/>
+          </a:lnRef>
+          <a:fillRef idx="0">
+            <a:schemeClr val="accent1"/>
+          </a:fillRef>
+          <a:effectRef idx="0">
+            <a:schemeClr val="accent1"/>
+          </a:effectRef>
+          <a:fontRef idx="minor">
+            <a:schemeClr val="tx1"/>
+          </a:fontRef>
+        </p:style>
+      </p:cxnSp>
+      <p:sp>
+        <p:nvSpPr>
+          <p:cNvPr id="392" name="Rectangle 391"/>
+          <p:cNvSpPr/>
+          <p:nvPr/>
+        </p:nvSpPr>
+        <p:spPr>
+          <a:xfrm>
+            <a:off x="13335000" y="7010402"/>
+            <a:ext cx="152400" cy="76199"/>
+          </a:xfrm>
+          <a:prstGeom prst="rect">
+            <a:avLst/>
+          </a:prstGeom>
+          <a:noFill/>
+          <a:ln>
+            <a:noFill/>
+          </a:ln>
+        </p:spPr>
+        <p:style>
+          <a:lnRef idx="2">
+            <a:schemeClr val="accent1">
+              <a:shade val="50000"/>
+            </a:schemeClr>
+          </a:lnRef>
+          <a:fillRef idx="1">
+            <a:schemeClr val="accent1"/>
+          </a:fillRef>
+          <a:effectRef idx="0">
+            <a:schemeClr val="accent1"/>
+          </a:effectRef>
+          <a:fontRef idx="minor">
+            <a:schemeClr val="lt1"/>
+          </a:fontRef>
+        </p:style>
+        <p:txBody>
+          <a:bodyPr wrap="none" lIns="45720" rIns="45720" rtlCol="0" anchor="ctr"/>
+          <a:lstStyle/>
+          <a:p>
+            <a:pPr algn="ctr"/>
+            <a:r>
+              <a:rPr lang="en-US" sz="900" dirty="0">
+                <a:solidFill>
+                  <a:srgbClr val="000000"/>
+                </a:solidFill>
+                <a:latin typeface="Courier New" panose="02070309020205020404" pitchFamily="49" charset="0"/>
+                <a:cs typeface="Courier New" panose="02070309020205020404" pitchFamily="49" charset="0"/>
+              </a:rPr>
+              <a:t>7</a:t>
+            </a:r>
+          </a:p>
+        </p:txBody>
+      </p:sp>
+      <p:cxnSp>
+        <p:nvCxnSpPr>
+          <p:cNvPr id="393" name="Straight Connector 392"/>
+          <p:cNvCxnSpPr/>
+          <p:nvPr/>
+        </p:nvCxnSpPr>
+        <p:spPr>
+          <a:xfrm flipV="1">
+            <a:off x="14097000" y="7086599"/>
+            <a:ext cx="152400" cy="152400"/>
+          </a:xfrm>
+          <a:prstGeom prst="line">
+            <a:avLst/>
+          </a:prstGeom>
+          <a:ln w="12700">
+            <a:solidFill>
+              <a:srgbClr val="000000"/>
+            </a:solidFill>
+            <a:headEnd type="none" w="med" len="med"/>
+            <a:tailEnd type="none" w="med" len="med"/>
+          </a:ln>
+        </p:spPr>
+        <p:style>
+          <a:lnRef idx="1">
+            <a:schemeClr val="accent1"/>
+          </a:lnRef>
+          <a:fillRef idx="0">
+            <a:schemeClr val="accent1"/>
+          </a:fillRef>
+          <a:effectRef idx="0">
+            <a:schemeClr val="accent1"/>
+          </a:effectRef>
+          <a:fontRef idx="minor">
+            <a:schemeClr val="tx1"/>
+          </a:fontRef>
+        </p:style>
+      </p:cxnSp>
+      <p:sp>
+        <p:nvSpPr>
+          <p:cNvPr id="394" name="Rectangle 393"/>
+          <p:cNvSpPr/>
+          <p:nvPr/>
+        </p:nvSpPr>
+        <p:spPr>
+          <a:xfrm>
+            <a:off x="14097000" y="7010401"/>
+            <a:ext cx="152400" cy="76199"/>
+          </a:xfrm>
+          <a:prstGeom prst="rect">
+            <a:avLst/>
+          </a:prstGeom>
+          <a:noFill/>
+          <a:ln>
+            <a:noFill/>
+          </a:ln>
+        </p:spPr>
+        <p:style>
+          <a:lnRef idx="2">
+            <a:schemeClr val="accent1">
+              <a:shade val="50000"/>
+            </a:schemeClr>
+          </a:lnRef>
+          <a:fillRef idx="1">
+            <a:schemeClr val="accent1"/>
+          </a:fillRef>
+          <a:effectRef idx="0">
+            <a:schemeClr val="accent1"/>
+          </a:effectRef>
+          <a:fontRef idx="minor">
+            <a:schemeClr val="lt1"/>
+          </a:fontRef>
+        </p:style>
+        <p:txBody>
+          <a:bodyPr wrap="none" lIns="45720" rIns="45720" rtlCol="0" anchor="ctr"/>
+          <a:lstStyle/>
+          <a:p>
+            <a:pPr algn="ctr"/>
+            <a:r>
+              <a:rPr lang="en-US" sz="900" dirty="0">
+                <a:solidFill>
+                  <a:srgbClr val="000000"/>
+                </a:solidFill>
+                <a:latin typeface="Courier New" panose="02070309020205020404" pitchFamily="49" charset="0"/>
+                <a:cs typeface="Courier New" panose="02070309020205020404" pitchFamily="49" charset="0"/>
+              </a:rPr>
+              <a:t>8</a:t>
+            </a:r>
+            <a:endParaRPr lang="en-US" sz="900" dirty="0">
+              <a:solidFill>
+                <a:srgbClr val="000000"/>
+              </a:solidFill>
+              <a:latin typeface="Courier New" panose="02070309020205020404" pitchFamily="49" charset="0"/>
+              <a:cs typeface="Courier New" panose="02070309020205020404" pitchFamily="49" charset="0"/>
+            </a:endParaRPr>
+          </a:p>
+        </p:txBody>
+      </p:sp>
+      <p:sp>
+        <p:nvSpPr>
+          <p:cNvPr id="395" name="Rectangle 394"/>
+          <p:cNvSpPr/>
+          <p:nvPr/>
+        </p:nvSpPr>
+        <p:spPr>
+          <a:xfrm>
+            <a:off x="13182600" y="6781800"/>
+            <a:ext cx="457200" cy="152400"/>
+          </a:xfrm>
+          <a:prstGeom prst="rect">
+            <a:avLst/>
+          </a:prstGeom>
+          <a:noFill/>
+          <a:ln>
+            <a:noFill/>
+          </a:ln>
+        </p:spPr>
+        <p:style>
+          <a:lnRef idx="2">
+            <a:schemeClr val="accent1">
+              <a:shade val="50000"/>
+            </a:schemeClr>
+          </a:lnRef>
+          <a:fillRef idx="1">
+            <a:schemeClr val="accent1"/>
+          </a:fillRef>
+          <a:effectRef idx="0">
+            <a:schemeClr val="accent1"/>
+          </a:effectRef>
+          <a:fontRef idx="minor">
+            <a:schemeClr val="lt1"/>
+          </a:fontRef>
+        </p:style>
+        <p:txBody>
+          <a:bodyPr wrap="none" lIns="45720" rIns="45720" rtlCol="0" anchor="ctr"/>
+          <a:lstStyle/>
+          <a:p>
+            <a:r>
+              <a:rPr lang="en-US" sz="900" dirty="0">
+                <a:solidFill>
+                  <a:srgbClr val="000000"/>
+                </a:solidFill>
+                <a:latin typeface="Courier New" panose="02070309020205020404" pitchFamily="49" charset="0"/>
+                <a:cs typeface="Courier New" panose="02070309020205020404" pitchFamily="49" charset="0"/>
+              </a:rPr>
+              <a:t>1’b0</a:t>
+            </a:r>
+            <a:endParaRPr lang="en-US" sz="900" dirty="0">
+              <a:solidFill>
+                <a:srgbClr val="000000"/>
+              </a:solidFill>
+              <a:latin typeface="Courier New" panose="02070309020205020404" pitchFamily="49" charset="0"/>
+              <a:cs typeface="Courier New" panose="02070309020205020404" pitchFamily="49" charset="0"/>
+            </a:endParaRPr>
+          </a:p>
+        </p:txBody>
+      </p:sp>
+      <p:sp>
+        <p:nvSpPr>
+          <p:cNvPr id="396" name="Rectangle 395"/>
+          <p:cNvSpPr/>
+          <p:nvPr/>
+        </p:nvSpPr>
+        <p:spPr>
+          <a:xfrm>
+            <a:off x="12649200" y="7010400"/>
+            <a:ext cx="457200" cy="152400"/>
+          </a:xfrm>
+          <a:prstGeom prst="rect">
+            <a:avLst/>
+          </a:prstGeom>
+          <a:noFill/>
+          <a:ln>
+            <a:noFill/>
+          </a:ln>
+        </p:spPr>
+        <p:style>
+          <a:lnRef idx="2">
+            <a:schemeClr val="accent1">
+              <a:shade val="50000"/>
+            </a:schemeClr>
+          </a:lnRef>
+          <a:fillRef idx="1">
+            <a:schemeClr val="accent1"/>
+          </a:fillRef>
+          <a:effectRef idx="0">
+            <a:schemeClr val="accent1"/>
+          </a:effectRef>
+          <a:fontRef idx="minor">
+            <a:schemeClr val="lt1"/>
+          </a:fontRef>
+        </p:style>
+        <p:txBody>
+          <a:bodyPr wrap="none" lIns="45720" rIns="45720" rtlCol="0" anchor="ctr"/>
+          <a:lstStyle/>
+          <a:p>
+            <a:r>
+              <a:rPr lang="en-US" sz="900" dirty="0">
+                <a:solidFill>
+                  <a:srgbClr val="000000"/>
+                </a:solidFill>
+                <a:latin typeface="Courier New" panose="02070309020205020404" pitchFamily="49" charset="0"/>
+                <a:cs typeface="Courier New" panose="02070309020205020404" pitchFamily="49" charset="0"/>
+              </a:rPr>
+              <a:t>[13:7]</a:t>
+            </a:r>
+            <a:endParaRPr lang="en-US" sz="900" dirty="0">
+              <a:solidFill>
+                <a:srgbClr val="000000"/>
+              </a:solidFill>
+              <a:latin typeface="Courier New" panose="02070309020205020404" pitchFamily="49" charset="0"/>
+              <a:cs typeface="Courier New" panose="02070309020205020404" pitchFamily="49" charset="0"/>
+            </a:endParaRPr>
+          </a:p>
+        </p:txBody>
+      </p:sp>
+      <p:cxnSp>
+        <p:nvCxnSpPr>
+          <p:cNvPr id="397" name="Straight Connector 396"/>
+          <p:cNvCxnSpPr/>
+          <p:nvPr/>
+        </p:nvCxnSpPr>
+        <p:spPr>
+          <a:xfrm>
+            <a:off x="12573000" y="7620000"/>
+            <a:ext cx="76200" cy="76200"/>
+          </a:xfrm>
+          <a:prstGeom prst="line">
+            <a:avLst/>
+          </a:prstGeom>
+          <a:ln w="12700">
+            <a:solidFill>
+              <a:srgbClr val="000000"/>
+            </a:solidFill>
+            <a:headEnd type="none" w="med" len="med"/>
+            <a:tailEnd type="none" w="med" len="med"/>
+          </a:ln>
+        </p:spPr>
+        <p:style>
+          <a:lnRef idx="1">
+            <a:schemeClr val="accent1"/>
+          </a:lnRef>
+          <a:fillRef idx="0">
+            <a:schemeClr val="accent1"/>
+          </a:fillRef>
+          <a:effectRef idx="0">
+            <a:schemeClr val="accent1"/>
+          </a:effectRef>
+          <a:fontRef idx="minor">
+            <a:schemeClr val="tx1"/>
+          </a:fontRef>
+        </p:style>
+      </p:cxnSp>
+      <p:cxnSp>
+        <p:nvCxnSpPr>
+          <p:cNvPr id="398" name="Straight Connector 397"/>
+          <p:cNvCxnSpPr/>
+          <p:nvPr/>
+        </p:nvCxnSpPr>
+        <p:spPr>
+          <a:xfrm>
+            <a:off x="12649200" y="7696200"/>
+            <a:ext cx="1905000" cy="0"/>
+          </a:xfrm>
+          <a:prstGeom prst="line">
+            <a:avLst/>
+          </a:prstGeom>
+          <a:ln w="12700">
+            <a:solidFill>
+              <a:srgbClr val="000000"/>
+            </a:solidFill>
+            <a:headEnd type="none" w="med" len="med"/>
+            <a:tailEnd type="triangle" w="med" len="med"/>
+          </a:ln>
+        </p:spPr>
+        <p:style>
+          <a:lnRef idx="1">
+            <a:schemeClr val="accent1"/>
+          </a:lnRef>
+          <a:fillRef idx="0">
+            <a:schemeClr val="accent1"/>
+          </a:fillRef>
+          <a:effectRef idx="0">
+            <a:schemeClr val="accent1"/>
+          </a:effectRef>
+          <a:fontRef idx="minor">
+            <a:schemeClr val="tx1"/>
+          </a:fontRef>
+        </p:style>
+      </p:cxnSp>
+      <p:cxnSp>
+        <p:nvCxnSpPr>
+          <p:cNvPr id="399" name="Straight Connector 398"/>
+          <p:cNvCxnSpPr/>
+          <p:nvPr/>
+        </p:nvCxnSpPr>
+        <p:spPr>
+          <a:xfrm>
+            <a:off x="13182600" y="7467600"/>
+            <a:ext cx="609600" cy="0"/>
+          </a:xfrm>
+          <a:prstGeom prst="line">
+            <a:avLst/>
+          </a:prstGeom>
+          <a:ln w="12700">
+            <a:solidFill>
+              <a:srgbClr val="000000"/>
+            </a:solidFill>
+            <a:headEnd type="none" w="med" len="med"/>
+            <a:tailEnd type="none" w="med" len="med"/>
+          </a:ln>
+        </p:spPr>
+        <p:style>
+          <a:lnRef idx="1">
+            <a:schemeClr val="accent1"/>
+          </a:lnRef>
+          <a:fillRef idx="0">
+            <a:schemeClr val="accent1"/>
+          </a:fillRef>
+          <a:effectRef idx="0">
+            <a:schemeClr val="accent1"/>
+          </a:effectRef>
+          <a:fontRef idx="minor">
+            <a:schemeClr val="tx1"/>
+          </a:fontRef>
+        </p:style>
+      </p:cxnSp>
+      <p:cxnSp>
+        <p:nvCxnSpPr>
+          <p:cNvPr id="400" name="Straight Connector 399"/>
+          <p:cNvCxnSpPr/>
+          <p:nvPr/>
+        </p:nvCxnSpPr>
+        <p:spPr>
+          <a:xfrm>
+            <a:off x="13792200" y="7467600"/>
+            <a:ext cx="0" cy="152400"/>
+          </a:xfrm>
+          <a:prstGeom prst="line">
+            <a:avLst/>
+          </a:prstGeom>
+          <a:ln w="12700">
+            <a:solidFill>
+              <a:srgbClr val="000000"/>
+            </a:solidFill>
+            <a:headEnd type="none" w="med" len="med"/>
+            <a:tailEnd type="none" w="med" len="med"/>
+          </a:ln>
+        </p:spPr>
+        <p:style>
+          <a:lnRef idx="1">
+            <a:schemeClr val="accent1"/>
+          </a:lnRef>
+          <a:fillRef idx="0">
+            <a:schemeClr val="accent1"/>
+          </a:fillRef>
+          <a:effectRef idx="0">
+            <a:schemeClr val="accent1"/>
+          </a:effectRef>
+          <a:fontRef idx="minor">
+            <a:schemeClr val="tx1"/>
+          </a:fontRef>
+        </p:style>
+      </p:cxnSp>
+      <p:cxnSp>
+        <p:nvCxnSpPr>
+          <p:cNvPr id="401" name="Straight Connector 400"/>
+          <p:cNvCxnSpPr/>
+          <p:nvPr/>
+        </p:nvCxnSpPr>
+        <p:spPr>
+          <a:xfrm>
+            <a:off x="13792200" y="7620000"/>
+            <a:ext cx="76200" cy="76200"/>
+          </a:xfrm>
+          <a:prstGeom prst="line">
+            <a:avLst/>
+          </a:prstGeom>
+          <a:ln w="12700">
+            <a:solidFill>
+              <a:srgbClr val="000000"/>
+            </a:solidFill>
+            <a:headEnd type="none" w="med" len="med"/>
+            <a:tailEnd type="none" w="med" len="med"/>
+          </a:ln>
+        </p:spPr>
+        <p:style>
+          <a:lnRef idx="1">
+            <a:schemeClr val="accent1"/>
+          </a:lnRef>
+          <a:fillRef idx="0">
+            <a:schemeClr val="accent1"/>
+          </a:fillRef>
+          <a:effectRef idx="0">
+            <a:schemeClr val="accent1"/>
+          </a:effectRef>
+          <a:fontRef idx="minor">
+            <a:schemeClr val="tx1"/>
+          </a:fontRef>
+        </p:style>
+      </p:cxnSp>
+      <p:cxnSp>
+        <p:nvCxnSpPr>
+          <p:cNvPr id="402" name="Straight Connector 401"/>
+          <p:cNvCxnSpPr/>
+          <p:nvPr/>
+        </p:nvCxnSpPr>
+        <p:spPr>
+          <a:xfrm flipV="1">
+            <a:off x="13335000" y="7620000"/>
+            <a:ext cx="152400" cy="152400"/>
+          </a:xfrm>
+          <a:prstGeom prst="line">
+            <a:avLst/>
+          </a:prstGeom>
+          <a:ln w="12700">
+            <a:solidFill>
+              <a:srgbClr val="000000"/>
+            </a:solidFill>
+            <a:headEnd type="none" w="med" len="med"/>
+            <a:tailEnd type="none" w="med" len="med"/>
+          </a:ln>
+        </p:spPr>
+        <p:style>
+          <a:lnRef idx="1">
+            <a:schemeClr val="accent1"/>
+          </a:lnRef>
+          <a:fillRef idx="0">
+            <a:schemeClr val="accent1"/>
+          </a:fillRef>
+          <a:effectRef idx="0">
+            <a:schemeClr val="accent1"/>
+          </a:effectRef>
+          <a:fontRef idx="minor">
+            <a:schemeClr val="tx1"/>
+          </a:fontRef>
+        </p:style>
+      </p:cxnSp>
+      <p:sp>
+        <p:nvSpPr>
+          <p:cNvPr id="403" name="Rectangle 402"/>
+          <p:cNvSpPr/>
+          <p:nvPr/>
+        </p:nvSpPr>
+        <p:spPr>
+          <a:xfrm>
+            <a:off x="13335000" y="7543802"/>
+            <a:ext cx="152400" cy="76199"/>
+          </a:xfrm>
+          <a:prstGeom prst="rect">
+            <a:avLst/>
+          </a:prstGeom>
+          <a:noFill/>
+          <a:ln>
+            <a:noFill/>
+          </a:ln>
+        </p:spPr>
+        <p:style>
+          <a:lnRef idx="2">
+            <a:schemeClr val="accent1">
+              <a:shade val="50000"/>
+            </a:schemeClr>
+          </a:lnRef>
+          <a:fillRef idx="1">
+            <a:schemeClr val="accent1"/>
+          </a:fillRef>
+          <a:effectRef idx="0">
+            <a:schemeClr val="accent1"/>
+          </a:effectRef>
+          <a:fontRef idx="minor">
+            <a:schemeClr val="lt1"/>
+          </a:fontRef>
+        </p:style>
+        <p:txBody>
+          <a:bodyPr wrap="none" lIns="45720" rIns="45720" rtlCol="0" anchor="ctr"/>
+          <a:lstStyle/>
+          <a:p>
+            <a:pPr algn="ctr"/>
+            <a:r>
+              <a:rPr lang="en-US" sz="900" dirty="0">
+                <a:solidFill>
+                  <a:srgbClr val="000000"/>
+                </a:solidFill>
+                <a:latin typeface="Courier New" panose="02070309020205020404" pitchFamily="49" charset="0"/>
+                <a:cs typeface="Courier New" panose="02070309020205020404" pitchFamily="49" charset="0"/>
+              </a:rPr>
+              <a:t>7</a:t>
+            </a:r>
+          </a:p>
+        </p:txBody>
+      </p:sp>
+      <p:cxnSp>
+        <p:nvCxnSpPr>
+          <p:cNvPr id="404" name="Straight Connector 403"/>
+          <p:cNvCxnSpPr/>
+          <p:nvPr/>
+        </p:nvCxnSpPr>
+        <p:spPr>
+          <a:xfrm flipV="1">
+            <a:off x="14097000" y="7619999"/>
+            <a:ext cx="152400" cy="152400"/>
+          </a:xfrm>
+          <a:prstGeom prst="line">
+            <a:avLst/>
+          </a:prstGeom>
+          <a:ln w="12700">
+            <a:solidFill>
+              <a:srgbClr val="000000"/>
+            </a:solidFill>
+            <a:headEnd type="none" w="med" len="med"/>
+            <a:tailEnd type="none" w="med" len="med"/>
+          </a:ln>
+        </p:spPr>
+        <p:style>
+          <a:lnRef idx="1">
+            <a:schemeClr val="accent1"/>
+          </a:lnRef>
+          <a:fillRef idx="0">
+            <a:schemeClr val="accent1"/>
+          </a:fillRef>
+          <a:effectRef idx="0">
+            <a:schemeClr val="accent1"/>
+          </a:effectRef>
+          <a:fontRef idx="minor">
+            <a:schemeClr val="tx1"/>
+          </a:fontRef>
+        </p:style>
+      </p:cxnSp>
+      <p:sp>
+        <p:nvSpPr>
+          <p:cNvPr id="405" name="Rectangle 404"/>
+          <p:cNvSpPr/>
+          <p:nvPr/>
+        </p:nvSpPr>
+        <p:spPr>
+          <a:xfrm>
+            <a:off x="14097000" y="7543801"/>
+            <a:ext cx="152400" cy="76199"/>
+          </a:xfrm>
+          <a:prstGeom prst="rect">
+            <a:avLst/>
+          </a:prstGeom>
+          <a:noFill/>
+          <a:ln>
+            <a:noFill/>
+          </a:ln>
+        </p:spPr>
+        <p:style>
+          <a:lnRef idx="2">
+            <a:schemeClr val="accent1">
+              <a:shade val="50000"/>
+            </a:schemeClr>
+          </a:lnRef>
+          <a:fillRef idx="1">
+            <a:schemeClr val="accent1"/>
+          </a:fillRef>
+          <a:effectRef idx="0">
+            <a:schemeClr val="accent1"/>
+          </a:effectRef>
+          <a:fontRef idx="minor">
+            <a:schemeClr val="lt1"/>
+          </a:fontRef>
+        </p:style>
+        <p:txBody>
+          <a:bodyPr wrap="none" lIns="45720" rIns="45720" rtlCol="0" anchor="ctr"/>
+          <a:lstStyle/>
+          <a:p>
+            <a:pPr algn="ctr"/>
+            <a:r>
+              <a:rPr lang="en-US" sz="900" dirty="0">
+                <a:solidFill>
+                  <a:srgbClr val="000000"/>
+                </a:solidFill>
+                <a:latin typeface="Courier New" panose="02070309020205020404" pitchFamily="49" charset="0"/>
+                <a:cs typeface="Courier New" panose="02070309020205020404" pitchFamily="49" charset="0"/>
+              </a:rPr>
+              <a:t>8</a:t>
+            </a:r>
+            <a:endParaRPr lang="en-US" sz="900" dirty="0">
+              <a:solidFill>
+                <a:srgbClr val="000000"/>
+              </a:solidFill>
+              <a:latin typeface="Courier New" panose="02070309020205020404" pitchFamily="49" charset="0"/>
+              <a:cs typeface="Courier New" panose="02070309020205020404" pitchFamily="49" charset="0"/>
+            </a:endParaRPr>
+          </a:p>
+        </p:txBody>
+      </p:sp>
+      <p:sp>
+        <p:nvSpPr>
+          <p:cNvPr id="406" name="Rectangle 405"/>
+          <p:cNvSpPr/>
+          <p:nvPr/>
+        </p:nvSpPr>
+        <p:spPr>
+          <a:xfrm>
+            <a:off x="13182600" y="7315200"/>
+            <a:ext cx="457200" cy="152400"/>
+          </a:xfrm>
+          <a:prstGeom prst="rect">
+            <a:avLst/>
+          </a:prstGeom>
+          <a:noFill/>
+          <a:ln>
+            <a:noFill/>
+          </a:ln>
+        </p:spPr>
+        <p:style>
+          <a:lnRef idx="2">
+            <a:schemeClr val="accent1">
+              <a:shade val="50000"/>
+            </a:schemeClr>
+          </a:lnRef>
+          <a:fillRef idx="1">
+            <a:schemeClr val="accent1"/>
+          </a:fillRef>
+          <a:effectRef idx="0">
+            <a:schemeClr val="accent1"/>
+          </a:effectRef>
+          <a:fontRef idx="minor">
+            <a:schemeClr val="lt1"/>
+          </a:fontRef>
+        </p:style>
+        <p:txBody>
+          <a:bodyPr wrap="none" lIns="45720" rIns="45720" rtlCol="0" anchor="ctr"/>
+          <a:lstStyle/>
+          <a:p>
+            <a:r>
+              <a:rPr lang="en-US" sz="900" dirty="0">
+                <a:solidFill>
+                  <a:srgbClr val="000000"/>
+                </a:solidFill>
+                <a:latin typeface="Courier New" panose="02070309020205020404" pitchFamily="49" charset="0"/>
+                <a:cs typeface="Courier New" panose="02070309020205020404" pitchFamily="49" charset="0"/>
+              </a:rPr>
+              <a:t>1’b0</a:t>
+            </a:r>
+            <a:endParaRPr lang="en-US" sz="900" dirty="0">
+              <a:solidFill>
+                <a:srgbClr val="000000"/>
+              </a:solidFill>
+              <a:latin typeface="Courier New" panose="02070309020205020404" pitchFamily="49" charset="0"/>
+              <a:cs typeface="Courier New" panose="02070309020205020404" pitchFamily="49" charset="0"/>
+            </a:endParaRPr>
+          </a:p>
+        </p:txBody>
+      </p:sp>
+      <p:sp>
+        <p:nvSpPr>
+          <p:cNvPr id="407" name="Rectangle 406"/>
+          <p:cNvSpPr/>
+          <p:nvPr/>
+        </p:nvSpPr>
+        <p:spPr>
+          <a:xfrm>
+            <a:off x="12649200" y="7543800"/>
+            <a:ext cx="457200" cy="152400"/>
+          </a:xfrm>
+          <a:prstGeom prst="rect">
+            <a:avLst/>
+          </a:prstGeom>
+          <a:noFill/>
+          <a:ln>
+            <a:noFill/>
+          </a:ln>
+        </p:spPr>
+        <p:style>
+          <a:lnRef idx="2">
+            <a:schemeClr val="accent1">
+              <a:shade val="50000"/>
+            </a:schemeClr>
+          </a:lnRef>
+          <a:fillRef idx="1">
+            <a:schemeClr val="accent1"/>
+          </a:fillRef>
+          <a:effectRef idx="0">
+            <a:schemeClr val="accent1"/>
+          </a:effectRef>
+          <a:fontRef idx="minor">
+            <a:schemeClr val="lt1"/>
+          </a:fontRef>
+        </p:style>
+        <p:txBody>
+          <a:bodyPr wrap="none" lIns="45720" rIns="45720" rtlCol="0" anchor="ctr"/>
+          <a:lstStyle/>
+          <a:p>
+            <a:r>
+              <a:rPr lang="en-US" sz="900" dirty="0">
+                <a:solidFill>
+                  <a:srgbClr val="000000"/>
+                </a:solidFill>
+                <a:latin typeface="Courier New" panose="02070309020205020404" pitchFamily="49" charset="0"/>
+                <a:cs typeface="Courier New" panose="02070309020205020404" pitchFamily="49" charset="0"/>
+              </a:rPr>
+              <a:t>[6:0]</a:t>
+            </a:r>
+            <a:endParaRPr lang="en-US" sz="900" dirty="0">
+              <a:solidFill>
+                <a:srgbClr val="000000"/>
+              </a:solidFill>
+              <a:latin typeface="Courier New" panose="02070309020205020404" pitchFamily="49" charset="0"/>
+              <a:cs typeface="Courier New" panose="02070309020205020404" pitchFamily="49" charset="0"/>
+            </a:endParaRPr>
+          </a:p>
+        </p:txBody>
+      </p:sp>
+      <p:cxnSp>
+        <p:nvCxnSpPr>
+          <p:cNvPr id="408" name="Straight Connector 407"/>
+          <p:cNvCxnSpPr/>
+          <p:nvPr/>
+        </p:nvCxnSpPr>
+        <p:spPr>
+          <a:xfrm>
+            <a:off x="14249400" y="5105400"/>
+            <a:ext cx="304800" cy="0"/>
+          </a:xfrm>
+          <a:prstGeom prst="line">
+            <a:avLst/>
+          </a:prstGeom>
+          <a:ln w="12700">
+            <a:solidFill>
+              <a:srgbClr val="000000"/>
+            </a:solidFill>
+            <a:headEnd type="none" w="med" len="med"/>
+            <a:tailEnd type="triangle" w="med" len="med"/>
+          </a:ln>
+        </p:spPr>
+        <p:style>
+          <a:lnRef idx="1">
+            <a:schemeClr val="accent1"/>
+          </a:lnRef>
+          <a:fillRef idx="0">
+            <a:schemeClr val="accent1"/>
+          </a:fillRef>
+          <a:effectRef idx="0">
+            <a:schemeClr val="accent1"/>
+          </a:effectRef>
+          <a:fontRef idx="minor">
+            <a:schemeClr val="tx1"/>
+          </a:fontRef>
+        </p:style>
+      </p:cxnSp>
+      <p:sp>
+        <p:nvSpPr>
+          <p:cNvPr id="409" name="Rectangle 408"/>
+          <p:cNvSpPr/>
+          <p:nvPr/>
+        </p:nvSpPr>
+        <p:spPr>
+          <a:xfrm>
+            <a:off x="13944600" y="4953000"/>
+            <a:ext cx="457200" cy="152400"/>
+          </a:xfrm>
+          <a:prstGeom prst="rect">
+            <a:avLst/>
+          </a:prstGeom>
+          <a:noFill/>
+          <a:ln>
+            <a:noFill/>
+          </a:ln>
+        </p:spPr>
+        <p:style>
+          <a:lnRef idx="2">
+            <a:schemeClr val="accent1">
+              <a:shade val="50000"/>
+            </a:schemeClr>
+          </a:lnRef>
+          <a:fillRef idx="1">
+            <a:schemeClr val="accent1"/>
+          </a:fillRef>
+          <a:effectRef idx="0">
+            <a:schemeClr val="accent1"/>
+          </a:effectRef>
+          <a:fontRef idx="minor">
+            <a:schemeClr val="lt1"/>
+          </a:fontRef>
+        </p:style>
+        <p:txBody>
+          <a:bodyPr wrap="none" lIns="45720" rIns="45720" rtlCol="0" anchor="ctr"/>
+          <a:lstStyle/>
+          <a:p>
+            <a:r>
+              <a:rPr lang="en-US" sz="900" dirty="0">
+                <a:solidFill>
+                  <a:srgbClr val="000000"/>
+                </a:solidFill>
+                <a:latin typeface="Courier New" panose="02070309020205020404" pitchFamily="49" charset="0"/>
+                <a:cs typeface="Courier New" panose="02070309020205020404" pitchFamily="49" charset="0"/>
+              </a:rPr>
+              <a:t>6’d49</a:t>
+            </a:r>
+            <a:endParaRPr lang="en-US" sz="900" dirty="0">
+              <a:solidFill>
+                <a:srgbClr val="000000"/>
+              </a:solidFill>
+              <a:latin typeface="Courier New" panose="02070309020205020404" pitchFamily="49" charset="0"/>
+              <a:cs typeface="Courier New" panose="02070309020205020404" pitchFamily="49" charset="0"/>
+            </a:endParaRPr>
+          </a:p>
+        </p:txBody>
+      </p:sp>
+      <p:sp>
+        <p:nvSpPr>
+          <p:cNvPr id="410" name="Isosceles Triangle 409"/>
+          <p:cNvSpPr/>
+          <p:nvPr/>
+        </p:nvSpPr>
+        <p:spPr>
+          <a:xfrm rot="5400000">
+            <a:off x="16916400" y="7772406"/>
+            <a:ext cx="304800" cy="304800"/>
+          </a:xfrm>
+          <a:prstGeom prst="triangle">
+            <a:avLst/>
+          </a:prstGeom>
+          <a:noFill/>
+          <a:ln w="12700">
+            <a:solidFill>
+              <a:schemeClr val="tx1"/>
+            </a:solidFill>
+          </a:ln>
+        </p:spPr>
+        <p:style>
+          <a:lnRef idx="2">
+            <a:schemeClr val="accent1">
+              <a:shade val="50000"/>
+            </a:schemeClr>
+          </a:lnRef>
+          <a:fillRef idx="1">
+            <a:schemeClr val="accent1"/>
+          </a:fillRef>
+          <a:effectRef idx="0">
+            <a:schemeClr val="accent1"/>
+          </a:effectRef>
+          <a:fontRef idx="minor">
+            <a:schemeClr val="lt1"/>
+          </a:fontRef>
+        </p:style>
+        <p:txBody>
+          <a:bodyPr rot="0" spcFirstLastPara="0" vertOverflow="overflow" horzOverflow="overflow" vert="horz" wrap="square" lIns="91440" tIns="45720" rIns="91440" bIns="45720" numCol="1" spcCol="0" rtlCol="0" fromWordArt="0" anchor="ctr" anchorCtr="0" forceAA="0" compatLnSpc="1">
+            <a:prstTxWarp prst="textNoShape">
+              <a:avLst/>
+            </a:prstTxWarp>
+            <a:noAutofit/>
+          </a:bodyPr>
+          <a:lstStyle/>
+          <a:p>
+            <a:pPr algn="ctr"/>
+            <a:endParaRPr lang="en-US"/>
+          </a:p>
+        </p:txBody>
+      </p:sp>
+      <p:sp>
+        <p:nvSpPr>
+          <p:cNvPr id="411" name="Pentagon 410"/>
+          <p:cNvSpPr/>
+          <p:nvPr/>
+        </p:nvSpPr>
+        <p:spPr>
+          <a:xfrm>
+            <a:off x="18592800" y="7848606"/>
+            <a:ext cx="228600" cy="152400"/>
+          </a:xfrm>
+          <a:prstGeom prst="homePlate">
+            <a:avLst/>
+          </a:prstGeom>
+          <a:noFill/>
+          <a:ln w="12700">
+            <a:solidFill>
+              <a:schemeClr val="tx1"/>
+            </a:solidFill>
+          </a:ln>
+        </p:spPr>
+        <p:style>
+          <a:lnRef idx="2">
+            <a:schemeClr val="accent1">
+              <a:shade val="50000"/>
+            </a:schemeClr>
+          </a:lnRef>
+          <a:fillRef idx="1">
+            <a:schemeClr val="accent1"/>
+          </a:fillRef>
+          <a:effectRef idx="0">
+            <a:schemeClr val="accent1"/>
+          </a:effectRef>
+          <a:fontRef idx="minor">
+            <a:schemeClr val="lt1"/>
+          </a:fontRef>
+        </p:style>
+        <p:txBody>
+          <a:bodyPr rot="0" spcFirstLastPara="0" vertOverflow="overflow" horzOverflow="overflow" vert="horz" wrap="square" lIns="91440" tIns="45720" rIns="91440" bIns="45720" numCol="1" spcCol="0" rtlCol="0" fromWordArt="0" anchor="ctr" anchorCtr="0" forceAA="0" compatLnSpc="1">
+            <a:prstTxWarp prst="textNoShape">
+              <a:avLst/>
+            </a:prstTxWarp>
+            <a:noAutofit/>
+          </a:bodyPr>
+          <a:lstStyle/>
+          <a:p>
+            <a:pPr algn="ctr"/>
+            <a:endParaRPr lang="en-US" sz="3730"/>
+          </a:p>
+        </p:txBody>
+      </p:sp>
+      <p:cxnSp>
+        <p:nvCxnSpPr>
+          <p:cNvPr id="412" name="Straight Connector 411"/>
+          <p:cNvCxnSpPr/>
+          <p:nvPr/>
+        </p:nvCxnSpPr>
+        <p:spPr>
+          <a:xfrm flipV="1">
+            <a:off x="18364200" y="7848606"/>
+            <a:ext cx="152400" cy="152400"/>
+          </a:xfrm>
+          <a:prstGeom prst="line">
+            <a:avLst/>
+          </a:prstGeom>
+          <a:ln w="12700">
+            <a:solidFill>
+              <a:srgbClr val="000000"/>
+            </a:solidFill>
+            <a:headEnd type="none" w="med" len="med"/>
+            <a:tailEnd type="none" w="med" len="med"/>
+          </a:ln>
+        </p:spPr>
+        <p:style>
+          <a:lnRef idx="1">
+            <a:schemeClr val="accent1"/>
+          </a:lnRef>
+          <a:fillRef idx="0">
+            <a:schemeClr val="accent1"/>
+          </a:fillRef>
+          <a:effectRef idx="0">
+            <a:schemeClr val="accent1"/>
+          </a:effectRef>
+          <a:fontRef idx="minor">
+            <a:schemeClr val="tx1"/>
+          </a:fontRef>
+        </p:style>
+      </p:cxnSp>
+      <p:sp>
+        <p:nvSpPr>
+          <p:cNvPr id="413" name="Rectangle 412"/>
+          <p:cNvSpPr/>
+          <p:nvPr/>
+        </p:nvSpPr>
+        <p:spPr>
+          <a:xfrm>
+            <a:off x="18364200" y="7772406"/>
+            <a:ext cx="152400" cy="76200"/>
+          </a:xfrm>
+          <a:prstGeom prst="rect">
+            <a:avLst/>
+          </a:prstGeom>
+          <a:noFill/>
+          <a:ln>
+            <a:noFill/>
+          </a:ln>
+        </p:spPr>
+        <p:style>
+          <a:lnRef idx="2">
+            <a:schemeClr val="accent1">
+              <a:shade val="50000"/>
+            </a:schemeClr>
+          </a:lnRef>
+          <a:fillRef idx="1">
+            <a:schemeClr val="accent1"/>
+          </a:fillRef>
+          <a:effectRef idx="0">
+            <a:schemeClr val="accent1"/>
+          </a:effectRef>
+          <a:fontRef idx="minor">
+            <a:schemeClr val="lt1"/>
+          </a:fontRef>
+        </p:style>
+        <p:txBody>
+          <a:bodyPr wrap="none" lIns="45720" rIns="45720" rtlCol="0" anchor="ctr"/>
+          <a:lstStyle/>
+          <a:p>
+            <a:pPr algn="ctr"/>
+            <a:r>
+              <a:rPr lang="en-US" sz="900" dirty="0">
+                <a:solidFill>
+                  <a:srgbClr val="000000"/>
+                </a:solidFill>
+                <a:latin typeface="Courier New" panose="02070309020205020404" pitchFamily="49" charset="0"/>
+                <a:cs typeface="Courier New" panose="02070309020205020404" pitchFamily="49" charset="0"/>
+              </a:rPr>
+              <a:t>8</a:t>
+            </a:r>
+            <a:endParaRPr lang="en-US" sz="900" dirty="0">
+              <a:solidFill>
+                <a:srgbClr val="000000"/>
+              </a:solidFill>
+              <a:latin typeface="Courier New" panose="02070309020205020404" pitchFamily="49" charset="0"/>
+              <a:cs typeface="Courier New" panose="02070309020205020404" pitchFamily="49" charset="0"/>
+            </a:endParaRPr>
+          </a:p>
+        </p:txBody>
+      </p:sp>
+      <p:sp>
+        <p:nvSpPr>
+          <p:cNvPr id="414" name="Rectangle 413"/>
+          <p:cNvSpPr/>
+          <p:nvPr/>
+        </p:nvSpPr>
+        <p:spPr>
+          <a:xfrm>
+            <a:off x="17373600" y="7772407"/>
+            <a:ext cx="457200" cy="152399"/>
+          </a:xfrm>
+          <a:prstGeom prst="rect">
+            <a:avLst/>
+          </a:prstGeom>
+          <a:noFill/>
+          <a:ln>
+            <a:noFill/>
+          </a:ln>
+        </p:spPr>
+        <p:style>
+          <a:lnRef idx="2">
+            <a:schemeClr val="accent1">
+              <a:shade val="50000"/>
+            </a:schemeClr>
+          </a:lnRef>
+          <a:fillRef idx="1">
+            <a:schemeClr val="accent1"/>
+          </a:fillRef>
+          <a:effectRef idx="0">
+            <a:schemeClr val="accent1"/>
+          </a:effectRef>
+          <a:fontRef idx="minor">
+            <a:schemeClr val="lt1"/>
+          </a:fontRef>
+        </p:style>
+        <p:txBody>
+          <a:bodyPr wrap="none" lIns="45720" rIns="45720" rtlCol="0" anchor="ctr"/>
+          <a:lstStyle/>
+          <a:p>
+            <a:r>
+              <a:rPr lang="en-US" sz="900" dirty="0">
+                <a:solidFill>
+                  <a:srgbClr val="000000"/>
+                </a:solidFill>
+                <a:latin typeface="Courier New" panose="02070309020205020404" pitchFamily="49" charset="0"/>
+                <a:cs typeface="Courier New" panose="02070309020205020404" pitchFamily="49" charset="0"/>
+              </a:rPr>
+              <a:t>DIGIT</a:t>
+            </a:r>
+            <a:endParaRPr lang="en-US" sz="900" dirty="0">
+              <a:solidFill>
+                <a:srgbClr val="000000"/>
+              </a:solidFill>
+              <a:latin typeface="Courier New" panose="02070309020205020404" pitchFamily="49" charset="0"/>
+              <a:cs typeface="Courier New" panose="02070309020205020404" pitchFamily="49" charset="0"/>
+            </a:endParaRPr>
+          </a:p>
+        </p:txBody>
+      </p:sp>
+      <p:cxnSp>
+        <p:nvCxnSpPr>
+          <p:cNvPr id="415" name="Straight Connector 414"/>
+          <p:cNvCxnSpPr>
+            <a:stCxn id="410" idx="0"/>
+            <a:endCxn id="411" idx="1"/>
+          </p:cNvCxnSpPr>
+          <p:nvPr/>
+        </p:nvCxnSpPr>
+        <p:spPr>
+          <a:xfrm>
+            <a:off x="17221200" y="7924806"/>
+            <a:ext cx="1371600" cy="0"/>
+          </a:xfrm>
+          <a:prstGeom prst="line">
+            <a:avLst/>
+          </a:prstGeom>
+          <a:ln w="12700">
+            <a:solidFill>
+              <a:srgbClr val="000000"/>
+            </a:solidFill>
+            <a:headEnd type="none" w="med" len="med"/>
+            <a:tailEnd type="none" w="med" len="med"/>
+          </a:ln>
+        </p:spPr>
+        <p:style>
+          <a:lnRef idx="1">
+            <a:schemeClr val="accent1"/>
+          </a:lnRef>
+          <a:fillRef idx="0">
+            <a:schemeClr val="accent1"/>
+          </a:fillRef>
+          <a:effectRef idx="0">
+            <a:schemeClr val="accent1"/>
+          </a:effectRef>
+          <a:fontRef idx="minor">
+            <a:schemeClr val="tx1"/>
+          </a:fontRef>
+        </p:style>
+      </p:cxnSp>
+      <p:sp>
+        <p:nvSpPr>
+          <p:cNvPr id="416" name="Isosceles Triangle 415"/>
+          <p:cNvSpPr/>
+          <p:nvPr/>
+        </p:nvSpPr>
+        <p:spPr>
+          <a:xfrm rot="5400000">
+            <a:off x="16916400" y="7239006"/>
+            <a:ext cx="304800" cy="304800"/>
+          </a:xfrm>
+          <a:prstGeom prst="triangle">
+            <a:avLst/>
+          </a:prstGeom>
+          <a:noFill/>
+          <a:ln w="12700">
+            <a:solidFill>
+              <a:schemeClr val="tx1"/>
+            </a:solidFill>
+          </a:ln>
+        </p:spPr>
+        <p:style>
+          <a:lnRef idx="2">
+            <a:schemeClr val="accent1">
+              <a:shade val="50000"/>
+            </a:schemeClr>
+          </a:lnRef>
+          <a:fillRef idx="1">
+            <a:schemeClr val="accent1"/>
+          </a:fillRef>
+          <a:effectRef idx="0">
+            <a:schemeClr val="accent1"/>
+          </a:effectRef>
+          <a:fontRef idx="minor">
+            <a:schemeClr val="lt1"/>
+          </a:fontRef>
+        </p:style>
+        <p:txBody>
+          <a:bodyPr rot="0" spcFirstLastPara="0" vertOverflow="overflow" horzOverflow="overflow" vert="horz" wrap="square" lIns="91440" tIns="45720" rIns="91440" bIns="45720" numCol="1" spcCol="0" rtlCol="0" fromWordArt="0" anchor="ctr" anchorCtr="0" forceAA="0" compatLnSpc="1">
+            <a:prstTxWarp prst="textNoShape">
+              <a:avLst/>
+            </a:prstTxWarp>
+            <a:noAutofit/>
+          </a:bodyPr>
+          <a:lstStyle/>
+          <a:p>
+            <a:pPr algn="ctr"/>
+            <a:endParaRPr lang="en-US"/>
+          </a:p>
+        </p:txBody>
+      </p:sp>
+      <p:sp>
+        <p:nvSpPr>
+          <p:cNvPr id="417" name="Pentagon 416"/>
+          <p:cNvSpPr/>
+          <p:nvPr/>
+        </p:nvSpPr>
+        <p:spPr>
+          <a:xfrm>
+            <a:off x="18592800" y="7315206"/>
+            <a:ext cx="228600" cy="152400"/>
+          </a:xfrm>
+          <a:prstGeom prst="homePlate">
+            <a:avLst/>
+          </a:prstGeom>
+          <a:noFill/>
+          <a:ln w="12700">
+            <a:solidFill>
+              <a:schemeClr val="tx1"/>
+            </a:solidFill>
+          </a:ln>
+        </p:spPr>
+        <p:style>
+          <a:lnRef idx="2">
+            <a:schemeClr val="accent1">
+              <a:shade val="50000"/>
+            </a:schemeClr>
+          </a:lnRef>
+          <a:fillRef idx="1">
+            <a:schemeClr val="accent1"/>
+          </a:fillRef>
+          <a:effectRef idx="0">
+            <a:schemeClr val="accent1"/>
+          </a:effectRef>
+          <a:fontRef idx="minor">
+            <a:schemeClr val="lt1"/>
+          </a:fontRef>
+        </p:style>
+        <p:txBody>
+          <a:bodyPr rot="0" spcFirstLastPara="0" vertOverflow="overflow" horzOverflow="overflow" vert="horz" wrap="square" lIns="91440" tIns="45720" rIns="91440" bIns="45720" numCol="1" spcCol="0" rtlCol="0" fromWordArt="0" anchor="ctr" anchorCtr="0" forceAA="0" compatLnSpc="1">
+            <a:prstTxWarp prst="textNoShape">
+              <a:avLst/>
+            </a:prstTxWarp>
+            <a:noAutofit/>
+          </a:bodyPr>
+          <a:lstStyle/>
+          <a:p>
+            <a:pPr algn="ctr"/>
+            <a:endParaRPr lang="en-US" sz="3730"/>
+          </a:p>
+        </p:txBody>
+      </p:sp>
+      <p:cxnSp>
+        <p:nvCxnSpPr>
+          <p:cNvPr id="418" name="Straight Connector 417"/>
+          <p:cNvCxnSpPr/>
+          <p:nvPr/>
+        </p:nvCxnSpPr>
+        <p:spPr>
+          <a:xfrm flipV="1">
+            <a:off x="18364200" y="7315206"/>
+            <a:ext cx="152400" cy="152400"/>
+          </a:xfrm>
+          <a:prstGeom prst="line">
+            <a:avLst/>
+          </a:prstGeom>
+          <a:ln w="12700">
+            <a:solidFill>
+              <a:srgbClr val="000000"/>
+            </a:solidFill>
+            <a:headEnd type="none" w="med" len="med"/>
+            <a:tailEnd type="none" w="med" len="med"/>
+          </a:ln>
+        </p:spPr>
+        <p:style>
+          <a:lnRef idx="1">
+            <a:schemeClr val="accent1"/>
+          </a:lnRef>
+          <a:fillRef idx="0">
+            <a:schemeClr val="accent1"/>
+          </a:fillRef>
+          <a:effectRef idx="0">
+            <a:schemeClr val="accent1"/>
+          </a:effectRef>
+          <a:fontRef idx="minor">
+            <a:schemeClr val="tx1"/>
+          </a:fontRef>
+        </p:style>
+      </p:cxnSp>
+      <p:sp>
+        <p:nvSpPr>
+          <p:cNvPr id="419" name="Rectangle 418"/>
+          <p:cNvSpPr/>
+          <p:nvPr/>
+        </p:nvSpPr>
+        <p:spPr>
+          <a:xfrm>
+            <a:off x="18364200" y="7239006"/>
+            <a:ext cx="152400" cy="76200"/>
+          </a:xfrm>
+          <a:prstGeom prst="rect">
+            <a:avLst/>
+          </a:prstGeom>
+          <a:noFill/>
+          <a:ln>
+            <a:noFill/>
+          </a:ln>
+        </p:spPr>
+        <p:style>
+          <a:lnRef idx="2">
+            <a:schemeClr val="accent1">
+              <a:shade val="50000"/>
+            </a:schemeClr>
+          </a:lnRef>
+          <a:fillRef idx="1">
+            <a:schemeClr val="accent1"/>
+          </a:fillRef>
+          <a:effectRef idx="0">
+            <a:schemeClr val="accent1"/>
+          </a:effectRef>
+          <a:fontRef idx="minor">
+            <a:schemeClr val="lt1"/>
+          </a:fontRef>
+        </p:style>
+        <p:txBody>
+          <a:bodyPr wrap="none" lIns="45720" rIns="45720" rtlCol="0" anchor="ctr"/>
+          <a:lstStyle/>
+          <a:p>
+            <a:pPr algn="ctr"/>
+            <a:r>
+              <a:rPr lang="en-US" sz="900" dirty="0">
+                <a:solidFill>
+                  <a:srgbClr val="000000"/>
+                </a:solidFill>
+                <a:latin typeface="Courier New" panose="02070309020205020404" pitchFamily="49" charset="0"/>
+                <a:cs typeface="Courier New" panose="02070309020205020404" pitchFamily="49" charset="0"/>
+              </a:rPr>
+              <a:t>4</a:t>
+            </a:r>
+            <a:endParaRPr lang="en-US" sz="900" dirty="0">
+              <a:solidFill>
+                <a:srgbClr val="000000"/>
+              </a:solidFill>
+              <a:latin typeface="Courier New" panose="02070309020205020404" pitchFamily="49" charset="0"/>
+              <a:cs typeface="Courier New" panose="02070309020205020404" pitchFamily="49" charset="0"/>
+            </a:endParaRPr>
+          </a:p>
+        </p:txBody>
+      </p:sp>
+      <p:sp>
+        <p:nvSpPr>
+          <p:cNvPr id="420" name="Rectangle 419"/>
+          <p:cNvSpPr/>
+          <p:nvPr/>
+        </p:nvSpPr>
+        <p:spPr>
+          <a:xfrm>
+            <a:off x="17373600" y="7239007"/>
+            <a:ext cx="457200" cy="152399"/>
+          </a:xfrm>
+          <a:prstGeom prst="rect">
+            <a:avLst/>
+          </a:prstGeom>
+          <a:noFill/>
+          <a:ln>
+            <a:noFill/>
+          </a:ln>
+        </p:spPr>
+        <p:style>
+          <a:lnRef idx="2">
+            <a:schemeClr val="accent1">
+              <a:shade val="50000"/>
+            </a:schemeClr>
+          </a:lnRef>
+          <a:fillRef idx="1">
+            <a:schemeClr val="accent1"/>
+          </a:fillRef>
+          <a:effectRef idx="0">
+            <a:schemeClr val="accent1"/>
+          </a:effectRef>
+          <a:fontRef idx="minor">
+            <a:schemeClr val="lt1"/>
+          </a:fontRef>
+        </p:style>
+        <p:txBody>
+          <a:bodyPr wrap="none" lIns="45720" rIns="45720" rtlCol="0" anchor="ctr"/>
+          <a:lstStyle/>
+          <a:p>
+            <a:r>
+              <a:rPr lang="en-US" sz="900" dirty="0">
+                <a:solidFill>
+                  <a:srgbClr val="000000"/>
+                </a:solidFill>
+                <a:latin typeface="Courier New" panose="02070309020205020404" pitchFamily="49" charset="0"/>
+                <a:cs typeface="Courier New" panose="02070309020205020404" pitchFamily="49" charset="0"/>
+              </a:rPr>
+              <a:t>DIGIT_SEL</a:t>
+            </a:r>
+            <a:endParaRPr lang="en-US" sz="900" dirty="0">
+              <a:solidFill>
+                <a:srgbClr val="000000"/>
+              </a:solidFill>
+              <a:latin typeface="Courier New" panose="02070309020205020404" pitchFamily="49" charset="0"/>
+              <a:cs typeface="Courier New" panose="02070309020205020404" pitchFamily="49" charset="0"/>
+            </a:endParaRPr>
+          </a:p>
+        </p:txBody>
+      </p:sp>
+      <p:cxnSp>
+        <p:nvCxnSpPr>
+          <p:cNvPr id="421" name="Straight Connector 420"/>
+          <p:cNvCxnSpPr>
+            <a:stCxn id="416" idx="0"/>
+            <a:endCxn id="417" idx="1"/>
+          </p:cNvCxnSpPr>
+          <p:nvPr/>
+        </p:nvCxnSpPr>
+        <p:spPr>
+          <a:xfrm>
+            <a:off x="17221200" y="7391406"/>
+            <a:ext cx="1371600" cy="0"/>
+          </a:xfrm>
+          <a:prstGeom prst="line">
+            <a:avLst/>
+          </a:prstGeom>
+          <a:ln w="12700">
+            <a:solidFill>
+              <a:srgbClr val="000000"/>
+            </a:solidFill>
+            <a:headEnd type="none" w="med" len="med"/>
+            <a:tailEnd type="none" w="med" len="med"/>
+          </a:ln>
+        </p:spPr>
+        <p:style>
+          <a:lnRef idx="1">
+            <a:schemeClr val="accent1"/>
+          </a:lnRef>
+          <a:fillRef idx="0">
+            <a:schemeClr val="accent1"/>
+          </a:fillRef>
+          <a:effectRef idx="0">
+            <a:schemeClr val="accent1"/>
+          </a:effectRef>
+          <a:fontRef idx="minor">
+            <a:schemeClr val="tx1"/>
+          </a:fontRef>
+        </p:style>
+      </p:cxnSp>
+      <p:cxnSp>
+        <p:nvCxnSpPr>
+          <p:cNvPr id="422" name="Straight Connector 421"/>
+          <p:cNvCxnSpPr>
+            <a:endCxn id="416" idx="3"/>
+          </p:cNvCxnSpPr>
+          <p:nvPr/>
+        </p:nvCxnSpPr>
+        <p:spPr>
+          <a:xfrm>
+            <a:off x="16611600" y="7391406"/>
+            <a:ext cx="304800" cy="0"/>
+          </a:xfrm>
+          <a:prstGeom prst="line">
+            <a:avLst/>
+          </a:prstGeom>
+          <a:ln w="12700">
+            <a:solidFill>
+              <a:srgbClr val="000000"/>
+            </a:solidFill>
+            <a:headEnd type="none" w="med" len="med"/>
+            <a:tailEnd type="none" w="med" len="med"/>
+          </a:ln>
+        </p:spPr>
+        <p:style>
+          <a:lnRef idx="1">
+            <a:schemeClr val="accent1"/>
+          </a:lnRef>
+          <a:fillRef idx="0">
+            <a:schemeClr val="accent1"/>
+          </a:fillRef>
+          <a:effectRef idx="0">
+            <a:schemeClr val="accent1"/>
+          </a:effectRef>
+          <a:fontRef idx="minor">
+            <a:schemeClr val="tx1"/>
+          </a:fontRef>
+        </p:style>
+      </p:cxnSp>
+      <p:cxnSp>
+        <p:nvCxnSpPr>
+          <p:cNvPr id="423" name="Straight Connector 422"/>
+          <p:cNvCxnSpPr>
+            <a:endCxn id="410" idx="3"/>
+          </p:cNvCxnSpPr>
+          <p:nvPr/>
+        </p:nvCxnSpPr>
+        <p:spPr>
+          <a:xfrm>
+            <a:off x="16611600" y="7924806"/>
+            <a:ext cx="304800" cy="0"/>
+          </a:xfrm>
+          <a:prstGeom prst="line">
+            <a:avLst/>
+          </a:prstGeom>
+          <a:ln w="12700">
+            <a:solidFill>
+              <a:srgbClr val="000000"/>
+            </a:solidFill>
+            <a:headEnd type="none" w="med" len="med"/>
+            <a:tailEnd type="none" w="med" len="med"/>
+          </a:ln>
+        </p:spPr>
+        <p:style>
+          <a:lnRef idx="1">
+            <a:schemeClr val="accent1"/>
+          </a:lnRef>
+          <a:fillRef idx="0">
+            <a:schemeClr val="accent1"/>
+          </a:fillRef>
+          <a:effectRef idx="0">
+            <a:schemeClr val="accent1"/>
+          </a:effectRef>
+          <a:fontRef idx="minor">
+            <a:schemeClr val="tx1"/>
+          </a:fontRef>
+        </p:style>
+      </p:cxnSp>
+      <p:sp>
+        <p:nvSpPr>
+          <p:cNvPr id="424" name="Rectangle 423"/>
+          <p:cNvSpPr/>
+          <p:nvPr/>
+        </p:nvSpPr>
+        <p:spPr>
+          <a:xfrm>
+            <a:off x="16306800" y="7239006"/>
+            <a:ext cx="457200" cy="152400"/>
+          </a:xfrm>
+          <a:prstGeom prst="rect">
+            <a:avLst/>
+          </a:prstGeom>
+          <a:noFill/>
+          <a:ln>
+            <a:noFill/>
+          </a:ln>
+        </p:spPr>
+        <p:style>
+          <a:lnRef idx="2">
+            <a:schemeClr val="accent1">
+              <a:shade val="50000"/>
+            </a:schemeClr>
+          </a:lnRef>
+          <a:fillRef idx="1">
+            <a:schemeClr val="accent1"/>
+          </a:fillRef>
+          <a:effectRef idx="0">
+            <a:schemeClr val="accent1"/>
+          </a:effectRef>
+          <a:fontRef idx="minor">
+            <a:schemeClr val="lt1"/>
+          </a:fontRef>
+        </p:style>
+        <p:txBody>
+          <a:bodyPr wrap="none" lIns="45720" rIns="45720" rtlCol="0" anchor="ctr"/>
+          <a:lstStyle/>
+          <a:p>
+            <a:r>
+              <a:rPr lang="en-US" sz="900" dirty="0">
+                <a:solidFill>
+                  <a:srgbClr val="000000"/>
+                </a:solidFill>
+                <a:latin typeface="Courier New" panose="02070309020205020404" pitchFamily="49" charset="0"/>
+                <a:cs typeface="Courier New" panose="02070309020205020404" pitchFamily="49" charset="0"/>
+              </a:rPr>
+              <a:t>1’b1</a:t>
+            </a:r>
+            <a:endParaRPr lang="en-US" sz="900" dirty="0">
+              <a:solidFill>
+                <a:srgbClr val="000000"/>
+              </a:solidFill>
+              <a:latin typeface="Courier New" panose="02070309020205020404" pitchFamily="49" charset="0"/>
+              <a:cs typeface="Courier New" panose="02070309020205020404" pitchFamily="49" charset="0"/>
+            </a:endParaRPr>
+          </a:p>
+        </p:txBody>
+      </p:sp>
+      <p:sp>
+        <p:nvSpPr>
+          <p:cNvPr id="425" name="Rectangle 424"/>
+          <p:cNvSpPr/>
+          <p:nvPr/>
+        </p:nvSpPr>
+        <p:spPr>
+          <a:xfrm>
+            <a:off x="16306800" y="7772406"/>
+            <a:ext cx="457200" cy="152400"/>
+          </a:xfrm>
+          <a:prstGeom prst="rect">
+            <a:avLst/>
+          </a:prstGeom>
+          <a:noFill/>
+          <a:ln>
+            <a:noFill/>
+          </a:ln>
+        </p:spPr>
+        <p:style>
+          <a:lnRef idx="2">
+            <a:schemeClr val="accent1">
+              <a:shade val="50000"/>
+            </a:schemeClr>
+          </a:lnRef>
+          <a:fillRef idx="1">
+            <a:schemeClr val="accent1"/>
+          </a:fillRef>
+          <a:effectRef idx="0">
+            <a:schemeClr val="accent1"/>
+          </a:effectRef>
+          <a:fontRef idx="minor">
+            <a:schemeClr val="lt1"/>
+          </a:fontRef>
+        </p:style>
+        <p:txBody>
+          <a:bodyPr wrap="none" lIns="45720" rIns="45720" rtlCol="0" anchor="ctr"/>
+          <a:lstStyle/>
+          <a:p>
+            <a:r>
+              <a:rPr lang="en-US" sz="900" dirty="0">
+                <a:solidFill>
+                  <a:srgbClr val="000000"/>
+                </a:solidFill>
+                <a:latin typeface="Courier New" panose="02070309020205020404" pitchFamily="49" charset="0"/>
+                <a:cs typeface="Courier New" panose="02070309020205020404" pitchFamily="49" charset="0"/>
+              </a:rPr>
+              <a:t>1’b0</a:t>
+            </a:r>
+            <a:endParaRPr lang="en-US" sz="900" dirty="0">
+              <a:solidFill>
+                <a:srgbClr val="000000"/>
+              </a:solidFill>
+              <a:latin typeface="Courier New" panose="02070309020205020404" pitchFamily="49" charset="0"/>
+              <a:cs typeface="Courier New" panose="02070309020205020404" pitchFamily="49" charset="0"/>
+            </a:endParaRPr>
+          </a:p>
+        </p:txBody>
+      </p:sp>
+      <p:cxnSp>
+        <p:nvCxnSpPr>
+          <p:cNvPr id="426" name="Straight Connector 425"/>
+          <p:cNvCxnSpPr/>
+          <p:nvPr/>
+        </p:nvCxnSpPr>
+        <p:spPr>
+          <a:xfrm>
+            <a:off x="17068800" y="7162806"/>
+            <a:ext cx="0" cy="152400"/>
+          </a:xfrm>
+          <a:prstGeom prst="line">
+            <a:avLst/>
+          </a:prstGeom>
+          <a:ln w="12700">
+            <a:solidFill>
+              <a:srgbClr val="000000"/>
+            </a:solidFill>
+            <a:headEnd type="none" w="med" len="med"/>
+            <a:tailEnd type="none" w="med" len="med"/>
+          </a:ln>
+        </p:spPr>
+        <p:style>
+          <a:lnRef idx="1">
+            <a:schemeClr val="accent1"/>
+          </a:lnRef>
+          <a:fillRef idx="0">
+            <a:schemeClr val="accent1"/>
+          </a:fillRef>
+          <a:effectRef idx="0">
+            <a:schemeClr val="accent1"/>
+          </a:effectRef>
+          <a:fontRef idx="minor">
+            <a:schemeClr val="tx1"/>
+          </a:fontRef>
+        </p:style>
+      </p:cxnSp>
+      <p:cxnSp>
+        <p:nvCxnSpPr>
+          <p:cNvPr id="427" name="Straight Connector 426"/>
+          <p:cNvCxnSpPr>
+            <a:stCxn id="335" idx="3"/>
+          </p:cNvCxnSpPr>
+          <p:nvPr/>
+        </p:nvCxnSpPr>
+        <p:spPr>
+          <a:xfrm>
+            <a:off x="15925800" y="7162806"/>
+            <a:ext cx="1143000" cy="0"/>
+          </a:xfrm>
+          <a:prstGeom prst="line">
+            <a:avLst/>
+          </a:prstGeom>
+          <a:ln w="12700">
+            <a:solidFill>
+              <a:srgbClr val="000000"/>
+            </a:solidFill>
+            <a:headEnd type="none" w="med" len="med"/>
+            <a:tailEnd type="none" w="med" len="med"/>
+          </a:ln>
+        </p:spPr>
+        <p:style>
+          <a:lnRef idx="1">
+            <a:schemeClr val="accent1"/>
+          </a:lnRef>
+          <a:fillRef idx="0">
+            <a:schemeClr val="accent1"/>
+          </a:fillRef>
+          <a:effectRef idx="0">
+            <a:schemeClr val="accent1"/>
+          </a:effectRef>
+          <a:fontRef idx="minor">
+            <a:schemeClr val="tx1"/>
+          </a:fontRef>
+        </p:style>
+      </p:cxnSp>
+      <p:cxnSp>
+        <p:nvCxnSpPr>
+          <p:cNvPr id="428" name="Straight Connector 427"/>
+          <p:cNvCxnSpPr>
+            <a:stCxn id="334" idx="3"/>
+          </p:cNvCxnSpPr>
+          <p:nvPr/>
+        </p:nvCxnSpPr>
+        <p:spPr>
+          <a:xfrm>
+            <a:off x="15925800" y="7696200"/>
+            <a:ext cx="1143000" cy="6"/>
+          </a:xfrm>
+          <a:prstGeom prst="line">
+            <a:avLst/>
+          </a:prstGeom>
+          <a:ln w="12700">
+            <a:solidFill>
+              <a:srgbClr val="000000"/>
+            </a:solidFill>
+            <a:headEnd type="none" w="med" len="med"/>
+            <a:tailEnd type="none" w="med" len="med"/>
+          </a:ln>
+        </p:spPr>
+        <p:style>
+          <a:lnRef idx="1">
+            <a:schemeClr val="accent1"/>
+          </a:lnRef>
+          <a:fillRef idx="0">
+            <a:schemeClr val="accent1"/>
+          </a:fillRef>
+          <a:effectRef idx="0">
+            <a:schemeClr val="accent1"/>
+          </a:effectRef>
+          <a:fontRef idx="minor">
+            <a:schemeClr val="tx1"/>
+          </a:fontRef>
+        </p:style>
+      </p:cxnSp>
+      <p:cxnSp>
+        <p:nvCxnSpPr>
+          <p:cNvPr id="429" name="Straight Connector 428"/>
+          <p:cNvCxnSpPr/>
+          <p:nvPr/>
+        </p:nvCxnSpPr>
+        <p:spPr>
+          <a:xfrm>
+            <a:off x="17068800" y="7696206"/>
+            <a:ext cx="0" cy="152400"/>
+          </a:xfrm>
+          <a:prstGeom prst="line">
+            <a:avLst/>
+          </a:prstGeom>
+          <a:ln w="12700">
+            <a:solidFill>
+              <a:srgbClr val="000000"/>
+            </a:solidFill>
+            <a:headEnd type="none" w="med" len="med"/>
+            <a:tailEnd type="none" w="med" len="med"/>
+          </a:ln>
+        </p:spPr>
+        <p:style>
+          <a:lnRef idx="1">
+            <a:schemeClr val="accent1"/>
+          </a:lnRef>
+          <a:fillRef idx="0">
+            <a:schemeClr val="accent1"/>
+          </a:fillRef>
+          <a:effectRef idx="0">
+            <a:schemeClr val="accent1"/>
+          </a:effectRef>
+          <a:fontRef idx="minor">
+            <a:schemeClr val="tx1"/>
+          </a:fontRef>
+        </p:style>
+      </p:cxnSp>
+      <p:cxnSp>
+        <p:nvCxnSpPr>
+          <p:cNvPr id="430" name="Straight Connector 429"/>
+          <p:cNvCxnSpPr/>
+          <p:nvPr/>
+        </p:nvCxnSpPr>
+        <p:spPr>
+          <a:xfrm flipV="1">
+            <a:off x="16002000" y="7086606"/>
+            <a:ext cx="152400" cy="152400"/>
+          </a:xfrm>
+          <a:prstGeom prst="line">
+            <a:avLst/>
+          </a:prstGeom>
+          <a:ln w="12700">
+            <a:solidFill>
+              <a:srgbClr val="000000"/>
+            </a:solidFill>
+            <a:headEnd type="none" w="med" len="med"/>
+            <a:tailEnd type="none" w="med" len="med"/>
+          </a:ln>
+        </p:spPr>
+        <p:style>
+          <a:lnRef idx="1">
+            <a:schemeClr val="accent1"/>
+          </a:lnRef>
+          <a:fillRef idx="0">
+            <a:schemeClr val="accent1"/>
+          </a:fillRef>
+          <a:effectRef idx="0">
+            <a:schemeClr val="accent1"/>
+          </a:effectRef>
+          <a:fontRef idx="minor">
+            <a:schemeClr val="tx1"/>
+          </a:fontRef>
+        </p:style>
+      </p:cxnSp>
+      <p:sp>
+        <p:nvSpPr>
+          <p:cNvPr id="431" name="Rectangle 430"/>
+          <p:cNvSpPr/>
+          <p:nvPr/>
+        </p:nvSpPr>
+        <p:spPr>
+          <a:xfrm>
+            <a:off x="16002000" y="7010408"/>
+            <a:ext cx="152400" cy="76199"/>
+          </a:xfrm>
+          <a:prstGeom prst="rect">
+            <a:avLst/>
+          </a:prstGeom>
+          <a:noFill/>
+          <a:ln>
+            <a:noFill/>
+          </a:ln>
+        </p:spPr>
+        <p:style>
+          <a:lnRef idx="2">
+            <a:schemeClr val="accent1">
+              <a:shade val="50000"/>
+            </a:schemeClr>
+          </a:lnRef>
+          <a:fillRef idx="1">
+            <a:schemeClr val="accent1"/>
+          </a:fillRef>
+          <a:effectRef idx="0">
+            <a:schemeClr val="accent1"/>
+          </a:effectRef>
+          <a:fontRef idx="minor">
+            <a:schemeClr val="lt1"/>
+          </a:fontRef>
+        </p:style>
+        <p:txBody>
+          <a:bodyPr wrap="none" lIns="45720" rIns="45720" rtlCol="0" anchor="ctr"/>
+          <a:lstStyle/>
+          <a:p>
+            <a:pPr algn="ctr"/>
+            <a:r>
+              <a:rPr lang="en-US" sz="900" dirty="0">
+                <a:solidFill>
+                  <a:srgbClr val="000000"/>
+                </a:solidFill>
+                <a:latin typeface="Courier New" panose="02070309020205020404" pitchFamily="49" charset="0"/>
+                <a:cs typeface="Courier New" panose="02070309020205020404" pitchFamily="49" charset="0"/>
+              </a:rPr>
+              <a:t>4</a:t>
+            </a:r>
+            <a:endParaRPr lang="en-US" sz="900" dirty="0">
+              <a:solidFill>
+                <a:srgbClr val="000000"/>
+              </a:solidFill>
+              <a:latin typeface="Courier New" panose="02070309020205020404" pitchFamily="49" charset="0"/>
+              <a:cs typeface="Courier New" panose="02070309020205020404" pitchFamily="49" charset="0"/>
+            </a:endParaRPr>
+          </a:p>
+        </p:txBody>
+      </p:sp>
+      <p:cxnSp>
+        <p:nvCxnSpPr>
+          <p:cNvPr id="433" name="Straight Connector 432"/>
+          <p:cNvCxnSpPr/>
+          <p:nvPr/>
+        </p:nvCxnSpPr>
+        <p:spPr>
+          <a:xfrm flipV="1">
+            <a:off x="16002000" y="7620006"/>
+            <a:ext cx="152400" cy="152400"/>
+          </a:xfrm>
+          <a:prstGeom prst="line">
+            <a:avLst/>
+          </a:prstGeom>
+          <a:ln w="12700">
+            <a:solidFill>
+              <a:srgbClr val="000000"/>
+            </a:solidFill>
+            <a:headEnd type="none" w="med" len="med"/>
+            <a:tailEnd type="none" w="med" len="med"/>
+          </a:ln>
+        </p:spPr>
+        <p:style>
+          <a:lnRef idx="1">
+            <a:schemeClr val="accent1"/>
+          </a:lnRef>
+          <a:fillRef idx="0">
+            <a:schemeClr val="accent1"/>
+          </a:fillRef>
+          <a:effectRef idx="0">
+            <a:schemeClr val="accent1"/>
+          </a:effectRef>
+          <a:fontRef idx="minor">
+            <a:schemeClr val="tx1"/>
+          </a:fontRef>
+        </p:style>
+      </p:cxnSp>
+      <p:sp>
+        <p:nvSpPr>
+          <p:cNvPr id="434" name="Rectangle 433"/>
+          <p:cNvSpPr/>
+          <p:nvPr/>
+        </p:nvSpPr>
+        <p:spPr>
+          <a:xfrm>
+            <a:off x="16002000" y="7543808"/>
+            <a:ext cx="152400" cy="76199"/>
+          </a:xfrm>
+          <a:prstGeom prst="rect">
+            <a:avLst/>
+          </a:prstGeom>
+          <a:noFill/>
+          <a:ln>
+            <a:noFill/>
+          </a:ln>
+        </p:spPr>
+        <p:style>
+          <a:lnRef idx="2">
+            <a:schemeClr val="accent1">
+              <a:shade val="50000"/>
+            </a:schemeClr>
+          </a:lnRef>
+          <a:fillRef idx="1">
+            <a:schemeClr val="accent1"/>
+          </a:fillRef>
+          <a:effectRef idx="0">
+            <a:schemeClr val="accent1"/>
+          </a:effectRef>
+          <a:fontRef idx="minor">
+            <a:schemeClr val="lt1"/>
+          </a:fontRef>
+        </p:style>
+        <p:txBody>
+          <a:bodyPr wrap="none" lIns="45720" rIns="45720" rtlCol="0" anchor="ctr"/>
+          <a:lstStyle/>
+          <a:p>
+            <a:pPr algn="ctr"/>
+            <a:r>
+              <a:rPr lang="en-US" sz="900" dirty="0">
+                <a:solidFill>
+                  <a:srgbClr val="000000"/>
+                </a:solidFill>
+                <a:latin typeface="Courier New" panose="02070309020205020404" pitchFamily="49" charset="0"/>
+                <a:cs typeface="Courier New" panose="02070309020205020404" pitchFamily="49" charset="0"/>
+              </a:rPr>
+              <a:t>8</a:t>
+            </a:r>
+            <a:endParaRPr lang="en-US" sz="900" dirty="0">
+              <a:solidFill>
+                <a:srgbClr val="000000"/>
+              </a:solidFill>
+              <a:latin typeface="Courier New" panose="02070309020205020404" pitchFamily="49" charset="0"/>
+              <a:cs typeface="Courier New" panose="02070309020205020404" pitchFamily="49" charset="0"/>
+            </a:endParaRPr>
+          </a:p>
+        </p:txBody>
+      </p:sp>
+      <p:sp>
+        <p:nvSpPr>
+          <p:cNvPr id="436" name="Rectangle 435"/>
+          <p:cNvSpPr/>
+          <p:nvPr/>
+        </p:nvSpPr>
+        <p:spPr>
+          <a:xfrm>
+            <a:off x="16230600" y="7010406"/>
+            <a:ext cx="457200" cy="152400"/>
+          </a:xfrm>
+          <a:prstGeom prst="rect">
+            <a:avLst/>
+          </a:prstGeom>
+          <a:noFill/>
+          <a:ln>
+            <a:noFill/>
+          </a:ln>
+        </p:spPr>
+        <p:style>
+          <a:lnRef idx="2">
+            <a:schemeClr val="accent1">
+              <a:shade val="50000"/>
+            </a:schemeClr>
+          </a:lnRef>
+          <a:fillRef idx="1">
+            <a:schemeClr val="accent1"/>
+          </a:fillRef>
+          <a:effectRef idx="0">
+            <a:schemeClr val="accent1"/>
+          </a:effectRef>
+          <a:fontRef idx="minor">
+            <a:schemeClr val="lt1"/>
+          </a:fontRef>
+        </p:style>
+        <p:txBody>
+          <a:bodyPr wrap="none" lIns="45720" rIns="45720" rtlCol="0" anchor="ctr"/>
+          <a:lstStyle/>
+          <a:p>
+            <a:r>
+              <a:rPr lang="en-US" sz="900" dirty="0" err="1">
+                <a:solidFill>
+                  <a:srgbClr val="000000"/>
+                </a:solidFill>
+                <a:latin typeface="Courier New" panose="02070309020205020404" pitchFamily="49" charset="0"/>
+                <a:cs typeface="Courier New" panose="02070309020205020404" pitchFamily="49" charset="0"/>
+              </a:rPr>
+              <a:t>digsel</a:t>
+            </a:r>
+            <a:endParaRPr lang="en-US" sz="900" dirty="0">
+              <a:solidFill>
+                <a:srgbClr val="000000"/>
+              </a:solidFill>
+              <a:latin typeface="Courier New" panose="02070309020205020404" pitchFamily="49" charset="0"/>
+              <a:cs typeface="Courier New" panose="02070309020205020404" pitchFamily="49" charset="0"/>
+            </a:endParaRPr>
+          </a:p>
+        </p:txBody>
+      </p:sp>
+      <p:sp>
+        <p:nvSpPr>
+          <p:cNvPr id="437" name="Rectangle 436"/>
+          <p:cNvSpPr/>
+          <p:nvPr/>
+        </p:nvSpPr>
+        <p:spPr>
+          <a:xfrm>
+            <a:off x="16230600" y="7543806"/>
+            <a:ext cx="457200" cy="152400"/>
+          </a:xfrm>
+          <a:prstGeom prst="rect">
+            <a:avLst/>
+          </a:prstGeom>
+          <a:noFill/>
+          <a:ln>
+            <a:noFill/>
+          </a:ln>
+        </p:spPr>
+        <p:style>
+          <a:lnRef idx="2">
+            <a:schemeClr val="accent1">
+              <a:shade val="50000"/>
+            </a:schemeClr>
+          </a:lnRef>
+          <a:fillRef idx="1">
+            <a:schemeClr val="accent1"/>
+          </a:fillRef>
+          <a:effectRef idx="0">
+            <a:schemeClr val="accent1"/>
+          </a:effectRef>
+          <a:fontRef idx="minor">
+            <a:schemeClr val="lt1"/>
+          </a:fontRef>
+        </p:style>
+        <p:txBody>
+          <a:bodyPr wrap="none" lIns="45720" rIns="45720" rtlCol="0" anchor="ctr"/>
+          <a:lstStyle/>
+          <a:p>
+            <a:r>
+              <a:rPr lang="en-US" sz="900" dirty="0">
+                <a:solidFill>
+                  <a:srgbClr val="000000"/>
+                </a:solidFill>
+                <a:latin typeface="Courier New" panose="02070309020205020404" pitchFamily="49" charset="0"/>
+                <a:cs typeface="Courier New" panose="02070309020205020404" pitchFamily="49" charset="0"/>
+              </a:rPr>
+              <a:t>dig</a:t>
+            </a:r>
+            <a:endParaRPr lang="en-US" sz="900" dirty="0">
+              <a:solidFill>
+                <a:srgbClr val="000000"/>
+              </a:solidFill>
+              <a:latin typeface="Courier New" panose="02070309020205020404" pitchFamily="49" charset="0"/>
+              <a:cs typeface="Courier New" panose="02070309020205020404" pitchFamily="49" charset="0"/>
+            </a:endParaRPr>
+          </a:p>
+        </p:txBody>
+      </p:sp>
+      <p:cxnSp>
+        <p:nvCxnSpPr>
+          <p:cNvPr id="438" name="Straight Connector 437"/>
+          <p:cNvCxnSpPr/>
+          <p:nvPr/>
+        </p:nvCxnSpPr>
+        <p:spPr>
+          <a:xfrm>
+            <a:off x="14249400" y="8153406"/>
+            <a:ext cx="304800" cy="0"/>
+          </a:xfrm>
+          <a:prstGeom prst="line">
+            <a:avLst/>
+          </a:prstGeom>
+          <a:ln w="12700">
+            <a:solidFill>
+              <a:srgbClr val="000000"/>
+            </a:solidFill>
+            <a:headEnd type="none" w="med" len="med"/>
+            <a:tailEnd type="triangle" w="med" len="med"/>
+          </a:ln>
+        </p:spPr>
+        <p:style>
+          <a:lnRef idx="1">
+            <a:schemeClr val="accent1"/>
+          </a:lnRef>
+          <a:fillRef idx="0">
+            <a:schemeClr val="accent1"/>
+          </a:fillRef>
+          <a:effectRef idx="0">
+            <a:schemeClr val="accent1"/>
+          </a:effectRef>
+          <a:fontRef idx="minor">
+            <a:schemeClr val="tx1"/>
+          </a:fontRef>
+        </p:style>
+      </p:cxnSp>
+      <p:sp>
+        <p:nvSpPr>
+          <p:cNvPr id="439" name="Rectangle 438"/>
+          <p:cNvSpPr/>
+          <p:nvPr/>
+        </p:nvSpPr>
+        <p:spPr>
+          <a:xfrm>
+            <a:off x="13944600" y="8001008"/>
+            <a:ext cx="457200" cy="152399"/>
+          </a:xfrm>
+          <a:prstGeom prst="rect">
+            <a:avLst/>
+          </a:prstGeom>
+          <a:noFill/>
+          <a:ln>
+            <a:noFill/>
+          </a:ln>
+        </p:spPr>
+        <p:style>
+          <a:lnRef idx="2">
+            <a:schemeClr val="accent1">
+              <a:shade val="50000"/>
+            </a:schemeClr>
+          </a:lnRef>
+          <a:fillRef idx="1">
+            <a:schemeClr val="accent1"/>
+          </a:fillRef>
+          <a:effectRef idx="0">
+            <a:schemeClr val="accent1"/>
+          </a:effectRef>
+          <a:fontRef idx="minor">
+            <a:schemeClr val="lt1"/>
+          </a:fontRef>
+        </p:style>
+        <p:txBody>
+          <a:bodyPr wrap="none" lIns="45720" rIns="45720" rtlCol="0" anchor="ctr"/>
+          <a:lstStyle/>
+          <a:p>
+            <a:r>
+              <a:rPr lang="en-US" sz="900" dirty="0">
+                <a:solidFill>
+                  <a:srgbClr val="000000"/>
+                </a:solidFill>
+                <a:latin typeface="Courier New" panose="02070309020205020404" pitchFamily="49" charset="0"/>
+                <a:cs typeface="Courier New" panose="02070309020205020404" pitchFamily="49" charset="0"/>
+              </a:rPr>
+              <a:t>RSTX</a:t>
+            </a:r>
+          </a:p>
+        </p:txBody>
+      </p:sp>
+      <p:cxnSp>
+        <p:nvCxnSpPr>
+          <p:cNvPr id="440" name="Straight Connector 439"/>
+          <p:cNvCxnSpPr/>
+          <p:nvPr/>
+        </p:nvCxnSpPr>
+        <p:spPr>
+          <a:xfrm>
+            <a:off x="14249400" y="8458206"/>
+            <a:ext cx="304800" cy="0"/>
+          </a:xfrm>
+          <a:prstGeom prst="line">
+            <a:avLst/>
+          </a:prstGeom>
+          <a:ln w="12700">
+            <a:solidFill>
+              <a:srgbClr val="000000"/>
+            </a:solidFill>
+            <a:headEnd type="none" w="med" len="med"/>
+            <a:tailEnd type="none" w="med" len="med"/>
+          </a:ln>
+        </p:spPr>
+        <p:style>
+          <a:lnRef idx="1">
+            <a:schemeClr val="accent1"/>
+          </a:lnRef>
+          <a:fillRef idx="0">
+            <a:schemeClr val="accent1"/>
+          </a:fillRef>
+          <a:effectRef idx="0">
+            <a:schemeClr val="accent1"/>
+          </a:effectRef>
+          <a:fontRef idx="minor">
+            <a:schemeClr val="tx1"/>
+          </a:fontRef>
+        </p:style>
+      </p:cxnSp>
+      <p:sp>
+        <p:nvSpPr>
+          <p:cNvPr id="441" name="Rectangle 440"/>
+          <p:cNvSpPr/>
+          <p:nvPr/>
+        </p:nvSpPr>
+        <p:spPr>
+          <a:xfrm>
+            <a:off x="13944600" y="8305809"/>
+            <a:ext cx="457200" cy="152399"/>
+          </a:xfrm>
+          <a:prstGeom prst="rect">
+            <a:avLst/>
+          </a:prstGeom>
+          <a:noFill/>
+          <a:ln>
+            <a:noFill/>
+          </a:ln>
+        </p:spPr>
+        <p:style>
+          <a:lnRef idx="2">
+            <a:schemeClr val="accent1">
+              <a:shade val="50000"/>
+            </a:schemeClr>
+          </a:lnRef>
+          <a:fillRef idx="1">
+            <a:schemeClr val="accent1"/>
+          </a:fillRef>
+          <a:effectRef idx="0">
+            <a:schemeClr val="accent1"/>
+          </a:effectRef>
+          <a:fontRef idx="minor">
+            <a:schemeClr val="lt1"/>
+          </a:fontRef>
+        </p:style>
+        <p:txBody>
+          <a:bodyPr wrap="none" lIns="45720" rIns="45720" rtlCol="0" anchor="ctr"/>
+          <a:lstStyle/>
+          <a:p>
+            <a:r>
+              <a:rPr lang="en-US" sz="900" dirty="0">
+                <a:solidFill>
+                  <a:srgbClr val="000000"/>
+                </a:solidFill>
+                <a:latin typeface="Courier New" panose="02070309020205020404" pitchFamily="49" charset="0"/>
+                <a:cs typeface="Courier New" panose="02070309020205020404" pitchFamily="49" charset="0"/>
+              </a:rPr>
+              <a:t>CLK</a:t>
+            </a:r>
           </a:p>
         </p:txBody>
       </p:sp>

--- a/0090_ber/rtl/schematic/handle_7seg.pptx
+++ b/0090_ber/rtl/schematic/handle_7seg.pptx
@@ -197,7 +197,7 @@
           <a:p>
             <a:fld id="{B9E5BF02-4A65-43B2-AA51-912306618617}" type="datetimeFigureOut">
               <a:rPr lang="en-US" smtClean="0"/>
-              <a:t>10/6/2017</a:t>
+              <a:t>10/10/2017</a:t>
             </a:fld>
             <a:endParaRPr lang="en-US"/>
           </a:p>
@@ -685,7 +685,7 @@
           <a:p>
             <a:fld id="{F8F920B2-3E99-4C9D-9450-62A3DEC5476B}" type="datetimeFigureOut">
               <a:rPr lang="en-US" smtClean="0"/>
-              <a:t>10/6/2017</a:t>
+              <a:t>10/10/2017</a:t>
             </a:fld>
             <a:endParaRPr lang="en-US"/>
           </a:p>
@@ -855,7 +855,7 @@
           <a:p>
             <a:fld id="{F8F920B2-3E99-4C9D-9450-62A3DEC5476B}" type="datetimeFigureOut">
               <a:rPr lang="en-US" smtClean="0"/>
-              <a:t>10/6/2017</a:t>
+              <a:t>10/10/2017</a:t>
             </a:fld>
             <a:endParaRPr lang="en-US"/>
           </a:p>
@@ -1035,7 +1035,7 @@
           <a:p>
             <a:fld id="{F8F920B2-3E99-4C9D-9450-62A3DEC5476B}" type="datetimeFigureOut">
               <a:rPr lang="en-US" smtClean="0"/>
-              <a:t>10/6/2017</a:t>
+              <a:t>10/10/2017</a:t>
             </a:fld>
             <a:endParaRPr lang="en-US"/>
           </a:p>
@@ -1205,7 +1205,7 @@
           <a:p>
             <a:fld id="{F8F920B2-3E99-4C9D-9450-62A3DEC5476B}" type="datetimeFigureOut">
               <a:rPr lang="en-US" smtClean="0"/>
-              <a:t>10/6/2017</a:t>
+              <a:t>10/10/2017</a:t>
             </a:fld>
             <a:endParaRPr lang="en-US"/>
           </a:p>
@@ -1449,7 +1449,7 @@
           <a:p>
             <a:fld id="{F8F920B2-3E99-4C9D-9450-62A3DEC5476B}" type="datetimeFigureOut">
               <a:rPr lang="en-US" smtClean="0"/>
-              <a:t>10/6/2017</a:t>
+              <a:t>10/10/2017</a:t>
             </a:fld>
             <a:endParaRPr lang="en-US"/>
           </a:p>
@@ -1681,7 +1681,7 @@
           <a:p>
             <a:fld id="{F8F920B2-3E99-4C9D-9450-62A3DEC5476B}" type="datetimeFigureOut">
               <a:rPr lang="en-US" smtClean="0"/>
-              <a:t>10/6/2017</a:t>
+              <a:t>10/10/2017</a:t>
             </a:fld>
             <a:endParaRPr lang="en-US"/>
           </a:p>
@@ -2048,7 +2048,7 @@
           <a:p>
             <a:fld id="{F8F920B2-3E99-4C9D-9450-62A3DEC5476B}" type="datetimeFigureOut">
               <a:rPr lang="en-US" smtClean="0"/>
-              <a:t>10/6/2017</a:t>
+              <a:t>10/10/2017</a:t>
             </a:fld>
             <a:endParaRPr lang="en-US"/>
           </a:p>
@@ -2166,7 +2166,7 @@
           <a:p>
             <a:fld id="{F8F920B2-3E99-4C9D-9450-62A3DEC5476B}" type="datetimeFigureOut">
               <a:rPr lang="en-US" smtClean="0"/>
-              <a:t>10/6/2017</a:t>
+              <a:t>10/10/2017</a:t>
             </a:fld>
             <a:endParaRPr lang="en-US"/>
           </a:p>
@@ -2261,7 +2261,7 @@
           <a:p>
             <a:fld id="{F8F920B2-3E99-4C9D-9450-62A3DEC5476B}" type="datetimeFigureOut">
               <a:rPr lang="en-US" smtClean="0"/>
-              <a:t>10/6/2017</a:t>
+              <a:t>10/10/2017</a:t>
             </a:fld>
             <a:endParaRPr lang="en-US"/>
           </a:p>
@@ -2538,7 +2538,7 @@
           <a:p>
             <a:fld id="{F8F920B2-3E99-4C9D-9450-62A3DEC5476B}" type="datetimeFigureOut">
               <a:rPr lang="en-US" smtClean="0"/>
-              <a:t>10/6/2017</a:t>
+              <a:t>10/10/2017</a:t>
             </a:fld>
             <a:endParaRPr lang="en-US"/>
           </a:p>
@@ -2795,7 +2795,7 @@
           <a:p>
             <a:fld id="{F8F920B2-3E99-4C9D-9450-62A3DEC5476B}" type="datetimeFigureOut">
               <a:rPr lang="en-US" smtClean="0"/>
-              <a:t>10/6/2017</a:t>
+              <a:t>10/10/2017</a:t>
             </a:fld>
             <a:endParaRPr lang="en-US"/>
           </a:p>
@@ -3008,7 +3008,7 @@
           <a:p>
             <a:fld id="{F8F920B2-3E99-4C9D-9450-62A3DEC5476B}" type="datetimeFigureOut">
               <a:rPr lang="en-US" smtClean="0"/>
-              <a:t>10/6/2017</a:t>
+              <a:t>10/10/2017</a:t>
             </a:fld>
             <a:endParaRPr lang="en-US"/>
           </a:p>
@@ -3468,13 +3468,6 @@
               </a:rPr>
               <a:t>handle_7seg</a:t>
             </a:r>
-            <a:endParaRPr lang="en-US" sz="900" dirty="0">
-              <a:solidFill>
-                <a:srgbClr val="000000"/>
-              </a:solidFill>
-              <a:latin typeface="Courier New" panose="02070309020205020404" pitchFamily="49" charset="0"/>
-              <a:cs typeface="Courier New" panose="02070309020205020404" pitchFamily="49" charset="0"/>
-            </a:endParaRPr>
           </a:p>
         </p:txBody>
       </p:sp>
@@ -3759,13 +3752,6 @@
               </a:rPr>
               <a:t>to blocks</a:t>
             </a:r>
-            <a:endParaRPr lang="en-US" sz="900" dirty="0">
-              <a:solidFill>
-                <a:srgbClr val="000000"/>
-              </a:solidFill>
-              <a:latin typeface="Courier New" panose="02070309020205020404" pitchFamily="49" charset="0"/>
-              <a:cs typeface="Courier New" panose="02070309020205020404" pitchFamily="49" charset="0"/>
-            </a:endParaRPr>
           </a:p>
         </p:txBody>
       </p:sp>
@@ -4050,13 +4036,6 @@
               </a:rPr>
               <a:t>to blocks</a:t>
             </a:r>
-            <a:endParaRPr lang="en-US" sz="900" dirty="0">
-              <a:solidFill>
-                <a:srgbClr val="000000"/>
-              </a:solidFill>
-              <a:latin typeface="Courier New" panose="02070309020205020404" pitchFamily="49" charset="0"/>
-              <a:cs typeface="Courier New" panose="02070309020205020404" pitchFamily="49" charset="0"/>
-            </a:endParaRPr>
           </a:p>
         </p:txBody>
       </p:sp>
@@ -4198,13 +4177,6 @@
               </a:rPr>
               <a:t>7</a:t>
             </a:r>
-            <a:endParaRPr lang="en-US" sz="900" dirty="0">
-              <a:solidFill>
-                <a:srgbClr val="000000"/>
-              </a:solidFill>
-              <a:latin typeface="Courier New" panose="02070309020205020404" pitchFamily="49" charset="0"/>
-              <a:cs typeface="Courier New" panose="02070309020205020404" pitchFamily="49" charset="0"/>
-            </a:endParaRPr>
           </a:p>
         </p:txBody>
       </p:sp>
@@ -4524,13 +4496,6 @@
               </a:rPr>
               <a:t>i_ber_7seg</a:t>
             </a:r>
-            <a:endParaRPr lang="en-US" sz="900" dirty="0">
-              <a:solidFill>
-                <a:srgbClr val="000000"/>
-              </a:solidFill>
-              <a:latin typeface="Courier New" panose="02070309020205020404" pitchFamily="49" charset="0"/>
-              <a:cs typeface="Courier New" panose="02070309020205020404" pitchFamily="49" charset="0"/>
-            </a:endParaRPr>
           </a:p>
         </p:txBody>
       </p:sp>
@@ -4585,13 +4550,6 @@
               </a:rPr>
               <a:t>ber_7seg</a:t>
             </a:r>
-            <a:endParaRPr lang="en-US" sz="900" dirty="0">
-              <a:solidFill>
-                <a:schemeClr val="tx1"/>
-              </a:solidFill>
-              <a:latin typeface="Courier New" panose="02070309020205020404" pitchFamily="49" charset="0"/>
-              <a:cs typeface="Courier New" panose="02070309020205020404" pitchFamily="49" charset="0"/>
-            </a:endParaRPr>
           </a:p>
         </p:txBody>
       </p:sp>
@@ -4854,13 +4812,6 @@
               </a:rPr>
               <a:t>DIGIT2</a:t>
             </a:r>
-            <a:endParaRPr lang="en-US" sz="900" dirty="0">
-              <a:solidFill>
-                <a:srgbClr val="000000"/>
-              </a:solidFill>
-              <a:latin typeface="Courier New" panose="02070309020205020404" pitchFamily="49" charset="0"/>
-              <a:cs typeface="Courier New" panose="02070309020205020404" pitchFamily="49" charset="0"/>
-            </a:endParaRPr>
           </a:p>
         </p:txBody>
       </p:sp>
@@ -4914,13 +4865,6 @@
               </a:rPr>
               <a:t>DIGIT1</a:t>
             </a:r>
-            <a:endParaRPr lang="en-US" sz="900" dirty="0">
-              <a:solidFill>
-                <a:srgbClr val="000000"/>
-              </a:solidFill>
-              <a:latin typeface="Courier New" panose="02070309020205020404" pitchFamily="49" charset="0"/>
-              <a:cs typeface="Courier New" panose="02070309020205020404" pitchFamily="49" charset="0"/>
-            </a:endParaRPr>
           </a:p>
         </p:txBody>
       </p:sp>
@@ -4974,13 +4918,6 @@
               </a:rPr>
               <a:t>DIGIT0</a:t>
             </a:r>
-            <a:endParaRPr lang="en-US" sz="900" dirty="0">
-              <a:solidFill>
-                <a:srgbClr val="000000"/>
-              </a:solidFill>
-              <a:latin typeface="Courier New" panose="02070309020205020404" pitchFamily="49" charset="0"/>
-              <a:cs typeface="Courier New" panose="02070309020205020404" pitchFamily="49" charset="0"/>
-            </a:endParaRPr>
           </a:p>
         </p:txBody>
       </p:sp>
@@ -5493,8 +5430,10 @@
                 <a:latin typeface="Courier New" panose="02070309020205020404" pitchFamily="49" charset="0"/>
                 <a:cs typeface="Courier New" panose="02070309020205020404" pitchFamily="49" charset="0"/>
               </a:rPr>
-              <a:t>#( .BW_CNT  </a:t>
-            </a:r>
+              <a:t>#( .BW_CNT  (3)</a:t>
+            </a:r>
+          </a:p>
+          <a:p>
             <a:r>
               <a:rPr lang="en-US" sz="900" dirty="0">
                 <a:solidFill>
@@ -5503,15 +5442,8 @@
                 <a:latin typeface="Courier New" panose="02070309020205020404" pitchFamily="49" charset="0"/>
                 <a:cs typeface="Courier New" panose="02070309020205020404" pitchFamily="49" charset="0"/>
               </a:rPr>
-              <a:t>(3)</a:t>
-            </a:r>
-            <a:endParaRPr lang="en-US" sz="900" dirty="0">
-              <a:solidFill>
-                <a:srgbClr val="000000"/>
-              </a:solidFill>
-              <a:latin typeface="Courier New" panose="02070309020205020404" pitchFamily="49" charset="0"/>
-              <a:cs typeface="Courier New" panose="02070309020205020404" pitchFamily="49" charset="0"/>
-            </a:endParaRPr>
+              <a:t> , .BW_DEND (7)</a:t>
+            </a:r>
           </a:p>
           <a:p>
             <a:r>
@@ -5522,56 +5454,7 @@
                 <a:latin typeface="Courier New" panose="02070309020205020404" pitchFamily="49" charset="0"/>
                 <a:cs typeface="Courier New" panose="02070309020205020404" pitchFamily="49" charset="0"/>
               </a:rPr>
-              <a:t> , .BW_DEND </a:t>
-            </a:r>
-            <a:r>
-              <a:rPr lang="en-US" sz="900" dirty="0">
-                <a:solidFill>
-                  <a:srgbClr val="000000"/>
-                </a:solidFill>
-                <a:latin typeface="Courier New" panose="02070309020205020404" pitchFamily="49" charset="0"/>
-                <a:cs typeface="Courier New" panose="02070309020205020404" pitchFamily="49" charset="0"/>
-              </a:rPr>
-              <a:t>(7)</a:t>
-            </a:r>
-            <a:endParaRPr lang="en-US" sz="900" dirty="0">
-              <a:solidFill>
-                <a:srgbClr val="000000"/>
-              </a:solidFill>
-              <a:latin typeface="Courier New" panose="02070309020205020404" pitchFamily="49" charset="0"/>
-              <a:cs typeface="Courier New" panose="02070309020205020404" pitchFamily="49" charset="0"/>
-            </a:endParaRPr>
-          </a:p>
-          <a:p>
-            <a:r>
-              <a:rPr lang="en-US" sz="900" dirty="0">
-                <a:solidFill>
-                  <a:srgbClr val="000000"/>
-                </a:solidFill>
-                <a:latin typeface="Courier New" panose="02070309020205020404" pitchFamily="49" charset="0"/>
-                <a:cs typeface="Courier New" panose="02070309020205020404" pitchFamily="49" charset="0"/>
-              </a:rPr>
-              <a:t> , .BW_DSOR </a:t>
-            </a:r>
-            <a:r>
-              <a:rPr lang="en-US" sz="900" dirty="0">
-                <a:solidFill>
-                  <a:srgbClr val="000000"/>
-                </a:solidFill>
-                <a:latin typeface="Courier New" panose="02070309020205020404" pitchFamily="49" charset="0"/>
-                <a:cs typeface="Courier New" panose="02070309020205020404" pitchFamily="49" charset="0"/>
-              </a:rPr>
-              <a:t>(4) </a:t>
-            </a:r>
-            <a:r>
-              <a:rPr lang="en-US" sz="900" dirty="0">
-                <a:solidFill>
-                  <a:srgbClr val="000000"/>
-                </a:solidFill>
-                <a:latin typeface="Courier New" panose="02070309020205020404" pitchFamily="49" charset="0"/>
-                <a:cs typeface="Courier New" panose="02070309020205020404" pitchFamily="49" charset="0"/>
-              </a:rPr>
-              <a:t>)</a:t>
+              <a:t> , .BW_DSOR (4) )</a:t>
             </a:r>
           </a:p>
           <a:p>
@@ -5946,13 +5829,6 @@
               </a:rPr>
               <a:t>MAIN_MODE</a:t>
             </a:r>
-            <a:endParaRPr lang="en-US" sz="900" dirty="0">
-              <a:solidFill>
-                <a:srgbClr val="000000"/>
-              </a:solidFill>
-              <a:latin typeface="Courier New" panose="02070309020205020404" pitchFamily="49" charset="0"/>
-              <a:cs typeface="Courier New" panose="02070309020205020404" pitchFamily="49" charset="0"/>
-            </a:endParaRPr>
           </a:p>
         </p:txBody>
       </p:sp>
@@ -6094,13 +5970,6 @@
               </a:rPr>
               <a:t>7</a:t>
             </a:r>
-            <a:endParaRPr lang="en-US" sz="900" dirty="0">
-              <a:solidFill>
-                <a:srgbClr val="000000"/>
-              </a:solidFill>
-              <a:latin typeface="Courier New" panose="02070309020205020404" pitchFamily="49" charset="0"/>
-              <a:cs typeface="Courier New" panose="02070309020205020404" pitchFamily="49" charset="0"/>
-            </a:endParaRPr>
           </a:p>
         </p:txBody>
       </p:sp>
@@ -6702,8 +6571,10 @@
                 <a:latin typeface="Courier New" panose="02070309020205020404" pitchFamily="49" charset="0"/>
                 <a:cs typeface="Courier New" panose="02070309020205020404" pitchFamily="49" charset="0"/>
               </a:rPr>
-              <a:t>#( .BW_CNT  </a:t>
-            </a:r>
+              <a:t>#( .BW_CNT  (3)</a:t>
+            </a:r>
+          </a:p>
+          <a:p>
             <a:r>
               <a:rPr lang="en-US" sz="900" dirty="0">
                 <a:solidFill>
@@ -6712,15 +6583,8 @@
                 <a:latin typeface="Courier New" panose="02070309020205020404" pitchFamily="49" charset="0"/>
                 <a:cs typeface="Courier New" panose="02070309020205020404" pitchFamily="49" charset="0"/>
               </a:rPr>
-              <a:t>(3)</a:t>
-            </a:r>
-            <a:endParaRPr lang="en-US" sz="900" dirty="0">
-              <a:solidFill>
-                <a:srgbClr val="000000"/>
-              </a:solidFill>
-              <a:latin typeface="Courier New" panose="02070309020205020404" pitchFamily="49" charset="0"/>
-              <a:cs typeface="Courier New" panose="02070309020205020404" pitchFamily="49" charset="0"/>
-            </a:endParaRPr>
+              <a:t> , .BW_DEND (7)</a:t>
+            </a:r>
           </a:p>
           <a:p>
             <a:r>
@@ -6731,56 +6595,7 @@
                 <a:latin typeface="Courier New" panose="02070309020205020404" pitchFamily="49" charset="0"/>
                 <a:cs typeface="Courier New" panose="02070309020205020404" pitchFamily="49" charset="0"/>
               </a:rPr>
-              <a:t> , .BW_DEND </a:t>
-            </a:r>
-            <a:r>
-              <a:rPr lang="en-US" sz="900" dirty="0">
-                <a:solidFill>
-                  <a:srgbClr val="000000"/>
-                </a:solidFill>
-                <a:latin typeface="Courier New" panose="02070309020205020404" pitchFamily="49" charset="0"/>
-                <a:cs typeface="Courier New" panose="02070309020205020404" pitchFamily="49" charset="0"/>
-              </a:rPr>
-              <a:t>(7)</a:t>
-            </a:r>
-            <a:endParaRPr lang="en-US" sz="900" dirty="0">
-              <a:solidFill>
-                <a:srgbClr val="000000"/>
-              </a:solidFill>
-              <a:latin typeface="Courier New" panose="02070309020205020404" pitchFamily="49" charset="0"/>
-              <a:cs typeface="Courier New" panose="02070309020205020404" pitchFamily="49" charset="0"/>
-            </a:endParaRPr>
-          </a:p>
-          <a:p>
-            <a:r>
-              <a:rPr lang="en-US" sz="900" dirty="0">
-                <a:solidFill>
-                  <a:srgbClr val="000000"/>
-                </a:solidFill>
-                <a:latin typeface="Courier New" panose="02070309020205020404" pitchFamily="49" charset="0"/>
-                <a:cs typeface="Courier New" panose="02070309020205020404" pitchFamily="49" charset="0"/>
-              </a:rPr>
-              <a:t> , .BW_DSOR </a:t>
-            </a:r>
-            <a:r>
-              <a:rPr lang="en-US" sz="900" dirty="0">
-                <a:solidFill>
-                  <a:srgbClr val="000000"/>
-                </a:solidFill>
-                <a:latin typeface="Courier New" panose="02070309020205020404" pitchFamily="49" charset="0"/>
-                <a:cs typeface="Courier New" panose="02070309020205020404" pitchFamily="49" charset="0"/>
-              </a:rPr>
-              <a:t>(4) </a:t>
-            </a:r>
-            <a:r>
-              <a:rPr lang="en-US" sz="900" dirty="0">
-                <a:solidFill>
-                  <a:srgbClr val="000000"/>
-                </a:solidFill>
-                <a:latin typeface="Courier New" panose="02070309020205020404" pitchFamily="49" charset="0"/>
-                <a:cs typeface="Courier New" panose="02070309020205020404" pitchFamily="49" charset="0"/>
-              </a:rPr>
-              <a:t>)</a:t>
+              <a:t> , .BW_DSOR (4) )</a:t>
             </a:r>
           </a:p>
           <a:p>
@@ -7050,13 +6865,6 @@
               </a:rPr>
               <a:t>SUB_MODE</a:t>
             </a:r>
-            <a:endParaRPr lang="en-US" sz="900" dirty="0">
-              <a:solidFill>
-                <a:srgbClr val="000000"/>
-              </a:solidFill>
-              <a:latin typeface="Courier New" panose="02070309020205020404" pitchFamily="49" charset="0"/>
-              <a:cs typeface="Courier New" panose="02070309020205020404" pitchFamily="49" charset="0"/>
-            </a:endParaRPr>
           </a:p>
         </p:txBody>
       </p:sp>
@@ -7198,13 +7006,6 @@
               </a:rPr>
               <a:t>58</a:t>
             </a:r>
-            <a:endParaRPr lang="en-US" sz="900" dirty="0">
-              <a:solidFill>
-                <a:srgbClr val="000000"/>
-              </a:solidFill>
-              <a:latin typeface="Courier New" panose="02070309020205020404" pitchFamily="49" charset="0"/>
-              <a:cs typeface="Courier New" panose="02070309020205020404" pitchFamily="49" charset="0"/>
-            </a:endParaRPr>
           </a:p>
         </p:txBody>
       </p:sp>
@@ -7297,13 +7098,6 @@
               </a:rPr>
               <a:t>RECV_CNT</a:t>
             </a:r>
-            <a:endParaRPr lang="en-US" sz="900" dirty="0">
-              <a:solidFill>
-                <a:srgbClr val="000000"/>
-              </a:solidFill>
-              <a:latin typeface="Courier New" panose="02070309020205020404" pitchFamily="49" charset="0"/>
-              <a:cs typeface="Courier New" panose="02070309020205020404" pitchFamily="49" charset="0"/>
-            </a:endParaRPr>
           </a:p>
         </p:txBody>
       </p:sp>
@@ -7445,13 +7239,6 @@
               </a:rPr>
               <a:t>64</a:t>
             </a:r>
-            <a:endParaRPr lang="en-US" sz="900" dirty="0">
-              <a:solidFill>
-                <a:srgbClr val="000000"/>
-              </a:solidFill>
-              <a:latin typeface="Courier New" panose="02070309020205020404" pitchFamily="49" charset="0"/>
-              <a:cs typeface="Courier New" panose="02070309020205020404" pitchFamily="49" charset="0"/>
-            </a:endParaRPr>
           </a:p>
         </p:txBody>
       </p:sp>
@@ -7544,13 +7331,6 @@
               </a:rPr>
               <a:t>ERR_CNT</a:t>
             </a:r>
-            <a:endParaRPr lang="en-US" sz="900" dirty="0">
-              <a:solidFill>
-                <a:srgbClr val="000000"/>
-              </a:solidFill>
-              <a:latin typeface="Courier New" panose="02070309020205020404" pitchFamily="49" charset="0"/>
-              <a:cs typeface="Courier New" panose="02070309020205020404" pitchFamily="49" charset="0"/>
-            </a:endParaRPr>
           </a:p>
         </p:txBody>
       </p:sp>
@@ -8122,25 +7902,8 @@
                 <a:latin typeface="Courier New" panose="02070309020205020404" pitchFamily="49" charset="0"/>
                 <a:cs typeface="Courier New" panose="02070309020205020404" pitchFamily="49" charset="0"/>
               </a:rPr>
-              <a:t>#(.</a:t>
-            </a:r>
-            <a:r>
-              <a:rPr lang="en-US" sz="900" dirty="0">
-                <a:solidFill>
-                  <a:srgbClr val="000000"/>
-                </a:solidFill>
-                <a:latin typeface="Courier New" panose="02070309020205020404" pitchFamily="49" charset="0"/>
-                <a:cs typeface="Courier New" panose="02070309020205020404" pitchFamily="49" charset="0"/>
-              </a:rPr>
-              <a:t>BW(2))</a:t>
-            </a:r>
-            <a:endParaRPr lang="en-US" sz="900" dirty="0">
-              <a:solidFill>
-                <a:srgbClr val="000000"/>
-              </a:solidFill>
-              <a:latin typeface="Courier New" panose="02070309020205020404" pitchFamily="49" charset="0"/>
-              <a:cs typeface="Courier New" panose="02070309020205020404" pitchFamily="49" charset="0"/>
-            </a:endParaRPr>
+              <a:t>#(.BW(2))</a:t>
+            </a:r>
           </a:p>
           <a:p>
             <a:r>
@@ -8799,25 +8562,8 @@
                 <a:latin typeface="Courier New" panose="02070309020205020404" pitchFamily="49" charset="0"/>
                 <a:cs typeface="Courier New" panose="02070309020205020404" pitchFamily="49" charset="0"/>
               </a:rPr>
-              <a:t>#(.</a:t>
-            </a:r>
-            <a:r>
-              <a:rPr lang="en-US" sz="900" dirty="0">
-                <a:solidFill>
-                  <a:srgbClr val="000000"/>
-                </a:solidFill>
-                <a:latin typeface="Courier New" panose="02070309020205020404" pitchFamily="49" charset="0"/>
-                <a:cs typeface="Courier New" panose="02070309020205020404" pitchFamily="49" charset="0"/>
-              </a:rPr>
-              <a:t>BW(25))</a:t>
-            </a:r>
-            <a:endParaRPr lang="en-US" sz="900" dirty="0">
-              <a:solidFill>
-                <a:srgbClr val="000000"/>
-              </a:solidFill>
-              <a:latin typeface="Courier New" panose="02070309020205020404" pitchFamily="49" charset="0"/>
-              <a:cs typeface="Courier New" panose="02070309020205020404" pitchFamily="49" charset="0"/>
-            </a:endParaRPr>
+              <a:t>#(.BW(25))</a:t>
+            </a:r>
           </a:p>
           <a:p>
             <a:r>
@@ -9322,25 +9068,8 @@
                 <a:latin typeface="Courier New" panose="02070309020205020404" pitchFamily="49" charset="0"/>
                 <a:cs typeface="Courier New" panose="02070309020205020404" pitchFamily="49" charset="0"/>
               </a:rPr>
-              <a:t>2</a:t>
-            </a:r>
-            <a:r>
-              <a:rPr lang="en-US" sz="900" dirty="0">
-                <a:solidFill>
-                  <a:srgbClr val="000000"/>
-                </a:solidFill>
-                <a:latin typeface="Courier New" panose="02070309020205020404" pitchFamily="49" charset="0"/>
-                <a:cs typeface="Courier New" panose="02070309020205020404" pitchFamily="49" charset="0"/>
-              </a:rPr>
-              <a:t>’d2</a:t>
-            </a:r>
-            <a:endParaRPr lang="en-US" sz="900" dirty="0">
-              <a:solidFill>
-                <a:srgbClr val="000000"/>
-              </a:solidFill>
-              <a:latin typeface="Courier New" panose="02070309020205020404" pitchFamily="49" charset="0"/>
-              <a:cs typeface="Courier New" panose="02070309020205020404" pitchFamily="49" charset="0"/>
-            </a:endParaRPr>
+              <a:t>2’d2</a:t>
+            </a:r>
           </a:p>
         </p:txBody>
       </p:sp>
@@ -9745,13 +9474,6 @@
               </a:rPr>
               <a:t>2</a:t>
             </a:r>
-            <a:endParaRPr lang="en-US" sz="900" dirty="0">
-              <a:solidFill>
-                <a:srgbClr val="000000"/>
-              </a:solidFill>
-              <a:latin typeface="Courier New" panose="02070309020205020404" pitchFamily="49" charset="0"/>
-              <a:cs typeface="Courier New" panose="02070309020205020404" pitchFamily="49" charset="0"/>
-            </a:endParaRPr>
           </a:p>
         </p:txBody>
       </p:sp>
@@ -10237,13 +9959,6 @@
               </a:rPr>
               <a:t>25’d20_000_000</a:t>
             </a:r>
-            <a:endParaRPr lang="en-US" sz="900" dirty="0">
-              <a:solidFill>
-                <a:srgbClr val="000000"/>
-              </a:solidFill>
-              <a:latin typeface="Courier New" panose="02070309020205020404" pitchFamily="49" charset="0"/>
-              <a:cs typeface="Courier New" panose="02070309020205020404" pitchFamily="49" charset="0"/>
-            </a:endParaRPr>
           </a:p>
         </p:txBody>
       </p:sp>
@@ -10336,13 +10051,6 @@
               </a:rPr>
               <a:t>1’b0</a:t>
             </a:r>
-            <a:endParaRPr lang="en-US" sz="900" dirty="0">
-              <a:solidFill>
-                <a:srgbClr val="000000"/>
-              </a:solidFill>
-              <a:latin typeface="Courier New" panose="02070309020205020404" pitchFamily="49" charset="0"/>
-              <a:cs typeface="Courier New" panose="02070309020205020404" pitchFamily="49" charset="0"/>
-            </a:endParaRPr>
           </a:p>
         </p:txBody>
       </p:sp>
@@ -10435,13 +10143,6 @@
               </a:rPr>
               <a:t>1’b0</a:t>
             </a:r>
-            <a:endParaRPr lang="en-US" sz="900" dirty="0">
-              <a:solidFill>
-                <a:srgbClr val="000000"/>
-              </a:solidFill>
-              <a:latin typeface="Courier New" panose="02070309020205020404" pitchFamily="49" charset="0"/>
-              <a:cs typeface="Courier New" panose="02070309020205020404" pitchFamily="49" charset="0"/>
-            </a:endParaRPr>
           </a:p>
         </p:txBody>
       </p:sp>
@@ -11474,13 +11175,6 @@
               </a:rPr>
               <a:t>i_encode_7seg_m1</a:t>
             </a:r>
-            <a:endParaRPr lang="en-US" sz="900" dirty="0">
-              <a:solidFill>
-                <a:srgbClr val="000000"/>
-              </a:solidFill>
-              <a:latin typeface="Courier New" panose="02070309020205020404" pitchFamily="49" charset="0"/>
-              <a:cs typeface="Courier New" panose="02070309020205020404" pitchFamily="49" charset="0"/>
-            </a:endParaRPr>
           </a:p>
         </p:txBody>
       </p:sp>
@@ -11533,13 +11227,6 @@
               </a:rPr>
               <a:t>i_encode_7seg_m0</a:t>
             </a:r>
-            <a:endParaRPr lang="en-US" sz="900" dirty="0">
-              <a:solidFill>
-                <a:srgbClr val="000000"/>
-              </a:solidFill>
-              <a:latin typeface="Courier New" panose="02070309020205020404" pitchFamily="49" charset="0"/>
-              <a:cs typeface="Courier New" panose="02070309020205020404" pitchFamily="49" charset="0"/>
-            </a:endParaRPr>
           </a:p>
         </p:txBody>
       </p:sp>
@@ -11592,13 +11279,6 @@
               </a:rPr>
               <a:t>dig_m1</a:t>
             </a:r>
-            <a:endParaRPr lang="en-US" sz="900" dirty="0">
-              <a:solidFill>
-                <a:srgbClr val="000000"/>
-              </a:solidFill>
-              <a:latin typeface="Courier New" panose="02070309020205020404" pitchFamily="49" charset="0"/>
-              <a:cs typeface="Courier New" panose="02070309020205020404" pitchFamily="49" charset="0"/>
-            </a:endParaRPr>
           </a:p>
         </p:txBody>
       </p:sp>
@@ -11651,13 +11331,6 @@
               </a:rPr>
               <a:t>dig_m0</a:t>
             </a:r>
-            <a:endParaRPr lang="en-US" sz="900" dirty="0">
-              <a:solidFill>
-                <a:srgbClr val="000000"/>
-              </a:solidFill>
-              <a:latin typeface="Courier New" panose="02070309020205020404" pitchFamily="49" charset="0"/>
-              <a:cs typeface="Courier New" panose="02070309020205020404" pitchFamily="49" charset="0"/>
-            </a:endParaRPr>
           </a:p>
         </p:txBody>
       </p:sp>
@@ -12832,13 +12505,6 @@
               </a:rPr>
               <a:t>i_encode_7seg_s1</a:t>
             </a:r>
-            <a:endParaRPr lang="en-US" sz="900" dirty="0">
-              <a:solidFill>
-                <a:srgbClr val="000000"/>
-              </a:solidFill>
-              <a:latin typeface="Courier New" panose="02070309020205020404" pitchFamily="49" charset="0"/>
-              <a:cs typeface="Courier New" panose="02070309020205020404" pitchFamily="49" charset="0"/>
-            </a:endParaRPr>
           </a:p>
         </p:txBody>
       </p:sp>
@@ -12891,13 +12557,6 @@
               </a:rPr>
               <a:t>i_encode_7seg_s0</a:t>
             </a:r>
-            <a:endParaRPr lang="en-US" sz="900" dirty="0">
-              <a:solidFill>
-                <a:srgbClr val="000000"/>
-              </a:solidFill>
-              <a:latin typeface="Courier New" panose="02070309020205020404" pitchFamily="49" charset="0"/>
-              <a:cs typeface="Courier New" panose="02070309020205020404" pitchFamily="49" charset="0"/>
-            </a:endParaRPr>
           </a:p>
         </p:txBody>
       </p:sp>
@@ -12950,13 +12609,6 @@
               </a:rPr>
               <a:t>dig_s1</a:t>
             </a:r>
-            <a:endParaRPr lang="en-US" sz="900" dirty="0">
-              <a:solidFill>
-                <a:srgbClr val="000000"/>
-              </a:solidFill>
-              <a:latin typeface="Courier New" panose="02070309020205020404" pitchFamily="49" charset="0"/>
-              <a:cs typeface="Courier New" panose="02070309020205020404" pitchFamily="49" charset="0"/>
-            </a:endParaRPr>
           </a:p>
         </p:txBody>
       </p:sp>
@@ -13009,13 +12661,6 @@
               </a:rPr>
               <a:t>dig_s0</a:t>
             </a:r>
-            <a:endParaRPr lang="en-US" sz="900" dirty="0">
-              <a:solidFill>
-                <a:srgbClr val="000000"/>
-              </a:solidFill>
-              <a:latin typeface="Courier New" panose="02070309020205020404" pitchFamily="49" charset="0"/>
-              <a:cs typeface="Courier New" panose="02070309020205020404" pitchFamily="49" charset="0"/>
-            </a:endParaRPr>
           </a:p>
         </p:txBody>
       </p:sp>
@@ -13583,13 +13228,6 @@
               </a:rPr>
               <a:t>14’d0</a:t>
             </a:r>
-            <a:endParaRPr lang="en-US" sz="900" dirty="0">
-              <a:solidFill>
-                <a:srgbClr val="000000"/>
-              </a:solidFill>
-              <a:latin typeface="Courier New" panose="02070309020205020404" pitchFamily="49" charset="0"/>
-              <a:cs typeface="Courier New" panose="02070309020205020404" pitchFamily="49" charset="0"/>
-            </a:endParaRPr>
           </a:p>
         </p:txBody>
       </p:sp>
@@ -14081,13 +13719,6 @@
               </a:rPr>
               <a:t>14’d0</a:t>
             </a:r>
-            <a:endParaRPr lang="en-US" sz="900" dirty="0">
-              <a:solidFill>
-                <a:srgbClr val="000000"/>
-              </a:solidFill>
-              <a:latin typeface="Courier New" panose="02070309020205020404" pitchFamily="49" charset="0"/>
-              <a:cs typeface="Courier New" panose="02070309020205020404" pitchFamily="49" charset="0"/>
-            </a:endParaRPr>
           </a:p>
         </p:txBody>
       </p:sp>
@@ -15158,13 +14789,6 @@
               </a:rPr>
               <a:t>[6:0]</a:t>
             </a:r>
-            <a:endParaRPr lang="en-US" sz="900" dirty="0">
-              <a:solidFill>
-                <a:srgbClr val="000000"/>
-              </a:solidFill>
-              <a:latin typeface="Courier New" panose="02070309020205020404" pitchFamily="49" charset="0"/>
-              <a:cs typeface="Courier New" panose="02070309020205020404" pitchFamily="49" charset="0"/>
-            </a:endParaRPr>
           </a:p>
         </p:txBody>
       </p:sp>
@@ -15217,13 +14841,6 @@
               </a:rPr>
               <a:t>[13:7]</a:t>
             </a:r>
-            <a:endParaRPr lang="en-US" sz="900" dirty="0">
-              <a:solidFill>
-                <a:srgbClr val="000000"/>
-              </a:solidFill>
-              <a:latin typeface="Courier New" panose="02070309020205020404" pitchFamily="49" charset="0"/>
-              <a:cs typeface="Courier New" panose="02070309020205020404" pitchFamily="49" charset="0"/>
-            </a:endParaRPr>
           </a:p>
         </p:txBody>
       </p:sp>
@@ -15276,13 +14893,6 @@
               </a:rPr>
               <a:t>[20:14]</a:t>
             </a:r>
-            <a:endParaRPr lang="en-US" sz="900" dirty="0">
-              <a:solidFill>
-                <a:srgbClr val="000000"/>
-              </a:solidFill>
-              <a:latin typeface="Courier New" panose="02070309020205020404" pitchFamily="49" charset="0"/>
-              <a:cs typeface="Courier New" panose="02070309020205020404" pitchFamily="49" charset="0"/>
-            </a:endParaRPr>
           </a:p>
         </p:txBody>
       </p:sp>
@@ -15335,13 +14945,6 @@
               </a:rPr>
               <a:t>[27:21]</a:t>
             </a:r>
-            <a:endParaRPr lang="en-US" sz="900" dirty="0">
-              <a:solidFill>
-                <a:srgbClr val="000000"/>
-              </a:solidFill>
-              <a:latin typeface="Courier New" panose="02070309020205020404" pitchFamily="49" charset="0"/>
-              <a:cs typeface="Courier New" panose="02070309020205020404" pitchFamily="49" charset="0"/>
-            </a:endParaRPr>
           </a:p>
         </p:txBody>
       </p:sp>
@@ -15542,13 +15145,6 @@
               </a:rPr>
               <a:t>[6:0]</a:t>
             </a:r>
-            <a:endParaRPr lang="en-US" sz="900" dirty="0">
-              <a:solidFill>
-                <a:srgbClr val="000000"/>
-              </a:solidFill>
-              <a:latin typeface="Courier New" panose="02070309020205020404" pitchFamily="49" charset="0"/>
-              <a:cs typeface="Courier New" panose="02070309020205020404" pitchFamily="49" charset="0"/>
-            </a:endParaRPr>
           </a:p>
         </p:txBody>
       </p:sp>
@@ -15601,13 +15197,6 @@
               </a:rPr>
               <a:t>[13:7]</a:t>
             </a:r>
-            <a:endParaRPr lang="en-US" sz="900" dirty="0">
-              <a:solidFill>
-                <a:srgbClr val="000000"/>
-              </a:solidFill>
-              <a:latin typeface="Courier New" panose="02070309020205020404" pitchFamily="49" charset="0"/>
-              <a:cs typeface="Courier New" panose="02070309020205020404" pitchFamily="49" charset="0"/>
-            </a:endParaRPr>
           </a:p>
         </p:txBody>
       </p:sp>
@@ -15660,13 +15249,6 @@
               </a:rPr>
               <a:t>[6:0]</a:t>
             </a:r>
-            <a:endParaRPr lang="en-US" sz="900" dirty="0">
-              <a:solidFill>
-                <a:srgbClr val="000000"/>
-              </a:solidFill>
-              <a:latin typeface="Courier New" panose="02070309020205020404" pitchFamily="49" charset="0"/>
-              <a:cs typeface="Courier New" panose="02070309020205020404" pitchFamily="49" charset="0"/>
-            </a:endParaRPr>
           </a:p>
         </p:txBody>
       </p:sp>
@@ -15719,13 +15301,6 @@
               </a:rPr>
               <a:t>[13:7]</a:t>
             </a:r>
-            <a:endParaRPr lang="en-US" sz="900" dirty="0">
-              <a:solidFill>
-                <a:srgbClr val="000000"/>
-              </a:solidFill>
-              <a:latin typeface="Courier New" panose="02070309020205020404" pitchFamily="49" charset="0"/>
-              <a:cs typeface="Courier New" panose="02070309020205020404" pitchFamily="49" charset="0"/>
-            </a:endParaRPr>
           </a:p>
         </p:txBody>
       </p:sp>
@@ -15826,13 +15401,6 @@
               </a:rPr>
               <a:t>2’d0</a:t>
             </a:r>
-            <a:endParaRPr lang="en-US" sz="900" dirty="0">
-              <a:solidFill>
-                <a:srgbClr val="000000"/>
-              </a:solidFill>
-              <a:latin typeface="Courier New" panose="02070309020205020404" pitchFamily="49" charset="0"/>
-              <a:cs typeface="Courier New" panose="02070309020205020404" pitchFamily="49" charset="0"/>
-            </a:endParaRPr>
           </a:p>
         </p:txBody>
       </p:sp>
@@ -15885,13 +15453,6 @@
               </a:rPr>
               <a:t>2’d1</a:t>
             </a:r>
-            <a:endParaRPr lang="en-US" sz="900" dirty="0">
-              <a:solidFill>
-                <a:srgbClr val="000000"/>
-              </a:solidFill>
-              <a:latin typeface="Courier New" panose="02070309020205020404" pitchFamily="49" charset="0"/>
-              <a:cs typeface="Courier New" panose="02070309020205020404" pitchFamily="49" charset="0"/>
-            </a:endParaRPr>
           </a:p>
         </p:txBody>
       </p:sp>
@@ -15944,13 +15505,6 @@
               </a:rPr>
               <a:t>2’d2</a:t>
             </a:r>
-            <a:endParaRPr lang="en-US" sz="900" dirty="0">
-              <a:solidFill>
-                <a:srgbClr val="000000"/>
-              </a:solidFill>
-              <a:latin typeface="Courier New" panose="02070309020205020404" pitchFamily="49" charset="0"/>
-              <a:cs typeface="Courier New" panose="02070309020205020404" pitchFamily="49" charset="0"/>
-            </a:endParaRPr>
           </a:p>
         </p:txBody>
       </p:sp>
@@ -16003,13 +15557,6 @@
               </a:rPr>
               <a:t>else</a:t>
             </a:r>
-            <a:endParaRPr lang="en-US" sz="900" dirty="0">
-              <a:solidFill>
-                <a:srgbClr val="000000"/>
-              </a:solidFill>
-              <a:latin typeface="Courier New" panose="02070309020205020404" pitchFamily="49" charset="0"/>
-              <a:cs typeface="Courier New" panose="02070309020205020404" pitchFamily="49" charset="0"/>
-            </a:endParaRPr>
           </a:p>
         </p:txBody>
       </p:sp>
@@ -16100,13 +15647,6 @@
               </a:rPr>
               <a:t>28’d0</a:t>
             </a:r>
-            <a:endParaRPr lang="en-US" sz="900" dirty="0">
-              <a:solidFill>
-                <a:srgbClr val="000000"/>
-              </a:solidFill>
-              <a:latin typeface="Courier New" panose="02070309020205020404" pitchFamily="49" charset="0"/>
-              <a:cs typeface="Courier New" panose="02070309020205020404" pitchFamily="49" charset="0"/>
-            </a:endParaRPr>
           </a:p>
         </p:txBody>
       </p:sp>
@@ -16334,13 +15874,6 @@
               </a:rPr>
               <a:t>2’d1</a:t>
             </a:r>
-            <a:endParaRPr lang="en-US" sz="900" dirty="0">
-              <a:solidFill>
-                <a:srgbClr val="000000"/>
-              </a:solidFill>
-              <a:latin typeface="Courier New" panose="02070309020205020404" pitchFamily="49" charset="0"/>
-              <a:cs typeface="Courier New" panose="02070309020205020404" pitchFamily="49" charset="0"/>
-            </a:endParaRPr>
           </a:p>
         </p:txBody>
       </p:sp>
@@ -16435,13 +15968,6 @@
               </a:rPr>
               <a:t>!=</a:t>
             </a:r>
-            <a:endParaRPr lang="en-US" sz="900" dirty="0">
-              <a:solidFill>
-                <a:srgbClr val="000000"/>
-              </a:solidFill>
-              <a:latin typeface="Courier New" panose="02070309020205020404" pitchFamily="49" charset="0"/>
-              <a:cs typeface="Courier New" panose="02070309020205020404" pitchFamily="49" charset="0"/>
-            </a:endParaRPr>
           </a:p>
         </p:txBody>
       </p:sp>
@@ -16784,13 +16310,6 @@
               </a:rPr>
               <a:t>2’d2</a:t>
             </a:r>
-            <a:endParaRPr lang="en-US" sz="900" dirty="0">
-              <a:solidFill>
-                <a:srgbClr val="000000"/>
-              </a:solidFill>
-              <a:latin typeface="Courier New" panose="02070309020205020404" pitchFamily="49" charset="0"/>
-              <a:cs typeface="Courier New" panose="02070309020205020404" pitchFamily="49" charset="0"/>
-            </a:endParaRPr>
           </a:p>
         </p:txBody>
       </p:sp>
@@ -16885,13 +16404,6 @@
               </a:rPr>
               <a:t>!=</a:t>
             </a:r>
-            <a:endParaRPr lang="en-US" sz="900" dirty="0">
-              <a:solidFill>
-                <a:srgbClr val="000000"/>
-              </a:solidFill>
-              <a:latin typeface="Courier New" panose="02070309020205020404" pitchFamily="49" charset="0"/>
-              <a:cs typeface="Courier New" panose="02070309020205020404" pitchFamily="49" charset="0"/>
-            </a:endParaRPr>
           </a:p>
         </p:txBody>
       </p:sp>
@@ -17232,13 +16744,6 @@
               </a:rPr>
               <a:t>2’d0</a:t>
             </a:r>
-            <a:endParaRPr lang="en-US" sz="900" dirty="0">
-              <a:solidFill>
-                <a:srgbClr val="000000"/>
-              </a:solidFill>
-              <a:latin typeface="Courier New" panose="02070309020205020404" pitchFamily="49" charset="0"/>
-              <a:cs typeface="Courier New" panose="02070309020205020404" pitchFamily="49" charset="0"/>
-            </a:endParaRPr>
           </a:p>
         </p:txBody>
       </p:sp>
@@ -17333,13 +16838,6 @@
               </a:rPr>
               <a:t>!=</a:t>
             </a:r>
-            <a:endParaRPr lang="en-US" sz="900" dirty="0">
-              <a:solidFill>
-                <a:srgbClr val="000000"/>
-              </a:solidFill>
-              <a:latin typeface="Courier New" panose="02070309020205020404" pitchFamily="49" charset="0"/>
-              <a:cs typeface="Courier New" panose="02070309020205020404" pitchFamily="49" charset="0"/>
-            </a:endParaRPr>
           </a:p>
         </p:txBody>
       </p:sp>
@@ -18823,13 +18321,6 @@
               </a:rPr>
               <a:t>8</a:t>
             </a:r>
-            <a:endParaRPr lang="en-US" sz="900" dirty="0">
-              <a:solidFill>
-                <a:srgbClr val="000000"/>
-              </a:solidFill>
-              <a:latin typeface="Courier New" panose="02070309020205020404" pitchFamily="49" charset="0"/>
-              <a:cs typeface="Courier New" panose="02070309020205020404" pitchFamily="49" charset="0"/>
-            </a:endParaRPr>
           </a:p>
         </p:txBody>
       </p:sp>
@@ -18882,13 +18373,6 @@
               </a:rPr>
               <a:t>1’b0</a:t>
             </a:r>
-            <a:endParaRPr lang="en-US" sz="900" dirty="0">
-              <a:solidFill>
-                <a:srgbClr val="000000"/>
-              </a:solidFill>
-              <a:latin typeface="Courier New" panose="02070309020205020404" pitchFamily="49" charset="0"/>
-              <a:cs typeface="Courier New" panose="02070309020205020404" pitchFamily="49" charset="0"/>
-            </a:endParaRPr>
           </a:p>
         </p:txBody>
       </p:sp>
@@ -18941,13 +18425,6 @@
               </a:rPr>
               <a:t>[27:21]</a:t>
             </a:r>
-            <a:endParaRPr lang="en-US" sz="900" dirty="0">
-              <a:solidFill>
-                <a:srgbClr val="000000"/>
-              </a:solidFill>
-              <a:latin typeface="Courier New" panose="02070309020205020404" pitchFamily="49" charset="0"/>
-              <a:cs typeface="Courier New" panose="02070309020205020404" pitchFamily="49" charset="0"/>
-            </a:endParaRPr>
           </a:p>
         </p:txBody>
       </p:sp>
@@ -19313,13 +18790,6 @@
               </a:rPr>
               <a:t>8</a:t>
             </a:r>
-            <a:endParaRPr lang="en-US" sz="900" dirty="0">
-              <a:solidFill>
-                <a:srgbClr val="000000"/>
-              </a:solidFill>
-              <a:latin typeface="Courier New" panose="02070309020205020404" pitchFamily="49" charset="0"/>
-              <a:cs typeface="Courier New" panose="02070309020205020404" pitchFamily="49" charset="0"/>
-            </a:endParaRPr>
           </a:p>
         </p:txBody>
       </p:sp>
@@ -19372,13 +18842,6 @@
               </a:rPr>
               <a:t>1’b0</a:t>
             </a:r>
-            <a:endParaRPr lang="en-US" sz="900" dirty="0">
-              <a:solidFill>
-                <a:srgbClr val="000000"/>
-              </a:solidFill>
-              <a:latin typeface="Courier New" panose="02070309020205020404" pitchFamily="49" charset="0"/>
-              <a:cs typeface="Courier New" panose="02070309020205020404" pitchFamily="49" charset="0"/>
-            </a:endParaRPr>
           </a:p>
         </p:txBody>
       </p:sp>
@@ -19431,13 +18894,6 @@
               </a:rPr>
               <a:t>[20:14]</a:t>
             </a:r>
-            <a:endParaRPr lang="en-US" sz="900" dirty="0">
-              <a:solidFill>
-                <a:srgbClr val="000000"/>
-              </a:solidFill>
-              <a:latin typeface="Courier New" panose="02070309020205020404" pitchFamily="49" charset="0"/>
-              <a:cs typeface="Courier New" panose="02070309020205020404" pitchFamily="49" charset="0"/>
-            </a:endParaRPr>
           </a:p>
         </p:txBody>
       </p:sp>
@@ -19803,13 +19259,6 @@
               </a:rPr>
               <a:t>8</a:t>
             </a:r>
-            <a:endParaRPr lang="en-US" sz="900" dirty="0">
-              <a:solidFill>
-                <a:srgbClr val="000000"/>
-              </a:solidFill>
-              <a:latin typeface="Courier New" panose="02070309020205020404" pitchFamily="49" charset="0"/>
-              <a:cs typeface="Courier New" panose="02070309020205020404" pitchFamily="49" charset="0"/>
-            </a:endParaRPr>
           </a:p>
         </p:txBody>
       </p:sp>
@@ -19862,13 +19311,6 @@
               </a:rPr>
               <a:t>1’b0</a:t>
             </a:r>
-            <a:endParaRPr lang="en-US" sz="900" dirty="0">
-              <a:solidFill>
-                <a:srgbClr val="000000"/>
-              </a:solidFill>
-              <a:latin typeface="Courier New" panose="02070309020205020404" pitchFamily="49" charset="0"/>
-              <a:cs typeface="Courier New" panose="02070309020205020404" pitchFamily="49" charset="0"/>
-            </a:endParaRPr>
           </a:p>
         </p:txBody>
       </p:sp>
@@ -19921,13 +19363,6 @@
               </a:rPr>
               <a:t>[13:7]</a:t>
             </a:r>
-            <a:endParaRPr lang="en-US" sz="900" dirty="0">
-              <a:solidFill>
-                <a:srgbClr val="000000"/>
-              </a:solidFill>
-              <a:latin typeface="Courier New" panose="02070309020205020404" pitchFamily="49" charset="0"/>
-              <a:cs typeface="Courier New" panose="02070309020205020404" pitchFamily="49" charset="0"/>
-            </a:endParaRPr>
           </a:p>
         </p:txBody>
       </p:sp>
@@ -20293,13 +19728,6 @@
               </a:rPr>
               <a:t>8</a:t>
             </a:r>
-            <a:endParaRPr lang="en-US" sz="900" dirty="0">
-              <a:solidFill>
-                <a:srgbClr val="000000"/>
-              </a:solidFill>
-              <a:latin typeface="Courier New" panose="02070309020205020404" pitchFamily="49" charset="0"/>
-              <a:cs typeface="Courier New" panose="02070309020205020404" pitchFamily="49" charset="0"/>
-            </a:endParaRPr>
           </a:p>
         </p:txBody>
       </p:sp>
@@ -20352,13 +19780,6 @@
               </a:rPr>
               <a:t>1’b0</a:t>
             </a:r>
-            <a:endParaRPr lang="en-US" sz="900" dirty="0">
-              <a:solidFill>
-                <a:srgbClr val="000000"/>
-              </a:solidFill>
-              <a:latin typeface="Courier New" panose="02070309020205020404" pitchFamily="49" charset="0"/>
-              <a:cs typeface="Courier New" panose="02070309020205020404" pitchFamily="49" charset="0"/>
-            </a:endParaRPr>
           </a:p>
         </p:txBody>
       </p:sp>
@@ -20411,13 +19832,6 @@
               </a:rPr>
               <a:t>[6:0]</a:t>
             </a:r>
-            <a:endParaRPr lang="en-US" sz="900" dirty="0">
-              <a:solidFill>
-                <a:srgbClr val="000000"/>
-              </a:solidFill>
-              <a:latin typeface="Courier New" panose="02070309020205020404" pitchFamily="49" charset="0"/>
-              <a:cs typeface="Courier New" panose="02070309020205020404" pitchFamily="49" charset="0"/>
-            </a:endParaRPr>
           </a:p>
         </p:txBody>
       </p:sp>
@@ -20507,13 +19921,6 @@
               </a:rPr>
               <a:t>6’d49</a:t>
             </a:r>
-            <a:endParaRPr lang="en-US" sz="900" dirty="0">
-              <a:solidFill>
-                <a:srgbClr val="000000"/>
-              </a:solidFill>
-              <a:latin typeface="Courier New" panose="02070309020205020404" pitchFamily="49" charset="0"/>
-              <a:cs typeface="Courier New" panose="02070309020205020404" pitchFamily="49" charset="0"/>
-            </a:endParaRPr>
           </a:p>
         </p:txBody>
       </p:sp>
@@ -20706,13 +20113,6 @@
               </a:rPr>
               <a:t>8</a:t>
             </a:r>
-            <a:endParaRPr lang="en-US" sz="900" dirty="0">
-              <a:solidFill>
-                <a:srgbClr val="000000"/>
-              </a:solidFill>
-              <a:latin typeface="Courier New" panose="02070309020205020404" pitchFamily="49" charset="0"/>
-              <a:cs typeface="Courier New" panose="02070309020205020404" pitchFamily="49" charset="0"/>
-            </a:endParaRPr>
           </a:p>
         </p:txBody>
       </p:sp>
@@ -20765,13 +20165,6 @@
               </a:rPr>
               <a:t>DIGIT</a:t>
             </a:r>
-            <a:endParaRPr lang="en-US" sz="900" dirty="0">
-              <a:solidFill>
-                <a:srgbClr val="000000"/>
-              </a:solidFill>
-              <a:latin typeface="Courier New" panose="02070309020205020404" pitchFamily="49" charset="0"/>
-              <a:cs typeface="Courier New" panose="02070309020205020404" pitchFamily="49" charset="0"/>
-            </a:endParaRPr>
           </a:p>
         </p:txBody>
       </p:sp>
@@ -21004,13 +20397,6 @@
               </a:rPr>
               <a:t>4</a:t>
             </a:r>
-            <a:endParaRPr lang="en-US" sz="900" dirty="0">
-              <a:solidFill>
-                <a:srgbClr val="000000"/>
-              </a:solidFill>
-              <a:latin typeface="Courier New" panose="02070309020205020404" pitchFamily="49" charset="0"/>
-              <a:cs typeface="Courier New" panose="02070309020205020404" pitchFamily="49" charset="0"/>
-            </a:endParaRPr>
           </a:p>
         </p:txBody>
       </p:sp>
@@ -21063,13 +20449,6 @@
               </a:rPr>
               <a:t>DIGIT_SEL</a:t>
             </a:r>
-            <a:endParaRPr lang="en-US" sz="900" dirty="0">
-              <a:solidFill>
-                <a:srgbClr val="000000"/>
-              </a:solidFill>
-              <a:latin typeface="Courier New" panose="02070309020205020404" pitchFamily="49" charset="0"/>
-              <a:cs typeface="Courier New" panose="02070309020205020404" pitchFamily="49" charset="0"/>
-            </a:endParaRPr>
           </a:p>
         </p:txBody>
       </p:sp>
@@ -21240,13 +20619,6 @@
               </a:rPr>
               <a:t>1’b1</a:t>
             </a:r>
-            <a:endParaRPr lang="en-US" sz="900" dirty="0">
-              <a:solidFill>
-                <a:srgbClr val="000000"/>
-              </a:solidFill>
-              <a:latin typeface="Courier New" panose="02070309020205020404" pitchFamily="49" charset="0"/>
-              <a:cs typeface="Courier New" panose="02070309020205020404" pitchFamily="49" charset="0"/>
-            </a:endParaRPr>
           </a:p>
         </p:txBody>
       </p:sp>
@@ -21299,13 +20671,6 @@
               </a:rPr>
               <a:t>1’b0</a:t>
             </a:r>
-            <a:endParaRPr lang="en-US" sz="900" dirty="0">
-              <a:solidFill>
-                <a:srgbClr val="000000"/>
-              </a:solidFill>
-              <a:latin typeface="Courier New" panose="02070309020205020404" pitchFamily="49" charset="0"/>
-              <a:cs typeface="Courier New" panose="02070309020205020404" pitchFamily="49" charset="0"/>
-            </a:endParaRPr>
           </a:p>
         </p:txBody>
       </p:sp>
@@ -21548,13 +20913,6 @@
               </a:rPr>
               <a:t>4</a:t>
             </a:r>
-            <a:endParaRPr lang="en-US" sz="900" dirty="0">
-              <a:solidFill>
-                <a:srgbClr val="000000"/>
-              </a:solidFill>
-              <a:latin typeface="Courier New" panose="02070309020205020404" pitchFamily="49" charset="0"/>
-              <a:cs typeface="Courier New" panose="02070309020205020404" pitchFamily="49" charset="0"/>
-            </a:endParaRPr>
           </a:p>
         </p:txBody>
       </p:sp>
@@ -21645,13 +21003,6 @@
               </a:rPr>
               <a:t>8</a:t>
             </a:r>
-            <a:endParaRPr lang="en-US" sz="900" dirty="0">
-              <a:solidFill>
-                <a:srgbClr val="000000"/>
-              </a:solidFill>
-              <a:latin typeface="Courier New" panose="02070309020205020404" pitchFamily="49" charset="0"/>
-              <a:cs typeface="Courier New" panose="02070309020205020404" pitchFamily="49" charset="0"/>
-            </a:endParaRPr>
           </a:p>
         </p:txBody>
       </p:sp>
@@ -21763,13 +21114,6 @@
               </a:rPr>
               <a:t>dig</a:t>
             </a:r>
-            <a:endParaRPr lang="en-US" sz="900" dirty="0">
-              <a:solidFill>
-                <a:srgbClr val="000000"/>
-              </a:solidFill>
-              <a:latin typeface="Courier New" panose="02070309020205020404" pitchFamily="49" charset="0"/>
-              <a:cs typeface="Courier New" panose="02070309020205020404" pitchFamily="49" charset="0"/>
-            </a:endParaRPr>
           </a:p>
         </p:txBody>
       </p:sp>
@@ -21948,6 +21292,484 @@
               </a:rPr>
               <a:t>CLK</a:t>
             </a:r>
+          </a:p>
+        </p:txBody>
+      </p:sp>
+      <p:cxnSp>
+        <p:nvCxnSpPr>
+          <p:cNvPr id="442" name="Straight Connector 441"/>
+          <p:cNvCxnSpPr/>
+          <p:nvPr/>
+        </p:nvCxnSpPr>
+        <p:spPr>
+          <a:xfrm flipV="1">
+            <a:off x="5029200" y="10515600"/>
+            <a:ext cx="152399" cy="152399"/>
+          </a:xfrm>
+          <a:prstGeom prst="line">
+            <a:avLst/>
+          </a:prstGeom>
+          <a:ln w="12700">
+            <a:solidFill>
+              <a:srgbClr val="000000"/>
+            </a:solidFill>
+            <a:headEnd type="none" w="med" len="med"/>
+            <a:tailEnd type="none" w="med" len="med"/>
+          </a:ln>
+        </p:spPr>
+        <p:style>
+          <a:lnRef idx="1">
+            <a:schemeClr val="accent1"/>
+          </a:lnRef>
+          <a:fillRef idx="0">
+            <a:schemeClr val="accent1"/>
+          </a:fillRef>
+          <a:effectRef idx="0">
+            <a:schemeClr val="accent1"/>
+          </a:effectRef>
+          <a:fontRef idx="minor">
+            <a:schemeClr val="tx1"/>
+          </a:fontRef>
+        </p:style>
+      </p:cxnSp>
+      <p:sp>
+        <p:nvSpPr>
+          <p:cNvPr id="443" name="Rectangle 442"/>
+          <p:cNvSpPr/>
+          <p:nvPr/>
+        </p:nvSpPr>
+        <p:spPr>
+          <a:xfrm>
+            <a:off x="5029200" y="10439399"/>
+            <a:ext cx="152399" cy="76201"/>
+          </a:xfrm>
+          <a:prstGeom prst="rect">
+            <a:avLst/>
+          </a:prstGeom>
+          <a:noFill/>
+          <a:ln>
+            <a:noFill/>
+          </a:ln>
+        </p:spPr>
+        <p:style>
+          <a:lnRef idx="2">
+            <a:schemeClr val="accent1">
+              <a:shade val="50000"/>
+            </a:schemeClr>
+          </a:lnRef>
+          <a:fillRef idx="1">
+            <a:schemeClr val="accent1"/>
+          </a:fillRef>
+          <a:effectRef idx="0">
+            <a:schemeClr val="accent1"/>
+          </a:effectRef>
+          <a:fontRef idx="minor">
+            <a:schemeClr val="lt1"/>
+          </a:fontRef>
+        </p:style>
+        <p:txBody>
+          <a:bodyPr wrap="none" lIns="45720" rIns="45720" rtlCol="0" anchor="ctr"/>
+          <a:lstStyle/>
+          <a:p>
+            <a:pPr algn="ctr"/>
+            <a:r>
+              <a:rPr lang="en-US" sz="900" dirty="0" smtClean="0">
+                <a:solidFill>
+                  <a:srgbClr val="000000"/>
+                </a:solidFill>
+                <a:latin typeface="Courier New" panose="02070309020205020404" pitchFamily="49" charset="0"/>
+                <a:cs typeface="Courier New" panose="02070309020205020404" pitchFamily="49" charset="0"/>
+              </a:rPr>
+              <a:t>1</a:t>
+            </a:r>
+            <a:endParaRPr lang="en-US" sz="900" dirty="0">
+              <a:solidFill>
+                <a:srgbClr val="000000"/>
+              </a:solidFill>
+              <a:latin typeface="Courier New" panose="02070309020205020404" pitchFamily="49" charset="0"/>
+              <a:cs typeface="Courier New" panose="02070309020205020404" pitchFamily="49" charset="0"/>
+            </a:endParaRPr>
+          </a:p>
+        </p:txBody>
+      </p:sp>
+      <p:sp>
+        <p:nvSpPr>
+          <p:cNvPr id="444" name="Rectangle 443"/>
+          <p:cNvSpPr/>
+          <p:nvPr/>
+        </p:nvSpPr>
+        <p:spPr>
+          <a:xfrm>
+            <a:off x="4191000" y="10439400"/>
+            <a:ext cx="457200" cy="152399"/>
+          </a:xfrm>
+          <a:prstGeom prst="rect">
+            <a:avLst/>
+          </a:prstGeom>
+          <a:noFill/>
+          <a:ln>
+            <a:noFill/>
+          </a:ln>
+        </p:spPr>
+        <p:style>
+          <a:lnRef idx="2">
+            <a:schemeClr val="accent1">
+              <a:shade val="50000"/>
+            </a:schemeClr>
+          </a:lnRef>
+          <a:fillRef idx="1">
+            <a:schemeClr val="accent1"/>
+          </a:fillRef>
+          <a:effectRef idx="0">
+            <a:schemeClr val="accent1"/>
+          </a:effectRef>
+          <a:fontRef idx="minor">
+            <a:schemeClr val="lt1"/>
+          </a:fontRef>
+        </p:style>
+        <p:txBody>
+          <a:bodyPr wrap="none" lIns="45720" rIns="45720" rtlCol="0" anchor="ctr"/>
+          <a:lstStyle/>
+          <a:p>
+            <a:r>
+              <a:rPr lang="en-US" sz="900" dirty="0" smtClean="0">
+                <a:solidFill>
+                  <a:srgbClr val="000000"/>
+                </a:solidFill>
+                <a:latin typeface="Courier New" panose="02070309020205020404" pitchFamily="49" charset="0"/>
+                <a:cs typeface="Courier New" panose="02070309020205020404" pitchFamily="49" charset="0"/>
+              </a:rPr>
+              <a:t>s</a:t>
+            </a:r>
+            <a:r>
+              <a:rPr lang="en-US" sz="900" dirty="0" smtClean="0">
+                <a:solidFill>
+                  <a:srgbClr val="000000"/>
+                </a:solidFill>
+                <a:latin typeface="Courier New" panose="02070309020205020404" pitchFamily="49" charset="0"/>
+                <a:cs typeface="Courier New" panose="02070309020205020404" pitchFamily="49" charset="0"/>
+              </a:rPr>
+              <a:t>_cnt0</a:t>
+            </a:r>
+            <a:endParaRPr lang="en-US" sz="900" dirty="0">
+              <a:solidFill>
+                <a:srgbClr val="000000"/>
+              </a:solidFill>
+              <a:latin typeface="Courier New" panose="02070309020205020404" pitchFamily="49" charset="0"/>
+              <a:cs typeface="Courier New" panose="02070309020205020404" pitchFamily="49" charset="0"/>
+            </a:endParaRPr>
+          </a:p>
+        </p:txBody>
+      </p:sp>
+      <p:cxnSp>
+        <p:nvCxnSpPr>
+          <p:cNvPr id="445" name="Straight Connector 444"/>
+          <p:cNvCxnSpPr/>
+          <p:nvPr/>
+        </p:nvCxnSpPr>
+        <p:spPr>
+          <a:xfrm flipV="1">
+            <a:off x="5029200" y="8534400"/>
+            <a:ext cx="152399" cy="152399"/>
+          </a:xfrm>
+          <a:prstGeom prst="line">
+            <a:avLst/>
+          </a:prstGeom>
+          <a:ln w="12700">
+            <a:solidFill>
+              <a:srgbClr val="000000"/>
+            </a:solidFill>
+            <a:headEnd type="none" w="med" len="med"/>
+            <a:tailEnd type="none" w="med" len="med"/>
+          </a:ln>
+        </p:spPr>
+        <p:style>
+          <a:lnRef idx="1">
+            <a:schemeClr val="accent1"/>
+          </a:lnRef>
+          <a:fillRef idx="0">
+            <a:schemeClr val="accent1"/>
+          </a:fillRef>
+          <a:effectRef idx="0">
+            <a:schemeClr val="accent1"/>
+          </a:effectRef>
+          <a:fontRef idx="minor">
+            <a:schemeClr val="tx1"/>
+          </a:fontRef>
+        </p:style>
+      </p:cxnSp>
+      <p:sp>
+        <p:nvSpPr>
+          <p:cNvPr id="446" name="Rectangle 445"/>
+          <p:cNvSpPr/>
+          <p:nvPr/>
+        </p:nvSpPr>
+        <p:spPr>
+          <a:xfrm>
+            <a:off x="5029200" y="8458199"/>
+            <a:ext cx="152399" cy="76201"/>
+          </a:xfrm>
+          <a:prstGeom prst="rect">
+            <a:avLst/>
+          </a:prstGeom>
+          <a:noFill/>
+          <a:ln>
+            <a:noFill/>
+          </a:ln>
+        </p:spPr>
+        <p:style>
+          <a:lnRef idx="2">
+            <a:schemeClr val="accent1">
+              <a:shade val="50000"/>
+            </a:schemeClr>
+          </a:lnRef>
+          <a:fillRef idx="1">
+            <a:schemeClr val="accent1"/>
+          </a:fillRef>
+          <a:effectRef idx="0">
+            <a:schemeClr val="accent1"/>
+          </a:effectRef>
+          <a:fontRef idx="minor">
+            <a:schemeClr val="lt1"/>
+          </a:fontRef>
+        </p:style>
+        <p:txBody>
+          <a:bodyPr wrap="none" lIns="45720" rIns="45720" rtlCol="0" anchor="ctr"/>
+          <a:lstStyle/>
+          <a:p>
+            <a:pPr algn="ctr"/>
+            <a:r>
+              <a:rPr lang="en-US" sz="900" dirty="0" smtClean="0">
+                <a:solidFill>
+                  <a:srgbClr val="000000"/>
+                </a:solidFill>
+                <a:latin typeface="Courier New" panose="02070309020205020404" pitchFamily="49" charset="0"/>
+                <a:cs typeface="Courier New" panose="02070309020205020404" pitchFamily="49" charset="0"/>
+              </a:rPr>
+              <a:t>2</a:t>
+            </a:r>
+            <a:endParaRPr lang="en-US" sz="900" dirty="0">
+              <a:solidFill>
+                <a:srgbClr val="000000"/>
+              </a:solidFill>
+              <a:latin typeface="Courier New" panose="02070309020205020404" pitchFamily="49" charset="0"/>
+              <a:cs typeface="Courier New" panose="02070309020205020404" pitchFamily="49" charset="0"/>
+            </a:endParaRPr>
+          </a:p>
+        </p:txBody>
+      </p:sp>
+      <p:sp>
+        <p:nvSpPr>
+          <p:cNvPr id="447" name="Rectangle 446"/>
+          <p:cNvSpPr/>
+          <p:nvPr/>
+        </p:nvSpPr>
+        <p:spPr>
+          <a:xfrm>
+            <a:off x="3505200" y="8458200"/>
+            <a:ext cx="457200" cy="152399"/>
+          </a:xfrm>
+          <a:prstGeom prst="rect">
+            <a:avLst/>
+          </a:prstGeom>
+          <a:noFill/>
+          <a:ln>
+            <a:noFill/>
+          </a:ln>
+        </p:spPr>
+        <p:style>
+          <a:lnRef idx="2">
+            <a:schemeClr val="accent1">
+              <a:shade val="50000"/>
+            </a:schemeClr>
+          </a:lnRef>
+          <a:fillRef idx="1">
+            <a:schemeClr val="accent1"/>
+          </a:fillRef>
+          <a:effectRef idx="0">
+            <a:schemeClr val="accent1"/>
+          </a:effectRef>
+          <a:fontRef idx="minor">
+            <a:schemeClr val="lt1"/>
+          </a:fontRef>
+        </p:style>
+        <p:txBody>
+          <a:bodyPr wrap="none" lIns="45720" rIns="45720" rtlCol="0" anchor="ctr"/>
+          <a:lstStyle/>
+          <a:p>
+            <a:r>
+              <a:rPr lang="en-US" sz="900" dirty="0" err="1" smtClean="0">
+                <a:solidFill>
+                  <a:srgbClr val="000000"/>
+                </a:solidFill>
+                <a:latin typeface="Courier New" panose="02070309020205020404" pitchFamily="49" charset="0"/>
+                <a:cs typeface="Courier New" panose="02070309020205020404" pitchFamily="49" charset="0"/>
+              </a:rPr>
+              <a:t>p_cnt_next</a:t>
+            </a:r>
+            <a:endParaRPr lang="en-US" sz="900" dirty="0">
+              <a:solidFill>
+                <a:srgbClr val="000000"/>
+              </a:solidFill>
+              <a:latin typeface="Courier New" panose="02070309020205020404" pitchFamily="49" charset="0"/>
+              <a:cs typeface="Courier New" panose="02070309020205020404" pitchFamily="49" charset="0"/>
+            </a:endParaRPr>
+          </a:p>
+        </p:txBody>
+      </p:sp>
+      <p:cxnSp>
+        <p:nvCxnSpPr>
+          <p:cNvPr id="448" name="Straight Connector 447"/>
+          <p:cNvCxnSpPr/>
+          <p:nvPr/>
+        </p:nvCxnSpPr>
+        <p:spPr>
+          <a:xfrm flipV="1">
+            <a:off x="12115800" y="5638800"/>
+            <a:ext cx="152400" cy="152400"/>
+          </a:xfrm>
+          <a:prstGeom prst="line">
+            <a:avLst/>
+          </a:prstGeom>
+          <a:ln w="12700">
+            <a:solidFill>
+              <a:srgbClr val="000000"/>
+            </a:solidFill>
+            <a:headEnd type="none" w="med" len="med"/>
+            <a:tailEnd type="none" w="med" len="med"/>
+          </a:ln>
+        </p:spPr>
+        <p:style>
+          <a:lnRef idx="1">
+            <a:schemeClr val="accent1"/>
+          </a:lnRef>
+          <a:fillRef idx="0">
+            <a:schemeClr val="accent1"/>
+          </a:fillRef>
+          <a:effectRef idx="0">
+            <a:schemeClr val="accent1"/>
+          </a:effectRef>
+          <a:fontRef idx="minor">
+            <a:schemeClr val="tx1"/>
+          </a:fontRef>
+        </p:style>
+      </p:cxnSp>
+      <p:sp>
+        <p:nvSpPr>
+          <p:cNvPr id="449" name="Rectangle 448"/>
+          <p:cNvSpPr/>
+          <p:nvPr/>
+        </p:nvSpPr>
+        <p:spPr>
+          <a:xfrm>
+            <a:off x="12115800" y="5562602"/>
+            <a:ext cx="152400" cy="76199"/>
+          </a:xfrm>
+          <a:prstGeom prst="rect">
+            <a:avLst/>
+          </a:prstGeom>
+          <a:noFill/>
+          <a:ln>
+            <a:noFill/>
+          </a:ln>
+        </p:spPr>
+        <p:style>
+          <a:lnRef idx="2">
+            <a:schemeClr val="accent1">
+              <a:shade val="50000"/>
+            </a:schemeClr>
+          </a:lnRef>
+          <a:fillRef idx="1">
+            <a:schemeClr val="accent1"/>
+          </a:fillRef>
+          <a:effectRef idx="0">
+            <a:schemeClr val="accent1"/>
+          </a:effectRef>
+          <a:fontRef idx="minor">
+            <a:schemeClr val="lt1"/>
+          </a:fontRef>
+        </p:style>
+        <p:txBody>
+          <a:bodyPr wrap="none" lIns="45720" rIns="45720" rtlCol="0" anchor="ctr"/>
+          <a:lstStyle/>
+          <a:p>
+            <a:pPr algn="ctr"/>
+            <a:r>
+              <a:rPr lang="en-US" sz="900" dirty="0" smtClean="0">
+                <a:solidFill>
+                  <a:srgbClr val="000000"/>
+                </a:solidFill>
+                <a:latin typeface="Courier New" panose="02070309020205020404" pitchFamily="49" charset="0"/>
+                <a:cs typeface="Courier New" panose="02070309020205020404" pitchFamily="49" charset="0"/>
+              </a:rPr>
+              <a:t>28</a:t>
+            </a:r>
+            <a:endParaRPr lang="en-US" sz="900" dirty="0">
+              <a:solidFill>
+                <a:srgbClr val="000000"/>
+              </a:solidFill>
+              <a:latin typeface="Courier New" panose="02070309020205020404" pitchFamily="49" charset="0"/>
+              <a:cs typeface="Courier New" panose="02070309020205020404" pitchFamily="49" charset="0"/>
+            </a:endParaRPr>
+          </a:p>
+        </p:txBody>
+      </p:sp>
+      <p:sp>
+        <p:nvSpPr>
+          <p:cNvPr id="450" name="Rectangle 449"/>
+          <p:cNvSpPr/>
+          <p:nvPr/>
+        </p:nvSpPr>
+        <p:spPr>
+          <a:xfrm>
+            <a:off x="12344400" y="5562600"/>
+            <a:ext cx="457200" cy="152400"/>
+          </a:xfrm>
+          <a:prstGeom prst="rect">
+            <a:avLst/>
+          </a:prstGeom>
+          <a:noFill/>
+          <a:ln>
+            <a:noFill/>
+          </a:ln>
+        </p:spPr>
+        <p:style>
+          <a:lnRef idx="2">
+            <a:schemeClr val="accent1">
+              <a:shade val="50000"/>
+            </a:schemeClr>
+          </a:lnRef>
+          <a:fillRef idx="1">
+            <a:schemeClr val="accent1"/>
+          </a:fillRef>
+          <a:effectRef idx="0">
+            <a:schemeClr val="accent1"/>
+          </a:effectRef>
+          <a:fontRef idx="minor">
+            <a:schemeClr val="lt1"/>
+          </a:fontRef>
+        </p:style>
+        <p:txBody>
+          <a:bodyPr wrap="none" lIns="45720" rIns="45720" rtlCol="0" anchor="ctr"/>
+          <a:lstStyle/>
+          <a:p>
+            <a:r>
+              <a:rPr lang="en-US" sz="900" dirty="0" err="1" smtClean="0">
+                <a:solidFill>
+                  <a:srgbClr val="000000"/>
+                </a:solidFill>
+                <a:latin typeface="Courier New" panose="02070309020205020404" pitchFamily="49" charset="0"/>
+                <a:cs typeface="Courier New" panose="02070309020205020404" pitchFamily="49" charset="0"/>
+              </a:rPr>
+              <a:t>digmux</a:t>
+            </a:r>
+            <a:endParaRPr lang="en-US" sz="900" dirty="0">
+              <a:solidFill>
+                <a:srgbClr val="000000"/>
+              </a:solidFill>
+              <a:latin typeface="Courier New" panose="02070309020205020404" pitchFamily="49" charset="0"/>
+              <a:cs typeface="Courier New" panose="02070309020205020404" pitchFamily="49" charset="0"/>
+            </a:endParaRPr>
           </a:p>
         </p:txBody>
       </p:sp>
